--- a/media/JobFinder.pptx
+++ b/media/JobFinder.pptx
@@ -5,61 +5,62 @@
     <p:sldMasterId id="2147483684" r:id="rId2"/>
   </p:sldMasterIdLst>
   <p:notesMasterIdLst>
-    <p:notesMasterId r:id="rId52"/>
+    <p:notesMasterId r:id="rId53"/>
   </p:notesMasterIdLst>
   <p:handoutMasterIdLst>
-    <p:handoutMasterId r:id="rId53"/>
+    <p:handoutMasterId r:id="rId54"/>
   </p:handoutMasterIdLst>
   <p:sldIdLst>
     <p:sldId id="265" r:id="rId3"/>
     <p:sldId id="266" r:id="rId4"/>
     <p:sldId id="267" r:id="rId5"/>
     <p:sldId id="268" r:id="rId6"/>
-    <p:sldId id="324" r:id="rId7"/>
-    <p:sldId id="325" r:id="rId8"/>
-    <p:sldId id="269" r:id="rId9"/>
-    <p:sldId id="270" r:id="rId10"/>
-    <p:sldId id="271" r:id="rId11"/>
-    <p:sldId id="272" r:id="rId12"/>
-    <p:sldId id="273" r:id="rId13"/>
-    <p:sldId id="274" r:id="rId14"/>
-    <p:sldId id="275" r:id="rId15"/>
-    <p:sldId id="276" r:id="rId16"/>
-    <p:sldId id="277" r:id="rId17"/>
-    <p:sldId id="278" r:id="rId18"/>
-    <p:sldId id="279" r:id="rId19"/>
-    <p:sldId id="280" r:id="rId20"/>
-    <p:sldId id="331" r:id="rId21"/>
-    <p:sldId id="281" r:id="rId22"/>
-    <p:sldId id="282" r:id="rId23"/>
-    <p:sldId id="283" r:id="rId24"/>
-    <p:sldId id="284" r:id="rId25"/>
-    <p:sldId id="285" r:id="rId26"/>
-    <p:sldId id="286" r:id="rId27"/>
-    <p:sldId id="327" r:id="rId28"/>
-    <p:sldId id="287" r:id="rId29"/>
-    <p:sldId id="288" r:id="rId30"/>
-    <p:sldId id="328" r:id="rId31"/>
-    <p:sldId id="289" r:id="rId32"/>
-    <p:sldId id="290" r:id="rId33"/>
-    <p:sldId id="291" r:id="rId34"/>
-    <p:sldId id="329" r:id="rId35"/>
-    <p:sldId id="292" r:id="rId36"/>
-    <p:sldId id="293" r:id="rId37"/>
-    <p:sldId id="294" r:id="rId38"/>
-    <p:sldId id="295" r:id="rId39"/>
-    <p:sldId id="296" r:id="rId40"/>
-    <p:sldId id="297" r:id="rId41"/>
-    <p:sldId id="298" r:id="rId42"/>
-    <p:sldId id="299" r:id="rId43"/>
-    <p:sldId id="300" r:id="rId44"/>
-    <p:sldId id="301" r:id="rId45"/>
-    <p:sldId id="302" r:id="rId46"/>
-    <p:sldId id="303" r:id="rId47"/>
-    <p:sldId id="330" r:id="rId48"/>
-    <p:sldId id="304" r:id="rId49"/>
-    <p:sldId id="305" r:id="rId50"/>
-    <p:sldId id="306" r:id="rId51"/>
+    <p:sldId id="332" r:id="rId7"/>
+    <p:sldId id="324" r:id="rId8"/>
+    <p:sldId id="325" r:id="rId9"/>
+    <p:sldId id="269" r:id="rId10"/>
+    <p:sldId id="270" r:id="rId11"/>
+    <p:sldId id="271" r:id="rId12"/>
+    <p:sldId id="272" r:id="rId13"/>
+    <p:sldId id="273" r:id="rId14"/>
+    <p:sldId id="274" r:id="rId15"/>
+    <p:sldId id="275" r:id="rId16"/>
+    <p:sldId id="276" r:id="rId17"/>
+    <p:sldId id="333" r:id="rId18"/>
+    <p:sldId id="277" r:id="rId19"/>
+    <p:sldId id="278" r:id="rId20"/>
+    <p:sldId id="279" r:id="rId21"/>
+    <p:sldId id="280" r:id="rId22"/>
+    <p:sldId id="331" r:id="rId23"/>
+    <p:sldId id="281" r:id="rId24"/>
+    <p:sldId id="282" r:id="rId25"/>
+    <p:sldId id="283" r:id="rId26"/>
+    <p:sldId id="284" r:id="rId27"/>
+    <p:sldId id="285" r:id="rId28"/>
+    <p:sldId id="286" r:id="rId29"/>
+    <p:sldId id="327" r:id="rId30"/>
+    <p:sldId id="288" r:id="rId31"/>
+    <p:sldId id="328" r:id="rId32"/>
+    <p:sldId id="289" r:id="rId33"/>
+    <p:sldId id="290" r:id="rId34"/>
+    <p:sldId id="291" r:id="rId35"/>
+    <p:sldId id="329" r:id="rId36"/>
+    <p:sldId id="292" r:id="rId37"/>
+    <p:sldId id="293" r:id="rId38"/>
+    <p:sldId id="294" r:id="rId39"/>
+    <p:sldId id="295" r:id="rId40"/>
+    <p:sldId id="296" r:id="rId41"/>
+    <p:sldId id="297" r:id="rId42"/>
+    <p:sldId id="298" r:id="rId43"/>
+    <p:sldId id="299" r:id="rId44"/>
+    <p:sldId id="300" r:id="rId45"/>
+    <p:sldId id="301" r:id="rId46"/>
+    <p:sldId id="302" r:id="rId47"/>
+    <p:sldId id="303" r:id="rId48"/>
+    <p:sldId id="330" r:id="rId49"/>
+    <p:sldId id="304" r:id="rId50"/>
+    <p:sldId id="305" r:id="rId51"/>
+    <p:sldId id="306" r:id="rId52"/>
   </p:sldIdLst>
   <p:sldSz cx="12192000" cy="6858000"/>
   <p:notesSz cx="6858000" cy="9144000"/>
@@ -262,7 +263,7 @@
           <a:p>
             <a:fld id="{41658A34-83F4-4B2E-BC5A-DE51EE8822F9}" type="datetimeFigureOut">
               <a:rPr lang="en-US" smtClean="0"/>
-              <a:t>10/21/2014</a:t>
+              <a:t>11/19/2014</a:t>
             </a:fld>
             <a:endParaRPr lang="en-US"/>
           </a:p>
@@ -427,7 +428,7 @@
           <a:p>
             <a:fld id="{7F2E1917-0BAF-4687-978A-82FFF05559C3}" type="datetimeFigureOut">
               <a:rPr lang="en-US" smtClean="0"/>
-              <a:t>10/21/2014</a:t>
+              <a:t>11/19/2014</a:t>
             </a:fld>
             <a:endParaRPr lang="en-US"/>
           </a:p>
@@ -729,7 +730,7 @@
           <a:p>
             <a:fld id="{84EAB7D7-3608-4730-B2E2-670834DF882C}" type="datetimeFigureOut">
               <a:rPr lang="en-US" smtClean="0"/>
-              <a:t>10/21/2014</a:t>
+              <a:t>11/19/2014</a:t>
             </a:fld>
             <a:endParaRPr lang="en-US"/>
           </a:p>
@@ -937,7 +938,7 @@
           <a:p>
             <a:fld id="{84EAB7D7-3608-4730-B2E2-670834DF882C}" type="datetimeFigureOut">
               <a:rPr lang="en-US" smtClean="0"/>
-              <a:t>10/21/2014</a:t>
+              <a:t>11/19/2014</a:t>
             </a:fld>
             <a:endParaRPr lang="en-US"/>
           </a:p>
@@ -1124,7 +1125,7 @@
           <a:p>
             <a:fld id="{84EAB7D7-3608-4730-B2E2-670834DF882C}" type="datetimeFigureOut">
               <a:rPr lang="en-US" smtClean="0"/>
-              <a:t>10/21/2014</a:t>
+              <a:t>11/19/2014</a:t>
             </a:fld>
             <a:endParaRPr lang="en-US"/>
           </a:p>
@@ -1316,7 +1317,7 @@
           <a:p>
             <a:fld id="{84EAB7D7-3608-4730-B2E2-670834DF882C}" type="datetimeFigureOut">
               <a:rPr lang="en-US" smtClean="0"/>
-              <a:t>10/21/2014</a:t>
+              <a:t>11/19/2014</a:t>
             </a:fld>
             <a:endParaRPr lang="en-US"/>
           </a:p>
@@ -1585,7 +1586,7 @@
           <a:p>
             <a:fld id="{84EAB7D7-3608-4730-B2E2-670834DF882C}" type="datetimeFigureOut">
               <a:rPr lang="en-US" smtClean="0"/>
-              <a:t>10/21/2014</a:t>
+              <a:t>11/19/2014</a:t>
             </a:fld>
             <a:endParaRPr lang="en-US"/>
           </a:p>
@@ -1767,7 +1768,7 @@
           <a:p>
             <a:fld id="{84EAB7D7-3608-4730-B2E2-670834DF882C}" type="datetimeFigureOut">
               <a:rPr lang="en-US" smtClean="0"/>
-              <a:t>10/21/2014</a:t>
+              <a:t>11/19/2014</a:t>
             </a:fld>
             <a:endParaRPr lang="en-US"/>
           </a:p>
@@ -1971,7 +1972,7 @@
           <a:p>
             <a:fld id="{84EAB7D7-3608-4730-B2E2-670834DF882C}" type="datetimeFigureOut">
               <a:rPr lang="en-US" smtClean="0"/>
-              <a:t>10/21/2014</a:t>
+              <a:t>11/19/2014</a:t>
             </a:fld>
             <a:endParaRPr lang="en-US"/>
           </a:p>
@@ -2271,7 +2272,7 @@
           <a:p>
             <a:fld id="{84EAB7D7-3608-4730-B2E2-670834DF882C}" type="datetimeFigureOut">
               <a:rPr lang="en-US" smtClean="0"/>
-              <a:t>10/21/2014</a:t>
+              <a:t>11/19/2014</a:t>
             </a:fld>
             <a:endParaRPr lang="en-US"/>
           </a:p>
@@ -2722,7 +2723,7 @@
           <a:p>
             <a:fld id="{84EAB7D7-3608-4730-B2E2-670834DF882C}" type="datetimeFigureOut">
               <a:rPr lang="en-US" smtClean="0"/>
-              <a:t>10/21/2014</a:t>
+              <a:t>11/19/2014</a:t>
             </a:fld>
             <a:endParaRPr lang="en-US"/>
           </a:p>
@@ -2852,7 +2853,7 @@
           <a:p>
             <a:fld id="{84EAB7D7-3608-4730-B2E2-670834DF882C}" type="datetimeFigureOut">
               <a:rPr lang="en-US" smtClean="0"/>
-              <a:t>10/21/2014</a:t>
+              <a:t>11/19/2014</a:t>
             </a:fld>
             <a:endParaRPr lang="en-US"/>
           </a:p>
@@ -2959,7 +2960,7 @@
           <a:p>
             <a:fld id="{84EAB7D7-3608-4730-B2E2-670834DF882C}" type="datetimeFigureOut">
               <a:rPr lang="en-US" smtClean="0"/>
-              <a:t>10/21/2014</a:t>
+              <a:t>11/19/2014</a:t>
             </a:fld>
             <a:endParaRPr lang="en-US"/>
           </a:p>
@@ -3248,7 +3249,7 @@
           <a:p>
             <a:fld id="{84EAB7D7-3608-4730-B2E2-670834DF882C}" type="datetimeFigureOut">
               <a:rPr lang="en-US" smtClean="0"/>
-              <a:t>10/21/2014</a:t>
+              <a:t>11/19/2014</a:t>
             </a:fld>
             <a:endParaRPr lang="en-US"/>
           </a:p>
@@ -3550,7 +3551,7 @@
             <a:fld id="{84EAB7D7-3608-4730-B2E2-670834DF882C}" type="datetimeFigureOut">
               <a:rPr lang="en-US" smtClean="0"/>
               <a:pPr/>
-              <a:t>10/21/2014</a:t>
+              <a:t>11/19/2014</a:t>
             </a:fld>
             <a:endParaRPr lang="en-US"/>
           </a:p>
@@ -4258,106 +4259,6 @@
       </p:grpSpPr>
       <p:sp>
         <p:nvSpPr>
-          <p:cNvPr id="2" name="Content Placeholder 1"/>
-          <p:cNvSpPr>
-            <a:spLocks noGrp="1"/>
-          </p:cNvSpPr>
-          <p:nvPr>
-            <p:ph idx="1"/>
-          </p:nvPr>
-        </p:nvSpPr>
-        <p:spPr/>
-        <p:txBody>
-          <a:bodyPr/>
-          <a:lstStyle/>
-          <a:p>
-            <a:r>
-              <a:rPr lang="en-US" dirty="0"/>
-              <a:t>r </a:t>
-            </a:r>
-            <a:r>
-              <a:rPr lang="en-US" dirty="0" smtClean="0"/>
-              <a:t>is the user‘s </a:t>
-            </a:r>
-            <a:r>
-              <a:rPr lang="en-US" dirty="0"/>
-              <a:t>resume </a:t>
-            </a:r>
-            <a:r>
-              <a:rPr lang="en-US" dirty="0" smtClean="0"/>
-              <a:t>model, </a:t>
-            </a:r>
-            <a:r>
-              <a:rPr lang="en-US" dirty="0" err="1"/>
-              <a:t>r</a:t>
-            </a:r>
-            <a:r>
-              <a:rPr lang="en-US" baseline="-25000" dirty="0" err="1"/>
-              <a:t>i</a:t>
-            </a:r>
-            <a:r>
-              <a:rPr lang="en-US" baseline="-25000" dirty="0"/>
-              <a:t> </a:t>
-            </a:r>
-            <a:r>
-              <a:rPr lang="en-US" baseline="-25000" dirty="0" smtClean="0"/>
-              <a:t> </a:t>
-            </a:r>
-            <a:r>
-              <a:rPr lang="en-US" dirty="0" smtClean="0"/>
-              <a:t>is the feature of r </a:t>
-            </a:r>
-          </a:p>
-          <a:p>
-            <a:r>
-              <a:rPr lang="en-US" dirty="0" smtClean="0"/>
-              <a:t>j is the job description model </a:t>
-            </a:r>
-            <a:r>
-              <a:rPr lang="en-US" dirty="0"/>
-              <a:t>, </a:t>
-            </a:r>
-            <a:r>
-              <a:rPr lang="en-US" dirty="0" err="1" smtClean="0"/>
-              <a:t>j</a:t>
-            </a:r>
-            <a:r>
-              <a:rPr lang="en-US" baseline="-25000" dirty="0" err="1" smtClean="0"/>
-              <a:t>i</a:t>
-            </a:r>
-            <a:r>
-              <a:rPr lang="en-US" baseline="-25000" dirty="0" smtClean="0"/>
-              <a:t>  </a:t>
-            </a:r>
-            <a:r>
-              <a:rPr lang="en-US" dirty="0"/>
-              <a:t>is the feature of </a:t>
-            </a:r>
-            <a:r>
-              <a:rPr lang="en-US" dirty="0" smtClean="0"/>
-              <a:t>j</a:t>
-            </a:r>
-          </a:p>
-          <a:p>
-            <a:r>
-              <a:rPr lang="en-US" dirty="0" smtClean="0"/>
-              <a:t> </a:t>
-            </a:r>
-            <a:endParaRPr lang="en-US" dirty="0"/>
-          </a:p>
-          <a:p>
-            <a:endParaRPr lang="en-US" dirty="0" smtClean="0"/>
-          </a:p>
-          <a:p>
-            <a:endParaRPr lang="en-US" dirty="0" smtClean="0"/>
-          </a:p>
-          <a:p>
-            <a:endParaRPr lang="en-US" dirty="0"/>
-          </a:p>
-        </p:txBody>
-      </p:sp>
-      <p:sp>
-        <p:nvSpPr>
           <p:cNvPr id="3" name="Title 2"/>
           <p:cNvSpPr>
             <a:spLocks noGrp="1"/>
@@ -4377,30 +4278,112 @@
           <a:lstStyle/>
           <a:p>
             <a:r>
-              <a:rPr lang="en-US" dirty="0"/>
-              <a:t>Problem Definition </a:t>
-            </a:r>
+              <a:rPr lang="en-US" dirty="0" smtClean="0"/>
+              <a:t>Problem Definition  </a:t>
+            </a:r>
+            <a:endParaRPr lang="en-US" dirty="0"/>
           </a:p>
         </p:txBody>
       </p:sp>
       <p:pic>
         <p:nvPicPr>
-          <p:cNvPr id="5" name="Picture 4"/>
+          <p:cNvPr id="4" name="Picture 6" descr="http://new-cdn.financialsamurai.com.s3.amazonaws.com/wp-content/uploads/2011/01/good_resume4.gif"/>
+          <p:cNvPicPr>
+            <a:picLocks noChangeAspect="1" noChangeArrowheads="1"/>
+          </p:cNvPicPr>
+          <p:nvPr/>
+        </p:nvPicPr>
+        <p:blipFill>
+          <a:blip r:embed="rId2">
+            <a:extLst>
+              <a:ext uri="{28A0092B-C50C-407E-A947-70E740481C1C}">
+                <a14:useLocalDpi xmlns:a14="http://schemas.microsoft.com/office/drawing/2010/main" val="0"/>
+              </a:ext>
+            </a:extLst>
+          </a:blip>
+          <a:srcRect/>
+          <a:stretch>
+            <a:fillRect/>
+          </a:stretch>
+        </p:blipFill>
+        <p:spPr bwMode="auto">
+          <a:xfrm>
+            <a:off x="599247" y="1690688"/>
+            <a:ext cx="3309813" cy="4766130"/>
+          </a:xfrm>
+          <a:prstGeom prst="rect">
+            <a:avLst/>
+          </a:prstGeom>
+          <a:noFill/>
+          <a:extLst>
+            <a:ext uri="{909E8E84-426E-40DD-AFC4-6F175D3DCCD1}">
+              <a14:hiddenFill xmlns:a14="http://schemas.microsoft.com/office/drawing/2010/main">
+                <a:solidFill>
+                  <a:srgbClr val="FFFFFF"/>
+                </a:solidFill>
+              </a14:hiddenFill>
+            </a:ext>
+          </a:extLst>
+        </p:spPr>
+      </p:pic>
+      <p:sp>
+        <p:nvSpPr>
+          <p:cNvPr id="5" name="左右箭头 16"/>
+          <p:cNvSpPr/>
+          <p:nvPr/>
+        </p:nvSpPr>
+        <p:spPr>
+          <a:xfrm>
+            <a:off x="3909060" y="3736366"/>
+            <a:ext cx="1216951" cy="513288"/>
+          </a:xfrm>
+          <a:prstGeom prst="leftRightArrow">
+            <a:avLst/>
+          </a:prstGeom>
+        </p:spPr>
+        <p:style>
+          <a:lnRef idx="2">
+            <a:schemeClr val="accent1">
+              <a:shade val="50000"/>
+            </a:schemeClr>
+          </a:lnRef>
+          <a:fillRef idx="1">
+            <a:schemeClr val="accent1"/>
+          </a:fillRef>
+          <a:effectRef idx="0">
+            <a:schemeClr val="accent1"/>
+          </a:effectRef>
+          <a:fontRef idx="minor">
+            <a:schemeClr val="lt1"/>
+          </a:fontRef>
+        </p:style>
+        <p:txBody>
+          <a:bodyPr rtlCol="0" anchor="ctr"/>
+          <a:lstStyle/>
+          <a:p>
+            <a:pPr algn="ctr"/>
+            <a:endParaRPr lang="en-US"/>
+          </a:p>
+        </p:txBody>
+      </p:sp>
+      <p:pic>
+        <p:nvPicPr>
+          <p:cNvPr id="6" name="Picture 5"/>
           <p:cNvPicPr>
             <a:picLocks noChangeAspect="1"/>
           </p:cNvPicPr>
           <p:nvPr/>
         </p:nvPicPr>
         <p:blipFill>
-          <a:blip r:embed="rId2"/>
+          <a:blip r:embed="rId3"/>
           <a:stretch>
             <a:fillRect/>
           </a:stretch>
         </p:blipFill>
         <p:spPr>
           <a:xfrm>
-            <a:off x="2034391" y="2948390"/>
-            <a:ext cx="7324725" cy="1476375"/>
+            <a:off x="5325303" y="1429286"/>
+            <a:ext cx="6991350" cy="5905500"/>
           </a:xfrm>
           <a:prstGeom prst="rect">
             <a:avLst/>
@@ -4410,7 +4393,7 @@
     </p:spTree>
     <p:extLst>
       <p:ext uri="{BB962C8B-B14F-4D97-AF65-F5344CB8AC3E}">
-        <p14:creationId xmlns:p14="http://schemas.microsoft.com/office/powerpoint/2010/main" val="2920081449"/>
+        <p14:creationId xmlns:p14="http://schemas.microsoft.com/office/powerpoint/2010/main" val="2265759838"/>
       </p:ext>
     </p:extLst>
   </p:cSld>
@@ -4466,44 +4449,83 @@
           <a:p>
             <a:r>
               <a:rPr lang="en-US" dirty="0"/>
-              <a:t>J is the set of jobs</a:t>
-            </a:r>
-          </a:p>
-          <a:p>
+              <a:t>r </a:t>
+            </a:r>
+            <a:r>
+              <a:rPr lang="en-US" dirty="0" smtClean="0"/>
+              <a:t>is the user‘s </a:t>
+            </a:r>
             <a:r>
               <a:rPr lang="en-US" dirty="0"/>
-              <a:t>Searching job    </a:t>
-            </a:r>
-            <a:r>
-              <a:rPr lang="en-US" dirty="0">
-                <a:sym typeface="Wingdings" panose="05000000000000000000" pitchFamily="2" charset="2"/>
-              </a:rPr>
-              <a:t>  search(r, J)   </a:t>
-            </a:r>
-            <a:endParaRPr lang="en-US" dirty="0" smtClean="0">
-              <a:sym typeface="Wingdings" panose="05000000000000000000" pitchFamily="2" charset="2"/>
-            </a:endParaRPr>
-          </a:p>
-          <a:p>
-            <a:r>
-              <a:rPr lang="en-US" dirty="0" smtClean="0">
-                <a:sym typeface="Wingdings" panose="05000000000000000000" pitchFamily="2" charset="2"/>
-              </a:rPr>
-              <a:t>Return   list of jobs in J ranked by </a:t>
-            </a:r>
-            <a:r>
-              <a:rPr lang="en-US" dirty="0" err="1" smtClean="0">
-                <a:sym typeface="Wingdings" panose="05000000000000000000" pitchFamily="2" charset="2"/>
-              </a:rPr>
-              <a:t>sim</a:t>
-            </a:r>
-            <a:r>
-              <a:rPr lang="en-US" dirty="0" smtClean="0">
-                <a:sym typeface="Wingdings" panose="05000000000000000000" pitchFamily="2" charset="2"/>
-              </a:rPr>
-              <a:t>(r, j )  </a:t>
+              <a:t>resume </a:t>
+            </a:r>
+            <a:r>
+              <a:rPr lang="en-US" dirty="0" smtClean="0"/>
+              <a:t>model, </a:t>
+            </a:r>
+            <a:r>
+              <a:rPr lang="en-US" dirty="0" err="1"/>
+              <a:t>r</a:t>
+            </a:r>
+            <a:r>
+              <a:rPr lang="en-US" baseline="-25000" dirty="0" err="1"/>
+              <a:t>i</a:t>
+            </a:r>
+            <a:r>
+              <a:rPr lang="en-US" baseline="-25000" dirty="0"/>
+              <a:t> </a:t>
+            </a:r>
+            <a:r>
+              <a:rPr lang="en-US" baseline="-25000" dirty="0" smtClean="0"/>
+              <a:t> </a:t>
+            </a:r>
+            <a:r>
+              <a:rPr lang="en-US" dirty="0" smtClean="0"/>
+              <a:t>is the feature of r </a:t>
+            </a:r>
+          </a:p>
+          <a:p>
+            <a:r>
+              <a:rPr lang="en-US" dirty="0" smtClean="0"/>
+              <a:t>j is the job description model </a:t>
+            </a:r>
+            <a:r>
+              <a:rPr lang="en-US" dirty="0"/>
+              <a:t>, </a:t>
+            </a:r>
+            <a:r>
+              <a:rPr lang="en-US" dirty="0" err="1" smtClean="0"/>
+              <a:t>j</a:t>
+            </a:r>
+            <a:r>
+              <a:rPr lang="en-US" baseline="-25000" dirty="0" err="1" smtClean="0"/>
+              <a:t>i</a:t>
+            </a:r>
+            <a:r>
+              <a:rPr lang="en-US" baseline="-25000" dirty="0" smtClean="0"/>
+              <a:t>  </a:t>
+            </a:r>
+            <a:r>
+              <a:rPr lang="en-US" dirty="0"/>
+              <a:t>is the feature of </a:t>
+            </a:r>
+            <a:r>
+              <a:rPr lang="en-US" dirty="0" smtClean="0"/>
+              <a:t>j</a:t>
+            </a:r>
+          </a:p>
+          <a:p>
+            <a:r>
+              <a:rPr lang="en-US" dirty="0" smtClean="0"/>
+              <a:t> </a:t>
             </a:r>
             <a:endParaRPr lang="en-US" dirty="0"/>
+          </a:p>
+          <a:p>
+            <a:endParaRPr lang="en-US" dirty="0" smtClean="0"/>
+          </a:p>
+          <a:p>
+            <a:endParaRPr lang="en-US" dirty="0" smtClean="0"/>
           </a:p>
           <a:p>
             <a:endParaRPr lang="en-US" dirty="0"/>
@@ -4537,10 +4559,34 @@
           </a:p>
         </p:txBody>
       </p:sp>
+      <p:pic>
+        <p:nvPicPr>
+          <p:cNvPr id="5" name="Picture 4"/>
+          <p:cNvPicPr>
+            <a:picLocks noChangeAspect="1"/>
+          </p:cNvPicPr>
+          <p:nvPr/>
+        </p:nvPicPr>
+        <p:blipFill>
+          <a:blip r:embed="rId2"/>
+          <a:stretch>
+            <a:fillRect/>
+          </a:stretch>
+        </p:blipFill>
+        <p:spPr>
+          <a:xfrm>
+            <a:off x="2034391" y="2948390"/>
+            <a:ext cx="7324725" cy="1476375"/>
+          </a:xfrm>
+          <a:prstGeom prst="rect">
+            <a:avLst/>
+          </a:prstGeom>
+        </p:spPr>
+      </p:pic>
     </p:spTree>
     <p:extLst>
       <p:ext uri="{BB962C8B-B14F-4D97-AF65-F5344CB8AC3E}">
-        <p14:creationId xmlns:p14="http://schemas.microsoft.com/office/powerpoint/2010/main" val="2175985691"/>
+        <p14:creationId xmlns:p14="http://schemas.microsoft.com/office/powerpoint/2010/main" val="2920081449"/>
       </p:ext>
     </p:extLst>
   </p:cSld>
@@ -4581,6 +4627,67 @@
       </p:grpSpPr>
       <p:sp>
         <p:nvSpPr>
+          <p:cNvPr id="2" name="Content Placeholder 1"/>
+          <p:cNvSpPr>
+            <a:spLocks noGrp="1"/>
+          </p:cNvSpPr>
+          <p:nvPr>
+            <p:ph idx="1"/>
+          </p:nvPr>
+        </p:nvSpPr>
+        <p:spPr/>
+        <p:txBody>
+          <a:bodyPr/>
+          <a:lstStyle/>
+          <a:p>
+            <a:r>
+              <a:rPr lang="en-US" dirty="0"/>
+              <a:t>J is the set of jobs</a:t>
+            </a:r>
+          </a:p>
+          <a:p>
+            <a:r>
+              <a:rPr lang="en-US" dirty="0"/>
+              <a:t>Searching job    </a:t>
+            </a:r>
+            <a:r>
+              <a:rPr lang="en-US" dirty="0">
+                <a:sym typeface="Wingdings" panose="05000000000000000000" pitchFamily="2" charset="2"/>
+              </a:rPr>
+              <a:t>  search(r, J)   </a:t>
+            </a:r>
+            <a:endParaRPr lang="en-US" dirty="0" smtClean="0">
+              <a:sym typeface="Wingdings" panose="05000000000000000000" pitchFamily="2" charset="2"/>
+            </a:endParaRPr>
+          </a:p>
+          <a:p>
+            <a:r>
+              <a:rPr lang="en-US" dirty="0" smtClean="0">
+                <a:sym typeface="Wingdings" panose="05000000000000000000" pitchFamily="2" charset="2"/>
+              </a:rPr>
+              <a:t>Return   list of jobs in J ranked by </a:t>
+            </a:r>
+            <a:r>
+              <a:rPr lang="en-US" dirty="0" err="1" smtClean="0">
+                <a:sym typeface="Wingdings" panose="05000000000000000000" pitchFamily="2" charset="2"/>
+              </a:rPr>
+              <a:t>sim</a:t>
+            </a:r>
+            <a:r>
+              <a:rPr lang="en-US" dirty="0" smtClean="0">
+                <a:sym typeface="Wingdings" panose="05000000000000000000" pitchFamily="2" charset="2"/>
+              </a:rPr>
+              <a:t>(r, j )  </a:t>
+            </a:r>
+            <a:endParaRPr lang="en-US" dirty="0"/>
+          </a:p>
+          <a:p>
+            <a:endParaRPr lang="en-US" dirty="0"/>
+          </a:p>
+        </p:txBody>
+      </p:sp>
+      <p:sp>
+        <p:nvSpPr>
           <p:cNvPr id="3" name="Title 2"/>
           <p:cNvSpPr>
             <a:spLocks noGrp="1"/>
@@ -4601,45 +4708,15 @@
           <a:p>
             <a:r>
               <a:rPr lang="en-US" dirty="0"/>
-              <a:t>System Architecture</a:t>
-            </a:r>
-          </a:p>
-        </p:txBody>
-      </p:sp>
-      <p:pic>
-        <p:nvPicPr>
-          <p:cNvPr id="4" name="Picture 3"/>
-          <p:cNvPicPr>
-            <a:picLocks noChangeAspect="1"/>
-          </p:cNvPicPr>
-          <p:nvPr/>
-        </p:nvPicPr>
-        <p:blipFill>
-          <a:blip r:embed="rId2">
-            <a:extLst>
-              <a:ext uri="{28A0092B-C50C-407E-A947-70E740481C1C}">
-                <a14:useLocalDpi xmlns:a14="http://schemas.microsoft.com/office/drawing/2010/main" val="0"/>
-              </a:ext>
-            </a:extLst>
-          </a:blip>
-          <a:stretch>
-            <a:fillRect/>
-          </a:stretch>
-        </p:blipFill>
-        <p:spPr>
-          <a:xfrm>
-            <a:off x="1562100" y="1821622"/>
-            <a:ext cx="7298565" cy="4464608"/>
-          </a:xfrm>
-          <a:prstGeom prst="rect">
-            <a:avLst/>
-          </a:prstGeom>
-        </p:spPr>
-      </p:pic>
+              <a:t>Problem Definition </a:t>
+            </a:r>
+          </a:p>
+        </p:txBody>
+      </p:sp>
     </p:spTree>
     <p:extLst>
       <p:ext uri="{BB962C8B-B14F-4D97-AF65-F5344CB8AC3E}">
-        <p14:creationId xmlns:p14="http://schemas.microsoft.com/office/powerpoint/2010/main" val="3820752642"/>
+        <p14:creationId xmlns:p14="http://schemas.microsoft.com/office/powerpoint/2010/main" val="2175985691"/>
       </p:ext>
     </p:extLst>
   </p:cSld>
@@ -4680,25 +4757,6 @@
       </p:grpSpPr>
       <p:sp>
         <p:nvSpPr>
-          <p:cNvPr id="2" name="Content Placeholder 1"/>
-          <p:cNvSpPr>
-            <a:spLocks noGrp="1"/>
-          </p:cNvSpPr>
-          <p:nvPr>
-            <p:ph idx="1"/>
-          </p:nvPr>
-        </p:nvSpPr>
-        <p:spPr/>
-        <p:txBody>
-          <a:bodyPr/>
-          <a:lstStyle/>
-          <a:p>
-            <a:endParaRPr lang="en-US" dirty="0"/>
-          </a:p>
-        </p:txBody>
-      </p:sp>
-      <p:sp>
-        <p:nvSpPr>
           <p:cNvPr id="3" name="Title 2"/>
           <p:cNvSpPr>
             <a:spLocks noGrp="1"/>
@@ -4719,20 +4777,45 @@
           <a:p>
             <a:r>
               <a:rPr lang="en-US" dirty="0"/>
-              <a:t>System </a:t>
-            </a:r>
-            <a:r>
-              <a:rPr lang="en-US" dirty="0" smtClean="0"/>
-              <a:t>Interface</a:t>
-            </a:r>
-            <a:endParaRPr lang="en-US" dirty="0"/>
-          </a:p>
-        </p:txBody>
-      </p:sp>
+              <a:t>System Architecture</a:t>
+            </a:r>
+          </a:p>
+        </p:txBody>
+      </p:sp>
+      <p:pic>
+        <p:nvPicPr>
+          <p:cNvPr id="5" name="Picture 4"/>
+          <p:cNvPicPr>
+            <a:picLocks noChangeAspect="1"/>
+          </p:cNvPicPr>
+          <p:nvPr/>
+        </p:nvPicPr>
+        <p:blipFill>
+          <a:blip r:embed="rId2">
+            <a:extLst>
+              <a:ext uri="{28A0092B-C50C-407E-A947-70E740481C1C}">
+                <a14:useLocalDpi xmlns:a14="http://schemas.microsoft.com/office/drawing/2010/main" val="0"/>
+              </a:ext>
+            </a:extLst>
+          </a:blip>
+          <a:stretch>
+            <a:fillRect/>
+          </a:stretch>
+        </p:blipFill>
+        <p:spPr>
+          <a:xfrm>
+            <a:off x="1562100" y="1690688"/>
+            <a:ext cx="6959959" cy="4697168"/>
+          </a:xfrm>
+          <a:prstGeom prst="rect">
+            <a:avLst/>
+          </a:prstGeom>
+        </p:spPr>
+      </p:pic>
     </p:spTree>
     <p:extLst>
       <p:ext uri="{BB962C8B-B14F-4D97-AF65-F5344CB8AC3E}">
-        <p14:creationId xmlns:p14="http://schemas.microsoft.com/office/powerpoint/2010/main" val="2403211607"/>
+        <p14:creationId xmlns:p14="http://schemas.microsoft.com/office/powerpoint/2010/main" val="3820752642"/>
       </p:ext>
     </p:extLst>
   </p:cSld>
@@ -4786,30 +4869,6 @@
           <a:bodyPr/>
           <a:lstStyle/>
           <a:p>
-            <a:r>
-              <a:rPr lang="en-US" dirty="0" smtClean="0"/>
-              <a:t>Users don’t like input personal information </a:t>
-            </a:r>
-          </a:p>
-          <a:p>
-            <a:r>
-              <a:rPr lang="en-US" dirty="0" smtClean="0"/>
-              <a:t>Recruiter </a:t>
-            </a:r>
-            <a:r>
-              <a:rPr lang="en-US" dirty="0"/>
-              <a:t>don’t like </a:t>
-            </a:r>
-            <a:r>
-              <a:rPr lang="en-US" dirty="0" smtClean="0"/>
-              <a:t>input job description in web forms </a:t>
-            </a:r>
-          </a:p>
-          <a:p>
-            <a:r>
-              <a:rPr lang="en-US" dirty="0" smtClean="0"/>
-              <a:t>We need extraction information from plaint text</a:t>
-            </a:r>
             <a:endParaRPr lang="en-US" dirty="0"/>
           </a:p>
         </p:txBody>
@@ -4835,8 +4894,12 @@
           <a:lstStyle/>
           <a:p>
             <a:r>
-              <a:rPr lang="en-US" dirty="0" smtClean="0"/>
-              <a:t>Get the models from Resumes and Jobs</a:t>
+              <a:rPr lang="en-US" dirty="0"/>
+              <a:t>System </a:t>
+            </a:r>
+            <a:r>
+              <a:rPr lang="en-US" dirty="0" smtClean="0"/>
+              <a:t>Interface</a:t>
             </a:r>
             <a:endParaRPr lang="en-US" dirty="0"/>
           </a:p>
@@ -4845,7 +4908,7 @@
     </p:spTree>
     <p:extLst>
       <p:ext uri="{BB962C8B-B14F-4D97-AF65-F5344CB8AC3E}">
-        <p14:creationId xmlns:p14="http://schemas.microsoft.com/office/powerpoint/2010/main" val="4012333047"/>
+        <p14:creationId xmlns:p14="http://schemas.microsoft.com/office/powerpoint/2010/main" val="2403211607"/>
       </p:ext>
     </p:extLst>
   </p:cSld>
@@ -4896,127 +4959,103 @@
         </p:nvSpPr>
         <p:spPr/>
         <p:txBody>
+          <a:bodyPr/>
+          <a:lstStyle/>
+          <a:p>
+            <a:r>
+              <a:rPr lang="en-US" dirty="0" smtClean="0"/>
+              <a:t>Ask users to input their profiles? </a:t>
+            </a:r>
+          </a:p>
+          <a:p>
+            <a:pPr lvl="1"/>
+            <a:r>
+              <a:rPr lang="en-US" dirty="0" smtClean="0"/>
+              <a:t>Users </a:t>
+            </a:r>
+            <a:r>
+              <a:rPr lang="en-US" dirty="0" smtClean="0"/>
+              <a:t>don’t like input personal information </a:t>
+            </a:r>
+          </a:p>
+          <a:p>
+            <a:pPr lvl="1"/>
+            <a:r>
+              <a:rPr lang="en-US" dirty="0" smtClean="0"/>
+              <a:t>Recruiter </a:t>
+            </a:r>
+            <a:r>
+              <a:rPr lang="en-US" dirty="0"/>
+              <a:t>don’t like </a:t>
+            </a:r>
+            <a:r>
+              <a:rPr lang="en-US" dirty="0" smtClean="0"/>
+              <a:t>input job description in web forms </a:t>
+            </a:r>
+          </a:p>
+          <a:p>
+            <a:r>
+              <a:rPr lang="en-US" dirty="0" smtClean="0"/>
+              <a:t>So </a:t>
+            </a:r>
+            <a:r>
+              <a:rPr lang="en-US" dirty="0"/>
+              <a:t>w</a:t>
+            </a:r>
+            <a:r>
+              <a:rPr lang="en-US" dirty="0" smtClean="0"/>
+              <a:t>e </a:t>
+            </a:r>
+            <a:r>
+              <a:rPr lang="en-US" dirty="0" smtClean="0"/>
+              <a:t>need extraction information from plaint text</a:t>
+            </a:r>
+            <a:endParaRPr lang="en-US" dirty="0"/>
+          </a:p>
+        </p:txBody>
+      </p:sp>
+      <p:sp>
+        <p:nvSpPr>
+          <p:cNvPr id="3" name="Title 2"/>
+          <p:cNvSpPr>
+            <a:spLocks noGrp="1"/>
+          </p:cNvSpPr>
+          <p:nvPr>
+            <p:ph type="title"/>
+          </p:nvPr>
+        </p:nvSpPr>
+        <p:spPr>
+          <a:xfrm>
+            <a:off x="1562100" y="365125"/>
+            <a:ext cx="9791700" cy="1325563"/>
+          </a:xfrm>
+        </p:spPr>
+        <p:txBody>
           <a:bodyPr>
             <a:normAutofit/>
           </a:bodyPr>
           <a:lstStyle/>
           <a:p>
             <a:r>
-              <a:rPr lang="en-US" dirty="0"/>
-              <a:t>A high-level language such as Java, Groovy, Ruby or Python; we use Java </a:t>
-            </a:r>
-            <a:r>
-              <a:rPr lang="en-US" dirty="0" smtClean="0"/>
-              <a:t>and Groovy extensively</a:t>
-            </a:r>
-          </a:p>
-          <a:p>
+              <a:rPr lang="en-US" dirty="0" smtClean="0"/>
+              <a:t>Extracting the </a:t>
+            </a:r>
+            <a:r>
+              <a:rPr lang="en-US" dirty="0" smtClean="0"/>
+              <a:t>models </a:t>
+            </a:r>
+            <a:r>
+              <a:rPr lang="en-US" dirty="0" smtClean="0"/>
+              <a:t> </a:t>
+            </a:r>
             <a:endParaRPr lang="en-US" dirty="0"/>
-          </a:p>
-          <a:p>
-            <a:r>
-              <a:rPr lang="en-US" dirty="0" smtClean="0"/>
-              <a:t>HTML5/CSS3/JavaScript</a:t>
-            </a:r>
-            <a:r>
-              <a:rPr lang="en-US" dirty="0"/>
-              <a:t>, web standards, jQuery or frameworks like </a:t>
-            </a:r>
-            <a:r>
-              <a:rPr lang="en-US" dirty="0" err="1" smtClean="0"/>
-              <a:t>AngularJS</a:t>
-            </a:r>
-            <a:r>
-              <a:rPr lang="en-US" dirty="0" smtClean="0"/>
-              <a:t> would </a:t>
-            </a:r>
-            <a:r>
-              <a:rPr lang="en-US" dirty="0"/>
-              <a:t>be </a:t>
-            </a:r>
-            <a:r>
-              <a:rPr lang="en-US" dirty="0" smtClean="0"/>
-              <a:t>great</a:t>
-            </a:r>
-          </a:p>
-          <a:p>
-            <a:endParaRPr lang="en-US" dirty="0"/>
-          </a:p>
-          <a:p>
-            <a:r>
-              <a:rPr lang="en-US" dirty="0" smtClean="0"/>
-              <a:t>HTML </a:t>
-            </a:r>
-            <a:r>
-              <a:rPr lang="en-US" dirty="0"/>
-              <a:t>CSS and </a:t>
-            </a:r>
-            <a:r>
-              <a:rPr lang="en-US" dirty="0" err="1"/>
-              <a:t>Javascript</a:t>
-            </a:r>
-            <a:r>
-              <a:rPr lang="en-US" dirty="0"/>
-              <a:t> a </a:t>
-            </a:r>
-            <a:r>
-              <a:rPr lang="en-US" dirty="0" smtClean="0"/>
-              <a:t>must 4</a:t>
-            </a:r>
-            <a:r>
-              <a:rPr lang="en-US" dirty="0"/>
-              <a:t>. Experience with AJAX, XML, XSL, XSLT, CSS, JavaScript, JQuery, HTML </a:t>
-            </a:r>
-            <a:r>
-              <a:rPr lang="en-US" dirty="0" smtClean="0"/>
-              <a:t>and Web </a:t>
-            </a:r>
-            <a:r>
-              <a:rPr lang="en-US" dirty="0"/>
-              <a:t>Services</a:t>
-            </a:r>
-          </a:p>
-        </p:txBody>
-      </p:sp>
-      <p:sp>
-        <p:nvSpPr>
-          <p:cNvPr id="3" name="Title 2"/>
-          <p:cNvSpPr>
-            <a:spLocks noGrp="1"/>
-          </p:cNvSpPr>
-          <p:nvPr>
-            <p:ph type="title"/>
-          </p:nvPr>
-        </p:nvSpPr>
-        <p:spPr>
-          <a:xfrm>
-            <a:off x="1562100" y="365125"/>
-            <a:ext cx="9791700" cy="1325563"/>
-          </a:xfrm>
-        </p:spPr>
-        <p:txBody>
-          <a:bodyPr/>
-          <a:lstStyle/>
-          <a:p>
-            <a:r>
-              <a:rPr lang="en-US" dirty="0"/>
-              <a:t>Some </a:t>
-            </a:r>
-            <a:r>
-              <a:rPr lang="en-US" dirty="0" smtClean="0"/>
-              <a:t>sentences from </a:t>
-            </a:r>
-            <a:r>
-              <a:rPr lang="en-US" dirty="0"/>
-              <a:t>Job Description</a:t>
-            </a:r>
           </a:p>
         </p:txBody>
       </p:sp>
     </p:spTree>
     <p:extLst>
       <p:ext uri="{BB962C8B-B14F-4D97-AF65-F5344CB8AC3E}">
-        <p14:creationId xmlns:p14="http://schemas.microsoft.com/office/powerpoint/2010/main" val="532225921"/>
+        <p14:creationId xmlns:p14="http://schemas.microsoft.com/office/powerpoint/2010/main" val="4012333047"/>
       </p:ext>
     </p:extLst>
   </p:cSld>
@@ -5066,45 +5105,317 @@
           </p:nvPr>
         </p:nvPicPr>
         <p:blipFill>
-          <a:blip r:embed="rId2"/>
+          <a:blip r:embed="rId2">
+            <a:extLst>
+              <a:ext uri="{28A0092B-C50C-407E-A947-70E740481C1C}">
+                <a14:useLocalDpi xmlns:a14="http://schemas.microsoft.com/office/drawing/2010/main" val="0"/>
+              </a:ext>
+            </a:extLst>
+          </a:blip>
           <a:stretch>
             <a:fillRect/>
           </a:stretch>
         </p:blipFill>
         <p:spPr>
           <a:xfrm>
-            <a:off x="1562100" y="1803970"/>
-            <a:ext cx="9601200" cy="2076450"/>
+            <a:off x="7259803" y="1356363"/>
+            <a:ext cx="4485729" cy="5501637"/>
+          </a:xfrm>
+        </p:spPr>
+      </p:pic>
+      <p:sp>
+        <p:nvSpPr>
+          <p:cNvPr id="3" name="Title 2"/>
+          <p:cNvSpPr>
+            <a:spLocks noGrp="1"/>
+          </p:cNvSpPr>
+          <p:nvPr>
+            <p:ph type="title"/>
+          </p:nvPr>
+        </p:nvSpPr>
+        <p:spPr>
+          <a:xfrm>
+            <a:off x="701362" y="249215"/>
+            <a:ext cx="9029700" cy="1325563"/>
+          </a:xfrm>
+        </p:spPr>
+        <p:txBody>
+          <a:bodyPr/>
+          <a:lstStyle/>
+          <a:p>
+            <a:r>
+              <a:rPr lang="en-US" dirty="0" smtClean="0"/>
+              <a:t>Information Extraction Stages</a:t>
+            </a:r>
+            <a:endParaRPr lang="en-US" dirty="0"/>
+          </a:p>
+        </p:txBody>
+      </p:sp>
+      <p:sp>
+        <p:nvSpPr>
+          <p:cNvPr id="5" name="Content Placeholder 1"/>
+          <p:cNvSpPr txBox="1">
+            <a:spLocks/>
+          </p:cNvSpPr>
+          <p:nvPr/>
+        </p:nvSpPr>
+        <p:spPr>
+          <a:xfrm>
+            <a:off x="609063" y="1931512"/>
+            <a:ext cx="9791700" cy="4351338"/>
           </a:xfrm>
           <a:prstGeom prst="rect">
             <a:avLst/>
           </a:prstGeom>
         </p:spPr>
-      </p:pic>
-      <p:sp>
-        <p:nvSpPr>
-          <p:cNvPr id="3" name="Title 2"/>
-          <p:cNvSpPr>
-            <a:spLocks noGrp="1"/>
-          </p:cNvSpPr>
-          <p:nvPr>
-            <p:ph type="title"/>
-          </p:nvPr>
-        </p:nvSpPr>
-        <p:spPr>
-          <a:xfrm>
-            <a:off x="1562100" y="365125"/>
-            <a:ext cx="9791700" cy="1325563"/>
-          </a:xfrm>
-        </p:spPr>
-        <p:txBody>
-          <a:bodyPr/>
-          <a:lstStyle/>
-          <a:p>
-            <a:r>
-              <a:rPr lang="en-US" dirty="0" smtClean="0"/>
-              <a:t>Pattern Matching </a:t>
-            </a:r>
+        <p:txBody>
+          <a:bodyPr vert="horz" lIns="91440" tIns="45720" rIns="91440" bIns="45720" rtlCol="0">
+            <a:normAutofit/>
+          </a:bodyPr>
+          <a:lstStyle>
+            <a:lvl1pPr marL="228600" indent="-228600" algn="l" defTabSz="914400" rtl="0" eaLnBrk="1" latinLnBrk="0" hangingPunct="1">
+              <a:lnSpc>
+                <a:spcPct val="90000"/>
+              </a:lnSpc>
+              <a:spcBef>
+                <a:spcPct val="30000"/>
+              </a:spcBef>
+              <a:buClr>
+                <a:schemeClr val="accent3"/>
+              </a:buClr>
+              <a:buFont typeface="Arial" panose="020B0604020202020204" pitchFamily="34" charset="0"/>
+              <a:buChar char="•"/>
+              <a:defRPr sz="2800" kern="1200">
+                <a:solidFill>
+                  <a:schemeClr val="tx1"/>
+                </a:solidFill>
+                <a:latin typeface="+mn-lt"/>
+                <a:ea typeface="+mn-ea"/>
+                <a:cs typeface="+mn-cs"/>
+              </a:defRPr>
+            </a:lvl1pPr>
+            <a:lvl2pPr marL="685800" indent="-228600" algn="l" defTabSz="914400" rtl="0" eaLnBrk="1" latinLnBrk="0" hangingPunct="1">
+              <a:lnSpc>
+                <a:spcPct val="90000"/>
+              </a:lnSpc>
+              <a:spcBef>
+                <a:spcPct val="30000"/>
+              </a:spcBef>
+              <a:buClr>
+                <a:schemeClr val="accent3"/>
+              </a:buClr>
+              <a:buFont typeface="Arial" panose="020B0604020202020204" pitchFamily="34" charset="0"/>
+              <a:buChar char="•"/>
+              <a:defRPr sz="2400" kern="1200">
+                <a:solidFill>
+                  <a:schemeClr val="tx1"/>
+                </a:solidFill>
+                <a:latin typeface="+mn-lt"/>
+                <a:ea typeface="+mn-ea"/>
+                <a:cs typeface="+mn-cs"/>
+              </a:defRPr>
+            </a:lvl2pPr>
+            <a:lvl3pPr marL="1143000" indent="-228600" algn="l" defTabSz="914400" rtl="0" eaLnBrk="1" latinLnBrk="0" hangingPunct="1">
+              <a:lnSpc>
+                <a:spcPct val="90000"/>
+              </a:lnSpc>
+              <a:spcBef>
+                <a:spcPct val="30000"/>
+              </a:spcBef>
+              <a:buClr>
+                <a:schemeClr val="accent3"/>
+              </a:buClr>
+              <a:buFont typeface="Arial" panose="020B0604020202020204" pitchFamily="34" charset="0"/>
+              <a:buChar char="•"/>
+              <a:defRPr sz="2000" kern="1200">
+                <a:solidFill>
+                  <a:schemeClr val="tx1"/>
+                </a:solidFill>
+                <a:latin typeface="+mn-lt"/>
+                <a:ea typeface="+mn-ea"/>
+                <a:cs typeface="+mn-cs"/>
+              </a:defRPr>
+            </a:lvl3pPr>
+            <a:lvl4pPr marL="1600200" indent="-228600" algn="l" defTabSz="914400" rtl="0" eaLnBrk="1" latinLnBrk="0" hangingPunct="1">
+              <a:lnSpc>
+                <a:spcPct val="90000"/>
+              </a:lnSpc>
+              <a:spcBef>
+                <a:spcPct val="30000"/>
+              </a:spcBef>
+              <a:buClr>
+                <a:schemeClr val="accent3"/>
+              </a:buClr>
+              <a:buFont typeface="Arial" panose="020B0604020202020204" pitchFamily="34" charset="0"/>
+              <a:buChar char="•"/>
+              <a:defRPr sz="1800" kern="1200">
+                <a:solidFill>
+                  <a:schemeClr val="tx1"/>
+                </a:solidFill>
+                <a:latin typeface="+mn-lt"/>
+                <a:ea typeface="+mn-ea"/>
+                <a:cs typeface="+mn-cs"/>
+              </a:defRPr>
+            </a:lvl4pPr>
+            <a:lvl5pPr marL="2057400" indent="-228600" algn="l" defTabSz="914400" rtl="0" eaLnBrk="1" latinLnBrk="0" hangingPunct="1">
+              <a:lnSpc>
+                <a:spcPct val="90000"/>
+              </a:lnSpc>
+              <a:spcBef>
+                <a:spcPct val="30000"/>
+              </a:spcBef>
+              <a:buClr>
+                <a:schemeClr val="accent3"/>
+              </a:buClr>
+              <a:buFont typeface="Arial" panose="020B0604020202020204" pitchFamily="34" charset="0"/>
+              <a:buChar char="•"/>
+              <a:defRPr sz="1800" kern="1200">
+                <a:solidFill>
+                  <a:schemeClr val="tx1"/>
+                </a:solidFill>
+                <a:latin typeface="+mn-lt"/>
+                <a:ea typeface="+mn-ea"/>
+                <a:cs typeface="+mn-cs"/>
+              </a:defRPr>
+            </a:lvl5pPr>
+            <a:lvl6pPr marL="2514600" indent="-228600" algn="l" defTabSz="914400" rtl="0" eaLnBrk="1" latinLnBrk="0" hangingPunct="1">
+              <a:lnSpc>
+                <a:spcPct val="90000"/>
+              </a:lnSpc>
+              <a:spcBef>
+                <a:spcPct val="30000"/>
+              </a:spcBef>
+              <a:buFont typeface="Arial" panose="020B0604020202020204" pitchFamily="34" charset="0"/>
+              <a:buChar char="•"/>
+              <a:defRPr sz="1800" kern="1200">
+                <a:solidFill>
+                  <a:schemeClr val="tx1"/>
+                </a:solidFill>
+                <a:latin typeface="+mn-lt"/>
+                <a:ea typeface="+mn-ea"/>
+                <a:cs typeface="+mn-cs"/>
+              </a:defRPr>
+            </a:lvl6pPr>
+            <a:lvl7pPr marL="2971800" indent="-228600" algn="l" defTabSz="914400" rtl="0" eaLnBrk="1" latinLnBrk="0" hangingPunct="1">
+              <a:lnSpc>
+                <a:spcPct val="90000"/>
+              </a:lnSpc>
+              <a:spcBef>
+                <a:spcPct val="30000"/>
+              </a:spcBef>
+              <a:buFont typeface="Arial" panose="020B0604020202020204" pitchFamily="34" charset="0"/>
+              <a:buChar char="•"/>
+              <a:defRPr sz="1800" kern="1200">
+                <a:solidFill>
+                  <a:schemeClr val="tx1"/>
+                </a:solidFill>
+                <a:latin typeface="+mn-lt"/>
+                <a:ea typeface="+mn-ea"/>
+                <a:cs typeface="+mn-cs"/>
+              </a:defRPr>
+            </a:lvl7pPr>
+            <a:lvl8pPr marL="3429000" indent="-228600" algn="l" defTabSz="914400" rtl="0" eaLnBrk="1" latinLnBrk="0" hangingPunct="1">
+              <a:lnSpc>
+                <a:spcPct val="90000"/>
+              </a:lnSpc>
+              <a:spcBef>
+                <a:spcPct val="30000"/>
+              </a:spcBef>
+              <a:buFont typeface="Arial" panose="020B0604020202020204" pitchFamily="34" charset="0"/>
+              <a:buChar char="•"/>
+              <a:defRPr sz="1800" kern="1200">
+                <a:solidFill>
+                  <a:schemeClr val="tx1"/>
+                </a:solidFill>
+                <a:latin typeface="+mn-lt"/>
+                <a:ea typeface="+mn-ea"/>
+                <a:cs typeface="+mn-cs"/>
+              </a:defRPr>
+            </a:lvl8pPr>
+            <a:lvl9pPr marL="3886200" indent="-228600" algn="l" defTabSz="914400" rtl="0" eaLnBrk="1" latinLnBrk="0" hangingPunct="1">
+              <a:lnSpc>
+                <a:spcPct val="90000"/>
+              </a:lnSpc>
+              <a:spcBef>
+                <a:spcPct val="30000"/>
+              </a:spcBef>
+              <a:buFont typeface="Arial" panose="020B0604020202020204" pitchFamily="34" charset="0"/>
+              <a:buChar char="•"/>
+              <a:defRPr sz="1800" kern="1200">
+                <a:solidFill>
+                  <a:schemeClr val="tx1"/>
+                </a:solidFill>
+                <a:latin typeface="+mn-lt"/>
+                <a:ea typeface="+mn-ea"/>
+                <a:cs typeface="+mn-cs"/>
+              </a:defRPr>
+            </a:lvl9pPr>
+          </a:lstStyle>
+          <a:p>
+            <a:pPr marL="514350" indent="-514350">
+              <a:buFont typeface="+mj-lt"/>
+              <a:buAutoNum type="arabicPeriod"/>
+            </a:pPr>
+            <a:r>
+              <a:rPr lang="en-US" dirty="0" smtClean="0"/>
+              <a:t>HTML Parsing</a:t>
+            </a:r>
+          </a:p>
+          <a:p>
+            <a:pPr marL="514350" indent="-514350">
+              <a:buFont typeface="+mj-lt"/>
+              <a:buAutoNum type="arabicPeriod"/>
+            </a:pPr>
+            <a:r>
+              <a:rPr lang="en-US" dirty="0" smtClean="0"/>
+              <a:t>Segmenting</a:t>
+            </a:r>
+          </a:p>
+          <a:p>
+            <a:pPr marL="514350" indent="-514350">
+              <a:buFont typeface="+mj-lt"/>
+              <a:buAutoNum type="arabicPeriod"/>
+            </a:pPr>
+            <a:r>
+              <a:rPr lang="en-US" dirty="0" smtClean="0"/>
+              <a:t>Preprocessing</a:t>
+            </a:r>
+          </a:p>
+          <a:p>
+            <a:pPr marL="514350" indent="-514350">
+              <a:buFont typeface="+mj-lt"/>
+              <a:buAutoNum type="arabicPeriod"/>
+            </a:pPr>
+            <a:r>
+              <a:rPr lang="en-US" dirty="0" smtClean="0"/>
+              <a:t>Tokenizing</a:t>
+            </a:r>
+          </a:p>
+          <a:p>
+            <a:pPr marL="514350" indent="-514350">
+              <a:buFont typeface="+mj-lt"/>
+              <a:buAutoNum type="arabicPeriod"/>
+            </a:pPr>
+            <a:r>
+              <a:rPr lang="en-US" dirty="0" smtClean="0"/>
+              <a:t>Labeling</a:t>
+            </a:r>
+          </a:p>
+          <a:p>
+            <a:pPr marL="514350" indent="-514350">
+              <a:buFont typeface="+mj-lt"/>
+              <a:buAutoNum type="arabicPeriod"/>
+            </a:pPr>
+            <a:r>
+              <a:rPr lang="en-US" dirty="0" smtClean="0"/>
+              <a:t>Pattern Matching</a:t>
+            </a:r>
+          </a:p>
+          <a:p>
+            <a:pPr marL="514350" indent="-514350">
+              <a:buFont typeface="+mj-lt"/>
+              <a:buAutoNum type="arabicPeriod"/>
+            </a:pPr>
             <a:endParaRPr lang="en-US" dirty="0"/>
           </a:p>
         </p:txBody>
@@ -5112,20 +5423,20 @@
     </p:spTree>
     <p:extLst>
       <p:ext uri="{BB962C8B-B14F-4D97-AF65-F5344CB8AC3E}">
-        <p14:creationId xmlns:p14="http://schemas.microsoft.com/office/powerpoint/2010/main" val="2207437839"/>
+        <p14:creationId xmlns:p14="http://schemas.microsoft.com/office/powerpoint/2010/main" val="863646907"/>
       </p:ext>
     </p:extLst>
   </p:cSld>
   <p:clrMapOvr>
     <a:masterClrMapping/>
   </p:clrMapOvr>
-  <mc:AlternateContent xmlns:mc="http://schemas.openxmlformats.org/markup-compatibility/2006" xmlns:p14="http://schemas.microsoft.com/office/powerpoint/2010/main">
-    <mc:Choice Requires="p14">
+  <mc:AlternateContent xmlns:mc="http://schemas.openxmlformats.org/markup-compatibility/2006">
+    <mc:Choice xmlns:p14="http://schemas.microsoft.com/office/powerpoint/2010/main" Requires="p14">
       <p:transition spd="med" p14:dur="700">
         <p:fade/>
       </p:transition>
     </mc:Choice>
-    <mc:Fallback xmlns="">
+    <mc:Fallback>
       <p:transition spd="med">
         <p:fade/>
       </p:transition>
@@ -5151,32 +5462,65 @@
           <a:chExt cx="0" cy="0"/>
         </a:xfrm>
       </p:grpSpPr>
-      <p:pic>
-        <p:nvPicPr>
-          <p:cNvPr id="4" name="Content Placeholder 3"/>
-          <p:cNvPicPr>
-            <a:picLocks noGrp="1" noChangeAspect="1"/>
-          </p:cNvPicPr>
+      <p:sp>
+        <p:nvSpPr>
+          <p:cNvPr id="2" name="Content Placeholder 1"/>
+          <p:cNvSpPr>
+            <a:spLocks noGrp="1"/>
+          </p:cNvSpPr>
           <p:nvPr>
             <p:ph idx="1"/>
           </p:nvPr>
-        </p:nvPicPr>
-        <p:blipFill>
-          <a:blip r:embed="rId2"/>
-          <a:stretch>
-            <a:fillRect/>
-          </a:stretch>
-        </p:blipFill>
-        <p:spPr>
-          <a:xfrm>
-            <a:off x="914399" y="2013721"/>
-            <a:ext cx="10327472" cy="2661310"/>
-          </a:xfrm>
-          <a:prstGeom prst="rect">
-            <a:avLst/>
-          </a:prstGeom>
-        </p:spPr>
-      </p:pic>
+        </p:nvSpPr>
+        <p:spPr/>
+        <p:txBody>
+          <a:bodyPr>
+            <a:normAutofit/>
+          </a:bodyPr>
+          <a:lstStyle/>
+          <a:p>
+            <a:r>
+              <a:rPr lang="en-US" dirty="0" smtClean="0"/>
+              <a:t>Bachelors degree in Computer or Information Systems</a:t>
+            </a:r>
+          </a:p>
+          <a:p>
+            <a:endParaRPr lang="en-US" dirty="0" smtClean="0"/>
+          </a:p>
+          <a:p>
+            <a:r>
+              <a:rPr lang="en-US" dirty="0" smtClean="0"/>
+              <a:t>BS or MS in computer science or similar degree</a:t>
+            </a:r>
+            <a:r>
+              <a:rPr lang="en-US" dirty="0" smtClean="0"/>
+              <a:t> </a:t>
+            </a:r>
+          </a:p>
+          <a:p>
+            <a:endParaRPr lang="en-US" dirty="0" smtClean="0"/>
+          </a:p>
+          <a:p>
+            <a:r>
+              <a:rPr lang="en-US" dirty="0" smtClean="0"/>
+              <a:t>MS/PhD Degree in Computer, Science, Engineering or Finance from top institution. </a:t>
+            </a:r>
+          </a:p>
+          <a:p>
+            <a:endParaRPr lang="en-US" dirty="0" smtClean="0"/>
+          </a:p>
+          <a:p>
+            <a:r>
+              <a:rPr lang="en-US" dirty="0" smtClean="0"/>
+              <a:t>Requires a minimum of bachelors degree in a related, field or foreign equivalent.</a:t>
+            </a:r>
+            <a:endParaRPr lang="en-US" dirty="0" smtClean="0"/>
+          </a:p>
+          <a:p>
+            <a:endParaRPr lang="en-US" dirty="0"/>
+          </a:p>
+        </p:txBody>
+      </p:sp>
       <p:sp>
         <p:nvSpPr>
           <p:cNvPr id="3" name="Title 2"/>
@@ -5198,17 +5542,24 @@
           <a:lstStyle/>
           <a:p>
             <a:r>
-              <a:rPr lang="en-US" dirty="0" smtClean="0"/>
-              <a:t>Other Patterns</a:t>
-            </a:r>
-            <a:endParaRPr lang="en-US" dirty="0"/>
+              <a:rPr lang="en-US" dirty="0"/>
+              <a:t>Some </a:t>
+            </a:r>
+            <a:r>
+              <a:rPr lang="en-US" dirty="0" smtClean="0"/>
+              <a:t>sentences from </a:t>
+            </a:r>
+            <a:r>
+              <a:rPr lang="en-US" dirty="0"/>
+              <a:t>Job Description</a:t>
+            </a:r>
           </a:p>
         </p:txBody>
       </p:sp>
     </p:spTree>
     <p:extLst>
       <p:ext uri="{BB962C8B-B14F-4D97-AF65-F5344CB8AC3E}">
-        <p14:creationId xmlns:p14="http://schemas.microsoft.com/office/powerpoint/2010/main" val="1711261763"/>
+        <p14:creationId xmlns:p14="http://schemas.microsoft.com/office/powerpoint/2010/main" val="532225921"/>
       </p:ext>
     </p:extLst>
   </p:cSld>
@@ -5249,97 +5600,6 @@
       </p:grpSpPr>
       <p:sp>
         <p:nvSpPr>
-          <p:cNvPr id="2" name="Content Placeholder 1"/>
-          <p:cNvSpPr>
-            <a:spLocks noGrp="1"/>
-          </p:cNvSpPr>
-          <p:nvPr>
-            <p:ph idx="1"/>
-          </p:nvPr>
-        </p:nvSpPr>
-        <p:spPr/>
-        <p:txBody>
-          <a:bodyPr/>
-          <a:lstStyle/>
-          <a:p>
-            <a:r>
-              <a:rPr lang="en-US" dirty="0" smtClean="0"/>
-              <a:t>The unit of the expression is token or word</a:t>
-            </a:r>
-          </a:p>
-          <a:p>
-            <a:endParaRPr lang="en-US" dirty="0" smtClean="0"/>
-          </a:p>
-          <a:p>
-            <a:endParaRPr lang="en-US" dirty="0"/>
-          </a:p>
-          <a:p>
-            <a:endParaRPr lang="en-US" dirty="0" smtClean="0"/>
-          </a:p>
-          <a:p>
-            <a:endParaRPr lang="en-US" dirty="0"/>
-          </a:p>
-          <a:p>
-            <a:r>
-              <a:rPr lang="en-US" dirty="0" smtClean="0"/>
-              <a:t> </a:t>
-            </a:r>
-            <a:r>
-              <a:rPr lang="en-US" dirty="0" err="1" smtClean="0"/>
-              <a:t>aaa</a:t>
-            </a:r>
-            <a:r>
-              <a:rPr lang="en-US" dirty="0" smtClean="0"/>
-              <a:t> ccc </a:t>
-            </a:r>
-            <a:r>
-              <a:rPr lang="en-US" dirty="0" err="1" smtClean="0"/>
-              <a:t>ddd</a:t>
-            </a:r>
-            <a:endParaRPr lang="en-US" dirty="0" smtClean="0"/>
-          </a:p>
-          <a:p>
-            <a:r>
-              <a:rPr lang="en-US" dirty="0" err="1" smtClean="0"/>
-              <a:t>bbb</a:t>
-            </a:r>
-            <a:r>
-              <a:rPr lang="en-US" dirty="0" smtClean="0"/>
-              <a:t>  ccc </a:t>
-            </a:r>
-            <a:r>
-              <a:rPr lang="en-US" dirty="0" err="1" smtClean="0"/>
-              <a:t>ccc</a:t>
-            </a:r>
-            <a:r>
-              <a:rPr lang="en-US" dirty="0" smtClean="0"/>
-              <a:t>  </a:t>
-            </a:r>
-            <a:r>
-              <a:rPr lang="en-US" dirty="0" err="1" smtClean="0"/>
-              <a:t>sss</a:t>
-            </a:r>
-            <a:r>
-              <a:rPr lang="en-US" dirty="0" smtClean="0"/>
-              <a:t> </a:t>
-            </a:r>
-            <a:r>
-              <a:rPr lang="en-US" dirty="0" err="1" smtClean="0"/>
-              <a:t>ddd</a:t>
-            </a:r>
-            <a:endParaRPr lang="en-US" dirty="0" smtClean="0"/>
-          </a:p>
-          <a:p>
-            <a:r>
-              <a:rPr lang="en-US" dirty="0" smtClean="0"/>
-              <a:t> </a:t>
-            </a:r>
-            <a:endParaRPr lang="en-US" dirty="0"/>
-          </a:p>
-        </p:txBody>
-      </p:sp>
-      <p:sp>
-        <p:nvSpPr>
           <p:cNvPr id="3" name="Title 2"/>
           <p:cNvSpPr>
             <a:spLocks noGrp="1"/>
@@ -5360,40 +5620,737 @@
           <a:p>
             <a:r>
               <a:rPr lang="en-US" dirty="0" smtClean="0"/>
-              <a:t>Regular Expression Over Tokens</a:t>
+              <a:t>Pattern Matching </a:t>
             </a:r>
             <a:endParaRPr lang="en-US" dirty="0"/>
           </a:p>
         </p:txBody>
       </p:sp>
-      <p:pic>
-        <p:nvPicPr>
-          <p:cNvPr id="4" name="Picture 3"/>
-          <p:cNvPicPr>
-            <a:picLocks noChangeAspect="1"/>
-          </p:cNvPicPr>
-          <p:nvPr/>
-        </p:nvPicPr>
-        <p:blipFill>
-          <a:blip r:embed="rId2"/>
-          <a:stretch>
-            <a:fillRect/>
-          </a:stretch>
-        </p:blipFill>
-        <p:spPr>
-          <a:xfrm>
-            <a:off x="1130519" y="2710868"/>
-            <a:ext cx="10886679" cy="1127035"/>
-          </a:xfrm>
-          <a:prstGeom prst="rect">
-            <a:avLst/>
-          </a:prstGeom>
-        </p:spPr>
-      </p:pic>
+      <p:graphicFrame>
+        <p:nvGraphicFramePr>
+          <p:cNvPr id="2" name="Table 1"/>
+          <p:cNvGraphicFramePr>
+            <a:graphicFrameLocks noGrp="1"/>
+          </p:cNvGraphicFramePr>
+          <p:nvPr>
+            <p:extLst>
+              <p:ext uri="{D42A27DB-BD31-4B8C-83A1-F6EECF244321}">
+                <p14:modId xmlns:p14="http://schemas.microsoft.com/office/powerpoint/2010/main" val="3672891590"/>
+              </p:ext>
+            </p:extLst>
+          </p:nvPr>
+        </p:nvGraphicFramePr>
+        <p:xfrm>
+          <a:off x="940154" y="1819665"/>
+          <a:ext cx="9942494" cy="1737360"/>
+        </p:xfrm>
+        <a:graphic>
+          <a:graphicData uri="http://schemas.openxmlformats.org/drawingml/2006/table">
+            <a:tbl>
+              <a:tblPr firstRow="1" bandRow="1">
+                <a:tableStyleId>{5940675A-B579-460E-94D1-54222C63F5DA}</a:tableStyleId>
+              </a:tblPr>
+              <a:tblGrid>
+                <a:gridCol w="1875587"/>
+                <a:gridCol w="1176710"/>
+                <a:gridCol w="592428"/>
+                <a:gridCol w="2472744"/>
+                <a:gridCol w="708338"/>
+                <a:gridCol w="2356833"/>
+                <a:gridCol w="759854"/>
+              </a:tblGrid>
+              <a:tr h="370840">
+                <a:tc>
+                  <a:txBody>
+                    <a:bodyPr/>
+                    <a:lstStyle/>
+                    <a:p>
+                      <a:r>
+                        <a:rPr lang="en-US" sz="2400" dirty="0" smtClean="0"/>
+                        <a:t>DE_LEVEL</a:t>
+                      </a:r>
+                      <a:endParaRPr lang="en-US" sz="2400" dirty="0"/>
+                    </a:p>
+                  </a:txBody>
+                  <a:tcPr/>
+                </a:tc>
+                <a:tc>
+                  <a:txBody>
+                    <a:bodyPr/>
+                    <a:lstStyle/>
+                    <a:p>
+                      <a:r>
+                        <a:rPr lang="en-US" sz="2400" dirty="0" smtClean="0"/>
+                        <a:t>DEGREE </a:t>
+                      </a:r>
+                      <a:endParaRPr lang="en-US" sz="2400" dirty="0"/>
+                    </a:p>
+                  </a:txBody>
+                  <a:tcPr/>
+                </a:tc>
+                <a:tc>
+                  <a:txBody>
+                    <a:bodyPr/>
+                    <a:lstStyle/>
+                    <a:p>
+                      <a:r>
+                        <a:rPr lang="en-US" sz="2400" dirty="0" smtClean="0"/>
+                        <a:t>IN</a:t>
+                      </a:r>
+                      <a:endParaRPr lang="en-US" sz="2400" dirty="0"/>
+                    </a:p>
+                  </a:txBody>
+                  <a:tcPr/>
+                </a:tc>
+                <a:tc>
+                  <a:txBody>
+                    <a:bodyPr/>
+                    <a:lstStyle/>
+                    <a:p>
+                      <a:r>
+                        <a:rPr lang="en-US" sz="2400" dirty="0" smtClean="0"/>
+                        <a:t>MAJOR</a:t>
+                      </a:r>
+                      <a:endParaRPr lang="en-US" sz="2400" dirty="0"/>
+                    </a:p>
+                  </a:txBody>
+                  <a:tcPr/>
+                </a:tc>
+                <a:tc>
+                  <a:txBody>
+                    <a:bodyPr/>
+                    <a:lstStyle/>
+                    <a:p>
+                      <a:r>
+                        <a:rPr lang="en-US" sz="2400" dirty="0" smtClean="0"/>
+                        <a:t>OR</a:t>
+                      </a:r>
+                      <a:endParaRPr lang="en-US" sz="2400" dirty="0"/>
+                    </a:p>
+                  </a:txBody>
+                  <a:tcPr/>
+                </a:tc>
+                <a:tc>
+                  <a:txBody>
+                    <a:bodyPr/>
+                    <a:lstStyle/>
+                    <a:p>
+                      <a:r>
+                        <a:rPr lang="en-US" sz="2400" dirty="0" smtClean="0"/>
+                        <a:t>MAJOR</a:t>
+                      </a:r>
+                      <a:endParaRPr lang="en-US" sz="2400" dirty="0"/>
+                    </a:p>
+                  </a:txBody>
+                  <a:tcPr/>
+                </a:tc>
+                <a:tc>
+                  <a:txBody>
+                    <a:bodyPr/>
+                    <a:lstStyle/>
+                    <a:p>
+                      <a:r>
+                        <a:rPr lang="en-US" sz="2400" dirty="0" smtClean="0"/>
+                        <a:t>.</a:t>
+                      </a:r>
+                      <a:endParaRPr lang="en-US" sz="2400" dirty="0"/>
+                    </a:p>
+                  </a:txBody>
+                  <a:tcPr/>
+                </a:tc>
+              </a:tr>
+              <a:tr h="370840">
+                <a:tc>
+                  <a:txBody>
+                    <a:bodyPr/>
+                    <a:lstStyle/>
+                    <a:p>
+                      <a:r>
+                        <a:rPr lang="en-US" sz="2400" dirty="0" smtClean="0"/>
+                        <a:t>BS_LEVEL</a:t>
+                      </a:r>
+                      <a:endParaRPr lang="en-US" sz="2400" dirty="0"/>
+                    </a:p>
+                  </a:txBody>
+                  <a:tcPr/>
+                </a:tc>
+                <a:tc>
+                  <a:txBody>
+                    <a:bodyPr/>
+                    <a:lstStyle/>
+                    <a:p>
+                      <a:r>
+                        <a:rPr lang="en-US" sz="2400" dirty="0" smtClean="0"/>
+                        <a:t>DEGREE</a:t>
+                      </a:r>
+                      <a:endParaRPr lang="en-US" sz="2400" dirty="0"/>
+                    </a:p>
+                  </a:txBody>
+                  <a:tcPr/>
+                </a:tc>
+                <a:tc>
+                  <a:txBody>
+                    <a:bodyPr/>
+                    <a:lstStyle/>
+                    <a:p>
+                      <a:r>
+                        <a:rPr lang="en-US" sz="2400" dirty="0" smtClean="0"/>
+                        <a:t>IN</a:t>
+                      </a:r>
+                      <a:endParaRPr lang="en-US" sz="2400" dirty="0"/>
+                    </a:p>
+                  </a:txBody>
+                  <a:tcPr/>
+                </a:tc>
+                <a:tc>
+                  <a:txBody>
+                    <a:bodyPr/>
+                    <a:lstStyle/>
+                    <a:p>
+                      <a:r>
+                        <a:rPr lang="en-US" sz="2400" dirty="0" smtClean="0"/>
+                        <a:t>MAJOR_CS</a:t>
+                      </a:r>
+                      <a:endParaRPr lang="en-US" sz="2400" dirty="0"/>
+                    </a:p>
+                  </a:txBody>
+                  <a:tcPr/>
+                </a:tc>
+                <a:tc>
+                  <a:txBody>
+                    <a:bodyPr/>
+                    <a:lstStyle/>
+                    <a:p>
+                      <a:r>
+                        <a:rPr lang="en-US" sz="2400" dirty="0" smtClean="0"/>
+                        <a:t>OR</a:t>
+                      </a:r>
+                      <a:endParaRPr lang="en-US" sz="2400" dirty="0"/>
+                    </a:p>
+                  </a:txBody>
+                  <a:tcPr/>
+                </a:tc>
+                <a:tc>
+                  <a:txBody>
+                    <a:bodyPr/>
+                    <a:lstStyle/>
+                    <a:p>
+                      <a:r>
+                        <a:rPr lang="en-US" sz="2400" dirty="0" smtClean="0"/>
+                        <a:t>MAJOR_INFO</a:t>
+                      </a:r>
+                      <a:endParaRPr lang="en-US" sz="2400" dirty="0"/>
+                    </a:p>
+                  </a:txBody>
+                  <a:tcPr/>
+                </a:tc>
+                <a:tc>
+                  <a:txBody>
+                    <a:bodyPr/>
+                    <a:lstStyle/>
+                    <a:p>
+                      <a:r>
+                        <a:rPr lang="en-US" sz="2400" dirty="0" smtClean="0"/>
+                        <a:t>.</a:t>
+                      </a:r>
+                      <a:endParaRPr lang="en-US" sz="2400" dirty="0"/>
+                    </a:p>
+                  </a:txBody>
+                  <a:tcPr/>
+                </a:tc>
+              </a:tr>
+              <a:tr h="370840">
+                <a:tc>
+                  <a:txBody>
+                    <a:bodyPr/>
+                    <a:lstStyle/>
+                    <a:p>
+                      <a:r>
+                        <a:rPr lang="en-US" sz="2400" dirty="0" smtClean="0"/>
+                        <a:t>bachelors</a:t>
+                      </a:r>
+                      <a:endParaRPr lang="en-US" sz="2400" dirty="0"/>
+                    </a:p>
+                  </a:txBody>
+                  <a:tcPr/>
+                </a:tc>
+                <a:tc>
+                  <a:txBody>
+                    <a:bodyPr/>
+                    <a:lstStyle/>
+                    <a:p>
+                      <a:r>
+                        <a:rPr lang="en-US" sz="2400" dirty="0" smtClean="0"/>
+                        <a:t>degree</a:t>
+                      </a:r>
+                      <a:endParaRPr lang="en-US" sz="2400" dirty="0"/>
+                    </a:p>
+                  </a:txBody>
+                  <a:tcPr/>
+                </a:tc>
+                <a:tc>
+                  <a:txBody>
+                    <a:bodyPr/>
+                    <a:lstStyle/>
+                    <a:p>
+                      <a:r>
+                        <a:rPr lang="en-US" sz="2400" dirty="0" smtClean="0"/>
+                        <a:t>in</a:t>
+                      </a:r>
+                      <a:endParaRPr lang="en-US" sz="2400" dirty="0"/>
+                    </a:p>
+                  </a:txBody>
+                  <a:tcPr/>
+                </a:tc>
+                <a:tc>
+                  <a:txBody>
+                    <a:bodyPr/>
+                    <a:lstStyle/>
+                    <a:p>
+                      <a:r>
+                        <a:rPr lang="en-US" sz="2400" dirty="0" smtClean="0"/>
+                        <a:t>Computer Science</a:t>
+                      </a:r>
+                      <a:endParaRPr lang="en-US" sz="2400" dirty="0"/>
+                    </a:p>
+                  </a:txBody>
+                  <a:tcPr/>
+                </a:tc>
+                <a:tc>
+                  <a:txBody>
+                    <a:bodyPr/>
+                    <a:lstStyle/>
+                    <a:p>
+                      <a:r>
+                        <a:rPr lang="en-US" sz="2400" dirty="0" smtClean="0"/>
+                        <a:t>or</a:t>
+                      </a:r>
+                      <a:endParaRPr lang="en-US" sz="2400" dirty="0"/>
+                    </a:p>
+                  </a:txBody>
+                  <a:tcPr/>
+                </a:tc>
+                <a:tc>
+                  <a:txBody>
+                    <a:bodyPr/>
+                    <a:lstStyle/>
+                    <a:p>
+                      <a:r>
+                        <a:rPr lang="en-US" sz="2400" dirty="0" smtClean="0"/>
+                        <a:t>Information Systems</a:t>
+                      </a:r>
+                      <a:endParaRPr lang="en-US" sz="2400" dirty="0"/>
+                    </a:p>
+                  </a:txBody>
+                  <a:tcPr/>
+                </a:tc>
+                <a:tc>
+                  <a:txBody>
+                    <a:bodyPr/>
+                    <a:lstStyle/>
+                    <a:p>
+                      <a:r>
+                        <a:rPr lang="en-US" sz="2400" dirty="0" smtClean="0"/>
+                        <a:t>.</a:t>
+                      </a:r>
+                      <a:endParaRPr lang="en-US" sz="2400" dirty="0"/>
+                    </a:p>
+                  </a:txBody>
+                  <a:tcPr/>
+                </a:tc>
+              </a:tr>
+            </a:tbl>
+          </a:graphicData>
+        </a:graphic>
+      </p:graphicFrame>
+      <p:graphicFrame>
+        <p:nvGraphicFramePr>
+          <p:cNvPr id="6" name="Table 5"/>
+          <p:cNvGraphicFramePr>
+            <a:graphicFrameLocks noGrp="1"/>
+          </p:cNvGraphicFramePr>
+          <p:nvPr>
+            <p:extLst>
+              <p:ext uri="{D42A27DB-BD31-4B8C-83A1-F6EECF244321}">
+                <p14:modId xmlns:p14="http://schemas.microsoft.com/office/powerpoint/2010/main" val="2142323921"/>
+              </p:ext>
+            </p:extLst>
+          </p:nvPr>
+        </p:nvGraphicFramePr>
+        <p:xfrm>
+          <a:off x="384216" y="4135716"/>
+          <a:ext cx="11219648" cy="1371600"/>
+        </p:xfrm>
+        <a:graphic>
+          <a:graphicData uri="http://schemas.openxmlformats.org/drawingml/2006/table">
+            <a:tbl>
+              <a:tblPr firstRow="1" bandRow="1">
+                <a:tableStyleId>{5940675A-B579-460E-94D1-54222C63F5DA}</a:tableStyleId>
+              </a:tblPr>
+              <a:tblGrid>
+                <a:gridCol w="1601081"/>
+                <a:gridCol w="653994"/>
+                <a:gridCol w="1857829"/>
+                <a:gridCol w="1048815"/>
+                <a:gridCol w="2451845"/>
+                <a:gridCol w="789062"/>
+                <a:gridCol w="1580651"/>
+                <a:gridCol w="1236371"/>
+              </a:tblGrid>
+              <a:tr h="370840">
+                <a:tc>
+                  <a:txBody>
+                    <a:bodyPr/>
+                    <a:lstStyle/>
+                    <a:p>
+                      <a:r>
+                        <a:rPr lang="en-US" sz="2400" dirty="0" smtClean="0"/>
+                        <a:t>DE_LEVEL</a:t>
+                      </a:r>
+                      <a:endParaRPr lang="en-US" sz="2400" dirty="0"/>
+                    </a:p>
+                  </a:txBody>
+                  <a:tcPr/>
+                </a:tc>
+                <a:tc>
+                  <a:txBody>
+                    <a:bodyPr/>
+                    <a:lstStyle/>
+                    <a:p>
+                      <a:r>
+                        <a:rPr lang="en-US" sz="2400" dirty="0" smtClean="0"/>
+                        <a:t>OR</a:t>
+                      </a:r>
+                      <a:endParaRPr lang="en-US" sz="2400" dirty="0"/>
+                    </a:p>
+                  </a:txBody>
+                  <a:tcPr/>
+                </a:tc>
+                <a:tc>
+                  <a:txBody>
+                    <a:bodyPr/>
+                    <a:lstStyle/>
+                    <a:p>
+                      <a:r>
+                        <a:rPr lang="en-US" sz="2400" dirty="0" smtClean="0"/>
+                        <a:t>MS_LEVEL</a:t>
+                      </a:r>
+                      <a:endParaRPr lang="en-US" sz="2400" dirty="0"/>
+                    </a:p>
+                  </a:txBody>
+                  <a:tcPr/>
+                </a:tc>
+                <a:tc>
+                  <a:txBody>
+                    <a:bodyPr/>
+                    <a:lstStyle/>
+                    <a:p>
+                      <a:r>
+                        <a:rPr lang="en-US" sz="2400" dirty="0" smtClean="0"/>
+                        <a:t>IN</a:t>
+                      </a:r>
+                      <a:endParaRPr lang="en-US" sz="2400" dirty="0"/>
+                    </a:p>
+                  </a:txBody>
+                  <a:tcPr/>
+                </a:tc>
+                <a:tc>
+                  <a:txBody>
+                    <a:bodyPr/>
+                    <a:lstStyle/>
+                    <a:p>
+                      <a:r>
+                        <a:rPr lang="en-US" sz="2400" dirty="0" smtClean="0"/>
+                        <a:t>MAJOR</a:t>
+                      </a:r>
+                      <a:endParaRPr lang="en-US" sz="2400" dirty="0"/>
+                    </a:p>
+                  </a:txBody>
+                  <a:tcPr/>
+                </a:tc>
+                <a:tc>
+                  <a:txBody>
+                    <a:bodyPr/>
+                    <a:lstStyle/>
+                    <a:p>
+                      <a:r>
+                        <a:rPr lang="en-US" sz="2400" dirty="0" smtClean="0"/>
+                        <a:t>OR</a:t>
+                      </a:r>
+                      <a:endParaRPr lang="en-US" sz="2400" dirty="0"/>
+                    </a:p>
+                  </a:txBody>
+                  <a:tcPr/>
+                </a:tc>
+                <a:tc>
+                  <a:txBody>
+                    <a:bodyPr/>
+                    <a:lstStyle/>
+                    <a:p>
+                      <a:r>
+                        <a:rPr lang="en-US" sz="2400" dirty="0" smtClean="0"/>
+                        <a:t>N/A</a:t>
+                      </a:r>
+                      <a:endParaRPr lang="en-US" sz="2400" dirty="0"/>
+                    </a:p>
+                  </a:txBody>
+                  <a:tcPr/>
+                </a:tc>
+                <a:tc>
+                  <a:txBody>
+                    <a:bodyPr/>
+                    <a:lstStyle/>
+                    <a:p>
+                      <a:r>
+                        <a:rPr lang="en-US" sz="2400" dirty="0" smtClean="0"/>
+                        <a:t>DEGREE</a:t>
+                      </a:r>
+                      <a:endParaRPr lang="en-US" sz="2400" dirty="0"/>
+                    </a:p>
+                  </a:txBody>
+                  <a:tcPr/>
+                </a:tc>
+              </a:tr>
+              <a:tr h="370840">
+                <a:tc>
+                  <a:txBody>
+                    <a:bodyPr/>
+                    <a:lstStyle/>
+                    <a:p>
+                      <a:r>
+                        <a:rPr lang="en-US" sz="2400" dirty="0" smtClean="0"/>
+                        <a:t>BS_LEVEL</a:t>
+                      </a:r>
+                      <a:endParaRPr lang="en-US" sz="2400" dirty="0"/>
+                    </a:p>
+                  </a:txBody>
+                  <a:tcPr/>
+                </a:tc>
+                <a:tc>
+                  <a:txBody>
+                    <a:bodyPr/>
+                    <a:lstStyle/>
+                    <a:p>
+                      <a:r>
+                        <a:rPr lang="en-US" sz="2400" dirty="0" smtClean="0"/>
+                        <a:t>OR</a:t>
+                      </a:r>
+                      <a:endParaRPr lang="en-US" sz="2400" dirty="0"/>
+                    </a:p>
+                  </a:txBody>
+                  <a:tcPr/>
+                </a:tc>
+                <a:tc>
+                  <a:txBody>
+                    <a:bodyPr/>
+                    <a:lstStyle/>
+                    <a:p>
+                      <a:r>
+                        <a:rPr lang="en-US" sz="2400" dirty="0" smtClean="0"/>
+                        <a:t>MS_LEVEL</a:t>
+                      </a:r>
+                      <a:endParaRPr lang="en-US" sz="2400" dirty="0"/>
+                    </a:p>
+                  </a:txBody>
+                  <a:tcPr/>
+                </a:tc>
+                <a:tc>
+                  <a:txBody>
+                    <a:bodyPr/>
+                    <a:lstStyle/>
+                    <a:p>
+                      <a:r>
+                        <a:rPr lang="en-US" sz="2400" dirty="0" smtClean="0"/>
+                        <a:t>IN</a:t>
+                      </a:r>
+                      <a:endParaRPr lang="en-US" sz="2400" dirty="0"/>
+                    </a:p>
+                  </a:txBody>
+                  <a:tcPr/>
+                </a:tc>
+                <a:tc>
+                  <a:txBody>
+                    <a:bodyPr/>
+                    <a:lstStyle/>
+                    <a:p>
+                      <a:r>
+                        <a:rPr lang="en-US" sz="2400" dirty="0" smtClean="0"/>
+                        <a:t>MAJOR_CS</a:t>
+                      </a:r>
+                      <a:endParaRPr lang="en-US" sz="2400" dirty="0"/>
+                    </a:p>
+                  </a:txBody>
+                  <a:tcPr/>
+                </a:tc>
+                <a:tc>
+                  <a:txBody>
+                    <a:bodyPr/>
+                    <a:lstStyle/>
+                    <a:p>
+                      <a:r>
+                        <a:rPr lang="en-US" sz="2400" dirty="0" smtClean="0"/>
+                        <a:t>OR</a:t>
+                      </a:r>
+                      <a:endParaRPr lang="en-US" sz="2400" dirty="0"/>
+                    </a:p>
+                  </a:txBody>
+                  <a:tcPr/>
+                </a:tc>
+                <a:tc>
+                  <a:txBody>
+                    <a:bodyPr/>
+                    <a:lstStyle/>
+                    <a:p>
+                      <a:r>
+                        <a:rPr lang="en-US" sz="2400" dirty="0" smtClean="0"/>
+                        <a:t>N/A</a:t>
+                      </a:r>
+                      <a:endParaRPr lang="en-US" sz="2400" dirty="0"/>
+                    </a:p>
+                  </a:txBody>
+                  <a:tcPr/>
+                </a:tc>
+                <a:tc>
+                  <a:txBody>
+                    <a:bodyPr/>
+                    <a:lstStyle/>
+                    <a:p>
+                      <a:r>
+                        <a:rPr lang="en-US" sz="2400" dirty="0" smtClean="0"/>
+                        <a:t>DEGREE</a:t>
+                      </a:r>
+                      <a:endParaRPr lang="en-US" sz="2400" dirty="0"/>
+                    </a:p>
+                  </a:txBody>
+                  <a:tcPr/>
+                </a:tc>
+              </a:tr>
+              <a:tr h="370840">
+                <a:tc>
+                  <a:txBody>
+                    <a:bodyPr/>
+                    <a:lstStyle/>
+                    <a:p>
+                      <a:r>
+                        <a:rPr lang="en-US" sz="2400" dirty="0" smtClean="0"/>
+                        <a:t>BS</a:t>
+                      </a:r>
+                      <a:endParaRPr lang="en-US" sz="2400" dirty="0"/>
+                    </a:p>
+                  </a:txBody>
+                  <a:tcPr/>
+                </a:tc>
+                <a:tc>
+                  <a:txBody>
+                    <a:bodyPr/>
+                    <a:lstStyle/>
+                    <a:p>
+                      <a:r>
+                        <a:rPr lang="en-US" sz="2400" dirty="0" smtClean="0"/>
+                        <a:t>or</a:t>
+                      </a:r>
+                      <a:endParaRPr lang="en-US" sz="2400" dirty="0"/>
+                    </a:p>
+                  </a:txBody>
+                  <a:tcPr/>
+                </a:tc>
+                <a:tc>
+                  <a:txBody>
+                    <a:bodyPr/>
+                    <a:lstStyle/>
+                    <a:p>
+                      <a:r>
+                        <a:rPr lang="en-US" sz="2400" dirty="0" smtClean="0"/>
+                        <a:t>MS</a:t>
+                      </a:r>
+                      <a:endParaRPr lang="en-US" sz="2400" dirty="0"/>
+                    </a:p>
+                  </a:txBody>
+                  <a:tcPr/>
+                </a:tc>
+                <a:tc>
+                  <a:txBody>
+                    <a:bodyPr/>
+                    <a:lstStyle/>
+                    <a:p>
+                      <a:r>
+                        <a:rPr lang="en-US" sz="2400" dirty="0" smtClean="0"/>
+                        <a:t>in</a:t>
+                      </a:r>
+                      <a:endParaRPr lang="en-US" sz="2400" dirty="0"/>
+                    </a:p>
+                  </a:txBody>
+                  <a:tcPr/>
+                </a:tc>
+                <a:tc>
+                  <a:txBody>
+                    <a:bodyPr/>
+                    <a:lstStyle/>
+                    <a:p>
+                      <a:r>
+                        <a:rPr lang="en-US" sz="2400" dirty="0" smtClean="0"/>
+                        <a:t>Computer Science</a:t>
+                      </a:r>
+                      <a:endParaRPr lang="en-US" sz="2400" dirty="0"/>
+                    </a:p>
+                  </a:txBody>
+                  <a:tcPr/>
+                </a:tc>
+                <a:tc>
+                  <a:txBody>
+                    <a:bodyPr/>
+                    <a:lstStyle/>
+                    <a:p>
+                      <a:r>
+                        <a:rPr lang="en-US" sz="2400" dirty="0" smtClean="0"/>
+                        <a:t>or</a:t>
+                      </a:r>
+                      <a:endParaRPr lang="en-US" sz="2400" dirty="0"/>
+                    </a:p>
+                  </a:txBody>
+                  <a:tcPr/>
+                </a:tc>
+                <a:tc>
+                  <a:txBody>
+                    <a:bodyPr/>
+                    <a:lstStyle/>
+                    <a:p>
+                      <a:r>
+                        <a:rPr lang="en-US" sz="2400" dirty="0" smtClean="0"/>
+                        <a:t>Similar</a:t>
+                      </a:r>
+                      <a:r>
+                        <a:rPr lang="en-US" sz="2400" baseline="0" dirty="0" smtClean="0"/>
+                        <a:t> </a:t>
+                      </a:r>
+                      <a:endParaRPr lang="en-US" sz="2400" dirty="0"/>
+                    </a:p>
+                  </a:txBody>
+                  <a:tcPr/>
+                </a:tc>
+                <a:tc>
+                  <a:txBody>
+                    <a:bodyPr/>
+                    <a:lstStyle/>
+                    <a:p>
+                      <a:r>
+                        <a:rPr lang="en-US" sz="2400" dirty="0" smtClean="0"/>
+                        <a:t>degree</a:t>
+                      </a:r>
+                      <a:endParaRPr lang="en-US" sz="2400" dirty="0"/>
+                    </a:p>
+                  </a:txBody>
+                  <a:tcPr/>
+                </a:tc>
+              </a:tr>
+            </a:tbl>
+          </a:graphicData>
+        </a:graphic>
+      </p:graphicFrame>
     </p:spTree>
     <p:extLst>
       <p:ext uri="{BB962C8B-B14F-4D97-AF65-F5344CB8AC3E}">
-        <p14:creationId xmlns:p14="http://schemas.microsoft.com/office/powerpoint/2010/main" val="171826572"/>
+        <p14:creationId xmlns:p14="http://schemas.microsoft.com/office/powerpoint/2010/main" val="2207437839"/>
       </p:ext>
     </p:extLst>
   </p:cSld>
@@ -5434,6 +6391,42 @@
       </p:grpSpPr>
       <p:sp>
         <p:nvSpPr>
+          <p:cNvPr id="3" name="Title 2"/>
+          <p:cNvSpPr>
+            <a:spLocks noGrp="1"/>
+          </p:cNvSpPr>
+          <p:nvPr>
+            <p:ph type="title"/>
+          </p:nvPr>
+        </p:nvSpPr>
+        <p:spPr>
+          <a:xfrm>
+            <a:off x="1562100" y="365125"/>
+            <a:ext cx="9791700" cy="1325563"/>
+          </a:xfrm>
+        </p:spPr>
+        <p:txBody>
+          <a:bodyPr/>
+          <a:lstStyle/>
+          <a:p>
+            <a:r>
+              <a:rPr lang="en-US" dirty="0" smtClean="0"/>
+              <a:t>Patterns </a:t>
+            </a:r>
+            <a:r>
+              <a:rPr lang="en-US" dirty="0"/>
+              <a:t>M</a:t>
+            </a:r>
+            <a:r>
+              <a:rPr lang="en-US" dirty="0" smtClean="0"/>
+              <a:t>atching Degree</a:t>
+            </a:r>
+            <a:endParaRPr lang="en-US" dirty="0"/>
+          </a:p>
+        </p:txBody>
+      </p:sp>
+      <p:sp>
+        <p:nvSpPr>
           <p:cNvPr id="2" name="Content Placeholder 1"/>
           <p:cNvSpPr>
             <a:spLocks noGrp="1"/>
@@ -5447,110 +6440,117 @@
           <a:bodyPr/>
           <a:lstStyle/>
           <a:p>
+            <a:pPr marL="514350" indent="-514350">
+              <a:buFont typeface="+mj-lt"/>
+              <a:buAutoNum type="arabicPeriod"/>
+            </a:pPr>
             <a:r>
               <a:rPr lang="en-US" dirty="0"/>
-              <a:t>A </a:t>
-            </a:r>
-            <a:r>
-              <a:rPr lang="en-US" b="1" dirty="0"/>
-              <a:t>finite state transducer</a:t>
-            </a:r>
+              <a:t> DE-LEVEL,  DE-LEVEL, OR  DE-LEVEL </a:t>
+            </a:r>
+            <a:r>
+              <a:rPr lang="en-US" dirty="0" smtClean="0"/>
+              <a:t> </a:t>
+            </a:r>
+            <a:endParaRPr lang="en-US" dirty="0"/>
+          </a:p>
+          <a:p>
+            <a:pPr marL="514350" indent="-514350">
+              <a:buFont typeface="+mj-lt"/>
+              <a:buAutoNum type="arabicPeriod"/>
+            </a:pPr>
             <a:r>
               <a:rPr lang="en-US" dirty="0"/>
-              <a:t> (</a:t>
-            </a:r>
-            <a:r>
-              <a:rPr lang="en-US" b="1" dirty="0"/>
-              <a:t>FST</a:t>
+              <a:t> DE-LEVEL DEGREE ( IN  </a:t>
+            </a:r>
+            <a:r>
+              <a:rPr lang="en-US" dirty="0" smtClean="0"/>
+              <a:t>| OF </a:t>
             </a:r>
             <a:r>
               <a:rPr lang="en-US" dirty="0"/>
-              <a:t>) is </a:t>
-            </a:r>
-            <a:r>
-              <a:rPr lang="en-US" dirty="0" smtClean="0"/>
-              <a:t>a finite </a:t>
-            </a:r>
-            <a:r>
-              <a:rPr lang="en-US" smtClean="0"/>
-              <a:t>state machine </a:t>
-            </a:r>
+              <a:t>) DT MAJOR   </a:t>
+            </a:r>
+          </a:p>
+          <a:p>
+            <a:pPr marL="514350" indent="-514350">
+              <a:buFont typeface="+mj-lt"/>
+              <a:buAutoNum type="arabicPeriod"/>
+            </a:pPr>
             <a:r>
               <a:rPr lang="en-US" dirty="0"/>
-              <a:t> with two tapes: an input tape and an output tape. </a:t>
+              <a:t> MAJOR-DEGREE  ,  MAJOR-DEGREE OR MAJOR </a:t>
+            </a:r>
+            <a:r>
+              <a:rPr lang="en-US" dirty="0" smtClean="0"/>
+              <a:t> </a:t>
             </a:r>
             <a:endParaRPr lang="en-US" dirty="0"/>
           </a:p>
-        </p:txBody>
-      </p:sp>
-      <p:sp>
-        <p:nvSpPr>
-          <p:cNvPr id="3" name="Title 2"/>
-          <p:cNvSpPr>
-            <a:spLocks noGrp="1"/>
-          </p:cNvSpPr>
-          <p:nvPr>
-            <p:ph type="title"/>
-          </p:nvPr>
-        </p:nvSpPr>
-        <p:spPr>
-          <a:xfrm>
-            <a:off x="1562100" y="286241"/>
-            <a:ext cx="9029700" cy="1325563"/>
-          </a:xfrm>
-        </p:spPr>
-        <p:txBody>
-          <a:bodyPr/>
-          <a:lstStyle/>
-          <a:p>
+          <a:p>
+            <a:pPr marL="514350" indent="-514350">
+              <a:buFont typeface="+mj-lt"/>
+              <a:buAutoNum type="arabicPeriod"/>
+            </a:pPr>
             <a:r>
               <a:rPr lang="en-US" dirty="0"/>
-              <a:t>Finite Automata Transducers</a:t>
-            </a:r>
-          </a:p>
-        </p:txBody>
-      </p:sp>
-      <p:pic>
-        <p:nvPicPr>
-          <p:cNvPr id="4" name="Picture 3"/>
-          <p:cNvPicPr>
-            <a:picLocks noChangeAspect="1"/>
-          </p:cNvPicPr>
-          <p:nvPr/>
-        </p:nvPicPr>
-        <p:blipFill>
-          <a:blip r:embed="rId2"/>
-          <a:stretch>
-            <a:fillRect/>
-          </a:stretch>
-        </p:blipFill>
-        <p:spPr>
-          <a:xfrm>
-            <a:off x="1562100" y="3167665"/>
-            <a:ext cx="9648825" cy="3124200"/>
-          </a:xfrm>
-          <a:prstGeom prst="rect">
-            <a:avLst/>
-          </a:prstGeom>
-        </p:spPr>
-      </p:pic>
+              <a:t> DE-LEVEL (, DE-LEVEL)* (OR DE-LEVEL)? BE? PERFER-VBD   </a:t>
+            </a:r>
+            <a:r>
+              <a:rPr lang="en-US" dirty="0" smtClean="0"/>
+              <a:t> </a:t>
+            </a:r>
+          </a:p>
+          <a:p>
+            <a:pPr marL="514350" indent="-514350">
+              <a:buFont typeface="+mj-lt"/>
+              <a:buAutoNum type="arabicPeriod"/>
+            </a:pPr>
+            <a:r>
+              <a:rPr lang="en-US" dirty="0" smtClean="0"/>
+              <a:t> MAJOR DEGREE </a:t>
+            </a:r>
+          </a:p>
+          <a:p>
+            <a:pPr marL="514350" indent="-514350">
+              <a:buFont typeface="+mj-lt"/>
+              <a:buAutoNum type="arabicPeriod"/>
+            </a:pPr>
+            <a:r>
+              <a:rPr lang="en-US" dirty="0" smtClean="0"/>
+              <a:t> DE_LEVEL </a:t>
+            </a:r>
+            <a:r>
+              <a:rPr lang="en-US" dirty="0"/>
+              <a:t>, OR DEGREE_JJ</a:t>
+            </a:r>
+            <a:r>
+              <a:rPr lang="en-US" dirty="0" smtClean="0"/>
+              <a:t> </a:t>
+            </a:r>
+          </a:p>
+          <a:p>
+            <a:endParaRPr lang="en-US" dirty="0"/>
+          </a:p>
+        </p:txBody>
+      </p:sp>
     </p:spTree>
     <p:extLst>
       <p:ext uri="{BB962C8B-B14F-4D97-AF65-F5344CB8AC3E}">
-        <p14:creationId xmlns:p14="http://schemas.microsoft.com/office/powerpoint/2010/main" val="631405162"/>
+        <p14:creationId xmlns:p14="http://schemas.microsoft.com/office/powerpoint/2010/main" val="1711261763"/>
       </p:ext>
     </p:extLst>
   </p:cSld>
   <p:clrMapOvr>
     <a:masterClrMapping/>
   </p:clrMapOvr>
-  <mc:AlternateContent xmlns:mc="http://schemas.openxmlformats.org/markup-compatibility/2006">
-    <mc:Choice xmlns:p14="http://schemas.microsoft.com/office/powerpoint/2010/main" Requires="p14">
+  <mc:AlternateContent xmlns:mc="http://schemas.openxmlformats.org/markup-compatibility/2006" xmlns:p14="http://schemas.microsoft.com/office/powerpoint/2010/main">
+    <mc:Choice Requires="p14">
       <p:transition spd="med" p14:dur="700">
         <p:fade/>
       </p:transition>
     </mc:Choice>
-    <mc:Fallback>
+    <mc:Fallback xmlns="">
       <p:transition spd="med">
         <p:fade/>
       </p:transition>
@@ -5596,7 +6596,6 @@
               <a:rPr lang="en-US" dirty="0" smtClean="0"/>
               <a:t> There are many job finding websites today. </a:t>
             </a:r>
-            <a:endParaRPr lang="en-US" dirty="0" smtClean="0"/>
           </a:p>
         </p:txBody>
       </p:sp>
@@ -5908,6 +6907,97 @@
       </p:grpSpPr>
       <p:sp>
         <p:nvSpPr>
+          <p:cNvPr id="2" name="Content Placeholder 1"/>
+          <p:cNvSpPr>
+            <a:spLocks noGrp="1"/>
+          </p:cNvSpPr>
+          <p:nvPr>
+            <p:ph idx="1"/>
+          </p:nvPr>
+        </p:nvSpPr>
+        <p:spPr/>
+        <p:txBody>
+          <a:bodyPr/>
+          <a:lstStyle/>
+          <a:p>
+            <a:r>
+              <a:rPr lang="en-US" dirty="0" smtClean="0"/>
+              <a:t>The unit of the expression is token or word</a:t>
+            </a:r>
+          </a:p>
+          <a:p>
+            <a:endParaRPr lang="en-US" dirty="0" smtClean="0"/>
+          </a:p>
+          <a:p>
+            <a:endParaRPr lang="en-US" dirty="0"/>
+          </a:p>
+          <a:p>
+            <a:endParaRPr lang="en-US" dirty="0" smtClean="0"/>
+          </a:p>
+          <a:p>
+            <a:endParaRPr lang="en-US" dirty="0"/>
+          </a:p>
+          <a:p>
+            <a:r>
+              <a:rPr lang="en-US" dirty="0" smtClean="0"/>
+              <a:t> </a:t>
+            </a:r>
+            <a:r>
+              <a:rPr lang="en-US" dirty="0" err="1" smtClean="0"/>
+              <a:t>aaa</a:t>
+            </a:r>
+            <a:r>
+              <a:rPr lang="en-US" dirty="0" smtClean="0"/>
+              <a:t> ccc </a:t>
+            </a:r>
+            <a:r>
+              <a:rPr lang="en-US" dirty="0" err="1" smtClean="0"/>
+              <a:t>ddd</a:t>
+            </a:r>
+            <a:endParaRPr lang="en-US" dirty="0" smtClean="0"/>
+          </a:p>
+          <a:p>
+            <a:r>
+              <a:rPr lang="en-US" dirty="0" err="1" smtClean="0"/>
+              <a:t>bbb</a:t>
+            </a:r>
+            <a:r>
+              <a:rPr lang="en-US" dirty="0" smtClean="0"/>
+              <a:t>  ccc </a:t>
+            </a:r>
+            <a:r>
+              <a:rPr lang="en-US" dirty="0" err="1" smtClean="0"/>
+              <a:t>ccc</a:t>
+            </a:r>
+            <a:r>
+              <a:rPr lang="en-US" dirty="0" smtClean="0"/>
+              <a:t>  </a:t>
+            </a:r>
+            <a:r>
+              <a:rPr lang="en-US" dirty="0" err="1" smtClean="0"/>
+              <a:t>sss</a:t>
+            </a:r>
+            <a:r>
+              <a:rPr lang="en-US" dirty="0" smtClean="0"/>
+              <a:t> </a:t>
+            </a:r>
+            <a:r>
+              <a:rPr lang="en-US" dirty="0" err="1" smtClean="0"/>
+              <a:t>ddd</a:t>
+            </a:r>
+            <a:endParaRPr lang="en-US" dirty="0" smtClean="0"/>
+          </a:p>
+          <a:p>
+            <a:r>
+              <a:rPr lang="en-US" dirty="0" smtClean="0"/>
+              <a:t> </a:t>
+            </a:r>
+            <a:endParaRPr lang="en-US" dirty="0"/>
+          </a:p>
+        </p:txBody>
+      </p:sp>
+      <p:sp>
+        <p:nvSpPr>
           <p:cNvPr id="3" name="Title 2"/>
           <p:cNvSpPr>
             <a:spLocks noGrp="1"/>
@@ -5927,12 +7017,8 @@
           <a:lstStyle/>
           <a:p>
             <a:r>
-              <a:rPr lang="en-US" dirty="0" err="1" smtClean="0"/>
-              <a:t>Grammer</a:t>
-            </a:r>
-            <a:r>
-              <a:rPr lang="en-US" dirty="0" smtClean="0"/>
-              <a:t> current support </a:t>
+              <a:rPr lang="en-US" dirty="0" smtClean="0"/>
+              <a:t>Regular Expression Over Tokens</a:t>
             </a:r>
             <a:endParaRPr lang="en-US" dirty="0"/>
           </a:p>
@@ -5954,8 +7040,8 @@
         </p:blipFill>
         <p:spPr>
           <a:xfrm>
-            <a:off x="1418889" y="2001994"/>
-            <a:ext cx="9534525" cy="4476750"/>
+            <a:off x="1130519" y="2710868"/>
+            <a:ext cx="10886679" cy="1127035"/>
           </a:xfrm>
           <a:prstGeom prst="rect">
             <a:avLst/>
@@ -5965,7 +7051,7 @@
     </p:spTree>
     <p:extLst>
       <p:ext uri="{BB962C8B-B14F-4D97-AF65-F5344CB8AC3E}">
-        <p14:creationId xmlns:p14="http://schemas.microsoft.com/office/powerpoint/2010/main" val="1957370382"/>
+        <p14:creationId xmlns:p14="http://schemas.microsoft.com/office/powerpoint/2010/main" val="171826572"/>
       </p:ext>
     </p:extLst>
   </p:cSld>
@@ -6006,6 +7092,56 @@
       </p:grpSpPr>
       <p:sp>
         <p:nvSpPr>
+          <p:cNvPr id="2" name="Content Placeholder 1"/>
+          <p:cNvSpPr>
+            <a:spLocks noGrp="1"/>
+          </p:cNvSpPr>
+          <p:nvPr>
+            <p:ph idx="1"/>
+          </p:nvPr>
+        </p:nvSpPr>
+        <p:spPr/>
+        <p:txBody>
+          <a:bodyPr/>
+          <a:lstStyle/>
+          <a:p>
+            <a:r>
+              <a:rPr lang="en-US" dirty="0"/>
+              <a:t>A </a:t>
+            </a:r>
+            <a:r>
+              <a:rPr lang="en-US" b="1" dirty="0"/>
+              <a:t>finite state transducer</a:t>
+            </a:r>
+            <a:r>
+              <a:rPr lang="en-US" dirty="0"/>
+              <a:t> (</a:t>
+            </a:r>
+            <a:r>
+              <a:rPr lang="en-US" b="1" dirty="0"/>
+              <a:t>FST</a:t>
+            </a:r>
+            <a:r>
+              <a:rPr lang="en-US" dirty="0"/>
+              <a:t>) is </a:t>
+            </a:r>
+            <a:r>
+              <a:rPr lang="en-US" dirty="0" smtClean="0"/>
+              <a:t>a finite </a:t>
+            </a:r>
+            <a:r>
+              <a:rPr lang="en-US" smtClean="0"/>
+              <a:t>state machine </a:t>
+            </a:r>
+            <a:r>
+              <a:rPr lang="en-US" dirty="0"/>
+              <a:t> with two tapes: an input tape and an output tape. </a:t>
+            </a:r>
+          </a:p>
+        </p:txBody>
+      </p:sp>
+      <p:sp>
+        <p:nvSpPr>
           <p:cNvPr id="3" name="Title 2"/>
           <p:cNvSpPr>
             <a:spLocks noGrp="1"/>
@@ -6016,8 +7152,8 @@
         </p:nvSpPr>
         <p:spPr>
           <a:xfrm>
-            <a:off x="1562100" y="365125"/>
-            <a:ext cx="9791700" cy="1325563"/>
+            <a:off x="1562100" y="286241"/>
+            <a:ext cx="9029700" cy="1325563"/>
           </a:xfrm>
         </p:spPr>
         <p:txBody>
@@ -6025,10 +7161,9 @@
           <a:lstStyle/>
           <a:p>
             <a:r>
-              <a:rPr lang="en-US" dirty="0" smtClean="0"/>
-              <a:t>Flexibility --  regular expression style </a:t>
-            </a:r>
-            <a:endParaRPr lang="en-US" dirty="0"/>
+              <a:rPr lang="en-US" dirty="0"/>
+              <a:t>Finite Automata Transducers</a:t>
+            </a:r>
           </a:p>
         </p:txBody>
       </p:sp>
@@ -6048,8 +7183,8 @@
         </p:blipFill>
         <p:spPr>
           <a:xfrm>
-            <a:off x="898699" y="2517685"/>
-            <a:ext cx="10886679" cy="1127035"/>
+            <a:off x="1562100" y="3167665"/>
+            <a:ext cx="9648825" cy="3124200"/>
           </a:xfrm>
           <a:prstGeom prst="rect">
             <a:avLst/>
@@ -6059,7 +7194,7 @@
     </p:spTree>
     <p:extLst>
       <p:ext uri="{BB962C8B-B14F-4D97-AF65-F5344CB8AC3E}">
-        <p14:creationId xmlns:p14="http://schemas.microsoft.com/office/powerpoint/2010/main" val="689215300"/>
+        <p14:creationId xmlns:p14="http://schemas.microsoft.com/office/powerpoint/2010/main" val="631405162"/>
       </p:ext>
     </p:extLst>
   </p:cSld>
@@ -6100,25 +7235,6 @@
       </p:grpSpPr>
       <p:sp>
         <p:nvSpPr>
-          <p:cNvPr id="2" name="Content Placeholder 1"/>
-          <p:cNvSpPr>
-            <a:spLocks noGrp="1"/>
-          </p:cNvSpPr>
-          <p:nvPr>
-            <p:ph idx="1"/>
-          </p:nvPr>
-        </p:nvSpPr>
-        <p:spPr/>
-        <p:txBody>
-          <a:bodyPr/>
-          <a:lstStyle/>
-          <a:p>
-            <a:endParaRPr lang="en-US" dirty="0"/>
-          </a:p>
-        </p:txBody>
-      </p:sp>
-      <p:sp>
-        <p:nvSpPr>
           <p:cNvPr id="3" name="Title 2"/>
           <p:cNvSpPr>
             <a:spLocks noGrp="1"/>
@@ -6134,18 +7250,16 @@
           </a:xfrm>
         </p:spPr>
         <p:txBody>
-          <a:bodyPr>
-            <a:normAutofit fontScale="90000"/>
-          </a:bodyPr>
-          <a:lstStyle/>
-          <a:p>
-            <a:r>
-              <a:rPr lang="en-US" dirty="0"/>
-              <a:t>Flexibility -- </a:t>
-            </a:r>
-            <a:r>
-              <a:rPr lang="en-US" dirty="0" smtClean="0"/>
-              <a:t>connected by algebra  operator</a:t>
+          <a:bodyPr/>
+          <a:lstStyle/>
+          <a:p>
+            <a:r>
+              <a:rPr lang="en-US" dirty="0" err="1" smtClean="0"/>
+              <a:t>Grammer</a:t>
+            </a:r>
+            <a:r>
+              <a:rPr lang="en-US" dirty="0" smtClean="0"/>
+              <a:t> current support </a:t>
             </a:r>
             <a:endParaRPr lang="en-US" dirty="0"/>
           </a:p>
@@ -6167,8 +7281,8 @@
         </p:blipFill>
         <p:spPr>
           <a:xfrm>
-            <a:off x="1562100" y="2951207"/>
-            <a:ext cx="11054297" cy="1813976"/>
+            <a:off x="1418889" y="2001994"/>
+            <a:ext cx="9534525" cy="4476750"/>
           </a:xfrm>
           <a:prstGeom prst="rect">
             <a:avLst/>
@@ -6178,7 +7292,7 @@
     </p:spTree>
     <p:extLst>
       <p:ext uri="{BB962C8B-B14F-4D97-AF65-F5344CB8AC3E}">
-        <p14:creationId xmlns:p14="http://schemas.microsoft.com/office/powerpoint/2010/main" val="346801175"/>
+        <p14:creationId xmlns:p14="http://schemas.microsoft.com/office/powerpoint/2010/main" val="1957370382"/>
       </p:ext>
     </p:extLst>
   </p:cSld>
@@ -6217,15 +7331,41 @@
           <a:chExt cx="0" cy="0"/>
         </a:xfrm>
       </p:grpSpPr>
+      <p:sp>
+        <p:nvSpPr>
+          <p:cNvPr id="3" name="Title 2"/>
+          <p:cNvSpPr>
+            <a:spLocks noGrp="1"/>
+          </p:cNvSpPr>
+          <p:nvPr>
+            <p:ph type="title"/>
+          </p:nvPr>
+        </p:nvSpPr>
+        <p:spPr>
+          <a:xfrm>
+            <a:off x="1562100" y="365125"/>
+            <a:ext cx="9791700" cy="1325563"/>
+          </a:xfrm>
+        </p:spPr>
+        <p:txBody>
+          <a:bodyPr/>
+          <a:lstStyle/>
+          <a:p>
+            <a:r>
+              <a:rPr lang="en-US" dirty="0" smtClean="0"/>
+              <a:t>Flexibility --  regular expression style </a:t>
+            </a:r>
+            <a:endParaRPr lang="en-US" dirty="0"/>
+          </a:p>
+        </p:txBody>
+      </p:sp>
       <p:pic>
         <p:nvPicPr>
-          <p:cNvPr id="4" name="Content Placeholder 3"/>
+          <p:cNvPr id="4" name="Picture 3"/>
           <p:cNvPicPr>
-            <a:picLocks noGrp="1" noChangeAspect="1"/>
+            <a:picLocks noChangeAspect="1"/>
           </p:cNvPicPr>
-          <p:nvPr>
-            <p:ph idx="1"/>
-          </p:nvPr>
+          <p:nvPr/>
         </p:nvPicPr>
         <p:blipFill>
           <a:blip r:embed="rId2"/>
@@ -6235,52 +7375,18 @@
         </p:blipFill>
         <p:spPr>
           <a:xfrm>
-            <a:off x="1562099" y="2252249"/>
-            <a:ext cx="9170147" cy="2693238"/>
+            <a:off x="898699" y="2517685"/>
+            <a:ext cx="10886679" cy="1127035"/>
           </a:xfrm>
           <a:prstGeom prst="rect">
             <a:avLst/>
           </a:prstGeom>
         </p:spPr>
       </p:pic>
-      <p:sp>
-        <p:nvSpPr>
-          <p:cNvPr id="3" name="Title 2"/>
-          <p:cNvSpPr>
-            <a:spLocks noGrp="1"/>
-          </p:cNvSpPr>
-          <p:nvPr>
-            <p:ph type="title"/>
-          </p:nvPr>
-        </p:nvSpPr>
-        <p:spPr>
-          <a:xfrm>
-            <a:off x="1562100" y="365125"/>
-            <a:ext cx="9791700" cy="1325563"/>
-          </a:xfrm>
-        </p:spPr>
-        <p:txBody>
-          <a:bodyPr>
-            <a:normAutofit/>
-          </a:bodyPr>
-          <a:lstStyle/>
-          <a:p>
-            <a:r>
-              <a:rPr lang="en-US" dirty="0"/>
-              <a:t>Flexibility </a:t>
-            </a:r>
-            <a:r>
-              <a:rPr lang="en-US" dirty="0" smtClean="0"/>
-              <a:t>– OO programming style</a:t>
-            </a:r>
-            <a:endParaRPr lang="en-US" dirty="0"/>
-          </a:p>
-        </p:txBody>
-      </p:sp>
     </p:spTree>
     <p:extLst>
       <p:ext uri="{BB962C8B-B14F-4D97-AF65-F5344CB8AC3E}">
-        <p14:creationId xmlns:p14="http://schemas.microsoft.com/office/powerpoint/2010/main" val="2796069335"/>
+        <p14:creationId xmlns:p14="http://schemas.microsoft.com/office/powerpoint/2010/main" val="689215300"/>
       </p:ext>
     </p:extLst>
   </p:cSld>
@@ -6321,6 +7427,25 @@
       </p:grpSpPr>
       <p:sp>
         <p:nvSpPr>
+          <p:cNvPr id="2" name="Content Placeholder 1"/>
+          <p:cNvSpPr>
+            <a:spLocks noGrp="1"/>
+          </p:cNvSpPr>
+          <p:nvPr>
+            <p:ph idx="1"/>
+          </p:nvPr>
+        </p:nvSpPr>
+        <p:spPr/>
+        <p:txBody>
+          <a:bodyPr/>
+          <a:lstStyle/>
+          <a:p>
+            <a:endParaRPr lang="en-US" dirty="0"/>
+          </a:p>
+        </p:txBody>
+      </p:sp>
+      <p:sp>
+        <p:nvSpPr>
           <p:cNvPr id="3" name="Title 2"/>
           <p:cNvSpPr>
             <a:spLocks noGrp="1"/>
@@ -6336,12 +7461,18 @@
           </a:xfrm>
         </p:spPr>
         <p:txBody>
-          <a:bodyPr/>
-          <a:lstStyle/>
-          <a:p>
-            <a:r>
-              <a:rPr lang="en-US" dirty="0" smtClean="0"/>
-              <a:t>Flexibility</a:t>
+          <a:bodyPr>
+            <a:normAutofit fontScale="90000"/>
+          </a:bodyPr>
+          <a:lstStyle/>
+          <a:p>
+            <a:r>
+              <a:rPr lang="en-US" dirty="0"/>
+              <a:t>Flexibility -- </a:t>
+            </a:r>
+            <a:r>
+              <a:rPr lang="en-US" dirty="0" smtClean="0"/>
+              <a:t>connected by algebra  operator</a:t>
             </a:r>
             <a:endParaRPr lang="en-US" dirty="0"/>
           </a:p>
@@ -6349,13 +7480,11 @@
       </p:sp>
       <p:pic>
         <p:nvPicPr>
-          <p:cNvPr id="4" name="Content Placeholder 3"/>
+          <p:cNvPr id="4" name="Picture 3"/>
           <p:cNvPicPr>
-            <a:picLocks noGrp="1" noChangeAspect="1"/>
+            <a:picLocks noChangeAspect="1"/>
           </p:cNvPicPr>
-          <p:nvPr>
-            <p:ph idx="1"/>
-          </p:nvPr>
+          <p:nvPr/>
         </p:nvPicPr>
         <p:blipFill>
           <a:blip r:embed="rId2"/>
@@ -6365,51 +7494,18 @@
         </p:blipFill>
         <p:spPr>
           <a:xfrm>
-            <a:off x="1562099" y="3310797"/>
-            <a:ext cx="9601200" cy="2076450"/>
+            <a:off x="1562100" y="2951207"/>
+            <a:ext cx="11054297" cy="1813976"/>
           </a:xfrm>
           <a:prstGeom prst="rect">
             <a:avLst/>
           </a:prstGeom>
         </p:spPr>
       </p:pic>
-      <p:sp>
-        <p:nvSpPr>
-          <p:cNvPr id="5" name="Rectangle 4"/>
-          <p:cNvSpPr/>
-          <p:nvPr/>
-        </p:nvSpPr>
-        <p:spPr>
-          <a:xfrm>
-            <a:off x="1562099" y="1789021"/>
-            <a:ext cx="8869788" cy="1323439"/>
-          </a:xfrm>
-          <a:prstGeom prst="rect">
-            <a:avLst/>
-          </a:prstGeom>
-        </p:spPr>
-        <p:txBody>
-          <a:bodyPr wrap="square">
-            <a:spAutoFit/>
-          </a:bodyPr>
-          <a:lstStyle/>
-          <a:p>
-            <a:r>
-              <a:rPr lang="en-US" sz="4000" dirty="0"/>
-              <a:t>customized </a:t>
-            </a:r>
-            <a:r>
-              <a:rPr lang="en-US" sz="4000" dirty="0" smtClean="0"/>
-              <a:t>in catch function and output function by lambda expression  </a:t>
-            </a:r>
-            <a:endParaRPr lang="en-US" sz="4000" dirty="0"/>
-          </a:p>
-        </p:txBody>
-      </p:sp>
     </p:spTree>
     <p:extLst>
       <p:ext uri="{BB962C8B-B14F-4D97-AF65-F5344CB8AC3E}">
-        <p14:creationId xmlns:p14="http://schemas.microsoft.com/office/powerpoint/2010/main" val="3061939575"/>
+        <p14:creationId xmlns:p14="http://schemas.microsoft.com/office/powerpoint/2010/main" val="346801175"/>
       </p:ext>
     </p:extLst>
   </p:cSld>
@@ -6448,77 +7544,32 @@
           <a:chExt cx="0" cy="0"/>
         </a:xfrm>
       </p:grpSpPr>
-      <p:sp>
-        <p:nvSpPr>
-          <p:cNvPr id="2" name="Content Placeholder 1"/>
-          <p:cNvSpPr>
-            <a:spLocks noGrp="1"/>
-          </p:cNvSpPr>
+      <p:pic>
+        <p:nvPicPr>
+          <p:cNvPr id="4" name="Content Placeholder 3"/>
+          <p:cNvPicPr>
+            <a:picLocks noGrp="1" noChangeAspect="1"/>
+          </p:cNvPicPr>
           <p:nvPr>
             <p:ph idx="1"/>
           </p:nvPr>
-        </p:nvSpPr>
-        <p:spPr/>
-        <p:txBody>
-          <a:bodyPr/>
-          <a:lstStyle/>
-          <a:p>
-            <a:r>
-              <a:rPr lang="en-US" dirty="0"/>
-              <a:t>lambda </a:t>
-            </a:r>
-            <a:r>
-              <a:rPr lang="en-US" dirty="0" smtClean="0"/>
-              <a:t>x:x[0] </a:t>
-            </a:r>
-            <a:r>
-              <a:rPr lang="en-US" dirty="0"/>
-              <a:t>– </a:t>
-            </a:r>
-            <a:r>
-              <a:rPr lang="en-US" dirty="0" smtClean="0"/>
-              <a:t>catch the original text</a:t>
-            </a:r>
-          </a:p>
-          <a:p>
-            <a:endParaRPr lang="en-US" dirty="0" smtClean="0"/>
-          </a:p>
-          <a:p>
-            <a:r>
-              <a:rPr lang="en-US" dirty="0" smtClean="0"/>
-              <a:t>lambda </a:t>
-            </a:r>
-            <a:r>
-              <a:rPr lang="en-US" dirty="0"/>
-              <a:t>x:x[2</a:t>
-            </a:r>
-            <a:r>
-              <a:rPr lang="en-US" dirty="0" smtClean="0"/>
-              <a:t>]   -- catch the first layer label </a:t>
-            </a:r>
-          </a:p>
-          <a:p>
-            <a:endParaRPr lang="en-US" dirty="0" smtClean="0"/>
-          </a:p>
-          <a:p>
-            <a:r>
-              <a:rPr lang="en-US" dirty="0" smtClean="0"/>
-              <a:t>lambda </a:t>
-            </a:r>
-            <a:r>
-              <a:rPr lang="en-US" dirty="0"/>
-              <a:t>x:x[1</a:t>
-            </a:r>
-            <a:r>
-              <a:rPr lang="en-US" dirty="0" smtClean="0"/>
-              <a:t>] – output the second layer label</a:t>
-            </a:r>
-          </a:p>
-          <a:p>
-            <a:endParaRPr lang="en-US" dirty="0"/>
-          </a:p>
-        </p:txBody>
-      </p:sp>
+        </p:nvPicPr>
+        <p:blipFill>
+          <a:blip r:embed="rId2"/>
+          <a:stretch>
+            <a:fillRect/>
+          </a:stretch>
+        </p:blipFill>
+        <p:spPr>
+          <a:xfrm>
+            <a:off x="1562099" y="2252249"/>
+            <a:ext cx="9170147" cy="2693238"/>
+          </a:xfrm>
+          <a:prstGeom prst="rect">
+            <a:avLst/>
+          </a:prstGeom>
+        </p:spPr>
+      </p:pic>
       <p:sp>
         <p:nvSpPr>
           <p:cNvPr id="3" name="Title 2"/>
@@ -6536,20 +7587,27 @@
           </a:xfrm>
         </p:spPr>
         <p:txBody>
-          <a:bodyPr/>
+          <a:bodyPr>
+            <a:normAutofit/>
+          </a:bodyPr>
           <a:lstStyle/>
           <a:p>
             <a:r>
               <a:rPr lang="en-US" dirty="0"/>
-              <a:t>Flexibility</a:t>
-            </a:r>
+              <a:t>Flexibility </a:t>
+            </a:r>
+            <a:r>
+              <a:rPr lang="en-US" dirty="0" smtClean="0"/>
+              <a:t>– OO programming style</a:t>
+            </a:r>
+            <a:endParaRPr lang="en-US" dirty="0"/>
           </a:p>
         </p:txBody>
       </p:sp>
     </p:spTree>
     <p:extLst>
       <p:ext uri="{BB962C8B-B14F-4D97-AF65-F5344CB8AC3E}">
-        <p14:creationId xmlns:p14="http://schemas.microsoft.com/office/powerpoint/2010/main" val="4066664294"/>
+        <p14:creationId xmlns:p14="http://schemas.microsoft.com/office/powerpoint/2010/main" val="2796069335"/>
       </p:ext>
     </p:extLst>
   </p:cSld>
@@ -6590,45 +7648,6 @@
       </p:grpSpPr>
       <p:sp>
         <p:nvSpPr>
-          <p:cNvPr id="2" name="Content Placeholder 1"/>
-          <p:cNvSpPr>
-            <a:spLocks noGrp="1"/>
-          </p:cNvSpPr>
-          <p:nvPr>
-            <p:ph idx="1"/>
-          </p:nvPr>
-        </p:nvSpPr>
-        <p:spPr/>
-        <p:txBody>
-          <a:bodyPr/>
-          <a:lstStyle/>
-          <a:p>
-            <a:r>
-              <a:rPr lang="en-US" dirty="0" smtClean="0"/>
-              <a:t> Transfer the sentence from </a:t>
-            </a:r>
-          </a:p>
-          <a:p>
-            <a:r>
-              <a:rPr lang="en-US" dirty="0"/>
-              <a:t> </a:t>
-            </a:r>
-            <a:r>
-              <a:rPr lang="en-US" dirty="0" smtClean="0"/>
-              <a:t>Bachelors degree in computer science or information systems </a:t>
-            </a:r>
-          </a:p>
-          <a:p>
-            <a:r>
-              <a:rPr lang="en-US" dirty="0" smtClean="0"/>
-              <a:t>To </a:t>
-            </a:r>
-            <a:endParaRPr lang="en-US" dirty="0"/>
-          </a:p>
-        </p:txBody>
-      </p:sp>
-      <p:sp>
-        <p:nvSpPr>
           <p:cNvPr id="3" name="Title 2"/>
           <p:cNvSpPr>
             <a:spLocks noGrp="1"/>
@@ -6649,7 +7668,7 @@
           <a:p>
             <a:r>
               <a:rPr lang="en-US" dirty="0" smtClean="0"/>
-              <a:t>Processing the text </a:t>
+              <a:t>Flexibility</a:t>
             </a:r>
             <a:endParaRPr lang="en-US" dirty="0"/>
           </a:p>
@@ -6659,9 +7678,11 @@
         <p:nvPicPr>
           <p:cNvPr id="4" name="Content Placeholder 3"/>
           <p:cNvPicPr>
-            <a:picLocks noChangeAspect="1"/>
+            <a:picLocks noGrp="1" noChangeAspect="1"/>
           </p:cNvPicPr>
-          <p:nvPr/>
+          <p:nvPr>
+            <p:ph idx="1"/>
+          </p:nvPr>
         </p:nvPicPr>
         <p:blipFill>
           <a:blip r:embed="rId2"/>
@@ -6671,7 +7692,7 @@
         </p:blipFill>
         <p:spPr>
           <a:xfrm>
-            <a:off x="1752600" y="3452466"/>
+            <a:off x="1562099" y="3310797"/>
             <a:ext cx="9601200" cy="2076450"/>
           </a:xfrm>
           <a:prstGeom prst="rect">
@@ -6679,23 +7700,56 @@
           </a:prstGeom>
         </p:spPr>
       </p:pic>
+      <p:sp>
+        <p:nvSpPr>
+          <p:cNvPr id="5" name="Rectangle 4"/>
+          <p:cNvSpPr/>
+          <p:nvPr/>
+        </p:nvSpPr>
+        <p:spPr>
+          <a:xfrm>
+            <a:off x="1562099" y="1789021"/>
+            <a:ext cx="8869788" cy="1323439"/>
+          </a:xfrm>
+          <a:prstGeom prst="rect">
+            <a:avLst/>
+          </a:prstGeom>
+        </p:spPr>
+        <p:txBody>
+          <a:bodyPr wrap="square">
+            <a:spAutoFit/>
+          </a:bodyPr>
+          <a:lstStyle/>
+          <a:p>
+            <a:r>
+              <a:rPr lang="en-US" sz="4000" dirty="0"/>
+              <a:t>customized </a:t>
+            </a:r>
+            <a:r>
+              <a:rPr lang="en-US" sz="4000" dirty="0" smtClean="0"/>
+              <a:t>in catch function and output function by lambda expression  </a:t>
+            </a:r>
+            <a:endParaRPr lang="en-US" sz="4000" dirty="0"/>
+          </a:p>
+        </p:txBody>
+      </p:sp>
     </p:spTree>
     <p:extLst>
       <p:ext uri="{BB962C8B-B14F-4D97-AF65-F5344CB8AC3E}">
-        <p14:creationId xmlns:p14="http://schemas.microsoft.com/office/powerpoint/2010/main" val="3842646551"/>
+        <p14:creationId xmlns:p14="http://schemas.microsoft.com/office/powerpoint/2010/main" val="3061939575"/>
       </p:ext>
     </p:extLst>
   </p:cSld>
   <p:clrMapOvr>
     <a:masterClrMapping/>
   </p:clrMapOvr>
-  <mc:AlternateContent xmlns:mc="http://schemas.openxmlformats.org/markup-compatibility/2006">
-    <mc:Choice xmlns:p14="http://schemas.microsoft.com/office/powerpoint/2010/main" Requires="p14">
+  <mc:AlternateContent xmlns:mc="http://schemas.openxmlformats.org/markup-compatibility/2006" xmlns:p14="http://schemas.microsoft.com/office/powerpoint/2010/main">
+    <mc:Choice Requires="p14">
       <p:transition spd="med" p14:dur="700">
         <p:fade/>
       </p:transition>
     </mc:Choice>
-    <mc:Fallback>
+    <mc:Fallback xmlns="">
       <p:transition spd="med">
         <p:fade/>
       </p:transition>
@@ -6721,32 +7775,77 @@
           <a:chExt cx="0" cy="0"/>
         </a:xfrm>
       </p:grpSpPr>
-      <p:pic>
-        <p:nvPicPr>
-          <p:cNvPr id="4" name="Content Placeholder 3"/>
-          <p:cNvPicPr>
-            <a:picLocks noGrp="1" noChangeAspect="1"/>
-          </p:cNvPicPr>
+      <p:sp>
+        <p:nvSpPr>
+          <p:cNvPr id="2" name="Content Placeholder 1"/>
+          <p:cNvSpPr>
+            <a:spLocks noGrp="1"/>
+          </p:cNvSpPr>
           <p:nvPr>
             <p:ph idx="1"/>
           </p:nvPr>
-        </p:nvPicPr>
-        <p:blipFill>
-          <a:blip r:embed="rId2"/>
-          <a:stretch>
-            <a:fillRect/>
-          </a:stretch>
-        </p:blipFill>
-        <p:spPr>
-          <a:xfrm>
-            <a:off x="1076318" y="2299203"/>
-            <a:ext cx="10277482" cy="2749315"/>
-          </a:xfrm>
-          <a:prstGeom prst="rect">
-            <a:avLst/>
-          </a:prstGeom>
-        </p:spPr>
-      </p:pic>
+        </p:nvSpPr>
+        <p:spPr/>
+        <p:txBody>
+          <a:bodyPr/>
+          <a:lstStyle/>
+          <a:p>
+            <a:r>
+              <a:rPr lang="en-US" dirty="0"/>
+              <a:t>lambda </a:t>
+            </a:r>
+            <a:r>
+              <a:rPr lang="en-US" dirty="0" smtClean="0"/>
+              <a:t>x:x[0] </a:t>
+            </a:r>
+            <a:r>
+              <a:rPr lang="en-US" dirty="0"/>
+              <a:t>– </a:t>
+            </a:r>
+            <a:r>
+              <a:rPr lang="en-US" dirty="0" smtClean="0"/>
+              <a:t>catch the original text</a:t>
+            </a:r>
+          </a:p>
+          <a:p>
+            <a:endParaRPr lang="en-US" dirty="0" smtClean="0"/>
+          </a:p>
+          <a:p>
+            <a:r>
+              <a:rPr lang="en-US" dirty="0" smtClean="0"/>
+              <a:t>lambda </a:t>
+            </a:r>
+            <a:r>
+              <a:rPr lang="en-US" dirty="0"/>
+              <a:t>x:x[2</a:t>
+            </a:r>
+            <a:r>
+              <a:rPr lang="en-US" dirty="0" smtClean="0"/>
+              <a:t>]   -- catch the first layer label </a:t>
+            </a:r>
+          </a:p>
+          <a:p>
+            <a:endParaRPr lang="en-US" dirty="0" smtClean="0"/>
+          </a:p>
+          <a:p>
+            <a:r>
+              <a:rPr lang="en-US" dirty="0" smtClean="0"/>
+              <a:t>lambda </a:t>
+            </a:r>
+            <a:r>
+              <a:rPr lang="en-US" dirty="0"/>
+              <a:t>x:x[1</a:t>
+            </a:r>
+            <a:r>
+              <a:rPr lang="en-US" dirty="0" smtClean="0"/>
+              <a:t>] – output the second layer label</a:t>
+            </a:r>
+          </a:p>
+          <a:p>
+            <a:endParaRPr lang="en-US" dirty="0"/>
+          </a:p>
+        </p:txBody>
+      </p:sp>
       <p:sp>
         <p:nvSpPr>
           <p:cNvPr id="3" name="Title 2"/>
@@ -6768,17 +7867,16 @@
           <a:lstStyle/>
           <a:p>
             <a:r>
-              <a:rPr lang="en-US" dirty="0" smtClean="0"/>
-              <a:t>Information Extraction Pipeline </a:t>
-            </a:r>
-            <a:endParaRPr lang="en-US" dirty="0"/>
+              <a:rPr lang="en-US" dirty="0"/>
+              <a:t>Flexibility</a:t>
+            </a:r>
           </a:p>
         </p:txBody>
       </p:sp>
     </p:spTree>
     <p:extLst>
       <p:ext uri="{BB962C8B-B14F-4D97-AF65-F5344CB8AC3E}">
-        <p14:creationId xmlns:p14="http://schemas.microsoft.com/office/powerpoint/2010/main" val="3078332035"/>
+        <p14:creationId xmlns:p14="http://schemas.microsoft.com/office/powerpoint/2010/main" val="4066664294"/>
       </p:ext>
     </p:extLst>
   </p:cSld>
@@ -6817,15 +7915,80 @@
           <a:chExt cx="0" cy="0"/>
         </a:xfrm>
       </p:grpSpPr>
+      <p:sp>
+        <p:nvSpPr>
+          <p:cNvPr id="2" name="Content Placeholder 1"/>
+          <p:cNvSpPr>
+            <a:spLocks noGrp="1"/>
+          </p:cNvSpPr>
+          <p:nvPr>
+            <p:ph idx="1"/>
+          </p:nvPr>
+        </p:nvSpPr>
+        <p:spPr/>
+        <p:txBody>
+          <a:bodyPr/>
+          <a:lstStyle/>
+          <a:p>
+            <a:r>
+              <a:rPr lang="en-US" dirty="0" smtClean="0"/>
+              <a:t> Transfer the sentence from </a:t>
+            </a:r>
+          </a:p>
+          <a:p>
+            <a:r>
+              <a:rPr lang="en-US" dirty="0"/>
+              <a:t> </a:t>
+            </a:r>
+            <a:r>
+              <a:rPr lang="en-US" dirty="0" smtClean="0"/>
+              <a:t>Bachelors degree in computer science or information systems </a:t>
+            </a:r>
+          </a:p>
+          <a:p>
+            <a:r>
+              <a:rPr lang="en-US" dirty="0" smtClean="0"/>
+              <a:t>To </a:t>
+            </a:r>
+            <a:endParaRPr lang="en-US" dirty="0"/>
+          </a:p>
+        </p:txBody>
+      </p:sp>
+      <p:sp>
+        <p:nvSpPr>
+          <p:cNvPr id="3" name="Title 2"/>
+          <p:cNvSpPr>
+            <a:spLocks noGrp="1"/>
+          </p:cNvSpPr>
+          <p:nvPr>
+            <p:ph type="title"/>
+          </p:nvPr>
+        </p:nvSpPr>
+        <p:spPr>
+          <a:xfrm>
+            <a:off x="1562100" y="365125"/>
+            <a:ext cx="9791700" cy="1325563"/>
+          </a:xfrm>
+        </p:spPr>
+        <p:txBody>
+          <a:bodyPr/>
+          <a:lstStyle/>
+          <a:p>
+            <a:r>
+              <a:rPr lang="en-US" dirty="0" smtClean="0"/>
+              <a:t>Processing the text </a:t>
+            </a:r>
+            <a:endParaRPr lang="en-US" dirty="0"/>
+          </a:p>
+        </p:txBody>
+      </p:sp>
       <p:pic>
         <p:nvPicPr>
           <p:cNvPr id="4" name="Content Placeholder 3"/>
           <p:cNvPicPr>
-            <a:picLocks noGrp="1" noChangeAspect="1"/>
+            <a:picLocks noChangeAspect="1"/>
           </p:cNvPicPr>
-          <p:nvPr>
-            <p:ph idx="1"/>
-          </p:nvPr>
+          <p:nvPr/>
         </p:nvPicPr>
         <p:blipFill>
           <a:blip r:embed="rId2"/>
@@ -6835,46 +7998,18 @@
         </p:blipFill>
         <p:spPr>
           <a:xfrm>
-            <a:off x="1562100" y="1810678"/>
-            <a:ext cx="9410700" cy="3943350"/>
+            <a:off x="1752600" y="3452466"/>
+            <a:ext cx="9601200" cy="2076450"/>
           </a:xfrm>
           <a:prstGeom prst="rect">
             <a:avLst/>
           </a:prstGeom>
         </p:spPr>
       </p:pic>
-      <p:sp>
-        <p:nvSpPr>
-          <p:cNvPr id="3" name="Title 2"/>
-          <p:cNvSpPr>
-            <a:spLocks noGrp="1"/>
-          </p:cNvSpPr>
-          <p:nvPr>
-            <p:ph type="title"/>
-          </p:nvPr>
-        </p:nvSpPr>
-        <p:spPr>
-          <a:xfrm>
-            <a:off x="1562100" y="365125"/>
-            <a:ext cx="9791700" cy="1325563"/>
-          </a:xfrm>
-        </p:spPr>
-        <p:txBody>
-          <a:bodyPr/>
-          <a:lstStyle/>
-          <a:p>
-            <a:r>
-              <a:rPr lang="en-US" dirty="0" smtClean="0"/>
-              <a:t>Similarity between concepts </a:t>
-            </a:r>
-            <a:endParaRPr lang="en-US" dirty="0"/>
-          </a:p>
-        </p:txBody>
-      </p:sp>
     </p:spTree>
     <p:extLst>
       <p:ext uri="{BB962C8B-B14F-4D97-AF65-F5344CB8AC3E}">
-        <p14:creationId xmlns:p14="http://schemas.microsoft.com/office/powerpoint/2010/main" val="2200913476"/>
+        <p14:creationId xmlns:p14="http://schemas.microsoft.com/office/powerpoint/2010/main" val="3842646551"/>
       </p:ext>
     </p:extLst>
   </p:cSld>
@@ -6913,49 +8048,20 @@
           <a:chExt cx="0" cy="0"/>
         </a:xfrm>
       </p:grpSpPr>
-      <p:pic>
-        <p:nvPicPr>
-          <p:cNvPr id="4" name="Content Placeholder 3"/>
-          <p:cNvPicPr>
-            <a:picLocks noGrp="1" noChangeAspect="1"/>
-          </p:cNvPicPr>
-          <p:nvPr>
-            <p:ph idx="1"/>
-          </p:nvPr>
-        </p:nvPicPr>
-        <p:blipFill>
-          <a:blip r:embed="rId2">
-            <a:extLst>
-              <a:ext uri="{28A0092B-C50C-407E-A947-70E740481C1C}">
-                <a14:useLocalDpi xmlns:a14="http://schemas.microsoft.com/office/drawing/2010/main" val="0"/>
-              </a:ext>
-            </a:extLst>
-          </a:blip>
-          <a:stretch>
-            <a:fillRect/>
-          </a:stretch>
-        </p:blipFill>
+      <p:sp>
+        <p:nvSpPr>
+          <p:cNvPr id="3" name="Title 2"/>
+          <p:cNvSpPr>
+            <a:spLocks noGrp="1"/>
+          </p:cNvSpPr>
+          <p:nvPr>
+            <p:ph type="title"/>
+          </p:nvPr>
+        </p:nvSpPr>
         <p:spPr>
           <a:xfrm>
-            <a:off x="1562100" y="1786987"/>
-            <a:ext cx="8277359" cy="6144099"/>
-          </a:xfrm>
-        </p:spPr>
-      </p:pic>
-      <p:sp>
-        <p:nvSpPr>
-          <p:cNvPr id="3" name="Title 2"/>
-          <p:cNvSpPr>
-            <a:spLocks noGrp="1"/>
-          </p:cNvSpPr>
-          <p:nvPr>
-            <p:ph type="title"/>
-          </p:nvPr>
-        </p:nvSpPr>
-        <p:spPr>
-          <a:xfrm>
             <a:off x="1562100" y="365125"/>
-            <a:ext cx="9029700" cy="1325563"/>
+            <a:ext cx="9791700" cy="1325563"/>
           </a:xfrm>
         </p:spPr>
         <p:txBody>
@@ -6963,29 +8069,202 @@
           <a:lstStyle/>
           <a:p>
             <a:r>
-              <a:rPr lang="en-US" dirty="0"/>
-              <a:t>Ontology similarity</a:t>
-            </a:r>
-          </a:p>
-        </p:txBody>
-      </p:sp>
+              <a:rPr lang="en-US" dirty="0" smtClean="0"/>
+              <a:t>Similarity between </a:t>
+            </a:r>
+            <a:r>
+              <a:rPr lang="en-US" dirty="0" smtClean="0"/>
+              <a:t>Skills</a:t>
+            </a:r>
+            <a:endParaRPr lang="en-US" dirty="0"/>
+          </a:p>
+        </p:txBody>
+      </p:sp>
+      <p:graphicFrame>
+        <p:nvGraphicFramePr>
+          <p:cNvPr id="5" name="Table 4"/>
+          <p:cNvGraphicFramePr>
+            <a:graphicFrameLocks noGrp="1"/>
+          </p:cNvGraphicFramePr>
+          <p:nvPr>
+            <p:extLst>
+              <p:ext uri="{D42A27DB-BD31-4B8C-83A1-F6EECF244321}">
+                <p14:modId xmlns:p14="http://schemas.microsoft.com/office/powerpoint/2010/main" val="3806822529"/>
+              </p:ext>
+            </p:extLst>
+          </p:nvPr>
+        </p:nvGraphicFramePr>
+        <p:xfrm>
+          <a:off x="1171978" y="1974022"/>
+          <a:ext cx="9929611" cy="3666923"/>
+        </p:xfrm>
+        <a:graphic>
+          <a:graphicData uri="http://schemas.openxmlformats.org/drawingml/2006/table">
+            <a:tbl>
+              <a:tblPr firstRow="1" bandRow="1">
+                <a:tableStyleId>{5940675A-B579-460E-94D1-54222C63F5DA}</a:tableStyleId>
+              </a:tblPr>
+              <a:tblGrid>
+                <a:gridCol w="5309406"/>
+                <a:gridCol w="4620205"/>
+              </a:tblGrid>
+              <a:tr h="677584">
+                <a:tc>
+                  <a:txBody>
+                    <a:bodyPr/>
+                    <a:lstStyle/>
+                    <a:p>
+                      <a:r>
+                        <a:rPr lang="en-US" sz="2800" b="1" dirty="0" smtClean="0"/>
+                        <a:t>Part of Resume</a:t>
+                      </a:r>
+                      <a:endParaRPr lang="en-US" sz="2800" b="1" dirty="0"/>
+                    </a:p>
+                  </a:txBody>
+                  <a:tcPr/>
+                </a:tc>
+                <a:tc>
+                  <a:txBody>
+                    <a:bodyPr/>
+                    <a:lstStyle/>
+                    <a:p>
+                      <a:r>
+                        <a:rPr lang="en-US" sz="2800" b="1" dirty="0" smtClean="0"/>
+                        <a:t>Part of Job Description</a:t>
+                      </a:r>
+                      <a:endParaRPr lang="en-US" sz="2800" b="1" dirty="0"/>
+                    </a:p>
+                  </a:txBody>
+                  <a:tcPr/>
+                </a:tc>
+              </a:tr>
+              <a:tr h="2989339">
+                <a:tc>
+                  <a:txBody>
+                    <a:bodyPr/>
+                    <a:lstStyle/>
+                    <a:p>
+                      <a:r>
+                        <a:rPr lang="en-US" sz="2400" dirty="0" smtClean="0"/>
+                        <a:t>B.S. degree in computer science  </a:t>
+                      </a:r>
+                    </a:p>
+                    <a:p>
+                      <a:r>
+                        <a:rPr lang="en-US" sz="2400" dirty="0" smtClean="0"/>
+                        <a:t>    5+ years Java  </a:t>
+                      </a:r>
+                    </a:p>
+                    <a:p>
+                      <a:r>
+                        <a:rPr lang="en-US" sz="2400" dirty="0" smtClean="0"/>
+                        <a:t>    2+ year   C++   </a:t>
+                      </a:r>
+                    </a:p>
+                    <a:p>
+                      <a:r>
+                        <a:rPr lang="en-US" sz="2400" dirty="0" smtClean="0"/>
+                        <a:t>    Some experience in Oracle database  </a:t>
+                      </a:r>
+                    </a:p>
+                    <a:p>
+                      <a:r>
+                        <a:rPr lang="en-US" sz="2400" dirty="0" smtClean="0"/>
+                        <a:t>Other experience like:  </a:t>
+                      </a:r>
+                    </a:p>
+                    <a:p>
+                      <a:r>
+                        <a:rPr lang="en-US" sz="2400" dirty="0" smtClean="0"/>
+                        <a:t>    Hibernate, JBOSS, </a:t>
+                      </a:r>
+                      <a:r>
+                        <a:rPr lang="en-US" sz="2400" dirty="0" err="1" smtClean="0"/>
+                        <a:t>JUnit</a:t>
+                      </a:r>
+                      <a:r>
+                        <a:rPr lang="en-US" sz="2400" dirty="0" smtClean="0"/>
+                        <a:t>, Tomcat etc.</a:t>
+                      </a:r>
+                      <a:endParaRPr lang="en-US" sz="2400" dirty="0"/>
+                    </a:p>
+                  </a:txBody>
+                  <a:tcPr/>
+                </a:tc>
+                <a:tc>
+                  <a:txBody>
+                    <a:bodyPr/>
+                    <a:lstStyle/>
+                    <a:p>
+                      <a:r>
+                        <a:rPr lang="en-US" sz="2400" dirty="0" smtClean="0"/>
+                        <a:t> BS degree above    </a:t>
+                      </a:r>
+                    </a:p>
+                    <a:p>
+                      <a:r>
+                        <a:rPr lang="en-US" sz="2400" dirty="0" smtClean="0"/>
+                        <a:t> 4+ years Java   </a:t>
+                      </a:r>
+                    </a:p>
+                    <a:p>
+                      <a:r>
+                        <a:rPr lang="en-US" sz="2400" dirty="0" smtClean="0"/>
+                        <a:t> Some experience of Python    </a:t>
+                      </a:r>
+                    </a:p>
+                    <a:p>
+                      <a:r>
+                        <a:rPr lang="en-US" sz="2400" dirty="0" smtClean="0"/>
+                        <a:t> </a:t>
+                      </a:r>
+                      <a:r>
+                        <a:rPr lang="en-US" sz="2400" dirty="0" err="1" smtClean="0"/>
+                        <a:t>Mysql</a:t>
+                      </a:r>
+                      <a:r>
+                        <a:rPr lang="en-US" sz="2400" dirty="0" smtClean="0"/>
+                        <a:t>, MS-SQL    </a:t>
+                      </a:r>
+                    </a:p>
+                    <a:p>
+                      <a:r>
+                        <a:rPr lang="en-US" sz="2400" dirty="0" smtClean="0"/>
+                        <a:t> Java web application Server    </a:t>
+                      </a:r>
+                    </a:p>
+                    <a:p>
+                      <a:r>
+                        <a:rPr lang="en-US" sz="2400" dirty="0" smtClean="0"/>
+                        <a:t> OOA/OOD   </a:t>
+                      </a:r>
+                      <a:endParaRPr lang="en-US" sz="2400" dirty="0"/>
+                    </a:p>
+                  </a:txBody>
+                  <a:tcPr/>
+                </a:tc>
+              </a:tr>
+            </a:tbl>
+          </a:graphicData>
+        </a:graphic>
+      </p:graphicFrame>
     </p:spTree>
     <p:extLst>
       <p:ext uri="{BB962C8B-B14F-4D97-AF65-F5344CB8AC3E}">
-        <p14:creationId xmlns:p14="http://schemas.microsoft.com/office/powerpoint/2010/main" val="266512194"/>
+        <p14:creationId xmlns:p14="http://schemas.microsoft.com/office/powerpoint/2010/main" val="2200913476"/>
       </p:ext>
     </p:extLst>
   </p:cSld>
   <p:clrMapOvr>
     <a:masterClrMapping/>
   </p:clrMapOvr>
-  <mc:AlternateContent xmlns:mc="http://schemas.openxmlformats.org/markup-compatibility/2006">
-    <mc:Choice xmlns:p14="http://schemas.microsoft.com/office/powerpoint/2010/main" Requires="p14">
+  <mc:AlternateContent xmlns:mc="http://schemas.openxmlformats.org/markup-compatibility/2006" xmlns:p14="http://schemas.microsoft.com/office/powerpoint/2010/main">
+    <mc:Choice Requires="p14">
       <p:transition spd="med" p14:dur="700">
         <p:fade/>
       </p:transition>
     </mc:Choice>
-    <mc:Fallback>
+    <mc:Fallback xmlns="">
       <p:transition spd="med">
         <p:fade/>
       </p:transition>
@@ -7123,13 +8402,13 @@
   <p:clrMapOvr>
     <a:masterClrMapping/>
   </p:clrMapOvr>
-  <mc:AlternateContent xmlns:mc="http://schemas.openxmlformats.org/markup-compatibility/2006">
-    <mc:Choice xmlns:p14="http://schemas.microsoft.com/office/powerpoint/2010/main" Requires="p14">
+  <mc:AlternateContent xmlns:mc="http://schemas.openxmlformats.org/markup-compatibility/2006" xmlns:p14="http://schemas.microsoft.com/office/powerpoint/2010/main">
+    <mc:Choice Requires="p14">
       <p:transition spd="med" p14:dur="700">
         <p:fade/>
       </p:transition>
     </mc:Choice>
-    <mc:Fallback>
+    <mc:Fallback xmlns="">
       <p:transition spd="med">
         <p:fade/>
       </p:transition>
@@ -7155,186 +8434,66 @@
           <a:chExt cx="0" cy="0"/>
         </a:xfrm>
       </p:grpSpPr>
-      <p:sp>
-        <p:nvSpPr>
-          <p:cNvPr id="2" name="Content Placeholder 1"/>
-          <p:cNvSpPr>
-            <a:spLocks noGrp="1"/>
-          </p:cNvSpPr>
-          <p:nvPr>
-            <p:ph idx="1"/>
-          </p:nvPr>
-        </p:nvSpPr>
-        <p:spPr/>
-        <p:txBody>
-          <a:bodyPr>
-            <a:normAutofit lnSpcReduction="10000"/>
-          </a:bodyPr>
-          <a:lstStyle/>
-          <a:p>
-            <a:r>
-              <a:rPr lang="en-US" dirty="0"/>
-              <a:t>Path-based </a:t>
-            </a:r>
-            <a:r>
-              <a:rPr lang="en-US" dirty="0" smtClean="0"/>
-              <a:t>approaches  </a:t>
-            </a:r>
-          </a:p>
-          <a:p>
-            <a:endParaRPr lang="en-US" dirty="0"/>
-          </a:p>
-          <a:p>
-            <a:r>
-              <a:rPr lang="en-US" b="1" dirty="0" smtClean="0"/>
-              <a:t> </a:t>
-            </a:r>
-          </a:p>
-          <a:p>
-            <a:r>
-              <a:rPr lang="en-US" dirty="0"/>
-              <a:t>Feature-based </a:t>
-            </a:r>
-            <a:r>
-              <a:rPr lang="en-US" dirty="0" smtClean="0"/>
-              <a:t>measures</a:t>
-            </a:r>
-          </a:p>
-          <a:p>
-            <a:endParaRPr lang="en-US" dirty="0"/>
-          </a:p>
-          <a:p>
-            <a:endParaRPr lang="en-US" dirty="0" smtClean="0"/>
-          </a:p>
-          <a:p>
-            <a:r>
-              <a:rPr lang="en-US" dirty="0" smtClean="0"/>
-              <a:t>Content-based measures  </a:t>
-            </a:r>
-          </a:p>
-          <a:p>
-            <a:r>
-              <a:rPr lang="en-US" dirty="0" smtClean="0"/>
-              <a:t> </a:t>
-            </a:r>
-          </a:p>
-          <a:p>
-            <a:r>
-              <a:rPr lang="en-US" dirty="0"/>
-              <a:t> </a:t>
-            </a:r>
-            <a:r>
-              <a:rPr lang="en-US" dirty="0" smtClean="0"/>
-              <a:t> </a:t>
-            </a:r>
-            <a:endParaRPr lang="en-US" dirty="0"/>
-          </a:p>
-        </p:txBody>
-      </p:sp>
-      <p:sp>
-        <p:nvSpPr>
-          <p:cNvPr id="3" name="Title 2"/>
-          <p:cNvSpPr>
-            <a:spLocks noGrp="1"/>
-          </p:cNvSpPr>
-          <p:nvPr>
-            <p:ph type="title"/>
-          </p:nvPr>
-        </p:nvSpPr>
-        <p:spPr>
-          <a:xfrm>
-            <a:off x="1562100" y="365125"/>
-            <a:ext cx="9791700" cy="1325563"/>
-          </a:xfrm>
-        </p:spPr>
-        <p:txBody>
-          <a:bodyPr/>
-          <a:lstStyle/>
-          <a:p>
-            <a:r>
-              <a:rPr lang="en-US" dirty="0" smtClean="0"/>
-              <a:t>Ontology similarity</a:t>
-            </a:r>
-            <a:endParaRPr lang="en-US" dirty="0"/>
-          </a:p>
-        </p:txBody>
-      </p:sp>
       <p:pic>
         <p:nvPicPr>
-          <p:cNvPr id="4" name="Picture 3"/>
+          <p:cNvPr id="4" name="Content Placeholder 3"/>
           <p:cNvPicPr>
-            <a:picLocks noChangeAspect="1"/>
+            <a:picLocks noGrp="1" noChangeAspect="1"/>
           </p:cNvPicPr>
-          <p:nvPr/>
+          <p:nvPr>
+            <p:ph idx="1"/>
+          </p:nvPr>
         </p:nvPicPr>
         <p:blipFill>
-          <a:blip r:embed="rId2"/>
+          <a:blip r:embed="rId2">
+            <a:extLst>
+              <a:ext uri="{28A0092B-C50C-407E-A947-70E740481C1C}">
+                <a14:useLocalDpi xmlns:a14="http://schemas.microsoft.com/office/drawing/2010/main" val="0"/>
+              </a:ext>
+            </a:extLst>
+          </a:blip>
           <a:stretch>
             <a:fillRect/>
           </a:stretch>
         </p:blipFill>
         <p:spPr>
           <a:xfrm>
-            <a:off x="3031633" y="2535327"/>
-            <a:ext cx="4686300" cy="885825"/>
-          </a:xfrm>
-          <a:prstGeom prst="rect">
-            <a:avLst/>
-          </a:prstGeom>
+            <a:off x="2090133" y="1361984"/>
+            <a:ext cx="8277359" cy="6144099"/>
+          </a:xfrm>
         </p:spPr>
       </p:pic>
-      <p:pic>
-        <p:nvPicPr>
-          <p:cNvPr id="5" name="Picture 4"/>
-          <p:cNvPicPr>
-            <a:picLocks noChangeAspect="1"/>
-          </p:cNvPicPr>
-          <p:nvPr/>
-        </p:nvPicPr>
-        <p:blipFill>
-          <a:blip r:embed="rId3"/>
-          <a:stretch>
-            <a:fillRect/>
-          </a:stretch>
-        </p:blipFill>
+      <p:sp>
+        <p:nvSpPr>
+          <p:cNvPr id="3" name="Title 2"/>
+          <p:cNvSpPr>
+            <a:spLocks noGrp="1"/>
+          </p:cNvSpPr>
+          <p:nvPr>
+            <p:ph type="title"/>
+          </p:nvPr>
+        </p:nvSpPr>
         <p:spPr>
           <a:xfrm>
-            <a:off x="1928812" y="3698920"/>
-            <a:ext cx="10163175" cy="733425"/>
-          </a:xfrm>
-          <a:prstGeom prst="rect">
-            <a:avLst/>
-          </a:prstGeom>
-        </p:spPr>
-      </p:pic>
-      <p:pic>
-        <p:nvPicPr>
-          <p:cNvPr id="6" name="Picture 5"/>
-          <p:cNvPicPr>
-            <a:picLocks noChangeAspect="1"/>
-          </p:cNvPicPr>
-          <p:nvPr/>
-        </p:nvPicPr>
-        <p:blipFill>
-          <a:blip r:embed="rId4"/>
-          <a:stretch>
-            <a:fillRect/>
-          </a:stretch>
-        </p:blipFill>
-        <p:spPr>
-          <a:xfrm>
-            <a:off x="2606563" y="5264061"/>
-            <a:ext cx="5524926" cy="698857"/>
-          </a:xfrm>
-          <a:prstGeom prst="rect">
-            <a:avLst/>
-          </a:prstGeom>
-        </p:spPr>
-      </p:pic>
+            <a:off x="1562100" y="365125"/>
+            <a:ext cx="9029700" cy="1325563"/>
+          </a:xfrm>
+        </p:spPr>
+        <p:txBody>
+          <a:bodyPr/>
+          <a:lstStyle/>
+          <a:p>
+            <a:r>
+              <a:rPr lang="en-US" dirty="0"/>
+              <a:t>Ontology similarity</a:t>
+            </a:r>
+          </a:p>
+        </p:txBody>
+      </p:sp>
     </p:spTree>
     <p:extLst>
       <p:ext uri="{BB962C8B-B14F-4D97-AF65-F5344CB8AC3E}">
-        <p14:creationId xmlns:p14="http://schemas.microsoft.com/office/powerpoint/2010/main" val="3474564478"/>
+        <p14:creationId xmlns:p14="http://schemas.microsoft.com/office/powerpoint/2010/main" val="266512194"/>
       </p:ext>
     </p:extLst>
   </p:cSld>
@@ -7385,12 +8544,18 @@
         </p:nvSpPr>
         <p:spPr/>
         <p:txBody>
-          <a:bodyPr/>
+          <a:bodyPr>
+            <a:normAutofit lnSpcReduction="10000"/>
+          </a:bodyPr>
           <a:lstStyle/>
           <a:p>
             <a:r>
               <a:rPr lang="en-US" dirty="0"/>
-              <a:t>A high-level language such as Java, Groovy, Ruby or Python; we use Java and Groovy extensively</a:t>
+              <a:t>Path-based </a:t>
+            </a:r>
+            <a:r>
+              <a:rPr lang="en-US" dirty="0" smtClean="0"/>
+              <a:t>approaches  </a:t>
             </a:r>
           </a:p>
           <a:p>
@@ -7398,36 +8563,47 @@
           </a:p>
           <a:p>
             <a:r>
+              <a:rPr lang="en-US" b="1" dirty="0" smtClean="0"/>
+              <a:t> </a:t>
+            </a:r>
+          </a:p>
+          <a:p>
+            <a:r>
               <a:rPr lang="en-US" dirty="0"/>
-              <a:t>HTML5/CSS3/JavaScript, web standards, jQuery or frameworks like </a:t>
-            </a:r>
-            <a:r>
-              <a:rPr lang="en-US" dirty="0" err="1"/>
-              <a:t>AngularJS</a:t>
-            </a:r>
+              <a:t>Feature-based </a:t>
+            </a:r>
+            <a:r>
+              <a:rPr lang="en-US" dirty="0" smtClean="0"/>
+              <a:t>measures</a:t>
+            </a:r>
+          </a:p>
+          <a:p>
+            <a:endParaRPr lang="en-US" dirty="0"/>
+          </a:p>
+          <a:p>
+            <a:endParaRPr lang="en-US" dirty="0" smtClean="0"/>
+          </a:p>
+          <a:p>
+            <a:r>
+              <a:rPr lang="en-US" dirty="0" smtClean="0"/>
+              <a:t>Content-based measures  </a:t>
+            </a:r>
+          </a:p>
+          <a:p>
+            <a:r>
+              <a:rPr lang="en-US" dirty="0" smtClean="0"/>
+              <a:t> </a:t>
+            </a:r>
+          </a:p>
+          <a:p>
             <a:r>
               <a:rPr lang="en-US" dirty="0"/>
-              <a:t> would be great</a:t>
-            </a:r>
-          </a:p>
-          <a:p>
-            <a:endParaRPr lang="en-US" dirty="0"/>
-          </a:p>
-          <a:p>
-            <a:r>
-              <a:rPr lang="en-US" dirty="0"/>
-              <a:t>HTML CSS and </a:t>
-            </a:r>
-            <a:r>
-              <a:rPr lang="en-US" dirty="0" err="1"/>
-              <a:t>Javascript</a:t>
-            </a:r>
-            <a:r>
-              <a:rPr lang="en-US" dirty="0"/>
-              <a:t> a must 4. Experience with AJAX, XML, XSL, XSLT, CSS, JavaScript, JQuery, HTML and Web Services</a:t>
-            </a:r>
-          </a:p>
-          <a:p>
+              <a:t> </a:t>
+            </a:r>
+            <a:r>
+              <a:rPr lang="en-US" dirty="0" smtClean="0"/>
+              <a:t> </a:t>
+            </a:r>
             <a:endParaRPr lang="en-US" dirty="0"/>
           </a:p>
         </p:txBody>
@@ -7449,22 +8625,93 @@
           </a:xfrm>
         </p:spPr>
         <p:txBody>
-          <a:bodyPr>
-            <a:normAutofit fontScale="90000"/>
-          </a:bodyPr>
-          <a:lstStyle/>
-          <a:p>
-            <a:r>
-              <a:rPr lang="en-US" dirty="0"/>
-              <a:t>Statistical-based Ontology Similarity Measure</a:t>
-            </a:r>
-          </a:p>
-        </p:txBody>
-      </p:sp>
+          <a:bodyPr/>
+          <a:lstStyle/>
+          <a:p>
+            <a:r>
+              <a:rPr lang="en-US" dirty="0" smtClean="0"/>
+              <a:t>Ontology similarity</a:t>
+            </a:r>
+            <a:endParaRPr lang="en-US" dirty="0"/>
+          </a:p>
+        </p:txBody>
+      </p:sp>
+      <p:pic>
+        <p:nvPicPr>
+          <p:cNvPr id="4" name="Picture 3"/>
+          <p:cNvPicPr>
+            <a:picLocks noChangeAspect="1"/>
+          </p:cNvPicPr>
+          <p:nvPr/>
+        </p:nvPicPr>
+        <p:blipFill>
+          <a:blip r:embed="rId2"/>
+          <a:stretch>
+            <a:fillRect/>
+          </a:stretch>
+        </p:blipFill>
+        <p:spPr>
+          <a:xfrm>
+            <a:off x="3025876" y="2248874"/>
+            <a:ext cx="4686300" cy="885825"/>
+          </a:xfrm>
+          <a:prstGeom prst="rect">
+            <a:avLst/>
+          </a:prstGeom>
+        </p:spPr>
+      </p:pic>
+      <p:pic>
+        <p:nvPicPr>
+          <p:cNvPr id="5" name="Picture 4"/>
+          <p:cNvPicPr>
+            <a:picLocks noChangeAspect="1"/>
+          </p:cNvPicPr>
+          <p:nvPr/>
+        </p:nvPicPr>
+        <p:blipFill>
+          <a:blip r:embed="rId3"/>
+          <a:stretch>
+            <a:fillRect/>
+          </a:stretch>
+        </p:blipFill>
+        <p:spPr>
+          <a:xfrm>
+            <a:off x="1928812" y="3698920"/>
+            <a:ext cx="10163175" cy="733425"/>
+          </a:xfrm>
+          <a:prstGeom prst="rect">
+            <a:avLst/>
+          </a:prstGeom>
+        </p:spPr>
+      </p:pic>
+      <p:pic>
+        <p:nvPicPr>
+          <p:cNvPr id="6" name="Picture 5"/>
+          <p:cNvPicPr>
+            <a:picLocks noChangeAspect="1"/>
+          </p:cNvPicPr>
+          <p:nvPr/>
+        </p:nvPicPr>
+        <p:blipFill>
+          <a:blip r:embed="rId4"/>
+          <a:stretch>
+            <a:fillRect/>
+          </a:stretch>
+        </p:blipFill>
+        <p:spPr>
+          <a:xfrm>
+            <a:off x="2606563" y="5264061"/>
+            <a:ext cx="5524926" cy="698857"/>
+          </a:xfrm>
+          <a:prstGeom prst="rect">
+            <a:avLst/>
+          </a:prstGeom>
+        </p:spPr>
+      </p:pic>
     </p:spTree>
     <p:extLst>
       <p:ext uri="{BB962C8B-B14F-4D97-AF65-F5344CB8AC3E}">
-        <p14:creationId xmlns:p14="http://schemas.microsoft.com/office/powerpoint/2010/main" val="2550577386"/>
+        <p14:creationId xmlns:p14="http://schemas.microsoft.com/office/powerpoint/2010/main" val="3474564478"/>
       </p:ext>
     </p:extLst>
   </p:cSld>
@@ -7520,19 +8767,24 @@
           <a:p>
             <a:r>
               <a:rPr lang="en-US" dirty="0"/>
-              <a:t>The ratio of the number of documents that two terms exist together </a:t>
-            </a:r>
-            <a:r>
-              <a:rPr lang="en-US" dirty="0" smtClean="0"/>
-              <a:t> to the </a:t>
-            </a:r>
+              <a:t>A high-level language such as Java, Groovy, Ruby or Python; we use Java and Groovy extensively</a:t>
+            </a:r>
+          </a:p>
+          <a:p>
+            <a:endParaRPr lang="en-US" dirty="0"/>
+          </a:p>
+          <a:p>
             <a:r>
               <a:rPr lang="en-US" dirty="0"/>
-              <a:t>number of documents have a least one them </a:t>
-            </a:r>
-            <a:r>
-              <a:rPr lang="en-US" dirty="0" smtClean="0"/>
-              <a:t> </a:t>
+              <a:t>HTML5/CSS3/JavaScript, web standards, jQuery or frameworks like </a:t>
+            </a:r>
+            <a:r>
+              <a:rPr lang="en-US" dirty="0" err="1"/>
+              <a:t>AngularJS</a:t>
+            </a:r>
+            <a:r>
+              <a:rPr lang="en-US" dirty="0"/>
+              <a:t> would be great</a:t>
             </a:r>
           </a:p>
           <a:p>
@@ -7541,23 +8793,15 @@
           <a:p>
             <a:r>
               <a:rPr lang="en-US" dirty="0"/>
-              <a:t>The average log value of minimum distance </a:t>
-            </a:r>
-            <a:r>
-              <a:rPr lang="en-US" dirty="0" smtClean="0"/>
-              <a:t>of </a:t>
+              <a:t>HTML CSS and </a:t>
+            </a:r>
+            <a:r>
+              <a:rPr lang="en-US" dirty="0" err="1"/>
+              <a:t>Javascript</a:t>
             </a:r>
             <a:r>
               <a:rPr lang="en-US" dirty="0"/>
-              <a:t>the two </a:t>
-            </a:r>
-            <a:r>
-              <a:rPr lang="en-US" dirty="0" smtClean="0"/>
-              <a:t>terms in </a:t>
-            </a:r>
-            <a:r>
-              <a:rPr lang="en-US" dirty="0"/>
-              <a:t>documents that have them both.</a:t>
+              <a:t> a must 4. Experience with AJAX, XML, XSL, XSLT, CSS, JavaScript, JQuery, HTML and Web Services</a:t>
             </a:r>
           </a:p>
           <a:p>
@@ -7594,34 +8838,10 @@
           </a:p>
         </p:txBody>
       </p:sp>
-      <p:pic>
-        <p:nvPicPr>
-          <p:cNvPr id="4" name="Picture 3"/>
-          <p:cNvPicPr>
-            <a:picLocks noChangeAspect="1"/>
-          </p:cNvPicPr>
-          <p:nvPr/>
-        </p:nvPicPr>
-        <p:blipFill>
-          <a:blip r:embed="rId2"/>
-          <a:stretch>
-            <a:fillRect/>
-          </a:stretch>
-        </p:blipFill>
-        <p:spPr>
-          <a:xfrm>
-            <a:off x="1719866" y="4228496"/>
-            <a:ext cx="7208916" cy="1579876"/>
-          </a:xfrm>
-          <a:prstGeom prst="rect">
-            <a:avLst/>
-          </a:prstGeom>
-        </p:spPr>
-      </p:pic>
     </p:spTree>
     <p:extLst>
       <p:ext uri="{BB962C8B-B14F-4D97-AF65-F5344CB8AC3E}">
-        <p14:creationId xmlns:p14="http://schemas.microsoft.com/office/powerpoint/2010/main" val="4147007014"/>
+        <p14:creationId xmlns:p14="http://schemas.microsoft.com/office/powerpoint/2010/main" val="2550577386"/>
       </p:ext>
     </p:extLst>
   </p:cSld>
@@ -7662,6 +8882,110 @@
       </p:grpSpPr>
       <p:sp>
         <p:nvSpPr>
+          <p:cNvPr id="2" name="Content Placeholder 1"/>
+          <p:cNvSpPr>
+            <a:spLocks noGrp="1"/>
+          </p:cNvSpPr>
+          <p:nvPr>
+            <p:ph idx="1"/>
+          </p:nvPr>
+        </p:nvSpPr>
+        <p:spPr/>
+        <p:txBody>
+          <a:bodyPr>
+            <a:normAutofit/>
+          </a:bodyPr>
+          <a:lstStyle/>
+          <a:p>
+            <a:endParaRPr lang="en-US" dirty="0" smtClean="0"/>
+          </a:p>
+          <a:p>
+            <a:endParaRPr lang="en-US" dirty="0"/>
+          </a:p>
+          <a:p>
+            <a:endParaRPr lang="en-US" dirty="0" smtClean="0"/>
+          </a:p>
+          <a:p>
+            <a:r>
+              <a:rPr lang="en-US" dirty="0" smtClean="0"/>
+              <a:t>The numerator</a:t>
+            </a:r>
+            <a:r>
+              <a:rPr lang="zh-CN" altLang="en-US" dirty="0" smtClean="0"/>
+              <a:t>： </a:t>
+            </a:r>
+            <a:r>
+              <a:rPr lang="en-US" altLang="zh-CN" dirty="0" smtClean="0"/>
+              <a:t>T</a:t>
+            </a:r>
+            <a:r>
+              <a:rPr lang="en-US" dirty="0" smtClean="0"/>
+              <a:t>he </a:t>
+            </a:r>
+            <a:r>
+              <a:rPr lang="en-US" dirty="0"/>
+              <a:t>ratio of the number of documents in which the two terms exist together </a:t>
+            </a:r>
+            <a:r>
+              <a:rPr lang="en-US" dirty="0" smtClean="0"/>
+              <a:t>  </a:t>
+            </a:r>
+            <a:r>
+              <a:rPr lang="en-US" dirty="0"/>
+              <a:t>to the number of documents have a least one </a:t>
+            </a:r>
+            <a:r>
+              <a:rPr lang="en-US" dirty="0" smtClean="0"/>
+              <a:t>them.</a:t>
+            </a:r>
+          </a:p>
+          <a:p>
+            <a:r>
+              <a:rPr lang="en-US" dirty="0" smtClean="0"/>
+              <a:t>The denominator</a:t>
+            </a:r>
+            <a:r>
+              <a:rPr lang="zh-CN" altLang="en-US" dirty="0" smtClean="0"/>
+              <a:t>：</a:t>
+            </a:r>
+            <a:r>
+              <a:rPr lang="en-US" dirty="0" smtClean="0"/>
+              <a:t> </a:t>
+            </a:r>
+            <a:r>
+              <a:rPr lang="en-US" altLang="zh-CN" dirty="0" smtClean="0"/>
+              <a:t>T</a:t>
+            </a:r>
+            <a:r>
+              <a:rPr lang="en-US" dirty="0" smtClean="0"/>
+              <a:t>he </a:t>
+            </a:r>
+            <a:r>
+              <a:rPr lang="en-US" dirty="0"/>
+              <a:t>average </a:t>
+            </a:r>
+            <a:r>
+              <a:rPr lang="en-US" dirty="0" smtClean="0"/>
+              <a:t> log </a:t>
+            </a:r>
+            <a:r>
+              <a:rPr lang="en-US" dirty="0"/>
+              <a:t>value of minimum distance </a:t>
+            </a:r>
+            <a:r>
+              <a:rPr lang="en-US" dirty="0" smtClean="0"/>
+              <a:t>of </a:t>
+            </a:r>
+            <a:r>
+              <a:rPr lang="en-US" dirty="0"/>
+              <a:t>the two terms in documents that have them both.</a:t>
+            </a:r>
+            <a:endParaRPr lang="en-US" dirty="0"/>
+          </a:p>
+        </p:txBody>
+      </p:sp>
+      <p:sp>
+        <p:nvSpPr>
           <p:cNvPr id="3" name="Title 2"/>
           <p:cNvSpPr>
             <a:spLocks noGrp="1"/>
@@ -7672,19 +8996,20 @@
         </p:nvSpPr>
         <p:spPr>
           <a:xfrm>
-            <a:off x="1562100" y="313610"/>
-            <a:ext cx="9029700" cy="1325563"/>
-          </a:xfrm>
-        </p:spPr>
-        <p:txBody>
-          <a:bodyPr/>
-          <a:lstStyle/>
-          <a:p>
-            <a:r>
-              <a:rPr lang="en-US" dirty="0" smtClean="0"/>
-              <a:t>Algorithm of Similarity Calculation</a:t>
-            </a:r>
-            <a:endParaRPr lang="en-US" dirty="0"/>
+            <a:off x="1562100" y="365125"/>
+            <a:ext cx="9791700" cy="1325563"/>
+          </a:xfrm>
+        </p:spPr>
+        <p:txBody>
+          <a:bodyPr>
+            <a:normAutofit fontScale="90000"/>
+          </a:bodyPr>
+          <a:lstStyle/>
+          <a:p>
+            <a:r>
+              <a:rPr lang="en-US" dirty="0"/>
+              <a:t>Statistical-based Ontology Similarity Measure</a:t>
+            </a:r>
           </a:p>
         </p:txBody>
       </p:sp>
@@ -7704,8 +9029,8 @@
         </p:blipFill>
         <p:spPr>
           <a:xfrm>
-            <a:off x="1661106" y="1639173"/>
-            <a:ext cx="4686300" cy="5057775"/>
+            <a:off x="1745625" y="1825625"/>
+            <a:ext cx="7208916" cy="1579876"/>
           </a:xfrm>
           <a:prstGeom prst="rect">
             <a:avLst/>
@@ -7715,20 +9040,20 @@
     </p:spTree>
     <p:extLst>
       <p:ext uri="{BB962C8B-B14F-4D97-AF65-F5344CB8AC3E}">
-        <p14:creationId xmlns:p14="http://schemas.microsoft.com/office/powerpoint/2010/main" val="2651826768"/>
+        <p14:creationId xmlns:p14="http://schemas.microsoft.com/office/powerpoint/2010/main" val="4147007014"/>
       </p:ext>
     </p:extLst>
   </p:cSld>
   <p:clrMapOvr>
     <a:masterClrMapping/>
   </p:clrMapOvr>
-  <mc:AlternateContent xmlns:mc="http://schemas.openxmlformats.org/markup-compatibility/2006">
-    <mc:Choice xmlns:p14="http://schemas.microsoft.com/office/powerpoint/2010/main" Requires="p14">
+  <mc:AlternateContent xmlns:mc="http://schemas.openxmlformats.org/markup-compatibility/2006" xmlns:p14="http://schemas.microsoft.com/office/powerpoint/2010/main">
+    <mc:Choice Requires="p14">
       <p:transition spd="med" p14:dur="700">
         <p:fade/>
       </p:transition>
     </mc:Choice>
-    <mc:Fallback>
+    <mc:Fallback xmlns="">
       <p:transition spd="med">
         <p:fade/>
       </p:transition>
@@ -7754,15 +9079,41 @@
           <a:chExt cx="0" cy="0"/>
         </a:xfrm>
       </p:grpSpPr>
+      <p:sp>
+        <p:nvSpPr>
+          <p:cNvPr id="3" name="Title 2"/>
+          <p:cNvSpPr>
+            <a:spLocks noGrp="1"/>
+          </p:cNvSpPr>
+          <p:nvPr>
+            <p:ph type="title"/>
+          </p:nvPr>
+        </p:nvSpPr>
+        <p:spPr>
+          <a:xfrm>
+            <a:off x="1562100" y="313610"/>
+            <a:ext cx="9029700" cy="1325563"/>
+          </a:xfrm>
+        </p:spPr>
+        <p:txBody>
+          <a:bodyPr/>
+          <a:lstStyle/>
+          <a:p>
+            <a:r>
+              <a:rPr lang="en-US" dirty="0" smtClean="0"/>
+              <a:t>Algorithm of Similarity Calculation</a:t>
+            </a:r>
+            <a:endParaRPr lang="en-US" dirty="0"/>
+          </a:p>
+        </p:txBody>
+      </p:sp>
       <p:pic>
         <p:nvPicPr>
-          <p:cNvPr id="4" name="Content Placeholder 3"/>
+          <p:cNvPr id="4" name="Picture 3"/>
           <p:cNvPicPr>
-            <a:picLocks noGrp="1" noChangeAspect="1"/>
+            <a:picLocks noChangeAspect="1"/>
           </p:cNvPicPr>
-          <p:nvPr>
-            <p:ph idx="1"/>
-          </p:nvPr>
+          <p:nvPr/>
         </p:nvPicPr>
         <p:blipFill>
           <a:blip r:embed="rId2"/>
@@ -7772,46 +9123,18 @@
         </p:blipFill>
         <p:spPr>
           <a:xfrm>
-            <a:off x="1562100" y="1973877"/>
-            <a:ext cx="8326906" cy="4504196"/>
+            <a:off x="1661106" y="1639173"/>
+            <a:ext cx="4686300" cy="5057775"/>
           </a:xfrm>
           <a:prstGeom prst="rect">
             <a:avLst/>
           </a:prstGeom>
         </p:spPr>
       </p:pic>
-      <p:sp>
-        <p:nvSpPr>
-          <p:cNvPr id="3" name="Title 2"/>
-          <p:cNvSpPr>
-            <a:spLocks noGrp="1"/>
-          </p:cNvSpPr>
-          <p:nvPr>
-            <p:ph type="title"/>
-          </p:nvPr>
-        </p:nvSpPr>
-        <p:spPr>
-          <a:xfrm>
-            <a:off x="1562100" y="365125"/>
-            <a:ext cx="9791700" cy="1325563"/>
-          </a:xfrm>
-        </p:spPr>
-        <p:txBody>
-          <a:bodyPr/>
-          <a:lstStyle/>
-          <a:p>
-            <a:r>
-              <a:rPr lang="en-US" dirty="0" smtClean="0"/>
-              <a:t>Similarity between terms </a:t>
-            </a:r>
-            <a:endParaRPr lang="en-US" dirty="0"/>
-          </a:p>
-        </p:txBody>
-      </p:sp>
     </p:spTree>
     <p:extLst>
       <p:ext uri="{BB962C8B-B14F-4D97-AF65-F5344CB8AC3E}">
-        <p14:creationId xmlns:p14="http://schemas.microsoft.com/office/powerpoint/2010/main" val="1888765177"/>
+        <p14:creationId xmlns:p14="http://schemas.microsoft.com/office/powerpoint/2010/main" val="2651826768"/>
       </p:ext>
     </p:extLst>
   </p:cSld>
@@ -7850,72 +9173,32 @@
           <a:chExt cx="0" cy="0"/>
         </a:xfrm>
       </p:grpSpPr>
-      <p:sp>
-        <p:nvSpPr>
-          <p:cNvPr id="2" name="Content Placeholder 1"/>
-          <p:cNvSpPr>
-            <a:spLocks noGrp="1"/>
-          </p:cNvSpPr>
+      <p:pic>
+        <p:nvPicPr>
+          <p:cNvPr id="4" name="Content Placeholder 3"/>
+          <p:cNvPicPr>
+            <a:picLocks noGrp="1" noChangeAspect="1"/>
+          </p:cNvPicPr>
           <p:nvPr>
             <p:ph idx="1"/>
           </p:nvPr>
-        </p:nvSpPr>
-        <p:spPr/>
-        <p:txBody>
-          <a:bodyPr/>
-          <a:lstStyle/>
-          <a:p>
-            <a:r>
-              <a:rPr lang="en-US" dirty="0" smtClean="0"/>
-              <a:t> </a:t>
-            </a:r>
-            <a:r>
-              <a:rPr lang="en-US" dirty="0"/>
-              <a:t>A high-level language such as Java, Groovy, Ruby or Python; we use Java and Groovy extensively</a:t>
-            </a:r>
-          </a:p>
-          <a:p>
-            <a:endParaRPr lang="en-US" dirty="0"/>
-          </a:p>
-          <a:p>
-            <a:r>
-              <a:rPr lang="en-US" dirty="0"/>
-              <a:t>HTML5/CSS3/JavaScript, web standards, jQuery or frameworks like </a:t>
-            </a:r>
-            <a:r>
-              <a:rPr lang="en-US" dirty="0" err="1"/>
-              <a:t>AngularJS</a:t>
-            </a:r>
-            <a:r>
-              <a:rPr lang="en-US" dirty="0"/>
-              <a:t> would be great</a:t>
-            </a:r>
-          </a:p>
-          <a:p>
-            <a:endParaRPr lang="en-US" dirty="0"/>
-          </a:p>
-          <a:p>
-            <a:r>
-              <a:rPr lang="en-US" dirty="0"/>
-              <a:t>HTML CSS and </a:t>
-            </a:r>
-            <a:r>
-              <a:rPr lang="en-US" dirty="0" err="1"/>
-              <a:t>Javascript</a:t>
-            </a:r>
-            <a:r>
-              <a:rPr lang="en-US" dirty="0"/>
-              <a:t> a must 4. Experience with AJAX, XML, XSL, XSLT, CSS, JavaScript, JQuery, HTML and Web Services</a:t>
-            </a:r>
-          </a:p>
-          <a:p>
-            <a:endParaRPr lang="en-US" dirty="0"/>
-          </a:p>
-          <a:p>
-            <a:endParaRPr lang="en-US" dirty="0"/>
-          </a:p>
-        </p:txBody>
-      </p:sp>
+        </p:nvPicPr>
+        <p:blipFill>
+          <a:blip r:embed="rId2"/>
+          <a:stretch>
+            <a:fillRect/>
+          </a:stretch>
+        </p:blipFill>
+        <p:spPr>
+          <a:xfrm>
+            <a:off x="1562100" y="1973877"/>
+            <a:ext cx="8326906" cy="4504196"/>
+          </a:xfrm>
+          <a:prstGeom prst="rect">
+            <a:avLst/>
+          </a:prstGeom>
+        </p:spPr>
+      </p:pic>
       <p:sp>
         <p:nvSpPr>
           <p:cNvPr id="3" name="Title 2"/>
@@ -7937,20 +9220,8 @@
           <a:lstStyle/>
           <a:p>
             <a:r>
-              <a:rPr lang="en-US" dirty="0"/>
-              <a:t>How to </a:t>
-            </a:r>
-            <a:r>
-              <a:rPr lang="en-US" dirty="0" smtClean="0"/>
-              <a:t>Find </a:t>
-            </a:r>
-            <a:r>
-              <a:rPr lang="en-US" dirty="0"/>
-              <a:t>terms in </a:t>
-            </a:r>
-            <a:r>
-              <a:rPr lang="en-US" dirty="0" smtClean="0"/>
-              <a:t>Job Description </a:t>
+              <a:rPr lang="en-US" dirty="0" smtClean="0"/>
+              <a:t>Similarity between terms </a:t>
             </a:r>
             <a:endParaRPr lang="en-US" dirty="0"/>
           </a:p>
@@ -7959,7 +9230,7 @@
     </p:spTree>
     <p:extLst>
       <p:ext uri="{BB962C8B-B14F-4D97-AF65-F5344CB8AC3E}">
-        <p14:creationId xmlns:p14="http://schemas.microsoft.com/office/powerpoint/2010/main" val="162425321"/>
+        <p14:creationId xmlns:p14="http://schemas.microsoft.com/office/powerpoint/2010/main" val="1888765177"/>
       </p:ext>
     </p:extLst>
   </p:cSld>
@@ -8015,58 +9286,51 @@
           <a:p>
             <a:r>
               <a:rPr lang="en-US" dirty="0" smtClean="0"/>
-              <a:t>&lt; term </a:t>
+              <a:t> </a:t>
             </a:r>
             <a:r>
               <a:rPr lang="en-US" dirty="0"/>
-              <a:t>, * , *, </a:t>
-            </a:r>
-            <a:r>
-              <a:rPr lang="en-US" dirty="0" smtClean="0"/>
-              <a:t>term &gt;</a:t>
-            </a:r>
+              <a:t>A high-level language such as Java, Groovy, Ruby or Python; we use Java and Groovy extensively</a:t>
+            </a:r>
+          </a:p>
+          <a:p>
             <a:endParaRPr lang="en-US" dirty="0"/>
           </a:p>
           <a:p>
             <a:r>
-              <a:rPr lang="en-US" dirty="0" smtClean="0"/>
-              <a:t>&lt; term </a:t>
-            </a:r>
-            <a:r>
               <a:rPr lang="en-US" dirty="0"/>
-              <a:t>, * , *, and </a:t>
-            </a:r>
-            <a:r>
-              <a:rPr lang="en-US" dirty="0" smtClean="0"/>
-              <a:t>term &gt; </a:t>
-            </a:r>
-          </a:p>
-          <a:p>
-            <a:r>
-              <a:rPr lang="en-US" dirty="0" smtClean="0"/>
-              <a:t>Bootstrap approach </a:t>
-            </a:r>
-          </a:p>
-          <a:p>
-            <a:pPr lvl="1"/>
-            <a:r>
-              <a:rPr lang="en-US" dirty="0" smtClean="0"/>
-              <a:t>Get some initial terms manually </a:t>
-            </a:r>
-          </a:p>
-          <a:p>
-            <a:pPr lvl="1"/>
-            <a:r>
-              <a:rPr lang="en-US" dirty="0" smtClean="0"/>
-              <a:t>Use the FST tool to find new terms</a:t>
-            </a:r>
-          </a:p>
-          <a:p>
-            <a:pPr lvl="1"/>
-            <a:r>
-              <a:rPr lang="en-US" dirty="0" smtClean="0"/>
-              <a:t>Checking on Dbpedia  </a:t>
-            </a:r>
+              <a:t>HTML5/CSS3/JavaScript, web standards, jQuery or frameworks like </a:t>
+            </a:r>
+            <a:r>
+              <a:rPr lang="en-US" dirty="0" err="1"/>
+              <a:t>AngularJS</a:t>
+            </a:r>
+            <a:r>
+              <a:rPr lang="en-US" dirty="0"/>
+              <a:t> would be great</a:t>
+            </a:r>
+          </a:p>
+          <a:p>
+            <a:endParaRPr lang="en-US" dirty="0"/>
+          </a:p>
+          <a:p>
+            <a:r>
+              <a:rPr lang="en-US" dirty="0"/>
+              <a:t>HTML CSS and </a:t>
+            </a:r>
+            <a:r>
+              <a:rPr lang="en-US" dirty="0" err="1"/>
+              <a:t>Javascript</a:t>
+            </a:r>
+            <a:r>
+              <a:rPr lang="en-US" dirty="0"/>
+              <a:t> a must 4. Experience with AJAX, XML, XSL, XSLT, CSS, JavaScript, JQuery, HTML and Web Services</a:t>
+            </a:r>
+          </a:p>
+          <a:p>
+            <a:endParaRPr lang="en-US" dirty="0"/>
+          </a:p>
+          <a:p>
             <a:endParaRPr lang="en-US" dirty="0"/>
           </a:p>
         </p:txBody>
@@ -8092,8 +9356,20 @@
           <a:lstStyle/>
           <a:p>
             <a:r>
-              <a:rPr lang="en-US" dirty="0" smtClean="0"/>
-              <a:t>Pattern in sentences </a:t>
+              <a:rPr lang="en-US" dirty="0"/>
+              <a:t>How to </a:t>
+            </a:r>
+            <a:r>
+              <a:rPr lang="en-US" dirty="0" smtClean="0"/>
+              <a:t>Find </a:t>
+            </a:r>
+            <a:r>
+              <a:rPr lang="en-US" dirty="0"/>
+              <a:t>terms in </a:t>
+            </a:r>
+            <a:r>
+              <a:rPr lang="en-US" dirty="0" smtClean="0"/>
+              <a:t>Job Description </a:t>
             </a:r>
             <a:endParaRPr lang="en-US" dirty="0"/>
           </a:p>
@@ -8102,7 +9378,7 @@
     </p:spTree>
     <p:extLst>
       <p:ext uri="{BB962C8B-B14F-4D97-AF65-F5344CB8AC3E}">
-        <p14:creationId xmlns:p14="http://schemas.microsoft.com/office/powerpoint/2010/main" val="4158667606"/>
+        <p14:creationId xmlns:p14="http://schemas.microsoft.com/office/powerpoint/2010/main" val="162425321"/>
       </p:ext>
     </p:extLst>
   </p:cSld>
@@ -8141,35 +9417,79 @@
           <a:chExt cx="0" cy="0"/>
         </a:xfrm>
       </p:grpSpPr>
-      <p:pic>
-        <p:nvPicPr>
-          <p:cNvPr id="4" name="Content Placeholder 3"/>
-          <p:cNvPicPr>
-            <a:picLocks noGrp="1" noChangeAspect="1"/>
-          </p:cNvPicPr>
+      <p:sp>
+        <p:nvSpPr>
+          <p:cNvPr id="2" name="Content Placeholder 1"/>
+          <p:cNvSpPr>
+            <a:spLocks noGrp="1"/>
+          </p:cNvSpPr>
           <p:nvPr>
             <p:ph idx="1"/>
           </p:nvPr>
-        </p:nvPicPr>
-        <p:blipFill>
-          <a:blip r:embed="rId2">
-            <a:extLst>
-              <a:ext uri="{28A0092B-C50C-407E-A947-70E740481C1C}">
-                <a14:useLocalDpi xmlns:a14="http://schemas.microsoft.com/office/drawing/2010/main" val="0"/>
-              </a:ext>
-            </a:extLst>
-          </a:blip>
-          <a:stretch>
-            <a:fillRect/>
-          </a:stretch>
-        </p:blipFill>
-        <p:spPr>
-          <a:xfrm>
-            <a:off x="1738245" y="2208313"/>
-            <a:ext cx="8389361" cy="3110662"/>
-          </a:xfrm>
-        </p:spPr>
-      </p:pic>
+        </p:nvSpPr>
+        <p:spPr/>
+        <p:txBody>
+          <a:bodyPr/>
+          <a:lstStyle/>
+          <a:p>
+            <a:r>
+              <a:rPr lang="en-US" dirty="0" smtClean="0"/>
+              <a:t>&lt; term </a:t>
+            </a:r>
+            <a:r>
+              <a:rPr lang="en-US" dirty="0"/>
+              <a:t>, * , *, </a:t>
+            </a:r>
+            <a:r>
+              <a:rPr lang="en-US" dirty="0" smtClean="0"/>
+              <a:t>term &gt;</a:t>
+            </a:r>
+            <a:endParaRPr lang="en-US" dirty="0"/>
+          </a:p>
+          <a:p>
+            <a:r>
+              <a:rPr lang="en-US" dirty="0" smtClean="0"/>
+              <a:t>&lt; term </a:t>
+            </a:r>
+            <a:r>
+              <a:rPr lang="en-US" dirty="0"/>
+              <a:t>, * , *, and </a:t>
+            </a:r>
+            <a:r>
+              <a:rPr lang="en-US" dirty="0" smtClean="0"/>
+              <a:t>term &gt; </a:t>
+            </a:r>
+          </a:p>
+          <a:p>
+            <a:r>
+              <a:rPr lang="en-US" dirty="0" smtClean="0"/>
+              <a:t>Bootstrap approach </a:t>
+            </a:r>
+          </a:p>
+          <a:p>
+            <a:pPr lvl="1"/>
+            <a:r>
+              <a:rPr lang="en-US" dirty="0" smtClean="0"/>
+              <a:t>Get some initial terms manually </a:t>
+            </a:r>
+          </a:p>
+          <a:p>
+            <a:pPr lvl="1"/>
+            <a:r>
+              <a:rPr lang="en-US" dirty="0" smtClean="0"/>
+              <a:t>Use the FST tool to find new terms</a:t>
+            </a:r>
+          </a:p>
+          <a:p>
+            <a:pPr lvl="1"/>
+            <a:r>
+              <a:rPr lang="en-US" dirty="0" smtClean="0"/>
+              <a:t>Checking on Dbpedia  </a:t>
+            </a:r>
+            <a:endParaRPr lang="en-US" dirty="0"/>
+          </a:p>
+        </p:txBody>
+      </p:sp>
       <p:sp>
         <p:nvSpPr>
           <p:cNvPr id="3" name="Title 2"/>
@@ -8187,22 +9507,21 @@
           </a:xfrm>
         </p:spPr>
         <p:txBody>
-          <a:bodyPr>
-            <a:normAutofit/>
-          </a:bodyPr>
-          <a:lstStyle/>
-          <a:p>
-            <a:r>
-              <a:rPr lang="en-US" dirty="0"/>
-              <a:t>Bootstrap approach </a:t>
-            </a:r>
+          <a:bodyPr/>
+          <a:lstStyle/>
+          <a:p>
+            <a:r>
+              <a:rPr lang="en-US" dirty="0" smtClean="0"/>
+              <a:t>Pattern in sentences </a:t>
+            </a:r>
+            <a:endParaRPr lang="en-US" dirty="0"/>
           </a:p>
         </p:txBody>
       </p:sp>
     </p:spTree>
     <p:extLst>
       <p:ext uri="{BB962C8B-B14F-4D97-AF65-F5344CB8AC3E}">
-        <p14:creationId xmlns:p14="http://schemas.microsoft.com/office/powerpoint/2010/main" val="2956514378"/>
+        <p14:creationId xmlns:p14="http://schemas.microsoft.com/office/powerpoint/2010/main" val="4158667606"/>
       </p:ext>
     </p:extLst>
   </p:cSld>
@@ -8252,19 +9571,22 @@
           </p:nvPr>
         </p:nvPicPr>
         <p:blipFill>
-          <a:blip r:embed="rId2"/>
+          <a:blip r:embed="rId2">
+            <a:extLst>
+              <a:ext uri="{28A0092B-C50C-407E-A947-70E740481C1C}">
+                <a14:useLocalDpi xmlns:a14="http://schemas.microsoft.com/office/drawing/2010/main" val="0"/>
+              </a:ext>
+            </a:extLst>
+          </a:blip>
           <a:stretch>
             <a:fillRect/>
           </a:stretch>
         </p:blipFill>
         <p:spPr>
           <a:xfrm>
-            <a:off x="1562100" y="1874602"/>
-            <a:ext cx="8601075" cy="904875"/>
-          </a:xfrm>
-          <a:prstGeom prst="rect">
-            <a:avLst/>
-          </a:prstGeom>
+            <a:off x="1738245" y="2208313"/>
+            <a:ext cx="8389361" cy="3110662"/>
+          </a:xfrm>
         </p:spPr>
       </p:pic>
       <p:sp>
@@ -8284,45 +9606,22 @@
           </a:xfrm>
         </p:spPr>
         <p:txBody>
-          <a:bodyPr/>
-          <a:lstStyle/>
-          <a:p>
-            <a:r>
-              <a:rPr lang="en-US" dirty="0" smtClean="0"/>
-              <a:t>Dbpedia Page </a:t>
-            </a:r>
-            <a:endParaRPr lang="en-US" dirty="0"/>
-          </a:p>
-        </p:txBody>
-      </p:sp>
-      <p:pic>
-        <p:nvPicPr>
-          <p:cNvPr id="6" name="Picture 5"/>
-          <p:cNvPicPr>
-            <a:picLocks noChangeAspect="1"/>
-          </p:cNvPicPr>
-          <p:nvPr/>
-        </p:nvPicPr>
-        <p:blipFill>
-          <a:blip r:embed="rId3"/>
-          <a:stretch>
-            <a:fillRect/>
-          </a:stretch>
-        </p:blipFill>
-        <p:spPr>
-          <a:xfrm>
-            <a:off x="1562099" y="2963391"/>
-            <a:ext cx="8601075" cy="4162425"/>
-          </a:xfrm>
-          <a:prstGeom prst="rect">
-            <a:avLst/>
-          </a:prstGeom>
-        </p:spPr>
-      </p:pic>
+          <a:bodyPr>
+            <a:normAutofit/>
+          </a:bodyPr>
+          <a:lstStyle/>
+          <a:p>
+            <a:r>
+              <a:rPr lang="en-US" dirty="0"/>
+              <a:t>Bootstrap approach </a:t>
+            </a:r>
+          </a:p>
+        </p:txBody>
+      </p:sp>
     </p:spTree>
     <p:extLst>
       <p:ext uri="{BB962C8B-B14F-4D97-AF65-F5344CB8AC3E}">
-        <p14:creationId xmlns:p14="http://schemas.microsoft.com/office/powerpoint/2010/main" val="2387276992"/>
+        <p14:creationId xmlns:p14="http://schemas.microsoft.com/office/powerpoint/2010/main" val="2956514378"/>
       </p:ext>
     </p:extLst>
   </p:cSld>
@@ -8379,8 +9678,8 @@
         </p:blipFill>
         <p:spPr>
           <a:xfrm>
-            <a:off x="2613276" y="1786989"/>
-            <a:ext cx="5345393" cy="4351338"/>
+            <a:off x="1562100" y="1874602"/>
+            <a:ext cx="8601075" cy="904875"/>
           </a:xfrm>
           <a:prstGeom prst="rect">
             <a:avLst/>
@@ -8409,16 +9708,40 @@
           <a:p>
             <a:r>
               <a:rPr lang="en-US" dirty="0" smtClean="0"/>
-              <a:t>EVALUATION – Information Extraction </a:t>
+              <a:t>Dbpedia Page </a:t>
             </a:r>
             <a:endParaRPr lang="en-US" dirty="0"/>
           </a:p>
         </p:txBody>
       </p:sp>
+      <p:pic>
+        <p:nvPicPr>
+          <p:cNvPr id="6" name="Picture 5"/>
+          <p:cNvPicPr>
+            <a:picLocks noChangeAspect="1"/>
+          </p:cNvPicPr>
+          <p:nvPr/>
+        </p:nvPicPr>
+        <p:blipFill>
+          <a:blip r:embed="rId3"/>
+          <a:stretch>
+            <a:fillRect/>
+          </a:stretch>
+        </p:blipFill>
+        <p:spPr>
+          <a:xfrm>
+            <a:off x="1562099" y="2963391"/>
+            <a:ext cx="8601075" cy="4162425"/>
+          </a:xfrm>
+          <a:prstGeom prst="rect">
+            <a:avLst/>
+          </a:prstGeom>
+        </p:spPr>
+      </p:pic>
     </p:spTree>
     <p:extLst>
       <p:ext uri="{BB962C8B-B14F-4D97-AF65-F5344CB8AC3E}">
-        <p14:creationId xmlns:p14="http://schemas.microsoft.com/office/powerpoint/2010/main" val="714282575"/>
+        <p14:creationId xmlns:p14="http://schemas.microsoft.com/office/powerpoint/2010/main" val="2387276992"/>
       </p:ext>
     </p:extLst>
   </p:cSld>
@@ -8474,26 +9797,54 @@
           <a:p>
             <a:r>
               <a:rPr lang="en-US" dirty="0" smtClean="0"/>
+              <a:t>When  </a:t>
+            </a:r>
+            <a:r>
+              <a:rPr lang="en-US" dirty="0" smtClean="0"/>
+              <a:t>searching with Java </a:t>
+            </a:r>
+          </a:p>
+          <a:p>
+            <a:r>
+              <a:rPr lang="en-US" dirty="0" smtClean="0"/>
+              <a:t>7000 unranked </a:t>
+            </a:r>
+            <a:r>
+              <a:rPr lang="en-US" dirty="0"/>
+              <a:t>jobs </a:t>
+            </a:r>
+            <a:r>
+              <a:rPr lang="en-US" dirty="0" smtClean="0"/>
+              <a:t>returned</a:t>
+            </a:r>
+            <a:r>
+              <a:rPr lang="en-US" dirty="0" smtClean="0"/>
+              <a:t>.</a:t>
+            </a:r>
+          </a:p>
+          <a:p>
+            <a:endParaRPr lang="en-US" dirty="0"/>
+          </a:p>
+          <a:p>
+            <a:r>
+              <a:rPr lang="en-US" dirty="0"/>
               <a:t>Too many jobs return</a:t>
             </a:r>
           </a:p>
           <a:p>
             <a:r>
-              <a:rPr lang="en-US" dirty="0" smtClean="0"/>
-              <a:t>The result is not ranked</a:t>
-            </a:r>
-          </a:p>
-          <a:p>
-            <a:r>
-              <a:rPr lang="en-US" dirty="0" smtClean="0"/>
-              <a:t>7000 jobs returned when</a:t>
-            </a:r>
-          </a:p>
-          <a:p>
-            <a:r>
-              <a:rPr lang="en-US" dirty="0" smtClean="0"/>
-              <a:t> searching with Java </a:t>
-            </a:r>
+              <a:rPr lang="en-US" dirty="0"/>
+              <a:t>The result is not </a:t>
+            </a:r>
+            <a:r>
+              <a:rPr lang="en-US" dirty="0" smtClean="0"/>
+              <a:t>ranked</a:t>
+            </a:r>
+            <a:r>
+              <a:rPr lang="en-US" dirty="0" smtClean="0"/>
+              <a:t> </a:t>
+            </a:r>
+            <a:endParaRPr lang="en-US" dirty="0" smtClean="0"/>
           </a:p>
           <a:p>
             <a:r>
@@ -8566,13 +9917,13 @@
   <p:clrMapOvr>
     <a:masterClrMapping/>
   </p:clrMapOvr>
-  <mc:AlternateContent xmlns:mc="http://schemas.openxmlformats.org/markup-compatibility/2006">
-    <mc:Choice xmlns:p14="http://schemas.microsoft.com/office/powerpoint/2010/main" Requires="p14">
+  <mc:AlternateContent xmlns:mc="http://schemas.openxmlformats.org/markup-compatibility/2006" xmlns:p14="http://schemas.microsoft.com/office/powerpoint/2010/main">
+    <mc:Choice Requires="p14">
       <p:transition spd="med" p14:dur="700">
         <p:fade/>
       </p:transition>
     </mc:Choice>
-    <mc:Fallback>
+    <mc:Fallback xmlns="">
       <p:transition spd="med">
         <p:fade/>
       </p:transition>
@@ -8598,66 +9949,15 @@
           <a:chExt cx="0" cy="0"/>
         </a:xfrm>
       </p:grpSpPr>
-      <p:sp>
-        <p:nvSpPr>
-          <p:cNvPr id="2" name="Content Placeholder 1"/>
-          <p:cNvSpPr>
-            <a:spLocks noGrp="1"/>
-          </p:cNvSpPr>
-          <p:nvPr>
-            <p:ph idx="1"/>
-          </p:nvPr>
-        </p:nvSpPr>
-        <p:spPr/>
-        <p:txBody>
-          <a:bodyPr/>
-          <a:lstStyle/>
-          <a:p>
-            <a:r>
-              <a:rPr lang="en-US" dirty="0" smtClean="0"/>
-              <a:t>Accuracy of </a:t>
-            </a:r>
-            <a:r>
-              <a:rPr lang="en-US" dirty="0"/>
-              <a:t>Information Extraction </a:t>
-            </a:r>
-          </a:p>
-        </p:txBody>
-      </p:sp>
-      <p:sp>
-        <p:nvSpPr>
-          <p:cNvPr id="3" name="Title 2"/>
-          <p:cNvSpPr>
-            <a:spLocks noGrp="1"/>
-          </p:cNvSpPr>
-          <p:nvPr>
-            <p:ph type="title"/>
-          </p:nvPr>
-        </p:nvSpPr>
-        <p:spPr>
-          <a:xfrm>
-            <a:off x="1562100" y="365125"/>
-            <a:ext cx="9791700" cy="1325563"/>
-          </a:xfrm>
-        </p:spPr>
-        <p:txBody>
-          <a:bodyPr/>
-          <a:lstStyle/>
-          <a:p>
-            <a:r>
-              <a:rPr lang="en-US" dirty="0"/>
-              <a:t>EVALUATION – Information Extraction </a:t>
-            </a:r>
-          </a:p>
-        </p:txBody>
-      </p:sp>
       <p:pic>
         <p:nvPicPr>
-          <p:cNvPr id="4" name="Picture 3"/>
+          <p:cNvPr id="4" name="Content Placeholder 3"/>
           <p:cNvPicPr>
-            <a:picLocks noChangeAspect="1"/>
+            <a:picLocks noGrp="1" noChangeAspect="1"/>
           </p:cNvPicPr>
-          <p:nvPr/>
+          <p:nvPr>
+            <p:ph idx="1"/>
+          </p:nvPr>
         </p:nvPicPr>
         <p:blipFill>
           <a:blip r:embed="rId2"/>
@@ -8667,18 +9967,46 @@
         </p:blipFill>
         <p:spPr>
           <a:xfrm>
-            <a:off x="2658615" y="2894862"/>
-            <a:ext cx="4890555" cy="3080935"/>
+            <a:off x="2613276" y="1786989"/>
+            <a:ext cx="5345393" cy="4351338"/>
           </a:xfrm>
           <a:prstGeom prst="rect">
             <a:avLst/>
           </a:prstGeom>
         </p:spPr>
       </p:pic>
+      <p:sp>
+        <p:nvSpPr>
+          <p:cNvPr id="3" name="Title 2"/>
+          <p:cNvSpPr>
+            <a:spLocks noGrp="1"/>
+          </p:cNvSpPr>
+          <p:nvPr>
+            <p:ph type="title"/>
+          </p:nvPr>
+        </p:nvSpPr>
+        <p:spPr>
+          <a:xfrm>
+            <a:off x="1562100" y="365125"/>
+            <a:ext cx="9791700" cy="1325563"/>
+          </a:xfrm>
+        </p:spPr>
+        <p:txBody>
+          <a:bodyPr/>
+          <a:lstStyle/>
+          <a:p>
+            <a:r>
+              <a:rPr lang="en-US" dirty="0" smtClean="0"/>
+              <a:t>EVALUATION – Information Extraction </a:t>
+            </a:r>
+            <a:endParaRPr lang="en-US" dirty="0"/>
+          </a:p>
+        </p:txBody>
+      </p:sp>
     </p:spTree>
     <p:extLst>
       <p:ext uri="{BB962C8B-B14F-4D97-AF65-F5344CB8AC3E}">
-        <p14:creationId xmlns:p14="http://schemas.microsoft.com/office/powerpoint/2010/main" val="920421740"/>
+        <p14:creationId xmlns:p14="http://schemas.microsoft.com/office/powerpoint/2010/main" val="714282575"/>
       </p:ext>
     </p:extLst>
   </p:cSld>
@@ -8733,14 +10061,13 @@
           <a:lstStyle/>
           <a:p>
             <a:r>
+              <a:rPr lang="en-US" dirty="0" smtClean="0"/>
+              <a:t>Accuracy of </a:t>
+            </a:r>
+            <a:r>
               <a:rPr lang="en-US" dirty="0"/>
-              <a:t>Normalized Discounted Cumulative Gain(NDCG</a:t>
-            </a:r>
-            <a:r>
-              <a:rPr lang="en-US" dirty="0" smtClean="0"/>
-              <a:t>) </a:t>
-            </a:r>
-            <a:endParaRPr lang="en-US" dirty="0"/>
+              <a:t>Information Extraction </a:t>
+            </a:r>
           </a:p>
         </p:txBody>
       </p:sp>
@@ -8766,13 +10093,8 @@
           <a:p>
             <a:r>
               <a:rPr lang="en-US" dirty="0"/>
-              <a:t>EVALUATION – </a:t>
-            </a:r>
-            <a:r>
-              <a:rPr lang="en-US" dirty="0" smtClean="0"/>
-              <a:t>Ontology Similarity </a:t>
-            </a:r>
-            <a:endParaRPr lang="en-US" dirty="0"/>
+              <a:t>EVALUATION – Information Extraction </a:t>
+            </a:r>
           </a:p>
         </p:txBody>
       </p:sp>
@@ -8792,8 +10114,8 @@
         </p:blipFill>
         <p:spPr>
           <a:xfrm>
-            <a:off x="1853484" y="2927920"/>
-            <a:ext cx="7317260" cy="1283471"/>
+            <a:off x="2658615" y="2894862"/>
+            <a:ext cx="4890555" cy="3080935"/>
           </a:xfrm>
           <a:prstGeom prst="rect">
             <a:avLst/>
@@ -8803,7 +10125,7 @@
     </p:spTree>
     <p:extLst>
       <p:ext uri="{BB962C8B-B14F-4D97-AF65-F5344CB8AC3E}">
-        <p14:creationId xmlns:p14="http://schemas.microsoft.com/office/powerpoint/2010/main" val="3136756748"/>
+        <p14:creationId xmlns:p14="http://schemas.microsoft.com/office/powerpoint/2010/main" val="920421740"/>
       </p:ext>
     </p:extLst>
   </p:cSld>
@@ -8842,15 +10164,72 @@
           <a:chExt cx="0" cy="0"/>
         </a:xfrm>
       </p:grpSpPr>
+      <p:sp>
+        <p:nvSpPr>
+          <p:cNvPr id="2" name="Content Placeholder 1"/>
+          <p:cNvSpPr>
+            <a:spLocks noGrp="1"/>
+          </p:cNvSpPr>
+          <p:nvPr>
+            <p:ph idx="1"/>
+          </p:nvPr>
+        </p:nvSpPr>
+        <p:spPr/>
+        <p:txBody>
+          <a:bodyPr/>
+          <a:lstStyle/>
+          <a:p>
+            <a:r>
+              <a:rPr lang="en-US" dirty="0"/>
+              <a:t>Normalized Discounted Cumulative Gain(NDCG</a:t>
+            </a:r>
+            <a:r>
+              <a:rPr lang="en-US" dirty="0" smtClean="0"/>
+              <a:t>) </a:t>
+            </a:r>
+            <a:endParaRPr lang="en-US" dirty="0"/>
+          </a:p>
+        </p:txBody>
+      </p:sp>
+      <p:sp>
+        <p:nvSpPr>
+          <p:cNvPr id="3" name="Title 2"/>
+          <p:cNvSpPr>
+            <a:spLocks noGrp="1"/>
+          </p:cNvSpPr>
+          <p:nvPr>
+            <p:ph type="title"/>
+          </p:nvPr>
+        </p:nvSpPr>
+        <p:spPr>
+          <a:xfrm>
+            <a:off x="1562100" y="365125"/>
+            <a:ext cx="9791700" cy="1325563"/>
+          </a:xfrm>
+        </p:spPr>
+        <p:txBody>
+          <a:bodyPr/>
+          <a:lstStyle/>
+          <a:p>
+            <a:r>
+              <a:rPr lang="en-US" dirty="0"/>
+              <a:t>EVALUATION – </a:t>
+            </a:r>
+            <a:r>
+              <a:rPr lang="en-US" dirty="0" smtClean="0"/>
+              <a:t>Ontology Similarity </a:t>
+            </a:r>
+            <a:endParaRPr lang="en-US" dirty="0"/>
+          </a:p>
+        </p:txBody>
+      </p:sp>
       <p:pic>
         <p:nvPicPr>
-          <p:cNvPr id="4" name="Content Placeholder 3"/>
+          <p:cNvPr id="4" name="Picture 3"/>
           <p:cNvPicPr>
-            <a:picLocks noGrp="1" noChangeAspect="1"/>
+            <a:picLocks noChangeAspect="1"/>
           </p:cNvPicPr>
-          <p:nvPr>
-            <p:ph idx="1"/>
-          </p:nvPr>
+          <p:nvPr/>
         </p:nvPicPr>
         <p:blipFill>
           <a:blip r:embed="rId2"/>
@@ -8860,45 +10239,18 @@
         </p:blipFill>
         <p:spPr>
           <a:xfrm>
-            <a:off x="1761185" y="1789146"/>
-            <a:ext cx="7846313" cy="4341198"/>
+            <a:off x="1853484" y="2927920"/>
+            <a:ext cx="7317260" cy="1283471"/>
           </a:xfrm>
           <a:prstGeom prst="rect">
             <a:avLst/>
           </a:prstGeom>
         </p:spPr>
       </p:pic>
-      <p:sp>
-        <p:nvSpPr>
-          <p:cNvPr id="3" name="Title 2"/>
-          <p:cNvSpPr>
-            <a:spLocks noGrp="1"/>
-          </p:cNvSpPr>
-          <p:nvPr>
-            <p:ph type="title"/>
-          </p:nvPr>
-        </p:nvSpPr>
-        <p:spPr>
-          <a:xfrm>
-            <a:off x="1562100" y="365125"/>
-            <a:ext cx="9791700" cy="1325563"/>
-          </a:xfrm>
-        </p:spPr>
-        <p:txBody>
-          <a:bodyPr/>
-          <a:lstStyle/>
-          <a:p>
-            <a:r>
-              <a:rPr lang="en-US" dirty="0"/>
-              <a:t>EVALUATION – Ontology Similarity </a:t>
-            </a:r>
-          </a:p>
-        </p:txBody>
-      </p:sp>
     </p:spTree>
     <p:extLst>
       <p:ext uri="{BB962C8B-B14F-4D97-AF65-F5344CB8AC3E}">
-        <p14:creationId xmlns:p14="http://schemas.microsoft.com/office/powerpoint/2010/main" val="2408042501"/>
+        <p14:creationId xmlns:p14="http://schemas.microsoft.com/office/powerpoint/2010/main" val="3136756748"/>
       </p:ext>
     </p:extLst>
   </p:cSld>
@@ -8937,59 +10289,15 @@
           <a:chExt cx="0" cy="0"/>
         </a:xfrm>
       </p:grpSpPr>
-      <p:sp>
-        <p:nvSpPr>
-          <p:cNvPr id="2" name="Content Placeholder 1"/>
-          <p:cNvSpPr>
-            <a:spLocks noGrp="1"/>
-          </p:cNvSpPr>
-          <p:nvPr>
-            <p:ph idx="1"/>
-          </p:nvPr>
-        </p:nvSpPr>
-        <p:spPr/>
-        <p:txBody>
-          <a:bodyPr/>
-          <a:lstStyle/>
-          <a:p>
-            <a:endParaRPr lang="en-US"/>
-          </a:p>
-        </p:txBody>
-      </p:sp>
-      <p:sp>
-        <p:nvSpPr>
-          <p:cNvPr id="3" name="Title 2"/>
-          <p:cNvSpPr>
-            <a:spLocks noGrp="1"/>
-          </p:cNvSpPr>
-          <p:nvPr>
-            <p:ph type="title"/>
-          </p:nvPr>
-        </p:nvSpPr>
-        <p:spPr>
-          <a:xfrm>
-            <a:off x="1562100" y="365125"/>
-            <a:ext cx="9791700" cy="1325563"/>
-          </a:xfrm>
-        </p:spPr>
-        <p:txBody>
-          <a:bodyPr/>
-          <a:lstStyle/>
-          <a:p>
-            <a:r>
-              <a:rPr lang="en-US" dirty="0"/>
-              <a:t>EVALUATION – Ontology Similarity </a:t>
-            </a:r>
-          </a:p>
-        </p:txBody>
-      </p:sp>
       <p:pic>
         <p:nvPicPr>
-          <p:cNvPr id="4" name="Picture 3"/>
+          <p:cNvPr id="4" name="Content Placeholder 3"/>
           <p:cNvPicPr>
-            <a:picLocks noChangeAspect="1"/>
+            <a:picLocks noGrp="1" noChangeAspect="1"/>
           </p:cNvPicPr>
-          <p:nvPr/>
+          <p:nvPr>
+            <p:ph idx="1"/>
+          </p:nvPr>
         </p:nvPicPr>
         <p:blipFill>
           <a:blip r:embed="rId2"/>
@@ -8999,18 +10307,45 @@
         </p:blipFill>
         <p:spPr>
           <a:xfrm>
-            <a:off x="1562100" y="1690688"/>
-            <a:ext cx="6533703" cy="4486275"/>
+            <a:off x="1761185" y="1789146"/>
+            <a:ext cx="7846313" cy="4341198"/>
           </a:xfrm>
           <a:prstGeom prst="rect">
             <a:avLst/>
           </a:prstGeom>
         </p:spPr>
       </p:pic>
+      <p:sp>
+        <p:nvSpPr>
+          <p:cNvPr id="3" name="Title 2"/>
+          <p:cNvSpPr>
+            <a:spLocks noGrp="1"/>
+          </p:cNvSpPr>
+          <p:nvPr>
+            <p:ph type="title"/>
+          </p:nvPr>
+        </p:nvSpPr>
+        <p:spPr>
+          <a:xfrm>
+            <a:off x="1562100" y="365125"/>
+            <a:ext cx="9791700" cy="1325563"/>
+          </a:xfrm>
+        </p:spPr>
+        <p:txBody>
+          <a:bodyPr/>
+          <a:lstStyle/>
+          <a:p>
+            <a:r>
+              <a:rPr lang="en-US" dirty="0"/>
+              <a:t>EVALUATION – Ontology Similarity </a:t>
+            </a:r>
+          </a:p>
+        </p:txBody>
+      </p:sp>
     </p:spTree>
     <p:extLst>
       <p:ext uri="{BB962C8B-B14F-4D97-AF65-F5344CB8AC3E}">
-        <p14:creationId xmlns:p14="http://schemas.microsoft.com/office/powerpoint/2010/main" val="3638388235"/>
+        <p14:creationId xmlns:p14="http://schemas.microsoft.com/office/powerpoint/2010/main" val="2408042501"/>
       </p:ext>
     </p:extLst>
   </p:cSld>
@@ -9049,15 +10384,59 @@
           <a:chExt cx="0" cy="0"/>
         </a:xfrm>
       </p:grpSpPr>
+      <p:sp>
+        <p:nvSpPr>
+          <p:cNvPr id="2" name="Content Placeholder 1"/>
+          <p:cNvSpPr>
+            <a:spLocks noGrp="1"/>
+          </p:cNvSpPr>
+          <p:nvPr>
+            <p:ph idx="1"/>
+          </p:nvPr>
+        </p:nvSpPr>
+        <p:spPr/>
+        <p:txBody>
+          <a:bodyPr/>
+          <a:lstStyle/>
+          <a:p>
+            <a:endParaRPr lang="en-US"/>
+          </a:p>
+        </p:txBody>
+      </p:sp>
+      <p:sp>
+        <p:nvSpPr>
+          <p:cNvPr id="3" name="Title 2"/>
+          <p:cNvSpPr>
+            <a:spLocks noGrp="1"/>
+          </p:cNvSpPr>
+          <p:nvPr>
+            <p:ph type="title"/>
+          </p:nvPr>
+        </p:nvSpPr>
+        <p:spPr>
+          <a:xfrm>
+            <a:off x="1562100" y="365125"/>
+            <a:ext cx="9791700" cy="1325563"/>
+          </a:xfrm>
+        </p:spPr>
+        <p:txBody>
+          <a:bodyPr/>
+          <a:lstStyle/>
+          <a:p>
+            <a:r>
+              <a:rPr lang="en-US" dirty="0"/>
+              <a:t>EVALUATION – Ontology Similarity </a:t>
+            </a:r>
+          </a:p>
+        </p:txBody>
+      </p:sp>
       <p:pic>
         <p:nvPicPr>
-          <p:cNvPr id="4" name="Content Placeholder 3"/>
+          <p:cNvPr id="4" name="Picture 3"/>
           <p:cNvPicPr>
-            <a:picLocks noGrp="1" noChangeAspect="1"/>
+            <a:picLocks noChangeAspect="1"/>
           </p:cNvPicPr>
-          <p:nvPr>
-            <p:ph idx="1"/>
-          </p:nvPr>
+          <p:nvPr/>
         </p:nvPicPr>
         <p:blipFill>
           <a:blip r:embed="rId2"/>
@@ -9067,45 +10446,18 @@
         </p:blipFill>
         <p:spPr>
           <a:xfrm>
-            <a:off x="1947057" y="1690688"/>
-            <a:ext cx="6778037" cy="4619960"/>
+            <a:off x="1562100" y="1690688"/>
+            <a:ext cx="6533703" cy="4486275"/>
           </a:xfrm>
           <a:prstGeom prst="rect">
             <a:avLst/>
           </a:prstGeom>
         </p:spPr>
       </p:pic>
-      <p:sp>
-        <p:nvSpPr>
-          <p:cNvPr id="3" name="Title 2"/>
-          <p:cNvSpPr>
-            <a:spLocks noGrp="1"/>
-          </p:cNvSpPr>
-          <p:nvPr>
-            <p:ph type="title"/>
-          </p:nvPr>
-        </p:nvSpPr>
-        <p:spPr>
-          <a:xfrm>
-            <a:off x="1562100" y="365125"/>
-            <a:ext cx="9791700" cy="1325563"/>
-          </a:xfrm>
-        </p:spPr>
-        <p:txBody>
-          <a:bodyPr/>
-          <a:lstStyle/>
-          <a:p>
-            <a:r>
-              <a:rPr lang="en-US" dirty="0"/>
-              <a:t>EVALUATION – Ontology Similarity </a:t>
-            </a:r>
-          </a:p>
-        </p:txBody>
-      </p:sp>
     </p:spTree>
     <p:extLst>
       <p:ext uri="{BB962C8B-B14F-4D97-AF65-F5344CB8AC3E}">
-        <p14:creationId xmlns:p14="http://schemas.microsoft.com/office/powerpoint/2010/main" val="2323954431"/>
+        <p14:creationId xmlns:p14="http://schemas.microsoft.com/office/powerpoint/2010/main" val="3638388235"/>
       </p:ext>
     </p:extLst>
   </p:cSld>
@@ -9144,92 +10496,15 @@
           <a:chExt cx="0" cy="0"/>
         </a:xfrm>
       </p:grpSpPr>
-      <p:sp>
-        <p:nvSpPr>
-          <p:cNvPr id="2" name="Content Placeholder 1"/>
-          <p:cNvSpPr>
-            <a:spLocks noGrp="1"/>
-          </p:cNvSpPr>
-          <p:nvPr>
-            <p:ph idx="1"/>
-          </p:nvPr>
-        </p:nvSpPr>
-        <p:spPr/>
-        <p:txBody>
-          <a:bodyPr/>
-          <a:lstStyle/>
-          <a:p>
-            <a:pPr marL="0" indent="0">
-              <a:buNone/>
-            </a:pPr>
-            <a:r>
-              <a:rPr lang="en-US" dirty="0" smtClean="0"/>
-              <a:t>Measure </a:t>
-            </a:r>
-          </a:p>
-          <a:p>
-            <a:r>
-              <a:rPr lang="en-US" dirty="0" smtClean="0"/>
-              <a:t>NDCG </a:t>
-            </a:r>
-          </a:p>
-          <a:p>
-            <a:r>
-              <a:rPr lang="en-US" dirty="0" err="1" smtClean="0"/>
-              <a:t>Precision@K</a:t>
-            </a:r>
-            <a:r>
-              <a:rPr lang="en-US" dirty="0" smtClean="0"/>
-              <a:t>  </a:t>
-            </a:r>
-          </a:p>
-          <a:p>
-            <a:endParaRPr lang="en-US" dirty="0"/>
-          </a:p>
-          <a:p>
-            <a:endParaRPr lang="en-US" dirty="0"/>
-          </a:p>
-        </p:txBody>
-      </p:sp>
-      <p:sp>
-        <p:nvSpPr>
-          <p:cNvPr id="3" name="Title 2"/>
-          <p:cNvSpPr>
-            <a:spLocks noGrp="1"/>
-          </p:cNvSpPr>
-          <p:nvPr>
-            <p:ph type="title"/>
-          </p:nvPr>
-        </p:nvSpPr>
-        <p:spPr>
-          <a:xfrm>
-            <a:off x="1562100" y="365125"/>
-            <a:ext cx="9791700" cy="1325563"/>
-          </a:xfrm>
-        </p:spPr>
-        <p:txBody>
-          <a:bodyPr/>
-          <a:lstStyle/>
-          <a:p>
-            <a:r>
-              <a:rPr lang="en-US" dirty="0"/>
-              <a:t>EVALUATION – </a:t>
-            </a:r>
-            <a:r>
-              <a:rPr lang="en-US" dirty="0" smtClean="0"/>
-              <a:t>System Performance </a:t>
-            </a:r>
-            <a:endParaRPr lang="en-US" dirty="0"/>
-          </a:p>
-        </p:txBody>
-      </p:sp>
       <p:pic>
         <p:nvPicPr>
-          <p:cNvPr id="4" name="Picture 3"/>
+          <p:cNvPr id="4" name="Content Placeholder 3"/>
           <p:cNvPicPr>
-            <a:picLocks noChangeAspect="1"/>
+            <a:picLocks noGrp="1" noChangeAspect="1"/>
           </p:cNvPicPr>
-          <p:nvPr/>
+          <p:nvPr>
+            <p:ph idx="1"/>
+          </p:nvPr>
         </p:nvPicPr>
         <p:blipFill>
           <a:blip r:embed="rId2"/>
@@ -9239,18 +10514,45 @@
         </p:blipFill>
         <p:spPr>
           <a:xfrm>
-            <a:off x="2505410" y="3329054"/>
-            <a:ext cx="4064128" cy="1088399"/>
+            <a:off x="1947057" y="1690688"/>
+            <a:ext cx="6778037" cy="4619960"/>
           </a:xfrm>
           <a:prstGeom prst="rect">
             <a:avLst/>
           </a:prstGeom>
         </p:spPr>
       </p:pic>
+      <p:sp>
+        <p:nvSpPr>
+          <p:cNvPr id="3" name="Title 2"/>
+          <p:cNvSpPr>
+            <a:spLocks noGrp="1"/>
+          </p:cNvSpPr>
+          <p:nvPr>
+            <p:ph type="title"/>
+          </p:nvPr>
+        </p:nvSpPr>
+        <p:spPr>
+          <a:xfrm>
+            <a:off x="1562100" y="365125"/>
+            <a:ext cx="9791700" cy="1325563"/>
+          </a:xfrm>
+        </p:spPr>
+        <p:txBody>
+          <a:bodyPr/>
+          <a:lstStyle/>
+          <a:p>
+            <a:r>
+              <a:rPr lang="en-US" dirty="0"/>
+              <a:t>EVALUATION – Ontology Similarity </a:t>
+            </a:r>
+          </a:p>
+        </p:txBody>
+      </p:sp>
     </p:spTree>
     <p:extLst>
       <p:ext uri="{BB962C8B-B14F-4D97-AF65-F5344CB8AC3E}">
-        <p14:creationId xmlns:p14="http://schemas.microsoft.com/office/powerpoint/2010/main" val="3764817134"/>
+        <p14:creationId xmlns:p14="http://schemas.microsoft.com/office/powerpoint/2010/main" val="2323954431"/>
       </p:ext>
     </p:extLst>
   </p:cSld>
@@ -9304,24 +10606,36 @@
           <a:bodyPr/>
           <a:lstStyle/>
           <a:p>
-            <a:r>
-              <a:rPr lang="en-US" dirty="0" smtClean="0"/>
-              <a:t>5 resumes </a:t>
-            </a:r>
-          </a:p>
-          <a:p>
-            <a:r>
-              <a:rPr lang="en-US" dirty="0" smtClean="0"/>
-              <a:t>100 jobs </a:t>
-            </a:r>
-          </a:p>
-          <a:p>
-            <a:r>
-              <a:rPr lang="en-US" dirty="0" smtClean="0"/>
-              <a:t>Relevance value manually assigned </a:t>
-            </a:r>
+            <a:pPr marL="0" indent="0">
+              <a:buNone/>
+            </a:pPr>
+            <a:r>
+              <a:rPr lang="en-US" dirty="0" smtClean="0"/>
+              <a:t>Measure </a:t>
+            </a:r>
+          </a:p>
+          <a:p>
+            <a:r>
+              <a:rPr lang="en-US" dirty="0" smtClean="0"/>
+              <a:t>NDCG </a:t>
+            </a:r>
+          </a:p>
+          <a:p>
+            <a:r>
+              <a:rPr lang="en-US" dirty="0" err="1" smtClean="0"/>
+              <a:t>Precision@K</a:t>
+            </a:r>
+            <a:r>
+              <a:rPr lang="en-US" dirty="0" smtClean="0"/>
+              <a:t>  </a:t>
+            </a:r>
+          </a:p>
+          <a:p>
             <a:endParaRPr lang="en-US" dirty="0"/>
           </a:p>
+          <a:p>
+            <a:endParaRPr lang="en-US" dirty="0"/>
+          </a:p>
         </p:txBody>
       </p:sp>
       <p:sp>
@@ -9336,8 +10650,8 @@
         </p:nvSpPr>
         <p:spPr>
           <a:xfrm>
-            <a:off x="1461216" y="326489"/>
-            <a:ext cx="9029700" cy="1325563"/>
+            <a:off x="1562100" y="365125"/>
+            <a:ext cx="9791700" cy="1325563"/>
           </a:xfrm>
         </p:spPr>
         <p:txBody>
@@ -9346,28 +10660,57 @@
           <a:p>
             <a:r>
               <a:rPr lang="en-US" dirty="0"/>
-              <a:t>EVALUATION – System Performance </a:t>
-            </a:r>
-          </a:p>
-        </p:txBody>
-      </p:sp>
+              <a:t>EVALUATION – </a:t>
+            </a:r>
+            <a:r>
+              <a:rPr lang="en-US" dirty="0" smtClean="0"/>
+              <a:t>System Performance </a:t>
+            </a:r>
+            <a:endParaRPr lang="en-US" dirty="0"/>
+          </a:p>
+        </p:txBody>
+      </p:sp>
+      <p:pic>
+        <p:nvPicPr>
+          <p:cNvPr id="4" name="Picture 3"/>
+          <p:cNvPicPr>
+            <a:picLocks noChangeAspect="1"/>
+          </p:cNvPicPr>
+          <p:nvPr/>
+        </p:nvPicPr>
+        <p:blipFill>
+          <a:blip r:embed="rId2"/>
+          <a:stretch>
+            <a:fillRect/>
+          </a:stretch>
+        </p:blipFill>
+        <p:spPr>
+          <a:xfrm>
+            <a:off x="2505410" y="3329054"/>
+            <a:ext cx="4064128" cy="1088399"/>
+          </a:xfrm>
+          <a:prstGeom prst="rect">
+            <a:avLst/>
+          </a:prstGeom>
+        </p:spPr>
+      </p:pic>
     </p:spTree>
     <p:extLst>
       <p:ext uri="{BB962C8B-B14F-4D97-AF65-F5344CB8AC3E}">
-        <p14:creationId xmlns:p14="http://schemas.microsoft.com/office/powerpoint/2010/main" val="1952061959"/>
+        <p14:creationId xmlns:p14="http://schemas.microsoft.com/office/powerpoint/2010/main" val="3764817134"/>
       </p:ext>
     </p:extLst>
   </p:cSld>
   <p:clrMapOvr>
     <a:masterClrMapping/>
   </p:clrMapOvr>
-  <mc:AlternateContent xmlns:mc="http://schemas.openxmlformats.org/markup-compatibility/2006">
-    <mc:Choice xmlns:p14="http://schemas.microsoft.com/office/powerpoint/2010/main" Requires="p14">
+  <mc:AlternateContent xmlns:mc="http://schemas.openxmlformats.org/markup-compatibility/2006" xmlns:p14="http://schemas.microsoft.com/office/powerpoint/2010/main">
+    <mc:Choice Requires="p14">
       <p:transition spd="med" p14:dur="700">
         <p:fade/>
       </p:transition>
     </mc:Choice>
-    <mc:Fallback>
+    <mc:Fallback xmlns="">
       <p:transition spd="med">
         <p:fade/>
       </p:transition>
@@ -9393,46 +10736,55 @@
           <a:chExt cx="0" cy="0"/>
         </a:xfrm>
       </p:grpSpPr>
-      <p:pic>
-        <p:nvPicPr>
-          <p:cNvPr id="4" name="Content Placeholder 3"/>
-          <p:cNvPicPr>
-            <a:picLocks noGrp="1" noChangeAspect="1"/>
-          </p:cNvPicPr>
+      <p:sp>
+        <p:nvSpPr>
+          <p:cNvPr id="2" name="Content Placeholder 1"/>
+          <p:cNvSpPr>
+            <a:spLocks noGrp="1"/>
+          </p:cNvSpPr>
           <p:nvPr>
             <p:ph idx="1"/>
           </p:nvPr>
-        </p:nvPicPr>
-        <p:blipFill>
-          <a:blip r:embed="rId2"/>
-          <a:stretch>
-            <a:fillRect/>
-          </a:stretch>
-        </p:blipFill>
+        </p:nvSpPr>
+        <p:spPr/>
+        <p:txBody>
+          <a:bodyPr/>
+          <a:lstStyle/>
+          <a:p>
+            <a:r>
+              <a:rPr lang="en-US" dirty="0" smtClean="0"/>
+              <a:t>5 resumes </a:t>
+            </a:r>
+          </a:p>
+          <a:p>
+            <a:r>
+              <a:rPr lang="en-US" dirty="0" smtClean="0"/>
+              <a:t>100 jobs </a:t>
+            </a:r>
+          </a:p>
+          <a:p>
+            <a:r>
+              <a:rPr lang="en-US" dirty="0" smtClean="0"/>
+              <a:t>Relevance value manually assigned </a:t>
+            </a:r>
+            <a:endParaRPr lang="en-US" dirty="0"/>
+          </a:p>
+        </p:txBody>
+      </p:sp>
+      <p:sp>
+        <p:nvSpPr>
+          <p:cNvPr id="3" name="Title 2"/>
+          <p:cNvSpPr>
+            <a:spLocks noGrp="1"/>
+          </p:cNvSpPr>
+          <p:nvPr>
+            <p:ph type="title"/>
+          </p:nvPr>
+        </p:nvSpPr>
         <p:spPr>
           <a:xfrm>
-            <a:off x="1798883" y="2599509"/>
-            <a:ext cx="7419434" cy="2989921"/>
-          </a:xfrm>
-          <a:prstGeom prst="rect">
-            <a:avLst/>
-          </a:prstGeom>
-        </p:spPr>
-      </p:pic>
-      <p:sp>
-        <p:nvSpPr>
-          <p:cNvPr id="3" name="Title 2"/>
-          <p:cNvSpPr>
-            <a:spLocks noGrp="1"/>
-          </p:cNvSpPr>
-          <p:nvPr>
-            <p:ph type="title"/>
-          </p:nvPr>
-        </p:nvSpPr>
-        <p:spPr>
-          <a:xfrm>
-            <a:off x="1562100" y="365125"/>
-            <a:ext cx="9791700" cy="1325563"/>
+            <a:off x="1461216" y="326489"/>
+            <a:ext cx="9029700" cy="1325563"/>
           </a:xfrm>
         </p:spPr>
         <p:txBody>
@@ -9449,7 +10801,7 @@
     </p:spTree>
     <p:extLst>
       <p:ext uri="{BB962C8B-B14F-4D97-AF65-F5344CB8AC3E}">
-        <p14:creationId xmlns:p14="http://schemas.microsoft.com/office/powerpoint/2010/main" val="156323686"/>
+        <p14:creationId xmlns:p14="http://schemas.microsoft.com/office/powerpoint/2010/main" val="1952061959"/>
       </p:ext>
     </p:extLst>
   </p:cSld>
@@ -9506,8 +10858,8 @@
         </p:blipFill>
         <p:spPr>
           <a:xfrm>
-            <a:off x="2080675" y="2509021"/>
-            <a:ext cx="6848475" cy="2752725"/>
+            <a:off x="1798883" y="2599509"/>
+            <a:ext cx="7419434" cy="2989921"/>
           </a:xfrm>
           <a:prstGeom prst="rect">
             <a:avLst/>
@@ -9544,7 +10896,7 @@
     </p:spTree>
     <p:extLst>
       <p:ext uri="{BB962C8B-B14F-4D97-AF65-F5344CB8AC3E}">
-        <p14:creationId xmlns:p14="http://schemas.microsoft.com/office/powerpoint/2010/main" val="1989927708"/>
+        <p14:creationId xmlns:p14="http://schemas.microsoft.com/office/powerpoint/2010/main" val="156323686"/>
       </p:ext>
     </p:extLst>
   </p:cSld>
@@ -9583,25 +10935,32 @@
           <a:chExt cx="0" cy="0"/>
         </a:xfrm>
       </p:grpSpPr>
-      <p:sp>
-        <p:nvSpPr>
-          <p:cNvPr id="2" name="Content Placeholder 1"/>
-          <p:cNvSpPr>
-            <a:spLocks noGrp="1"/>
-          </p:cNvSpPr>
+      <p:pic>
+        <p:nvPicPr>
+          <p:cNvPr id="4" name="Content Placeholder 3"/>
+          <p:cNvPicPr>
+            <a:picLocks noGrp="1" noChangeAspect="1"/>
+          </p:cNvPicPr>
           <p:nvPr>
             <p:ph idx="1"/>
           </p:nvPr>
-        </p:nvSpPr>
-        <p:spPr/>
-        <p:txBody>
-          <a:bodyPr/>
-          <a:lstStyle/>
-          <a:p>
-            <a:endParaRPr lang="en-US"/>
-          </a:p>
-        </p:txBody>
-      </p:sp>
+        </p:nvPicPr>
+        <p:blipFill>
+          <a:blip r:embed="rId2"/>
+          <a:stretch>
+            <a:fillRect/>
+          </a:stretch>
+        </p:blipFill>
+        <p:spPr>
+          <a:xfrm>
+            <a:off x="2080675" y="2509021"/>
+            <a:ext cx="6848475" cy="2752725"/>
+          </a:xfrm>
+          <a:prstGeom prst="rect">
+            <a:avLst/>
+          </a:prstGeom>
+        </p:spPr>
+      </p:pic>
       <p:sp>
         <p:nvSpPr>
           <p:cNvPr id="3" name="Title 2"/>
@@ -9623,17 +10982,16 @@
           <a:lstStyle/>
           <a:p>
             <a:r>
-              <a:rPr lang="en-US" dirty="0" smtClean="0"/>
-              <a:t>Conclusion  ??</a:t>
-            </a:r>
-            <a:endParaRPr lang="en-US" dirty="0"/>
+              <a:rPr lang="en-US" dirty="0"/>
+              <a:t>EVALUATION – System Performance </a:t>
+            </a:r>
           </a:p>
         </p:txBody>
       </p:sp>
     </p:spTree>
     <p:extLst>
       <p:ext uri="{BB962C8B-B14F-4D97-AF65-F5344CB8AC3E}">
-        <p14:creationId xmlns:p14="http://schemas.microsoft.com/office/powerpoint/2010/main" val="359033607"/>
+        <p14:creationId xmlns:p14="http://schemas.microsoft.com/office/powerpoint/2010/main" val="1989927708"/>
       </p:ext>
     </p:extLst>
   </p:cSld>
@@ -9674,6 +11032,69 @@
       </p:grpSpPr>
       <p:sp>
         <p:nvSpPr>
+          <p:cNvPr id="2" name="Content Placeholder 1"/>
+          <p:cNvSpPr>
+            <a:spLocks noGrp="1"/>
+          </p:cNvSpPr>
+          <p:nvPr>
+            <p:ph idx="1"/>
+          </p:nvPr>
+        </p:nvSpPr>
+        <p:spPr/>
+        <p:txBody>
+          <a:bodyPr/>
+          <a:lstStyle/>
+          <a:p>
+            <a:r>
+              <a:rPr lang="en-US" dirty="0" smtClean="0"/>
+              <a:t>A resume has completed personal information </a:t>
+            </a:r>
+          </a:p>
+          <a:p>
+            <a:pPr lvl="1"/>
+            <a:r>
+              <a:rPr lang="en-US" dirty="0" smtClean="0"/>
+              <a:t>Education </a:t>
+            </a:r>
+          </a:p>
+          <a:p>
+            <a:pPr lvl="1"/>
+            <a:r>
+              <a:rPr lang="en-US" dirty="0"/>
+              <a:t>Work </a:t>
+            </a:r>
+            <a:r>
+              <a:rPr lang="en-US" dirty="0" smtClean="0"/>
+              <a:t>experience</a:t>
+            </a:r>
+          </a:p>
+          <a:p>
+            <a:pPr lvl="1"/>
+            <a:r>
+              <a:rPr lang="en-US" dirty="0" smtClean="0"/>
+              <a:t>Skills </a:t>
+            </a:r>
+          </a:p>
+          <a:p>
+            <a:pPr lvl="1"/>
+            <a:endParaRPr lang="en-US" dirty="0"/>
+          </a:p>
+          <a:p>
+            <a:r>
+              <a:rPr lang="en-US" dirty="0" smtClean="0"/>
+              <a:t>Finding similarity between resumes and jobs</a:t>
+            </a:r>
+          </a:p>
+          <a:p>
+            <a:r>
+              <a:rPr lang="en-US" dirty="0" smtClean="0"/>
+              <a:t>Ranking the jobs by their similarity value</a:t>
+            </a:r>
+          </a:p>
+        </p:txBody>
+      </p:sp>
+      <p:sp>
+        <p:nvSpPr>
           <p:cNvPr id="3" name="Title 2"/>
           <p:cNvSpPr>
             <a:spLocks noGrp="1"/>
@@ -9682,150 +11103,27 @@
             <p:ph type="title"/>
           </p:nvPr>
         </p:nvSpPr>
-        <p:spPr>
-          <a:xfrm>
-            <a:off x="1562100" y="390882"/>
-            <a:ext cx="9029700" cy="1325563"/>
-          </a:xfrm>
-        </p:spPr>
+        <p:spPr/>
         <p:txBody>
           <a:bodyPr/>
           <a:lstStyle/>
           <a:p>
             <a:r>
-              <a:rPr lang="en-US" altLang="zh-CN" dirty="0" smtClean="0"/>
-              <a:t>Job Finder</a:t>
+              <a:rPr lang="en-US" dirty="0" smtClean="0"/>
+              <a:t>Main idea of </a:t>
+            </a:r>
+            <a:r>
+              <a:rPr lang="en-US" dirty="0" err="1" smtClean="0"/>
+              <a:t>JobFinder</a:t>
             </a:r>
             <a:endParaRPr lang="en-US" dirty="0"/>
-          </a:p>
-        </p:txBody>
-      </p:sp>
-      <p:pic>
-        <p:nvPicPr>
-          <p:cNvPr id="4" name="Picture 6" descr="http://new-cdn.financialsamurai.com.s3.amazonaws.com/wp-content/uploads/2011/01/good_resume4.gif"/>
-          <p:cNvPicPr>
-            <a:picLocks noChangeAspect="1" noChangeArrowheads="1"/>
-          </p:cNvPicPr>
-          <p:nvPr/>
-        </p:nvPicPr>
-        <p:blipFill>
-          <a:blip r:embed="rId2">
-            <a:extLst>
-              <a:ext uri="{28A0092B-C50C-407E-A947-70E740481C1C}">
-                <a14:useLocalDpi xmlns:a14="http://schemas.microsoft.com/office/drawing/2010/main" val="0"/>
-              </a:ext>
-            </a:extLst>
-          </a:blip>
-          <a:srcRect/>
-          <a:stretch>
-            <a:fillRect/>
-          </a:stretch>
-        </p:blipFill>
-        <p:spPr bwMode="auto">
-          <a:xfrm>
-            <a:off x="1703351" y="1523092"/>
-            <a:ext cx="3309813" cy="4766130"/>
-          </a:xfrm>
-          <a:prstGeom prst="rect">
-            <a:avLst/>
-          </a:prstGeom>
-          <a:noFill/>
-          <a:extLst>
-            <a:ext uri="{909E8E84-426E-40DD-AFC4-6F175D3DCCD1}">
-              <a14:hiddenFill xmlns:a14="http://schemas.microsoft.com/office/drawing/2010/main">
-                <a:solidFill>
-                  <a:srgbClr val="FFFFFF"/>
-                </a:solidFill>
-              </a14:hiddenFill>
-            </a:ext>
-          </a:extLst>
-        </p:spPr>
-      </p:pic>
-      <p:pic>
-        <p:nvPicPr>
-          <p:cNvPr id="5" name="图片 1"/>
-          <p:cNvPicPr>
-            <a:picLocks noChangeAspect="1" noChangeArrowheads="1"/>
-          </p:cNvPicPr>
-          <p:nvPr/>
-        </p:nvPicPr>
-        <p:blipFill>
-          <a:blip r:embed="rId3">
-            <a:extLst>
-              <a:ext uri="{28A0092B-C50C-407E-A947-70E740481C1C}">
-                <a14:useLocalDpi xmlns:a14="http://schemas.microsoft.com/office/drawing/2010/main" val="0"/>
-              </a:ext>
-            </a:extLst>
-          </a:blip>
-          <a:srcRect/>
-          <a:stretch>
-            <a:fillRect/>
-          </a:stretch>
-        </p:blipFill>
-        <p:spPr bwMode="auto">
-          <a:xfrm>
-            <a:off x="6390247" y="1085850"/>
-            <a:ext cx="5448300" cy="5772150"/>
-          </a:xfrm>
-          <a:prstGeom prst="rect">
-            <a:avLst/>
-          </a:prstGeom>
-          <a:noFill/>
-          <a:extLst>
-            <a:ext uri="{909E8E84-426E-40DD-AFC4-6F175D3DCCD1}">
-              <a14:hiddenFill xmlns:a14="http://schemas.microsoft.com/office/drawing/2010/main">
-                <a:solidFill>
-                  <a:srgbClr val="FFFFFF"/>
-                </a:solidFill>
-              </a14:hiddenFill>
-            </a:ext>
-          </a:extLst>
-        </p:spPr>
-      </p:pic>
-      <p:sp>
-        <p:nvSpPr>
-          <p:cNvPr id="6" name="左右箭头 16"/>
-          <p:cNvSpPr/>
-          <p:nvPr/>
-        </p:nvSpPr>
-        <p:spPr>
-          <a:xfrm>
-            <a:off x="5013164" y="3536742"/>
-            <a:ext cx="1216951" cy="513288"/>
-          </a:xfrm>
-          <a:prstGeom prst="leftRightArrow">
-            <a:avLst/>
-          </a:prstGeom>
-        </p:spPr>
-        <p:style>
-          <a:lnRef idx="2">
-            <a:schemeClr val="accent1">
-              <a:shade val="50000"/>
-            </a:schemeClr>
-          </a:lnRef>
-          <a:fillRef idx="1">
-            <a:schemeClr val="accent1"/>
-          </a:fillRef>
-          <a:effectRef idx="0">
-            <a:schemeClr val="accent1"/>
-          </a:effectRef>
-          <a:fontRef idx="minor">
-            <a:schemeClr val="lt1"/>
-          </a:fontRef>
-        </p:style>
-        <p:txBody>
-          <a:bodyPr rtlCol="0" anchor="ctr"/>
-          <a:lstStyle/>
-          <a:p>
-            <a:pPr algn="ctr"/>
-            <a:endParaRPr lang="en-US"/>
           </a:p>
         </p:txBody>
       </p:sp>
     </p:spTree>
     <p:extLst>
       <p:ext uri="{BB962C8B-B14F-4D97-AF65-F5344CB8AC3E}">
-        <p14:creationId xmlns:p14="http://schemas.microsoft.com/office/powerpoint/2010/main" val="2803931765"/>
+        <p14:creationId xmlns:p14="http://schemas.microsoft.com/office/powerpoint/2010/main" val="3416989218"/>
       </p:ext>
     </p:extLst>
   </p:cSld>
@@ -9839,6 +11137,95 @@
       </p:transition>
     </mc:Choice>
     <mc:Fallback>
+      <p:transition spd="med">
+        <p:fade/>
+      </p:transition>
+    </mc:Fallback>
+  </mc:AlternateContent>
+</p:sld>
+</file>
+
+<file path=ppt/slides/slide50.xml><?xml version="1.0" encoding="utf-8"?>
+<p:sld xmlns:a="http://schemas.openxmlformats.org/drawingml/2006/main" xmlns:r="http://schemas.openxmlformats.org/officeDocument/2006/relationships" xmlns:p="http://schemas.openxmlformats.org/presentationml/2006/main">
+  <p:cSld>
+    <p:spTree>
+      <p:nvGrpSpPr>
+        <p:cNvPr id="1" name=""/>
+        <p:cNvGrpSpPr/>
+        <p:nvPr/>
+      </p:nvGrpSpPr>
+      <p:grpSpPr>
+        <a:xfrm>
+          <a:off x="0" y="0"/>
+          <a:ext cx="0" cy="0"/>
+          <a:chOff x="0" y="0"/>
+          <a:chExt cx="0" cy="0"/>
+        </a:xfrm>
+      </p:grpSpPr>
+      <p:sp>
+        <p:nvSpPr>
+          <p:cNvPr id="2" name="Content Placeholder 1"/>
+          <p:cNvSpPr>
+            <a:spLocks noGrp="1"/>
+          </p:cNvSpPr>
+          <p:nvPr>
+            <p:ph idx="1"/>
+          </p:nvPr>
+        </p:nvSpPr>
+        <p:spPr/>
+        <p:txBody>
+          <a:bodyPr/>
+          <a:lstStyle/>
+          <a:p>
+            <a:endParaRPr lang="en-US"/>
+          </a:p>
+        </p:txBody>
+      </p:sp>
+      <p:sp>
+        <p:nvSpPr>
+          <p:cNvPr id="3" name="Title 2"/>
+          <p:cNvSpPr>
+            <a:spLocks noGrp="1"/>
+          </p:cNvSpPr>
+          <p:nvPr>
+            <p:ph type="title"/>
+          </p:nvPr>
+        </p:nvSpPr>
+        <p:spPr>
+          <a:xfrm>
+            <a:off x="1562100" y="365125"/>
+            <a:ext cx="9791700" cy="1325563"/>
+          </a:xfrm>
+        </p:spPr>
+        <p:txBody>
+          <a:bodyPr/>
+          <a:lstStyle/>
+          <a:p>
+            <a:r>
+              <a:rPr lang="en-US" dirty="0" smtClean="0"/>
+              <a:t>Conclusion  ??</a:t>
+            </a:r>
+            <a:endParaRPr lang="en-US" dirty="0"/>
+          </a:p>
+        </p:txBody>
+      </p:sp>
+    </p:spTree>
+    <p:extLst>
+      <p:ext uri="{BB962C8B-B14F-4D97-AF65-F5344CB8AC3E}">
+        <p14:creationId xmlns:p14="http://schemas.microsoft.com/office/powerpoint/2010/main" val="359033607"/>
+      </p:ext>
+    </p:extLst>
+  </p:cSld>
+  <p:clrMapOvr>
+    <a:masterClrMapping/>
+  </p:clrMapOvr>
+  <mc:AlternateContent xmlns:mc="http://schemas.openxmlformats.org/markup-compatibility/2006" xmlns:p14="http://schemas.microsoft.com/office/powerpoint/2010/main">
+    <mc:Choice Requires="p14">
+      <p:transition spd="med" p14:dur="700">
+        <p:fade/>
+      </p:transition>
+    </mc:Choice>
+    <mc:Fallback xmlns="">
       <p:transition spd="med">
         <p:fade/>
       </p:transition>
@@ -9866,141 +11253,171 @@
       </p:grpSpPr>
       <p:sp>
         <p:nvSpPr>
-          <p:cNvPr id="2" name="Content Placeholder 1"/>
-          <p:cNvSpPr>
-            <a:spLocks noGrp="1"/>
-          </p:cNvSpPr>
-          <p:nvPr>
-            <p:ph idx="1"/>
-          </p:nvPr>
-        </p:nvSpPr>
-        <p:spPr/>
+          <p:cNvPr id="3" name="Title 2"/>
+          <p:cNvSpPr>
+            <a:spLocks noGrp="1"/>
+          </p:cNvSpPr>
+          <p:nvPr>
+            <p:ph type="title"/>
+          </p:nvPr>
+        </p:nvSpPr>
+        <p:spPr>
+          <a:xfrm>
+            <a:off x="1562100" y="390882"/>
+            <a:ext cx="9029700" cy="1325563"/>
+          </a:xfrm>
+        </p:spPr>
         <p:txBody>
           <a:bodyPr/>
           <a:lstStyle/>
           <a:p>
             <a:r>
-              <a:rPr lang="en-US" dirty="0" smtClean="0"/>
-              <a:t>A resume – job matching system</a:t>
-            </a:r>
-          </a:p>
-          <a:p>
-            <a:r>
-              <a:rPr lang="en-US" dirty="0" smtClean="0"/>
-              <a:t>A finite </a:t>
-            </a:r>
-            <a:r>
-              <a:rPr lang="en-US" dirty="0"/>
-              <a:t>state transducer based </a:t>
-            </a:r>
-            <a:r>
-              <a:rPr lang="en-US" dirty="0" smtClean="0"/>
-              <a:t>tool for information extraction</a:t>
-            </a:r>
-          </a:p>
-          <a:p>
-            <a:r>
-              <a:rPr lang="en-US" dirty="0" smtClean="0"/>
-              <a:t>A </a:t>
-            </a:r>
-            <a:r>
-              <a:rPr lang="en-US" dirty="0"/>
-              <a:t>semi-automatic </a:t>
-            </a:r>
-            <a:r>
-              <a:rPr lang="en-US" dirty="0" smtClean="0"/>
-              <a:t>approach to collect </a:t>
-            </a:r>
-            <a:r>
-              <a:rPr lang="en-US" dirty="0"/>
-              <a:t>technical </a:t>
-            </a:r>
-            <a:r>
-              <a:rPr lang="en-US" dirty="0" smtClean="0"/>
-              <a:t>terms</a:t>
-            </a:r>
-          </a:p>
-          <a:p>
-            <a:r>
-              <a:rPr lang="en-US" dirty="0" smtClean="0"/>
-              <a:t>A statistical-based </a:t>
-            </a:r>
-            <a:r>
-              <a:rPr lang="en-US" dirty="0"/>
-              <a:t>ontology similarity </a:t>
-            </a:r>
-            <a:r>
-              <a:rPr lang="en-US" dirty="0" smtClean="0"/>
-              <a:t>measure</a:t>
-            </a:r>
-          </a:p>
-          <a:p>
-            <a:r>
-              <a:rPr lang="en-US" dirty="0" smtClean="0"/>
-              <a:t>Combined keyword </a:t>
-            </a:r>
-            <a:r>
-              <a:rPr lang="en-US" dirty="0"/>
-              <a:t>searching and </a:t>
-            </a:r>
-            <a:r>
-              <a:rPr lang="en-US" dirty="0" smtClean="0"/>
-              <a:t>model matching</a:t>
-            </a:r>
-          </a:p>
-          <a:p>
-            <a:endParaRPr lang="en-US" dirty="0" smtClean="0"/>
-          </a:p>
-          <a:p>
+              <a:rPr lang="en-US" altLang="zh-CN" dirty="0" smtClean="0"/>
+              <a:t>Job Finder</a:t>
+            </a:r>
             <a:endParaRPr lang="en-US" dirty="0"/>
           </a:p>
         </p:txBody>
       </p:sp>
-      <p:sp>
-        <p:nvSpPr>
-          <p:cNvPr id="3" name="Title 2"/>
-          <p:cNvSpPr>
-            <a:spLocks noGrp="1"/>
-          </p:cNvSpPr>
-          <p:nvPr>
-            <p:ph type="title"/>
-          </p:nvPr>
+      <p:pic>
+        <p:nvPicPr>
+          <p:cNvPr id="4" name="Picture 6" descr="http://new-cdn.financialsamurai.com.s3.amazonaws.com/wp-content/uploads/2011/01/good_resume4.gif"/>
+          <p:cNvPicPr>
+            <a:picLocks noChangeAspect="1" noChangeArrowheads="1"/>
+          </p:cNvPicPr>
+          <p:nvPr/>
+        </p:nvPicPr>
+        <p:blipFill>
+          <a:blip r:embed="rId2">
+            <a:extLst>
+              <a:ext uri="{28A0092B-C50C-407E-A947-70E740481C1C}">
+                <a14:useLocalDpi xmlns:a14="http://schemas.microsoft.com/office/drawing/2010/main" val="0"/>
+              </a:ext>
+            </a:extLst>
+          </a:blip>
+          <a:srcRect/>
+          <a:stretch>
+            <a:fillRect/>
+          </a:stretch>
+        </p:blipFill>
+        <p:spPr bwMode="auto">
+          <a:xfrm>
+            <a:off x="1703351" y="1523092"/>
+            <a:ext cx="3309813" cy="4766130"/>
+          </a:xfrm>
+          <a:prstGeom prst="rect">
+            <a:avLst/>
+          </a:prstGeom>
+          <a:noFill/>
+          <a:extLst>
+            <a:ext uri="{909E8E84-426E-40DD-AFC4-6F175D3DCCD1}">
+              <a14:hiddenFill xmlns:a14="http://schemas.microsoft.com/office/drawing/2010/main">
+                <a:solidFill>
+                  <a:srgbClr val="FFFFFF"/>
+                </a:solidFill>
+              </a14:hiddenFill>
+            </a:ext>
+          </a:extLst>
+        </p:spPr>
+      </p:pic>
+      <p:pic>
+        <p:nvPicPr>
+          <p:cNvPr id="5" name="图片 1"/>
+          <p:cNvPicPr>
+            <a:picLocks noChangeAspect="1" noChangeArrowheads="1"/>
+          </p:cNvPicPr>
+          <p:nvPr/>
+        </p:nvPicPr>
+        <p:blipFill>
+          <a:blip r:embed="rId3">
+            <a:extLst>
+              <a:ext uri="{28A0092B-C50C-407E-A947-70E740481C1C}">
+                <a14:useLocalDpi xmlns:a14="http://schemas.microsoft.com/office/drawing/2010/main" val="0"/>
+              </a:ext>
+            </a:extLst>
+          </a:blip>
+          <a:srcRect/>
+          <a:stretch>
+            <a:fillRect/>
+          </a:stretch>
+        </p:blipFill>
+        <p:spPr bwMode="auto">
+          <a:xfrm>
+            <a:off x="6390247" y="1085850"/>
+            <a:ext cx="5448300" cy="5772150"/>
+          </a:xfrm>
+          <a:prstGeom prst="rect">
+            <a:avLst/>
+          </a:prstGeom>
+          <a:noFill/>
+          <a:extLst>
+            <a:ext uri="{909E8E84-426E-40DD-AFC4-6F175D3DCCD1}">
+              <a14:hiddenFill xmlns:a14="http://schemas.microsoft.com/office/drawing/2010/main">
+                <a:solidFill>
+                  <a:srgbClr val="FFFFFF"/>
+                </a:solidFill>
+              </a14:hiddenFill>
+            </a:ext>
+          </a:extLst>
+        </p:spPr>
+      </p:pic>
+      <p:sp>
+        <p:nvSpPr>
+          <p:cNvPr id="6" name="左右箭头 16"/>
+          <p:cNvSpPr/>
+          <p:nvPr/>
         </p:nvSpPr>
         <p:spPr>
           <a:xfrm>
-            <a:off x="1562100" y="365125"/>
-            <a:ext cx="9791700" cy="1325563"/>
-          </a:xfrm>
-        </p:spPr>
-        <p:txBody>
-          <a:bodyPr/>
-          <a:lstStyle/>
-          <a:p>
-            <a:r>
-              <a:rPr lang="en-US" altLang="zh-CN" dirty="0" smtClean="0"/>
-              <a:t>Contribution of our works</a:t>
-            </a:r>
-            <a:endParaRPr lang="en-US" dirty="0"/>
+            <a:off x="5013164" y="3536742"/>
+            <a:ext cx="1216951" cy="513288"/>
+          </a:xfrm>
+          <a:prstGeom prst="leftRightArrow">
+            <a:avLst/>
+          </a:prstGeom>
+        </p:spPr>
+        <p:style>
+          <a:lnRef idx="2">
+            <a:schemeClr val="accent1">
+              <a:shade val="50000"/>
+            </a:schemeClr>
+          </a:lnRef>
+          <a:fillRef idx="1">
+            <a:schemeClr val="accent1"/>
+          </a:fillRef>
+          <a:effectRef idx="0">
+            <a:schemeClr val="accent1"/>
+          </a:effectRef>
+          <a:fontRef idx="minor">
+            <a:schemeClr val="lt1"/>
+          </a:fontRef>
+        </p:style>
+        <p:txBody>
+          <a:bodyPr rtlCol="0" anchor="ctr"/>
+          <a:lstStyle/>
+          <a:p>
+            <a:pPr algn="ctr"/>
+            <a:endParaRPr lang="en-US"/>
           </a:p>
         </p:txBody>
       </p:sp>
     </p:spTree>
     <p:extLst>
       <p:ext uri="{BB962C8B-B14F-4D97-AF65-F5344CB8AC3E}">
-        <p14:creationId xmlns:p14="http://schemas.microsoft.com/office/powerpoint/2010/main" val="206730562"/>
+        <p14:creationId xmlns:p14="http://schemas.microsoft.com/office/powerpoint/2010/main" val="2803931765"/>
       </p:ext>
     </p:extLst>
   </p:cSld>
   <p:clrMapOvr>
     <a:masterClrMapping/>
   </p:clrMapOvr>
-  <mc:AlternateContent xmlns:mc="http://schemas.openxmlformats.org/markup-compatibility/2006">
-    <mc:Choice xmlns:p14="http://schemas.microsoft.com/office/powerpoint/2010/main" Requires="p14">
+  <mc:AlternateContent xmlns:mc="http://schemas.openxmlformats.org/markup-compatibility/2006" xmlns:p14="http://schemas.microsoft.com/office/powerpoint/2010/main">
+    <mc:Choice Requires="p14">
       <p:transition spd="med" p14:dur="700">
         <p:fade/>
       </p:transition>
     </mc:Choice>
-    <mc:Fallback>
+    <mc:Fallback xmlns="">
       <p:transition spd="med">
         <p:fade/>
       </p:transition>
@@ -10042,63 +11459,79 @@
           <a:lstStyle/>
           <a:p>
             <a:r>
+              <a:rPr lang="en-US" dirty="0" smtClean="0"/>
+              <a:t>A resume – job matching system</a:t>
+            </a:r>
+          </a:p>
+          <a:p>
+            <a:r>
+              <a:rPr lang="en-US" dirty="0" smtClean="0"/>
+              <a:t>A finite </a:t>
+            </a:r>
+            <a:r>
               <a:rPr lang="en-US" dirty="0"/>
-              <a:t>Content-based </a:t>
-            </a:r>
-            <a:r>
-              <a:rPr lang="en-US" dirty="0" smtClean="0"/>
-              <a:t>Recommendation (CBR)</a:t>
-            </a:r>
+              <a:t>state transducer based </a:t>
+            </a:r>
+            <a:r>
+              <a:rPr lang="en-US" dirty="0" smtClean="0"/>
+              <a:t>tool for information extraction</a:t>
+            </a:r>
+          </a:p>
+          <a:p>
+            <a:r>
+              <a:rPr lang="en-US" dirty="0" smtClean="0"/>
+              <a:t>A </a:t>
+            </a:r>
+            <a:r>
+              <a:rPr lang="en-US" dirty="0"/>
+              <a:t>semi-automatic </a:t>
+            </a:r>
+            <a:r>
+              <a:rPr lang="en-US" dirty="0" smtClean="0"/>
+              <a:t>approach to collect </a:t>
+            </a:r>
+            <a:r>
+              <a:rPr lang="en-US" dirty="0"/>
+              <a:t>technical </a:t>
+            </a:r>
+            <a:r>
+              <a:rPr lang="en-US" dirty="0" smtClean="0"/>
+              <a:t>terms</a:t>
+            </a:r>
+          </a:p>
+          <a:p>
+            <a:r>
+              <a:rPr lang="en-US" dirty="0" smtClean="0"/>
+              <a:t>A statistical-based </a:t>
+            </a:r>
+            <a:r>
+              <a:rPr lang="en-US" dirty="0"/>
+              <a:t>ontology similarity </a:t>
+            </a:r>
+            <a:r>
+              <a:rPr lang="en-US" dirty="0" smtClean="0"/>
+              <a:t>measure</a:t>
+            </a:r>
+          </a:p>
+          <a:p>
+            <a:r>
+              <a:rPr lang="en-US" dirty="0" smtClean="0"/>
+              <a:t>Combined keyword </a:t>
+            </a:r>
+            <a:r>
+              <a:rPr lang="en-US" dirty="0"/>
+              <a:t>searching and </a:t>
+            </a:r>
+            <a:r>
+              <a:rPr lang="en-US" dirty="0" smtClean="0"/>
+              <a:t>model matching</a:t>
+            </a:r>
+          </a:p>
+          <a:p>
+            <a:endParaRPr lang="en-US" dirty="0" smtClean="0"/>
+          </a:p>
+          <a:p>
             <a:endParaRPr lang="en-US" dirty="0"/>
-          </a:p>
-          <a:p>
-            <a:pPr lvl="1"/>
-            <a:r>
-              <a:rPr lang="en-US" sz="2800" dirty="0"/>
-              <a:t>suggest items that have similar content information to </a:t>
-            </a:r>
-            <a:r>
-              <a:rPr lang="en-US" sz="2800" dirty="0" smtClean="0"/>
-              <a:t>the corresponding users</a:t>
-            </a:r>
-          </a:p>
-          <a:p>
-            <a:r>
-              <a:rPr lang="en-US" dirty="0"/>
-              <a:t>Knowledge-based Recommendation (KBR)</a:t>
-            </a:r>
-          </a:p>
-          <a:p>
-            <a:pPr lvl="1"/>
-            <a:r>
-              <a:rPr lang="en-US" dirty="0"/>
-              <a:t>rules and patterns obtained from the functional knowledge of how a specific item meets the requirement of a particular </a:t>
-            </a:r>
-            <a:r>
-              <a:rPr lang="en-US" dirty="0" smtClean="0"/>
-              <a:t>user</a:t>
-            </a:r>
-          </a:p>
-          <a:p>
-            <a:r>
-              <a:rPr lang="en-US" dirty="0"/>
-              <a:t>Knowledge-based Recommendation (KBR)</a:t>
-            </a:r>
-          </a:p>
-          <a:p>
-            <a:pPr lvl="1"/>
-            <a:r>
-              <a:rPr lang="en-US" dirty="0"/>
-              <a:t>rules and patterns obtained from the functional knowledge of how a specific item meets the requirement of a particular user</a:t>
-            </a:r>
-          </a:p>
-          <a:p>
-            <a:pPr lvl="1"/>
-            <a:endParaRPr lang="en-US" dirty="0"/>
-          </a:p>
-          <a:p>
-            <a:pPr lvl="1"/>
-            <a:endParaRPr lang="en-US" sz="2800" dirty="0"/>
           </a:p>
         </p:txBody>
       </p:sp>
@@ -10123,33 +11556,30 @@
           <a:lstStyle/>
           <a:p>
             <a:r>
-              <a:rPr lang="en-US" dirty="0" smtClean="0"/>
-              <a:t>Recommender </a:t>
-            </a:r>
-            <a:r>
-              <a:rPr lang="en-US" dirty="0"/>
-              <a:t>Systems </a:t>
-            </a:r>
+              <a:rPr lang="en-US" altLang="zh-CN" dirty="0" smtClean="0"/>
+              <a:t>Contribution of our works</a:t>
+            </a:r>
+            <a:endParaRPr lang="en-US" dirty="0"/>
           </a:p>
         </p:txBody>
       </p:sp>
     </p:spTree>
     <p:extLst>
       <p:ext uri="{BB962C8B-B14F-4D97-AF65-F5344CB8AC3E}">
-        <p14:creationId xmlns:p14="http://schemas.microsoft.com/office/powerpoint/2010/main" val="4166984612"/>
+        <p14:creationId xmlns:p14="http://schemas.microsoft.com/office/powerpoint/2010/main" val="206730562"/>
       </p:ext>
     </p:extLst>
   </p:cSld>
   <p:clrMapOvr>
     <a:masterClrMapping/>
   </p:clrMapOvr>
-  <mc:AlternateContent xmlns:mc="http://schemas.openxmlformats.org/markup-compatibility/2006">
-    <mc:Choice xmlns:p14="http://schemas.microsoft.com/office/powerpoint/2010/main" Requires="p14">
+  <mc:AlternateContent xmlns:mc="http://schemas.openxmlformats.org/markup-compatibility/2006" xmlns:p14="http://schemas.microsoft.com/office/powerpoint/2010/main">
+    <mc:Choice Requires="p14">
       <p:transition spd="med" p14:dur="700">
         <p:fade/>
       </p:transition>
     </mc:Choice>
-    <mc:Fallback>
+    <mc:Fallback xmlns="">
       <p:transition spd="med">
         <p:fade/>
       </p:transition>
@@ -10191,30 +11621,63 @@
           <a:lstStyle/>
           <a:p>
             <a:r>
-              <a:rPr lang="en-US" dirty="0" smtClean="0"/>
-              <a:t>CASPER  ACF </a:t>
-            </a:r>
-          </a:p>
-          <a:p>
-            <a:r>
-              <a:rPr lang="en-US" dirty="0" smtClean="0"/>
-              <a:t>PROSPECT</a:t>
-            </a:r>
-          </a:p>
-          <a:p>
-            <a:r>
-              <a:rPr lang="en-US" dirty="0" smtClean="0"/>
-              <a:t>…  </a:t>
-            </a:r>
-          </a:p>
-          <a:p>
-            <a:endParaRPr lang="en-US" dirty="0" smtClean="0"/>
-          </a:p>
-          <a:p>
-            <a:endParaRPr lang="en-US" dirty="0" smtClean="0"/>
-          </a:p>
-          <a:p>
+              <a:rPr lang="en-US" dirty="0"/>
+              <a:t>Content-based </a:t>
+            </a:r>
+            <a:r>
+              <a:rPr lang="en-US" dirty="0" smtClean="0"/>
+              <a:t>Recommendation (CBR)</a:t>
+            </a:r>
             <a:endParaRPr lang="en-US" dirty="0"/>
+          </a:p>
+          <a:p>
+            <a:pPr lvl="1"/>
+            <a:r>
+              <a:rPr lang="en-US" sz="2800" dirty="0"/>
+              <a:t>suggest items that have similar content information to </a:t>
+            </a:r>
+            <a:r>
+              <a:rPr lang="en-US" sz="2800" dirty="0" smtClean="0"/>
+              <a:t>the corresponding users</a:t>
+            </a:r>
+          </a:p>
+          <a:p>
+            <a:r>
+              <a:rPr lang="en-US" dirty="0"/>
+              <a:t>Knowledge-based Recommendation (KBR)</a:t>
+            </a:r>
+          </a:p>
+          <a:p>
+            <a:pPr lvl="1"/>
+            <a:r>
+              <a:rPr lang="en-US" dirty="0"/>
+              <a:t>rules and patterns obtained from the functional knowledge of how a specific item meets the requirement of a particular </a:t>
+            </a:r>
+            <a:r>
+              <a:rPr lang="en-US" dirty="0" smtClean="0"/>
+              <a:t>user</a:t>
+            </a:r>
+          </a:p>
+          <a:p>
+            <a:r>
+              <a:rPr lang="en-US" dirty="0"/>
+              <a:t>Knowledge-based Recommendation (KBR)</a:t>
+            </a:r>
+          </a:p>
+          <a:p>
+            <a:pPr lvl="1"/>
+            <a:r>
+              <a:rPr lang="en-US" dirty="0"/>
+              <a:t>rules and patterns obtained from the functional knowledge of how a specific item meets the requirement of a particular user</a:t>
+            </a:r>
+          </a:p>
+          <a:p>
+            <a:pPr lvl="1"/>
+            <a:endParaRPr lang="en-US" dirty="0"/>
+          </a:p>
+          <a:p>
+            <a:pPr lvl="1"/>
+            <a:endParaRPr lang="en-US" sz="2800" dirty="0"/>
           </a:p>
         </p:txBody>
       </p:sp>
@@ -10240,16 +11703,19 @@
           <a:p>
             <a:r>
               <a:rPr lang="en-US" dirty="0" smtClean="0"/>
-              <a:t>Previous work</a:t>
-            </a:r>
-            <a:endParaRPr lang="en-US" dirty="0"/>
+              <a:t>Recommender </a:t>
+            </a:r>
+            <a:r>
+              <a:rPr lang="en-US" dirty="0"/>
+              <a:t>Systems </a:t>
+            </a:r>
           </a:p>
         </p:txBody>
       </p:sp>
     </p:spTree>
     <p:extLst>
       <p:ext uri="{BB962C8B-B14F-4D97-AF65-F5344CB8AC3E}">
-        <p14:creationId xmlns:p14="http://schemas.microsoft.com/office/powerpoint/2010/main" val="2838182728"/>
+        <p14:creationId xmlns:p14="http://schemas.microsoft.com/office/powerpoint/2010/main" val="4166984612"/>
       </p:ext>
     </p:extLst>
   </p:cSld>
@@ -10290,6 +11756,49 @@
       </p:grpSpPr>
       <p:sp>
         <p:nvSpPr>
+          <p:cNvPr id="2" name="Content Placeholder 1"/>
+          <p:cNvSpPr>
+            <a:spLocks noGrp="1"/>
+          </p:cNvSpPr>
+          <p:nvPr>
+            <p:ph idx="1"/>
+          </p:nvPr>
+        </p:nvSpPr>
+        <p:spPr/>
+        <p:txBody>
+          <a:bodyPr/>
+          <a:lstStyle/>
+          <a:p>
+            <a:r>
+              <a:rPr lang="en-US" dirty="0" smtClean="0"/>
+              <a:t>CASPER  ACF </a:t>
+            </a:r>
+          </a:p>
+          <a:p>
+            <a:r>
+              <a:rPr lang="en-US" dirty="0" smtClean="0"/>
+              <a:t>PROSPECT</a:t>
+            </a:r>
+          </a:p>
+          <a:p>
+            <a:r>
+              <a:rPr lang="en-US" dirty="0" smtClean="0"/>
+              <a:t>…  </a:t>
+            </a:r>
+          </a:p>
+          <a:p>
+            <a:endParaRPr lang="en-US" dirty="0" smtClean="0"/>
+          </a:p>
+          <a:p>
+            <a:endParaRPr lang="en-US" dirty="0" smtClean="0"/>
+          </a:p>
+          <a:p>
+            <a:endParaRPr lang="en-US" dirty="0"/>
+          </a:p>
+        </p:txBody>
+      </p:sp>
+      <p:sp>
+        <p:nvSpPr>
           <p:cNvPr id="3" name="Title 2"/>
           <p:cNvSpPr>
             <a:spLocks noGrp="1"/>
@@ -10310,121 +11819,16 @@
           <a:p>
             <a:r>
               <a:rPr lang="en-US" dirty="0" smtClean="0"/>
-              <a:t>Problem Definition  </a:t>
+              <a:t>Previous work</a:t>
             </a:r>
             <a:endParaRPr lang="en-US" dirty="0"/>
           </a:p>
         </p:txBody>
       </p:sp>
-      <p:pic>
-        <p:nvPicPr>
-          <p:cNvPr id="4" name="Picture 6" descr="http://new-cdn.financialsamurai.com.s3.amazonaws.com/wp-content/uploads/2011/01/good_resume4.gif"/>
-          <p:cNvPicPr>
-            <a:picLocks noChangeAspect="1" noChangeArrowheads="1"/>
-          </p:cNvPicPr>
-          <p:nvPr/>
-        </p:nvPicPr>
-        <p:blipFill>
-          <a:blip r:embed="rId2">
-            <a:extLst>
-              <a:ext uri="{28A0092B-C50C-407E-A947-70E740481C1C}">
-                <a14:useLocalDpi xmlns:a14="http://schemas.microsoft.com/office/drawing/2010/main" val="0"/>
-              </a:ext>
-            </a:extLst>
-          </a:blip>
-          <a:srcRect/>
-          <a:stretch>
-            <a:fillRect/>
-          </a:stretch>
-        </p:blipFill>
-        <p:spPr bwMode="auto">
-          <a:xfrm>
-            <a:off x="599247" y="1690688"/>
-            <a:ext cx="3309813" cy="4766130"/>
-          </a:xfrm>
-          <a:prstGeom prst="rect">
-            <a:avLst/>
-          </a:prstGeom>
-          <a:noFill/>
-          <a:extLst>
-            <a:ext uri="{909E8E84-426E-40DD-AFC4-6F175D3DCCD1}">
-              <a14:hiddenFill xmlns:a14="http://schemas.microsoft.com/office/drawing/2010/main">
-                <a:solidFill>
-                  <a:srgbClr val="FFFFFF"/>
-                </a:solidFill>
-              </a14:hiddenFill>
-            </a:ext>
-          </a:extLst>
-        </p:spPr>
-      </p:pic>
-      <p:sp>
-        <p:nvSpPr>
-          <p:cNvPr id="5" name="左右箭头 16"/>
-          <p:cNvSpPr/>
-          <p:nvPr/>
-        </p:nvSpPr>
-        <p:spPr>
-          <a:xfrm>
-            <a:off x="3909060" y="3736366"/>
-            <a:ext cx="1216951" cy="513288"/>
-          </a:xfrm>
-          <a:prstGeom prst="leftRightArrow">
-            <a:avLst/>
-          </a:prstGeom>
-        </p:spPr>
-        <p:style>
-          <a:lnRef idx="2">
-            <a:schemeClr val="accent1">
-              <a:shade val="50000"/>
-            </a:schemeClr>
-          </a:lnRef>
-          <a:fillRef idx="1">
-            <a:schemeClr val="accent1"/>
-          </a:fillRef>
-          <a:effectRef idx="0">
-            <a:schemeClr val="accent1"/>
-          </a:effectRef>
-          <a:fontRef idx="minor">
-            <a:schemeClr val="lt1"/>
-          </a:fontRef>
-        </p:style>
-        <p:txBody>
-          <a:bodyPr rtlCol="0" anchor="ctr"/>
-          <a:lstStyle/>
-          <a:p>
-            <a:pPr algn="ctr"/>
-            <a:endParaRPr lang="en-US"/>
-          </a:p>
-        </p:txBody>
-      </p:sp>
-      <p:pic>
-        <p:nvPicPr>
-          <p:cNvPr id="6" name="Picture 5"/>
-          <p:cNvPicPr>
-            <a:picLocks noChangeAspect="1"/>
-          </p:cNvPicPr>
-          <p:nvPr/>
-        </p:nvPicPr>
-        <p:blipFill>
-          <a:blip r:embed="rId3"/>
-          <a:stretch>
-            <a:fillRect/>
-          </a:stretch>
-        </p:blipFill>
-        <p:spPr>
-          <a:xfrm>
-            <a:off x="5325303" y="1429286"/>
-            <a:ext cx="6991350" cy="5905500"/>
-          </a:xfrm>
-          <a:prstGeom prst="rect">
-            <a:avLst/>
-          </a:prstGeom>
-        </p:spPr>
-      </p:pic>
     </p:spTree>
     <p:extLst>
       <p:ext uri="{BB962C8B-B14F-4D97-AF65-F5344CB8AC3E}">
-        <p14:creationId xmlns:p14="http://schemas.microsoft.com/office/powerpoint/2010/main" val="2265759838"/>
+        <p14:creationId xmlns:p14="http://schemas.microsoft.com/office/powerpoint/2010/main" val="2838182728"/>
       </p:ext>
     </p:extLst>
   </p:cSld>

--- a/media/JobFinder.pptx
+++ b/media/JobFinder.pptx
@@ -5,10 +5,10 @@
     <p:sldMasterId id="2147483684" r:id="rId2"/>
   </p:sldMasterIdLst>
   <p:notesMasterIdLst>
-    <p:notesMasterId r:id="rId53"/>
+    <p:notesMasterId r:id="rId58"/>
   </p:notesMasterIdLst>
   <p:handoutMasterIdLst>
-    <p:handoutMasterId r:id="rId54"/>
+    <p:handoutMasterId r:id="rId59"/>
   </p:handoutMasterIdLst>
   <p:sldIdLst>
     <p:sldId id="265" r:id="rId3"/>
@@ -25,42 +25,47 @@
     <p:sldId id="273" r:id="rId14"/>
     <p:sldId id="274" r:id="rId15"/>
     <p:sldId id="275" r:id="rId16"/>
-    <p:sldId id="276" r:id="rId17"/>
-    <p:sldId id="333" r:id="rId18"/>
-    <p:sldId id="277" r:id="rId19"/>
-    <p:sldId id="278" r:id="rId20"/>
-    <p:sldId id="279" r:id="rId21"/>
-    <p:sldId id="280" r:id="rId22"/>
-    <p:sldId id="331" r:id="rId23"/>
-    <p:sldId id="281" r:id="rId24"/>
-    <p:sldId id="282" r:id="rId25"/>
-    <p:sldId id="283" r:id="rId26"/>
-    <p:sldId id="284" r:id="rId27"/>
-    <p:sldId id="285" r:id="rId28"/>
-    <p:sldId id="286" r:id="rId29"/>
-    <p:sldId id="327" r:id="rId30"/>
-    <p:sldId id="288" r:id="rId31"/>
-    <p:sldId id="328" r:id="rId32"/>
-    <p:sldId id="289" r:id="rId33"/>
-    <p:sldId id="290" r:id="rId34"/>
-    <p:sldId id="291" r:id="rId35"/>
-    <p:sldId id="329" r:id="rId36"/>
-    <p:sldId id="292" r:id="rId37"/>
-    <p:sldId id="293" r:id="rId38"/>
-    <p:sldId id="294" r:id="rId39"/>
-    <p:sldId id="295" r:id="rId40"/>
-    <p:sldId id="296" r:id="rId41"/>
-    <p:sldId id="297" r:id="rId42"/>
-    <p:sldId id="298" r:id="rId43"/>
-    <p:sldId id="299" r:id="rId44"/>
-    <p:sldId id="300" r:id="rId45"/>
-    <p:sldId id="301" r:id="rId46"/>
-    <p:sldId id="302" r:id="rId47"/>
-    <p:sldId id="303" r:id="rId48"/>
-    <p:sldId id="330" r:id="rId49"/>
-    <p:sldId id="304" r:id="rId50"/>
-    <p:sldId id="305" r:id="rId51"/>
-    <p:sldId id="306" r:id="rId52"/>
+    <p:sldId id="343" r:id="rId17"/>
+    <p:sldId id="276" r:id="rId18"/>
+    <p:sldId id="333" r:id="rId19"/>
+    <p:sldId id="277" r:id="rId20"/>
+    <p:sldId id="327" r:id="rId21"/>
+    <p:sldId id="278" r:id="rId22"/>
+    <p:sldId id="279" r:id="rId23"/>
+    <p:sldId id="280" r:id="rId24"/>
+    <p:sldId id="331" r:id="rId25"/>
+    <p:sldId id="281" r:id="rId26"/>
+    <p:sldId id="282" r:id="rId27"/>
+    <p:sldId id="283" r:id="rId28"/>
+    <p:sldId id="284" r:id="rId29"/>
+    <p:sldId id="285" r:id="rId30"/>
+    <p:sldId id="286" r:id="rId31"/>
+    <p:sldId id="342" r:id="rId32"/>
+    <p:sldId id="288" r:id="rId33"/>
+    <p:sldId id="334" r:id="rId34"/>
+    <p:sldId id="335" r:id="rId35"/>
+    <p:sldId id="336" r:id="rId36"/>
+    <p:sldId id="337" r:id="rId37"/>
+    <p:sldId id="328" r:id="rId38"/>
+    <p:sldId id="289" r:id="rId39"/>
+    <p:sldId id="290" r:id="rId40"/>
+    <p:sldId id="291" r:id="rId41"/>
+    <p:sldId id="329" r:id="rId42"/>
+    <p:sldId id="292" r:id="rId43"/>
+    <p:sldId id="297" r:id="rId44"/>
+    <p:sldId id="298" r:id="rId45"/>
+    <p:sldId id="299" r:id="rId46"/>
+    <p:sldId id="300" r:id="rId47"/>
+    <p:sldId id="301" r:id="rId48"/>
+    <p:sldId id="302" r:id="rId49"/>
+    <p:sldId id="338" r:id="rId50"/>
+    <p:sldId id="339" r:id="rId51"/>
+    <p:sldId id="340" r:id="rId52"/>
+    <p:sldId id="341" r:id="rId53"/>
+    <p:sldId id="330" r:id="rId54"/>
+    <p:sldId id="304" r:id="rId55"/>
+    <p:sldId id="305" r:id="rId56"/>
+    <p:sldId id="306" r:id="rId57"/>
   </p:sldIdLst>
   <p:sldSz cx="12192000" cy="6858000"/>
   <p:notesSz cx="6858000" cy="9144000"/>
@@ -4575,7 +4580,7 @@
         </p:blipFill>
         <p:spPr>
           <a:xfrm>
-            <a:off x="2034391" y="2948390"/>
+            <a:off x="1944239" y="3263106"/>
             <a:ext cx="7324725" cy="1476375"/>
           </a:xfrm>
           <a:prstGeom prst="rect">
@@ -4905,6 +4910,34 @@
           </a:p>
         </p:txBody>
       </p:sp>
+      <p:sp>
+        <p:nvSpPr>
+          <p:cNvPr id="4" name="Rectangle 3"/>
+          <p:cNvSpPr/>
+          <p:nvPr/>
+        </p:nvSpPr>
+        <p:spPr>
+          <a:xfrm>
+            <a:off x="5542803" y="3244334"/>
+            <a:ext cx="1106393" cy="369332"/>
+          </a:xfrm>
+          <a:prstGeom prst="rect">
+            <a:avLst/>
+          </a:prstGeom>
+        </p:spPr>
+        <p:txBody>
+          <a:bodyPr wrap="none">
+            <a:spAutoFit/>
+          </a:bodyPr>
+          <a:lstStyle/>
+          <a:p>
+            <a:r>
+              <a:rPr lang="en-US" dirty="0"/>
+              <a:t>DE_LEVEL</a:t>
+            </a:r>
+          </a:p>
+        </p:txBody>
+      </p:sp>
     </p:spTree>
     <p:extLst>
       <p:ext uri="{BB962C8B-B14F-4D97-AF65-F5344CB8AC3E}">
@@ -4949,6 +4982,78 @@
       </p:grpSpPr>
       <p:sp>
         <p:nvSpPr>
+          <p:cNvPr id="3" name="Title 2"/>
+          <p:cNvSpPr>
+            <a:spLocks noGrp="1"/>
+          </p:cNvSpPr>
+          <p:nvPr>
+            <p:ph type="title"/>
+          </p:nvPr>
+        </p:nvSpPr>
+        <p:spPr>
+          <a:xfrm>
+            <a:off x="1678009" y="2644685"/>
+            <a:ext cx="9791700" cy="1325563"/>
+          </a:xfrm>
+        </p:spPr>
+        <p:txBody>
+          <a:bodyPr>
+            <a:normAutofit/>
+          </a:bodyPr>
+          <a:lstStyle/>
+          <a:p>
+            <a:r>
+              <a:rPr lang="en-US" sz="5400" dirty="0" smtClean="0"/>
+              <a:t>Information Extraction</a:t>
+            </a:r>
+            <a:endParaRPr lang="en-US" sz="5400" dirty="0"/>
+          </a:p>
+        </p:txBody>
+      </p:sp>
+    </p:spTree>
+    <p:extLst>
+      <p:ext uri="{BB962C8B-B14F-4D97-AF65-F5344CB8AC3E}">
+        <p14:creationId xmlns:p14="http://schemas.microsoft.com/office/powerpoint/2010/main" val="3761862436"/>
+      </p:ext>
+    </p:extLst>
+  </p:cSld>
+  <p:clrMapOvr>
+    <a:masterClrMapping/>
+  </p:clrMapOvr>
+  <mc:AlternateContent xmlns:mc="http://schemas.openxmlformats.org/markup-compatibility/2006">
+    <mc:Choice xmlns:p14="http://schemas.microsoft.com/office/powerpoint/2010/main" Requires="p14">
+      <p:transition spd="med" p14:dur="700">
+        <p:fade/>
+      </p:transition>
+    </mc:Choice>
+    <mc:Fallback>
+      <p:transition spd="med">
+        <p:fade/>
+      </p:transition>
+    </mc:Fallback>
+  </mc:AlternateContent>
+</p:sld>
+</file>
+
+<file path=ppt/slides/slide16.xml><?xml version="1.0" encoding="utf-8"?>
+<p:sld xmlns:a="http://schemas.openxmlformats.org/drawingml/2006/main" xmlns:r="http://schemas.openxmlformats.org/officeDocument/2006/relationships" xmlns:p="http://schemas.openxmlformats.org/presentationml/2006/main">
+  <p:cSld>
+    <p:spTree>
+      <p:nvGrpSpPr>
+        <p:cNvPr id="1" name=""/>
+        <p:cNvGrpSpPr/>
+        <p:nvPr/>
+      </p:nvGrpSpPr>
+      <p:grpSpPr>
+        <a:xfrm>
+          <a:off x="0" y="0"/>
+          <a:ext cx="0" cy="0"/>
+          <a:chOff x="0" y="0"/>
+          <a:chExt cx="0" cy="0"/>
+        </a:xfrm>
+      </p:grpSpPr>
+      <p:sp>
+        <p:nvSpPr>
           <p:cNvPr id="2" name="Content Placeholder 1"/>
           <p:cNvSpPr>
             <a:spLocks noGrp="1"/>
@@ -4971,11 +5076,7 @@
             <a:pPr lvl="1"/>
             <a:r>
               <a:rPr lang="en-US" dirty="0" smtClean="0"/>
-              <a:t>Users </a:t>
-            </a:r>
-            <a:r>
-              <a:rPr lang="en-US" dirty="0" smtClean="0"/>
-              <a:t>don’t like input personal information </a:t>
+              <a:t>Users don’t like input personal information </a:t>
             </a:r>
           </a:p>
           <a:p>
@@ -5004,11 +5105,15 @@
             </a:r>
             <a:r>
               <a:rPr lang="en-US" dirty="0" smtClean="0"/>
-              <a:t>e </a:t>
-            </a:r>
-            <a:r>
-              <a:rPr lang="en-US" dirty="0" smtClean="0"/>
-              <a:t>need extraction information from plaint text</a:t>
+              <a:t>e need </a:t>
+            </a:r>
+            <a:r>
+              <a:rPr lang="en-US" dirty="0" smtClean="0"/>
+              <a:t>extract </a:t>
+            </a:r>
+            <a:r>
+              <a:rPr lang="en-US" dirty="0" smtClean="0"/>
+              <a:t>information from plaint text</a:t>
             </a:r>
             <a:endParaRPr lang="en-US" dirty="0"/>
           </a:p>
@@ -5038,15 +5143,7 @@
           <a:p>
             <a:r>
               <a:rPr lang="en-US" dirty="0" smtClean="0"/>
-              <a:t>Extracting the </a:t>
-            </a:r>
-            <a:r>
-              <a:rPr lang="en-US" dirty="0" smtClean="0"/>
-              <a:t>models </a:t>
-            </a:r>
-            <a:r>
-              <a:rPr lang="en-US" dirty="0" smtClean="0"/>
-              <a:t> </a:t>
+              <a:t>Extracting the models  </a:t>
             </a:r>
             <a:endParaRPr lang="en-US" dirty="0"/>
           </a:p>
@@ -5077,7 +5174,7 @@
 </p:sld>
 </file>
 
-<file path=ppt/slides/slide16.xml><?xml version="1.0" encoding="utf-8"?>
+<file path=ppt/slides/slide17.xml><?xml version="1.0" encoding="utf-8"?>
 <p:sld xmlns:a="http://schemas.openxmlformats.org/drawingml/2006/main" xmlns:r="http://schemas.openxmlformats.org/officeDocument/2006/relationships" xmlns:p="http://schemas.openxmlformats.org/presentationml/2006/main">
   <p:cSld>
     <p:spTree>
@@ -5357,7 +5454,7 @@
               <a:buAutoNum type="arabicPeriod"/>
             </a:pPr>
             <a:r>
-              <a:rPr lang="en-US" dirty="0" smtClean="0"/>
+              <a:rPr lang="en-US" sz="3200" dirty="0" smtClean="0"/>
               <a:t>HTML Parsing</a:t>
             </a:r>
           </a:p>
@@ -5367,7 +5464,7 @@
               <a:buAutoNum type="arabicPeriod"/>
             </a:pPr>
             <a:r>
-              <a:rPr lang="en-US" dirty="0" smtClean="0"/>
+              <a:rPr lang="en-US" sz="3200" dirty="0" smtClean="0"/>
               <a:t>Segmenting</a:t>
             </a:r>
           </a:p>
@@ -5377,7 +5474,7 @@
               <a:buAutoNum type="arabicPeriod"/>
             </a:pPr>
             <a:r>
-              <a:rPr lang="en-US" dirty="0" smtClean="0"/>
+              <a:rPr lang="en-US" sz="3200" dirty="0" smtClean="0"/>
               <a:t>Preprocessing</a:t>
             </a:r>
           </a:p>
@@ -5387,7 +5484,7 @@
               <a:buAutoNum type="arabicPeriod"/>
             </a:pPr>
             <a:r>
-              <a:rPr lang="en-US" dirty="0" smtClean="0"/>
+              <a:rPr lang="en-US" sz="3200" dirty="0" smtClean="0"/>
               <a:t>Tokenizing</a:t>
             </a:r>
           </a:p>
@@ -5397,7 +5494,7 @@
               <a:buAutoNum type="arabicPeriod"/>
             </a:pPr>
             <a:r>
-              <a:rPr lang="en-US" dirty="0" smtClean="0"/>
+              <a:rPr lang="en-US" sz="3200" dirty="0" smtClean="0"/>
               <a:t>Labeling</a:t>
             </a:r>
           </a:p>
@@ -5407,7 +5504,7 @@
               <a:buAutoNum type="arabicPeriod"/>
             </a:pPr>
             <a:r>
-              <a:rPr lang="en-US" dirty="0" smtClean="0"/>
+              <a:rPr lang="en-US" sz="3200" dirty="0" smtClean="0"/>
               <a:t>Pattern Matching</a:t>
             </a:r>
           </a:p>
@@ -5430,13 +5527,13 @@
   <p:clrMapOvr>
     <a:masterClrMapping/>
   </p:clrMapOvr>
-  <mc:AlternateContent xmlns:mc="http://schemas.openxmlformats.org/markup-compatibility/2006">
-    <mc:Choice xmlns:p14="http://schemas.microsoft.com/office/powerpoint/2010/main" Requires="p14">
+  <mc:AlternateContent xmlns:mc="http://schemas.openxmlformats.org/markup-compatibility/2006" xmlns:p14="http://schemas.microsoft.com/office/powerpoint/2010/main">
+    <mc:Choice Requires="p14">
       <p:transition spd="med" p14:dur="700">
         <p:fade/>
       </p:transition>
     </mc:Choice>
-    <mc:Fallback>
+    <mc:Fallback xmlns="">
       <p:transition spd="med">
         <p:fade/>
       </p:transition>
@@ -5445,7 +5542,7 @@
 </p:sld>
 </file>
 
-<file path=ppt/slides/slide17.xml><?xml version="1.0" encoding="utf-8"?>
+<file path=ppt/slides/slide18.xml><?xml version="1.0" encoding="utf-8"?>
 <p:sld xmlns:a="http://schemas.openxmlformats.org/drawingml/2006/main" xmlns:r="http://schemas.openxmlformats.org/officeDocument/2006/relationships" xmlns:p="http://schemas.openxmlformats.org/presentationml/2006/main">
   <p:cSld>
     <p:spTree>
@@ -5490,11 +5587,7 @@
           <a:p>
             <a:r>
               <a:rPr lang="en-US" dirty="0" smtClean="0"/>
-              <a:t>BS or MS in computer science or similar degree</a:t>
-            </a:r>
-            <a:r>
-              <a:rPr lang="en-US" dirty="0" smtClean="0"/>
-              <a:t> </a:t>
+              <a:t>BS or MS in computer science or similar degree </a:t>
             </a:r>
           </a:p>
           <a:p>
@@ -5514,7 +5607,6 @@
               <a:rPr lang="en-US" dirty="0" smtClean="0"/>
               <a:t>Requires a minimum of bachelors degree in a related, field or foreign equivalent.</a:t>
             </a:r>
-            <a:endParaRPr lang="en-US" dirty="0" smtClean="0"/>
           </a:p>
           <a:p>
             <a:endParaRPr lang="en-US" dirty="0"/>
@@ -5581,7 +5673,782 @@
 </p:sld>
 </file>
 
-<file path=ppt/slides/slide18.xml><?xml version="1.0" encoding="utf-8"?>
+<file path=ppt/slides/slide19.xml><?xml version="1.0" encoding="utf-8"?>
+<p:sld xmlns:a="http://schemas.openxmlformats.org/drawingml/2006/main" xmlns:r="http://schemas.openxmlformats.org/officeDocument/2006/relationships" xmlns:p="http://schemas.openxmlformats.org/presentationml/2006/main">
+  <p:cSld>
+    <p:spTree>
+      <p:nvGrpSpPr>
+        <p:cNvPr id="1" name=""/>
+        <p:cNvGrpSpPr/>
+        <p:nvPr/>
+      </p:nvGrpSpPr>
+      <p:grpSpPr>
+        <a:xfrm>
+          <a:off x="0" y="0"/>
+          <a:ext cx="0" cy="0"/>
+          <a:chOff x="0" y="0"/>
+          <a:chExt cx="0" cy="0"/>
+        </a:xfrm>
+      </p:grpSpPr>
+      <p:sp>
+        <p:nvSpPr>
+          <p:cNvPr id="2" name="Content Placeholder 1"/>
+          <p:cNvSpPr>
+            <a:spLocks noGrp="1"/>
+          </p:cNvSpPr>
+          <p:nvPr>
+            <p:ph idx="1"/>
+          </p:nvPr>
+        </p:nvSpPr>
+        <p:spPr/>
+        <p:txBody>
+          <a:bodyPr/>
+          <a:lstStyle/>
+          <a:p>
+            <a:r>
+              <a:rPr lang="en-US" dirty="0" smtClean="0"/>
+              <a:t> Transfer the sentence from </a:t>
+            </a:r>
+          </a:p>
+          <a:p>
+            <a:r>
+              <a:rPr lang="en-US" dirty="0"/>
+              <a:t> </a:t>
+            </a:r>
+            <a:r>
+              <a:rPr lang="en-US" dirty="0" smtClean="0"/>
+              <a:t>Bachelors degree in computer science or information systems </a:t>
+            </a:r>
+          </a:p>
+          <a:p>
+            <a:r>
+              <a:rPr lang="en-US" dirty="0" smtClean="0"/>
+              <a:t>To </a:t>
+            </a:r>
+            <a:endParaRPr lang="en-US" dirty="0"/>
+          </a:p>
+        </p:txBody>
+      </p:sp>
+      <p:sp>
+        <p:nvSpPr>
+          <p:cNvPr id="3" name="Title 2"/>
+          <p:cNvSpPr>
+            <a:spLocks noGrp="1"/>
+          </p:cNvSpPr>
+          <p:nvPr>
+            <p:ph type="title"/>
+          </p:nvPr>
+        </p:nvSpPr>
+        <p:spPr>
+          <a:xfrm>
+            <a:off x="1562100" y="365125"/>
+            <a:ext cx="9791700" cy="1325563"/>
+          </a:xfrm>
+        </p:spPr>
+        <p:txBody>
+          <a:bodyPr/>
+          <a:lstStyle/>
+          <a:p>
+            <a:r>
+              <a:rPr lang="en-US" dirty="0" smtClean="0"/>
+              <a:t>Processing the text </a:t>
+            </a:r>
+            <a:endParaRPr lang="en-US" dirty="0"/>
+          </a:p>
+        </p:txBody>
+      </p:sp>
+      <p:graphicFrame>
+        <p:nvGraphicFramePr>
+          <p:cNvPr id="5" name="Table 4"/>
+          <p:cNvGraphicFramePr>
+            <a:graphicFrameLocks noGrp="1"/>
+          </p:cNvGraphicFramePr>
+          <p:nvPr>
+            <p:extLst>
+              <p:ext uri="{D42A27DB-BD31-4B8C-83A1-F6EECF244321}">
+                <p14:modId xmlns:p14="http://schemas.microsoft.com/office/powerpoint/2010/main" val="4131126749"/>
+              </p:ext>
+            </p:extLst>
+          </p:nvPr>
+        </p:nvGraphicFramePr>
+        <p:xfrm>
+          <a:off x="1562100" y="3854527"/>
+          <a:ext cx="9942494" cy="1737360"/>
+        </p:xfrm>
+        <a:graphic>
+          <a:graphicData uri="http://schemas.openxmlformats.org/drawingml/2006/table">
+            <a:tbl>
+              <a:tblPr firstRow="1" bandRow="1">
+                <a:tableStyleId>{5940675A-B579-460E-94D1-54222C63F5DA}</a:tableStyleId>
+              </a:tblPr>
+              <a:tblGrid>
+                <a:gridCol w="1875587"/>
+                <a:gridCol w="1176710"/>
+                <a:gridCol w="592428"/>
+                <a:gridCol w="2472744"/>
+                <a:gridCol w="708338"/>
+                <a:gridCol w="2356833"/>
+                <a:gridCol w="759854"/>
+              </a:tblGrid>
+              <a:tr h="370840">
+                <a:tc>
+                  <a:txBody>
+                    <a:bodyPr/>
+                    <a:lstStyle/>
+                    <a:p>
+                      <a:r>
+                        <a:rPr lang="en-US" sz="2400" dirty="0" smtClean="0"/>
+                        <a:t>DE_LEVEL</a:t>
+                      </a:r>
+                      <a:endParaRPr lang="en-US" sz="2400" dirty="0"/>
+                    </a:p>
+                  </a:txBody>
+                  <a:tcPr/>
+                </a:tc>
+                <a:tc>
+                  <a:txBody>
+                    <a:bodyPr/>
+                    <a:lstStyle/>
+                    <a:p>
+                      <a:r>
+                        <a:rPr lang="en-US" sz="2400" dirty="0" smtClean="0"/>
+                        <a:t>DEGREE </a:t>
+                      </a:r>
+                      <a:endParaRPr lang="en-US" sz="2400" dirty="0"/>
+                    </a:p>
+                  </a:txBody>
+                  <a:tcPr/>
+                </a:tc>
+                <a:tc>
+                  <a:txBody>
+                    <a:bodyPr/>
+                    <a:lstStyle/>
+                    <a:p>
+                      <a:r>
+                        <a:rPr lang="en-US" sz="2400" dirty="0" smtClean="0"/>
+                        <a:t>IN</a:t>
+                      </a:r>
+                      <a:endParaRPr lang="en-US" sz="2400" dirty="0"/>
+                    </a:p>
+                  </a:txBody>
+                  <a:tcPr/>
+                </a:tc>
+                <a:tc>
+                  <a:txBody>
+                    <a:bodyPr/>
+                    <a:lstStyle/>
+                    <a:p>
+                      <a:r>
+                        <a:rPr lang="en-US" sz="2400" dirty="0" smtClean="0"/>
+                        <a:t>MAJOR</a:t>
+                      </a:r>
+                      <a:endParaRPr lang="en-US" sz="2400" dirty="0"/>
+                    </a:p>
+                  </a:txBody>
+                  <a:tcPr/>
+                </a:tc>
+                <a:tc>
+                  <a:txBody>
+                    <a:bodyPr/>
+                    <a:lstStyle/>
+                    <a:p>
+                      <a:r>
+                        <a:rPr lang="en-US" sz="2400" dirty="0" smtClean="0"/>
+                        <a:t>OR</a:t>
+                      </a:r>
+                      <a:endParaRPr lang="en-US" sz="2400" dirty="0"/>
+                    </a:p>
+                  </a:txBody>
+                  <a:tcPr/>
+                </a:tc>
+                <a:tc>
+                  <a:txBody>
+                    <a:bodyPr/>
+                    <a:lstStyle/>
+                    <a:p>
+                      <a:r>
+                        <a:rPr lang="en-US" sz="2400" dirty="0" smtClean="0"/>
+                        <a:t>MAJOR</a:t>
+                      </a:r>
+                      <a:endParaRPr lang="en-US" sz="2400" dirty="0"/>
+                    </a:p>
+                  </a:txBody>
+                  <a:tcPr/>
+                </a:tc>
+                <a:tc>
+                  <a:txBody>
+                    <a:bodyPr/>
+                    <a:lstStyle/>
+                    <a:p>
+                      <a:r>
+                        <a:rPr lang="en-US" sz="2400" dirty="0" smtClean="0"/>
+                        <a:t>.</a:t>
+                      </a:r>
+                      <a:endParaRPr lang="en-US" sz="2400" dirty="0"/>
+                    </a:p>
+                  </a:txBody>
+                  <a:tcPr/>
+                </a:tc>
+              </a:tr>
+              <a:tr h="370840">
+                <a:tc>
+                  <a:txBody>
+                    <a:bodyPr/>
+                    <a:lstStyle/>
+                    <a:p>
+                      <a:r>
+                        <a:rPr lang="en-US" sz="2400" dirty="0" smtClean="0"/>
+                        <a:t>BS_LEVEL</a:t>
+                      </a:r>
+                      <a:endParaRPr lang="en-US" sz="2400" dirty="0"/>
+                    </a:p>
+                  </a:txBody>
+                  <a:tcPr/>
+                </a:tc>
+                <a:tc>
+                  <a:txBody>
+                    <a:bodyPr/>
+                    <a:lstStyle/>
+                    <a:p>
+                      <a:r>
+                        <a:rPr lang="en-US" sz="2400" dirty="0" smtClean="0"/>
+                        <a:t>DEGREE</a:t>
+                      </a:r>
+                      <a:endParaRPr lang="en-US" sz="2400" dirty="0"/>
+                    </a:p>
+                  </a:txBody>
+                  <a:tcPr/>
+                </a:tc>
+                <a:tc>
+                  <a:txBody>
+                    <a:bodyPr/>
+                    <a:lstStyle/>
+                    <a:p>
+                      <a:r>
+                        <a:rPr lang="en-US" sz="2400" dirty="0" smtClean="0"/>
+                        <a:t>IN</a:t>
+                      </a:r>
+                      <a:endParaRPr lang="en-US" sz="2400" dirty="0"/>
+                    </a:p>
+                  </a:txBody>
+                  <a:tcPr/>
+                </a:tc>
+                <a:tc>
+                  <a:txBody>
+                    <a:bodyPr/>
+                    <a:lstStyle/>
+                    <a:p>
+                      <a:r>
+                        <a:rPr lang="en-US" sz="2400" dirty="0" smtClean="0"/>
+                        <a:t>MAJOR_CS</a:t>
+                      </a:r>
+                      <a:endParaRPr lang="en-US" sz="2400" dirty="0"/>
+                    </a:p>
+                  </a:txBody>
+                  <a:tcPr/>
+                </a:tc>
+                <a:tc>
+                  <a:txBody>
+                    <a:bodyPr/>
+                    <a:lstStyle/>
+                    <a:p>
+                      <a:r>
+                        <a:rPr lang="en-US" sz="2400" dirty="0" smtClean="0"/>
+                        <a:t>OR</a:t>
+                      </a:r>
+                      <a:endParaRPr lang="en-US" sz="2400" dirty="0"/>
+                    </a:p>
+                  </a:txBody>
+                  <a:tcPr/>
+                </a:tc>
+                <a:tc>
+                  <a:txBody>
+                    <a:bodyPr/>
+                    <a:lstStyle/>
+                    <a:p>
+                      <a:r>
+                        <a:rPr lang="en-US" sz="2400" dirty="0" smtClean="0"/>
+                        <a:t>MAJOR_INFO</a:t>
+                      </a:r>
+                      <a:endParaRPr lang="en-US" sz="2400" dirty="0"/>
+                    </a:p>
+                  </a:txBody>
+                  <a:tcPr/>
+                </a:tc>
+                <a:tc>
+                  <a:txBody>
+                    <a:bodyPr/>
+                    <a:lstStyle/>
+                    <a:p>
+                      <a:r>
+                        <a:rPr lang="en-US" sz="2400" dirty="0" smtClean="0"/>
+                        <a:t>.</a:t>
+                      </a:r>
+                      <a:endParaRPr lang="en-US" sz="2400" dirty="0"/>
+                    </a:p>
+                  </a:txBody>
+                  <a:tcPr/>
+                </a:tc>
+              </a:tr>
+              <a:tr h="370840">
+                <a:tc>
+                  <a:txBody>
+                    <a:bodyPr/>
+                    <a:lstStyle/>
+                    <a:p>
+                      <a:r>
+                        <a:rPr lang="en-US" sz="2400" dirty="0" smtClean="0"/>
+                        <a:t>bachelors</a:t>
+                      </a:r>
+                      <a:endParaRPr lang="en-US" sz="2400" dirty="0"/>
+                    </a:p>
+                  </a:txBody>
+                  <a:tcPr/>
+                </a:tc>
+                <a:tc>
+                  <a:txBody>
+                    <a:bodyPr/>
+                    <a:lstStyle/>
+                    <a:p>
+                      <a:r>
+                        <a:rPr lang="en-US" sz="2400" dirty="0" smtClean="0"/>
+                        <a:t>degree</a:t>
+                      </a:r>
+                      <a:endParaRPr lang="en-US" sz="2400" dirty="0"/>
+                    </a:p>
+                  </a:txBody>
+                  <a:tcPr/>
+                </a:tc>
+                <a:tc>
+                  <a:txBody>
+                    <a:bodyPr/>
+                    <a:lstStyle/>
+                    <a:p>
+                      <a:r>
+                        <a:rPr lang="en-US" sz="2400" dirty="0" smtClean="0"/>
+                        <a:t>in</a:t>
+                      </a:r>
+                      <a:endParaRPr lang="en-US" sz="2400" dirty="0"/>
+                    </a:p>
+                  </a:txBody>
+                  <a:tcPr/>
+                </a:tc>
+                <a:tc>
+                  <a:txBody>
+                    <a:bodyPr/>
+                    <a:lstStyle/>
+                    <a:p>
+                      <a:r>
+                        <a:rPr lang="en-US" sz="2400" dirty="0" smtClean="0"/>
+                        <a:t>Computer Science</a:t>
+                      </a:r>
+                      <a:endParaRPr lang="en-US" sz="2400" dirty="0"/>
+                    </a:p>
+                  </a:txBody>
+                  <a:tcPr/>
+                </a:tc>
+                <a:tc>
+                  <a:txBody>
+                    <a:bodyPr/>
+                    <a:lstStyle/>
+                    <a:p>
+                      <a:r>
+                        <a:rPr lang="en-US" sz="2400" dirty="0" smtClean="0"/>
+                        <a:t>or</a:t>
+                      </a:r>
+                      <a:endParaRPr lang="en-US" sz="2400" dirty="0"/>
+                    </a:p>
+                  </a:txBody>
+                  <a:tcPr/>
+                </a:tc>
+                <a:tc>
+                  <a:txBody>
+                    <a:bodyPr/>
+                    <a:lstStyle/>
+                    <a:p>
+                      <a:r>
+                        <a:rPr lang="en-US" sz="2400" dirty="0" smtClean="0"/>
+                        <a:t>Information Systems</a:t>
+                      </a:r>
+                      <a:endParaRPr lang="en-US" sz="2400" dirty="0"/>
+                    </a:p>
+                  </a:txBody>
+                  <a:tcPr/>
+                </a:tc>
+                <a:tc>
+                  <a:txBody>
+                    <a:bodyPr/>
+                    <a:lstStyle/>
+                    <a:p>
+                      <a:r>
+                        <a:rPr lang="en-US" sz="2400" dirty="0" smtClean="0"/>
+                        <a:t>.</a:t>
+                      </a:r>
+                      <a:endParaRPr lang="en-US" sz="2400" dirty="0"/>
+                    </a:p>
+                  </a:txBody>
+                  <a:tcPr/>
+                </a:tc>
+              </a:tr>
+            </a:tbl>
+          </a:graphicData>
+        </a:graphic>
+      </p:graphicFrame>
+    </p:spTree>
+    <p:extLst>
+      <p:ext uri="{BB962C8B-B14F-4D97-AF65-F5344CB8AC3E}">
+        <p14:creationId xmlns:p14="http://schemas.microsoft.com/office/powerpoint/2010/main" val="3842646551"/>
+      </p:ext>
+    </p:extLst>
+  </p:cSld>
+  <p:clrMapOvr>
+    <a:masterClrMapping/>
+  </p:clrMapOvr>
+  <mc:AlternateContent xmlns:mc="http://schemas.openxmlformats.org/markup-compatibility/2006" xmlns:p14="http://schemas.microsoft.com/office/powerpoint/2010/main">
+    <mc:Choice Requires="p14">
+      <p:transition spd="med" p14:dur="700">
+        <p:fade/>
+      </p:transition>
+    </mc:Choice>
+    <mc:Fallback xmlns="">
+      <p:transition spd="med">
+        <p:fade/>
+      </p:transition>
+    </mc:Fallback>
+  </mc:AlternateContent>
+</p:sld>
+</file>
+
+<file path=ppt/slides/slide2.xml><?xml version="1.0" encoding="utf-8"?>
+<p:sld xmlns:a="http://schemas.openxmlformats.org/drawingml/2006/main" xmlns:r="http://schemas.openxmlformats.org/officeDocument/2006/relationships" xmlns:p="http://schemas.openxmlformats.org/presentationml/2006/main">
+  <p:cSld>
+    <p:spTree>
+      <p:nvGrpSpPr>
+        <p:cNvPr id="1" name=""/>
+        <p:cNvGrpSpPr/>
+        <p:nvPr/>
+      </p:nvGrpSpPr>
+      <p:grpSpPr>
+        <a:xfrm>
+          <a:off x="0" y="0"/>
+          <a:ext cx="0" cy="0"/>
+          <a:chOff x="0" y="0"/>
+          <a:chExt cx="0" cy="0"/>
+        </a:xfrm>
+      </p:grpSpPr>
+      <p:sp>
+        <p:nvSpPr>
+          <p:cNvPr id="14" name="Content Placeholder 13"/>
+          <p:cNvSpPr>
+            <a:spLocks noGrp="1"/>
+          </p:cNvSpPr>
+          <p:nvPr>
+            <p:ph idx="1"/>
+          </p:nvPr>
+        </p:nvSpPr>
+        <p:spPr/>
+        <p:txBody>
+          <a:bodyPr/>
+          <a:lstStyle/>
+          <a:p>
+            <a:pPr lvl="0"/>
+            <a:r>
+              <a:rPr lang="en-US" dirty="0" smtClean="0"/>
+              <a:t> There are many job finding websites today. </a:t>
+            </a:r>
+          </a:p>
+        </p:txBody>
+      </p:sp>
+      <p:sp>
+        <p:nvSpPr>
+          <p:cNvPr id="13" name="Title 12"/>
+          <p:cNvSpPr>
+            <a:spLocks noGrp="1"/>
+          </p:cNvSpPr>
+          <p:nvPr>
+            <p:ph type="title"/>
+          </p:nvPr>
+        </p:nvSpPr>
+        <p:spPr>
+          <a:xfrm>
+            <a:off x="1280911" y="406003"/>
+            <a:ext cx="9029700" cy="1325563"/>
+          </a:xfrm>
+        </p:spPr>
+        <p:txBody>
+          <a:bodyPr/>
+          <a:lstStyle/>
+          <a:p>
+            <a:r>
+              <a:rPr lang="en-US" altLang="zh-CN" dirty="0" smtClean="0"/>
+              <a:t>Motivation</a:t>
+            </a:r>
+            <a:endParaRPr lang="en-US" dirty="0"/>
+          </a:p>
+        </p:txBody>
+      </p:sp>
+      <p:pic>
+        <p:nvPicPr>
+          <p:cNvPr id="1026" name="Picture 2" descr="Indeed job search"/>
+          <p:cNvPicPr>
+            <a:picLocks noChangeAspect="1" noChangeArrowheads="1"/>
+          </p:cNvPicPr>
+          <p:nvPr/>
+        </p:nvPicPr>
+        <p:blipFill>
+          <a:blip r:embed="rId2">
+            <a:extLst>
+              <a:ext uri="{28A0092B-C50C-407E-A947-70E740481C1C}">
+                <a14:useLocalDpi xmlns:a14="http://schemas.microsoft.com/office/drawing/2010/main" val="0"/>
+              </a:ext>
+            </a:extLst>
+          </a:blip>
+          <a:srcRect/>
+          <a:stretch>
+            <a:fillRect/>
+          </a:stretch>
+        </p:blipFill>
+        <p:spPr bwMode="auto">
+          <a:xfrm>
+            <a:off x="1562100" y="2963069"/>
+            <a:ext cx="2381250" cy="1038225"/>
+          </a:xfrm>
+          <a:prstGeom prst="rect">
+            <a:avLst/>
+          </a:prstGeom>
+          <a:noFill/>
+          <a:extLst>
+            <a:ext uri="{909E8E84-426E-40DD-AFC4-6F175D3DCCD1}">
+              <a14:hiddenFill xmlns:a14="http://schemas.microsoft.com/office/drawing/2010/main">
+                <a:solidFill>
+                  <a:srgbClr val="FFFFFF"/>
+                </a:solidFill>
+              </a14:hiddenFill>
+            </a:ext>
+          </a:extLst>
+        </p:spPr>
+      </p:pic>
+      <p:pic>
+        <p:nvPicPr>
+          <p:cNvPr id="1028" name="Picture 4" descr="Visit Monster for Employer home page"/>
+          <p:cNvPicPr>
+            <a:picLocks noChangeAspect="1" noChangeArrowheads="1"/>
+          </p:cNvPicPr>
+          <p:nvPr/>
+        </p:nvPicPr>
+        <p:blipFill>
+          <a:blip r:embed="rId3">
+            <a:extLst>
+              <a:ext uri="{28A0092B-C50C-407E-A947-70E740481C1C}">
+                <a14:useLocalDpi xmlns:a14="http://schemas.microsoft.com/office/drawing/2010/main" val="0"/>
+              </a:ext>
+            </a:extLst>
+          </a:blip>
+          <a:srcRect/>
+          <a:stretch>
+            <a:fillRect/>
+          </a:stretch>
+        </p:blipFill>
+        <p:spPr bwMode="auto">
+          <a:xfrm>
+            <a:off x="4810125" y="3120231"/>
+            <a:ext cx="2838450" cy="723900"/>
+          </a:xfrm>
+          <a:prstGeom prst="rect">
+            <a:avLst/>
+          </a:prstGeom>
+          <a:noFill/>
+          <a:extLst>
+            <a:ext uri="{909E8E84-426E-40DD-AFC4-6F175D3DCCD1}">
+              <a14:hiddenFill xmlns:a14="http://schemas.microsoft.com/office/drawing/2010/main">
+                <a:solidFill>
+                  <a:srgbClr val="FFFFFF"/>
+                </a:solidFill>
+              </a14:hiddenFill>
+            </a:ext>
+          </a:extLst>
+        </p:spPr>
+      </p:pic>
+      <p:pic>
+        <p:nvPicPr>
+          <p:cNvPr id="2" name="Picture 1"/>
+          <p:cNvPicPr>
+            <a:picLocks noChangeAspect="1"/>
+          </p:cNvPicPr>
+          <p:nvPr/>
+        </p:nvPicPr>
+        <p:blipFill>
+          <a:blip r:embed="rId4"/>
+          <a:stretch>
+            <a:fillRect/>
+          </a:stretch>
+        </p:blipFill>
+        <p:spPr>
+          <a:xfrm>
+            <a:off x="1562100" y="4529146"/>
+            <a:ext cx="2268792" cy="728663"/>
+          </a:xfrm>
+          <a:prstGeom prst="rect">
+            <a:avLst/>
+          </a:prstGeom>
+        </p:spPr>
+      </p:pic>
+      <p:pic>
+        <p:nvPicPr>
+          <p:cNvPr id="1030" name="Picture 6" descr="Dice - The career hub for tech™"/>
+          <p:cNvPicPr>
+            <a:picLocks noChangeAspect="1" noChangeArrowheads="1"/>
+          </p:cNvPicPr>
+          <p:nvPr/>
+        </p:nvPicPr>
+        <p:blipFill>
+          <a:blip r:embed="rId5">
+            <a:extLst>
+              <a:ext uri="{28A0092B-C50C-407E-A947-70E740481C1C}">
+                <a14:useLocalDpi xmlns:a14="http://schemas.microsoft.com/office/drawing/2010/main" val="0"/>
+              </a:ext>
+            </a:extLst>
+          </a:blip>
+          <a:srcRect/>
+          <a:stretch>
+            <a:fillRect/>
+          </a:stretch>
+        </p:blipFill>
+        <p:spPr bwMode="auto">
+          <a:xfrm>
+            <a:off x="8095795" y="3120231"/>
+            <a:ext cx="4873231" cy="688323"/>
+          </a:xfrm>
+          <a:prstGeom prst="rect">
+            <a:avLst/>
+          </a:prstGeom>
+          <a:noFill/>
+          <a:extLst>
+            <a:ext uri="{909E8E84-426E-40DD-AFC4-6F175D3DCCD1}">
+              <a14:hiddenFill xmlns:a14="http://schemas.microsoft.com/office/drawing/2010/main">
+                <a:solidFill>
+                  <a:srgbClr val="FFFFFF"/>
+                </a:solidFill>
+              </a14:hiddenFill>
+            </a:ext>
+          </a:extLst>
+        </p:spPr>
+      </p:pic>
+      <p:pic>
+        <p:nvPicPr>
+          <p:cNvPr id="1032" name="Picture 8" descr="Find Jobs and Careers – SimplyHired.com Job Search"/>
+          <p:cNvPicPr>
+            <a:picLocks noChangeAspect="1" noChangeArrowheads="1"/>
+          </p:cNvPicPr>
+          <p:nvPr/>
+        </p:nvPicPr>
+        <p:blipFill>
+          <a:blip r:embed="rId6">
+            <a:extLst>
+              <a:ext uri="{28A0092B-C50C-407E-A947-70E740481C1C}">
+                <a14:useLocalDpi xmlns:a14="http://schemas.microsoft.com/office/drawing/2010/main" val="0"/>
+              </a:ext>
+            </a:extLst>
+          </a:blip>
+          <a:srcRect/>
+          <a:stretch>
+            <a:fillRect/>
+          </a:stretch>
+        </p:blipFill>
+        <p:spPr bwMode="auto">
+          <a:xfrm>
+            <a:off x="8216855" y="4451378"/>
+            <a:ext cx="2857500" cy="523875"/>
+          </a:xfrm>
+          <a:prstGeom prst="rect">
+            <a:avLst/>
+          </a:prstGeom>
+          <a:noFill/>
+          <a:extLst>
+            <a:ext uri="{909E8E84-426E-40DD-AFC4-6F175D3DCCD1}">
+              <a14:hiddenFill xmlns:a14="http://schemas.microsoft.com/office/drawing/2010/main">
+                <a:solidFill>
+                  <a:srgbClr val="FFFFFF"/>
+                </a:solidFill>
+              </a14:hiddenFill>
+            </a:ext>
+          </a:extLst>
+        </p:spPr>
+      </p:pic>
+      <p:pic>
+        <p:nvPicPr>
+          <p:cNvPr id="1034" name="Picture 10" descr="Logo"/>
+          <p:cNvPicPr>
+            <a:picLocks noChangeAspect="1" noChangeArrowheads="1"/>
+          </p:cNvPicPr>
+          <p:nvPr/>
+        </p:nvPicPr>
+        <p:blipFill>
+          <a:blip r:embed="rId7">
+            <a:extLst>
+              <a:ext uri="{28A0092B-C50C-407E-A947-70E740481C1C}">
+                <a14:useLocalDpi xmlns:a14="http://schemas.microsoft.com/office/drawing/2010/main" val="0"/>
+              </a:ext>
+            </a:extLst>
+          </a:blip>
+          <a:srcRect/>
+          <a:stretch>
+            <a:fillRect/>
+          </a:stretch>
+        </p:blipFill>
+        <p:spPr bwMode="auto">
+          <a:xfrm>
+            <a:off x="4647511" y="4138613"/>
+            <a:ext cx="2752725" cy="2038350"/>
+          </a:xfrm>
+          <a:prstGeom prst="rect">
+            <a:avLst/>
+          </a:prstGeom>
+          <a:noFill/>
+          <a:extLst>
+            <a:ext uri="{909E8E84-426E-40DD-AFC4-6F175D3DCCD1}">
+              <a14:hiddenFill xmlns:a14="http://schemas.microsoft.com/office/drawing/2010/main">
+                <a:solidFill>
+                  <a:srgbClr val="FFFFFF"/>
+                </a:solidFill>
+              </a14:hiddenFill>
+            </a:ext>
+          </a:extLst>
+        </p:spPr>
+      </p:pic>
+    </p:spTree>
+    <p:extLst>
+      <p:ext uri="{BB962C8B-B14F-4D97-AF65-F5344CB8AC3E}">
+        <p14:creationId xmlns:p14="http://schemas.microsoft.com/office/powerpoint/2010/main" val="2364934239"/>
+      </p:ext>
+    </p:extLst>
+  </p:cSld>
+  <p:clrMapOvr>
+    <a:masterClrMapping/>
+  </p:clrMapOvr>
+  <mc:AlternateContent xmlns:mc="http://schemas.openxmlformats.org/markup-compatibility/2006" xmlns:p14="http://schemas.microsoft.com/office/powerpoint/2010/main">
+    <mc:Choice Requires="p14">
+      <p:transition spd="med" p14:dur="700">
+        <p:fade/>
+      </p:transition>
+    </mc:Choice>
+    <mc:Fallback xmlns="">
+      <p:transition spd="med">
+        <p:fade/>
+      </p:transition>
+    </mc:Fallback>
+  </mc:AlternateContent>
+  <p:timing>
+    <p:tnLst>
+      <p:par>
+        <p:cTn id="1" dur="indefinite" restart="never" nodeType="tmRoot"/>
+      </p:par>
+    </p:tnLst>
+  </p:timing>
+</p:sld>
+</file>
+
+<file path=ppt/slides/slide20.xml><?xml version="1.0" encoding="utf-8"?>
 <p:sld xmlns:a="http://schemas.openxmlformats.org/drawingml/2006/main" xmlns:r="http://schemas.openxmlformats.org/officeDocument/2006/relationships" xmlns:p="http://schemas.openxmlformats.org/presentationml/2006/main">
   <p:cSld>
     <p:spTree>
@@ -6372,7 +7239,7 @@
 </p:sld>
 </file>
 
-<file path=ppt/slides/slide19.xml><?xml version="1.0" encoding="utf-8"?>
+<file path=ppt/slides/slide21.xml><?xml version="1.0" encoding="utf-8"?>
 <p:sld xmlns:a="http://schemas.openxmlformats.org/drawingml/2006/main" xmlns:r="http://schemas.openxmlformats.org/officeDocument/2006/relationships" xmlns:p="http://schemas.openxmlformats.org/presentationml/2006/main">
   <p:cSld>
     <p:spTree>
@@ -6559,7 +7426,7 @@
 </p:sld>
 </file>
 
-<file path=ppt/slides/slide2.xml><?xml version="1.0" encoding="utf-8"?>
+<file path=ppt/slides/slide22.xml><?xml version="1.0" encoding="utf-8"?>
 <p:sld xmlns:a="http://schemas.openxmlformats.org/drawingml/2006/main" xmlns:r="http://schemas.openxmlformats.org/officeDocument/2006/relationships" xmlns:p="http://schemas.openxmlformats.org/presentationml/2006/main">
   <p:cSld>
     <p:spTree>
@@ -6578,7 +7445,7 @@
       </p:grpSpPr>
       <p:sp>
         <p:nvSpPr>
-          <p:cNvPr id="14" name="Content Placeholder 13"/>
+          <p:cNvPr id="2" name="Content Placeholder 1"/>
           <p:cNvSpPr>
             <a:spLocks noGrp="1"/>
           </p:cNvSpPr>
@@ -6588,402 +7455,70 @@
         </p:nvSpPr>
         <p:spPr/>
         <p:txBody>
-          <a:bodyPr/>
+          <a:bodyPr>
+            <a:normAutofit/>
+          </a:bodyPr>
           <a:lstStyle/>
           <a:p>
-            <a:pPr lvl="0"/>
-            <a:r>
-              <a:rPr lang="en-US" dirty="0" smtClean="0"/>
-              <a:t> There are many job finding websites today. </a:t>
-            </a:r>
-          </a:p>
-        </p:txBody>
-      </p:sp>
-      <p:sp>
-        <p:nvSpPr>
-          <p:cNvPr id="13" name="Title 12"/>
-          <p:cNvSpPr>
-            <a:spLocks noGrp="1"/>
-          </p:cNvSpPr>
-          <p:nvPr>
-            <p:ph type="title"/>
-          </p:nvPr>
-        </p:nvSpPr>
-        <p:spPr>
-          <a:xfrm>
-            <a:off x="1280911" y="406003"/>
-            <a:ext cx="9029700" cy="1325563"/>
-          </a:xfrm>
-        </p:spPr>
-        <p:txBody>
-          <a:bodyPr/>
-          <a:lstStyle/>
-          <a:p>
-            <a:r>
-              <a:rPr lang="en-US" altLang="zh-CN" dirty="0" smtClean="0"/>
-              <a:t>Motivation</a:t>
+            <a:r>
+              <a:rPr lang="en-US" dirty="0" smtClean="0"/>
+              <a:t>The unit of the expression is token or </a:t>
+            </a:r>
+            <a:r>
+              <a:rPr lang="en-US" dirty="0" smtClean="0"/>
+              <a:t>word</a:t>
+            </a:r>
+          </a:p>
+          <a:p>
+            <a:r>
+              <a:rPr lang="en-US" dirty="0" err="1" smtClean="0"/>
+              <a:t>seqMatcher</a:t>
+            </a:r>
+            <a:r>
+              <a:rPr lang="en-US" dirty="0" smtClean="0"/>
+              <a:t> = </a:t>
+            </a:r>
+            <a:r>
+              <a:rPr lang="en-US" dirty="0" err="1" smtClean="0"/>
+              <a:t>parser.parse</a:t>
+            </a:r>
+            <a:endParaRPr lang="en-US" dirty="0" smtClean="0"/>
+          </a:p>
+          <a:p>
+            <a:r>
+              <a:rPr lang="en-US" dirty="0"/>
+              <a:t> </a:t>
+            </a:r>
+            <a:r>
+              <a:rPr lang="en-US" dirty="0" smtClean="0"/>
+              <a:t>   ( “ DE_LEVEL </a:t>
+            </a:r>
+            <a:r>
+              <a:rPr lang="en-US" dirty="0"/>
+              <a:t>(, DE_LEVEL</a:t>
+            </a:r>
+            <a:r>
+              <a:rPr lang="en-US" dirty="0" smtClean="0"/>
+              <a:t>)* </a:t>
+            </a:r>
+            <a:r>
+              <a:rPr lang="en-US" dirty="0"/>
+              <a:t>(or DE_LEVEL</a:t>
+            </a:r>
+            <a:r>
+              <a:rPr lang="en-US" dirty="0" smtClean="0"/>
+              <a:t>)? DEGREE”)</a:t>
             </a:r>
             <a:endParaRPr lang="en-US" dirty="0"/>
           </a:p>
-        </p:txBody>
-      </p:sp>
-      <p:pic>
-        <p:nvPicPr>
-          <p:cNvPr id="1026" name="Picture 2" descr="Indeed job search"/>
-          <p:cNvPicPr>
-            <a:picLocks noChangeAspect="1" noChangeArrowheads="1"/>
-          </p:cNvPicPr>
-          <p:nvPr/>
-        </p:nvPicPr>
-        <p:blipFill>
-          <a:blip r:embed="rId2">
-            <a:extLst>
-              <a:ext uri="{28A0092B-C50C-407E-A947-70E740481C1C}">
-                <a14:useLocalDpi xmlns:a14="http://schemas.microsoft.com/office/drawing/2010/main" val="0"/>
-              </a:ext>
-            </a:extLst>
-          </a:blip>
-          <a:srcRect/>
-          <a:stretch>
-            <a:fillRect/>
-          </a:stretch>
-        </p:blipFill>
-        <p:spPr bwMode="auto">
-          <a:xfrm>
-            <a:off x="1562100" y="2963069"/>
-            <a:ext cx="2381250" cy="1038225"/>
-          </a:xfrm>
-          <a:prstGeom prst="rect">
-            <a:avLst/>
-          </a:prstGeom>
-          <a:noFill/>
-          <a:extLst>
-            <a:ext uri="{909E8E84-426E-40DD-AFC4-6F175D3DCCD1}">
-              <a14:hiddenFill xmlns:a14="http://schemas.microsoft.com/office/drawing/2010/main">
-                <a:solidFill>
-                  <a:srgbClr val="FFFFFF"/>
-                </a:solidFill>
-              </a14:hiddenFill>
-            </a:ext>
-          </a:extLst>
-        </p:spPr>
-      </p:pic>
-      <p:pic>
-        <p:nvPicPr>
-          <p:cNvPr id="1028" name="Picture 4" descr="Visit Monster for Employer home page"/>
-          <p:cNvPicPr>
-            <a:picLocks noChangeAspect="1" noChangeArrowheads="1"/>
-          </p:cNvPicPr>
-          <p:nvPr/>
-        </p:nvPicPr>
-        <p:blipFill>
-          <a:blip r:embed="rId3">
-            <a:extLst>
-              <a:ext uri="{28A0092B-C50C-407E-A947-70E740481C1C}">
-                <a14:useLocalDpi xmlns:a14="http://schemas.microsoft.com/office/drawing/2010/main" val="0"/>
-              </a:ext>
-            </a:extLst>
-          </a:blip>
-          <a:srcRect/>
-          <a:stretch>
-            <a:fillRect/>
-          </a:stretch>
-        </p:blipFill>
-        <p:spPr bwMode="auto">
-          <a:xfrm>
-            <a:off x="4810125" y="3120231"/>
-            <a:ext cx="2838450" cy="723900"/>
-          </a:xfrm>
-          <a:prstGeom prst="rect">
-            <a:avLst/>
-          </a:prstGeom>
-          <a:noFill/>
-          <a:extLst>
-            <a:ext uri="{909E8E84-426E-40DD-AFC4-6F175D3DCCD1}">
-              <a14:hiddenFill xmlns:a14="http://schemas.microsoft.com/office/drawing/2010/main">
-                <a:solidFill>
-                  <a:srgbClr val="FFFFFF"/>
-                </a:solidFill>
-              </a14:hiddenFill>
-            </a:ext>
-          </a:extLst>
-        </p:spPr>
-      </p:pic>
-      <p:pic>
-        <p:nvPicPr>
-          <p:cNvPr id="2" name="Picture 1"/>
-          <p:cNvPicPr>
-            <a:picLocks noChangeAspect="1"/>
-          </p:cNvPicPr>
-          <p:nvPr/>
-        </p:nvPicPr>
-        <p:blipFill>
-          <a:blip r:embed="rId4"/>
-          <a:stretch>
-            <a:fillRect/>
-          </a:stretch>
-        </p:blipFill>
-        <p:spPr>
-          <a:xfrm>
-            <a:off x="1562100" y="4529146"/>
-            <a:ext cx="2268792" cy="728663"/>
-          </a:xfrm>
-          <a:prstGeom prst="rect">
-            <a:avLst/>
-          </a:prstGeom>
-        </p:spPr>
-      </p:pic>
-      <p:pic>
-        <p:nvPicPr>
-          <p:cNvPr id="1030" name="Picture 6" descr="Dice - The career hub for tech™"/>
-          <p:cNvPicPr>
-            <a:picLocks noChangeAspect="1" noChangeArrowheads="1"/>
-          </p:cNvPicPr>
-          <p:nvPr/>
-        </p:nvPicPr>
-        <p:blipFill>
-          <a:blip r:embed="rId5">
-            <a:extLst>
-              <a:ext uri="{28A0092B-C50C-407E-A947-70E740481C1C}">
-                <a14:useLocalDpi xmlns:a14="http://schemas.microsoft.com/office/drawing/2010/main" val="0"/>
-              </a:ext>
-            </a:extLst>
-          </a:blip>
-          <a:srcRect/>
-          <a:stretch>
-            <a:fillRect/>
-          </a:stretch>
-        </p:blipFill>
-        <p:spPr bwMode="auto">
-          <a:xfrm>
-            <a:off x="8095795" y="3120231"/>
-            <a:ext cx="4873231" cy="688323"/>
-          </a:xfrm>
-          <a:prstGeom prst="rect">
-            <a:avLst/>
-          </a:prstGeom>
-          <a:noFill/>
-          <a:extLst>
-            <a:ext uri="{909E8E84-426E-40DD-AFC4-6F175D3DCCD1}">
-              <a14:hiddenFill xmlns:a14="http://schemas.microsoft.com/office/drawing/2010/main">
-                <a:solidFill>
-                  <a:srgbClr val="FFFFFF"/>
-                </a:solidFill>
-              </a14:hiddenFill>
-            </a:ext>
-          </a:extLst>
-        </p:spPr>
-      </p:pic>
-      <p:pic>
-        <p:nvPicPr>
-          <p:cNvPr id="1032" name="Picture 8" descr="Find Jobs and Careers – SimplyHired.com Job Search"/>
-          <p:cNvPicPr>
-            <a:picLocks noChangeAspect="1" noChangeArrowheads="1"/>
-          </p:cNvPicPr>
-          <p:nvPr/>
-        </p:nvPicPr>
-        <p:blipFill>
-          <a:blip r:embed="rId6">
-            <a:extLst>
-              <a:ext uri="{28A0092B-C50C-407E-A947-70E740481C1C}">
-                <a14:useLocalDpi xmlns:a14="http://schemas.microsoft.com/office/drawing/2010/main" val="0"/>
-              </a:ext>
-            </a:extLst>
-          </a:blip>
-          <a:srcRect/>
-          <a:stretch>
-            <a:fillRect/>
-          </a:stretch>
-        </p:blipFill>
-        <p:spPr bwMode="auto">
-          <a:xfrm>
-            <a:off x="8216855" y="4451378"/>
-            <a:ext cx="2857500" cy="523875"/>
-          </a:xfrm>
-          <a:prstGeom prst="rect">
-            <a:avLst/>
-          </a:prstGeom>
-          <a:noFill/>
-          <a:extLst>
-            <a:ext uri="{909E8E84-426E-40DD-AFC4-6F175D3DCCD1}">
-              <a14:hiddenFill xmlns:a14="http://schemas.microsoft.com/office/drawing/2010/main">
-                <a:solidFill>
-                  <a:srgbClr val="FFFFFF"/>
-                </a:solidFill>
-              </a14:hiddenFill>
-            </a:ext>
-          </a:extLst>
-        </p:spPr>
-      </p:pic>
-      <p:pic>
-        <p:nvPicPr>
-          <p:cNvPr id="1034" name="Picture 10" descr="Logo"/>
-          <p:cNvPicPr>
-            <a:picLocks noChangeAspect="1" noChangeArrowheads="1"/>
-          </p:cNvPicPr>
-          <p:nvPr/>
-        </p:nvPicPr>
-        <p:blipFill>
-          <a:blip r:embed="rId7">
-            <a:extLst>
-              <a:ext uri="{28A0092B-C50C-407E-A947-70E740481C1C}">
-                <a14:useLocalDpi xmlns:a14="http://schemas.microsoft.com/office/drawing/2010/main" val="0"/>
-              </a:ext>
-            </a:extLst>
-          </a:blip>
-          <a:srcRect/>
-          <a:stretch>
-            <a:fillRect/>
-          </a:stretch>
-        </p:blipFill>
-        <p:spPr bwMode="auto">
-          <a:xfrm>
-            <a:off x="4647511" y="4138613"/>
-            <a:ext cx="2752725" cy="2038350"/>
-          </a:xfrm>
-          <a:prstGeom prst="rect">
-            <a:avLst/>
-          </a:prstGeom>
-          <a:noFill/>
-          <a:extLst>
-            <a:ext uri="{909E8E84-426E-40DD-AFC4-6F175D3DCCD1}">
-              <a14:hiddenFill xmlns:a14="http://schemas.microsoft.com/office/drawing/2010/main">
-                <a:solidFill>
-                  <a:srgbClr val="FFFFFF"/>
-                </a:solidFill>
-              </a14:hiddenFill>
-            </a:ext>
-          </a:extLst>
-        </p:spPr>
-      </p:pic>
-    </p:spTree>
-    <p:extLst>
-      <p:ext uri="{BB962C8B-B14F-4D97-AF65-F5344CB8AC3E}">
-        <p14:creationId xmlns:p14="http://schemas.microsoft.com/office/powerpoint/2010/main" val="2364934239"/>
-      </p:ext>
-    </p:extLst>
-  </p:cSld>
-  <p:clrMapOvr>
-    <a:masterClrMapping/>
-  </p:clrMapOvr>
-  <mc:AlternateContent xmlns:mc="http://schemas.openxmlformats.org/markup-compatibility/2006" xmlns:p14="http://schemas.microsoft.com/office/powerpoint/2010/main">
-    <mc:Choice Requires="p14">
-      <p:transition spd="med" p14:dur="700">
-        <p:fade/>
-      </p:transition>
-    </mc:Choice>
-    <mc:Fallback xmlns="">
-      <p:transition spd="med">
-        <p:fade/>
-      </p:transition>
-    </mc:Fallback>
-  </mc:AlternateContent>
-  <p:timing>
-    <p:tnLst>
-      <p:par>
-        <p:cTn id="1" dur="indefinite" restart="never" nodeType="tmRoot"/>
-      </p:par>
-    </p:tnLst>
-  </p:timing>
-</p:sld>
-</file>
-
-<file path=ppt/slides/slide20.xml><?xml version="1.0" encoding="utf-8"?>
-<p:sld xmlns:a="http://schemas.openxmlformats.org/drawingml/2006/main" xmlns:r="http://schemas.openxmlformats.org/officeDocument/2006/relationships" xmlns:p="http://schemas.openxmlformats.org/presentationml/2006/main">
-  <p:cSld>
-    <p:spTree>
-      <p:nvGrpSpPr>
-        <p:cNvPr id="1" name=""/>
-        <p:cNvGrpSpPr/>
-        <p:nvPr/>
-      </p:nvGrpSpPr>
-      <p:grpSpPr>
-        <a:xfrm>
-          <a:off x="0" y="0"/>
-          <a:ext cx="0" cy="0"/>
-          <a:chOff x="0" y="0"/>
-          <a:chExt cx="0" cy="0"/>
-        </a:xfrm>
-      </p:grpSpPr>
-      <p:sp>
-        <p:nvSpPr>
-          <p:cNvPr id="2" name="Content Placeholder 1"/>
-          <p:cNvSpPr>
-            <a:spLocks noGrp="1"/>
-          </p:cNvSpPr>
-          <p:nvPr>
-            <p:ph idx="1"/>
-          </p:nvPr>
-        </p:nvSpPr>
-        <p:spPr/>
-        <p:txBody>
-          <a:bodyPr/>
-          <a:lstStyle/>
-          <a:p>
-            <a:r>
-              <a:rPr lang="en-US" dirty="0" smtClean="0"/>
-              <a:t>The unit of the expression is token or word</a:t>
-            </a:r>
-          </a:p>
-          <a:p>
-            <a:endParaRPr lang="en-US" dirty="0" smtClean="0"/>
-          </a:p>
-          <a:p>
-            <a:endParaRPr lang="en-US" dirty="0"/>
-          </a:p>
-          <a:p>
-            <a:endParaRPr lang="en-US" dirty="0" smtClean="0"/>
-          </a:p>
-          <a:p>
-            <a:endParaRPr lang="en-US" dirty="0"/>
-          </a:p>
           <a:p>
             <a:r>
               <a:rPr lang="en-US" dirty="0" smtClean="0"/>
               <a:t> </a:t>
             </a:r>
             <a:r>
-              <a:rPr lang="en-US" dirty="0" err="1" smtClean="0"/>
-              <a:t>aaa</a:t>
-            </a:r>
-            <a:r>
-              <a:rPr lang="en-US" dirty="0" smtClean="0"/>
-              <a:t> ccc </a:t>
-            </a:r>
-            <a:r>
-              <a:rPr lang="en-US" dirty="0" err="1" smtClean="0"/>
-              <a:t>ddd</a:t>
-            </a:r>
-            <a:endParaRPr lang="en-US" dirty="0" smtClean="0"/>
-          </a:p>
-          <a:p>
-            <a:r>
-              <a:rPr lang="en-US" dirty="0" err="1" smtClean="0"/>
-              <a:t>bbb</a:t>
-            </a:r>
-            <a:r>
-              <a:rPr lang="en-US" dirty="0" smtClean="0"/>
-              <a:t>  ccc </a:t>
-            </a:r>
-            <a:r>
-              <a:rPr lang="en-US" dirty="0" err="1" smtClean="0"/>
-              <a:t>ccc</a:t>
-            </a:r>
-            <a:r>
-              <a:rPr lang="en-US" dirty="0" smtClean="0"/>
-              <a:t>  </a:t>
-            </a:r>
-            <a:r>
-              <a:rPr lang="en-US" dirty="0" err="1" smtClean="0"/>
-              <a:t>sss</a:t>
-            </a:r>
-            <a:r>
               <a:rPr lang="en-US" dirty="0" smtClean="0"/>
               <a:t> </a:t>
-            </a:r>
-            <a:r>
-              <a:rPr lang="en-US" dirty="0" err="1" smtClean="0"/>
-              <a:t>ddd</a:t>
             </a:r>
             <a:endParaRPr lang="en-US" dirty="0" smtClean="0"/>
           </a:p>
@@ -7024,30 +7559,6 @@
           </a:p>
         </p:txBody>
       </p:sp>
-      <p:pic>
-        <p:nvPicPr>
-          <p:cNvPr id="4" name="Picture 3"/>
-          <p:cNvPicPr>
-            <a:picLocks noChangeAspect="1"/>
-          </p:cNvPicPr>
-          <p:nvPr/>
-        </p:nvPicPr>
-        <p:blipFill>
-          <a:blip r:embed="rId2"/>
-          <a:stretch>
-            <a:fillRect/>
-          </a:stretch>
-        </p:blipFill>
-        <p:spPr>
-          <a:xfrm>
-            <a:off x="1130519" y="2710868"/>
-            <a:ext cx="10886679" cy="1127035"/>
-          </a:xfrm>
-          <a:prstGeom prst="rect">
-            <a:avLst/>
-          </a:prstGeom>
-        </p:spPr>
-      </p:pic>
     </p:spTree>
     <p:extLst>
       <p:ext uri="{BB962C8B-B14F-4D97-AF65-F5344CB8AC3E}">
@@ -7073,7 +7584,7 @@
 </p:sld>
 </file>
 
-<file path=ppt/slides/slide21.xml><?xml version="1.0" encoding="utf-8"?>
+<file path=ppt/slides/slide23.xml><?xml version="1.0" encoding="utf-8"?>
 <p:sld xmlns:a="http://schemas.openxmlformats.org/drawingml/2006/main" xmlns:r="http://schemas.openxmlformats.org/officeDocument/2006/relationships" xmlns:p="http://schemas.openxmlformats.org/presentationml/2006/main">
   <p:cSld>
     <p:spTree>
@@ -7216,7 +7727,7 @@
 </p:sld>
 </file>
 
-<file path=ppt/slides/slide22.xml><?xml version="1.0" encoding="utf-8"?>
+<file path=ppt/slides/slide24.xml><?xml version="1.0" encoding="utf-8"?>
 <p:sld xmlns:a="http://schemas.openxmlformats.org/drawingml/2006/main" xmlns:r="http://schemas.openxmlformats.org/officeDocument/2006/relationships" xmlns:p="http://schemas.openxmlformats.org/presentationml/2006/main">
   <p:cSld>
     <p:spTree>
@@ -7254,12 +7765,20 @@
           <a:lstStyle/>
           <a:p>
             <a:r>
-              <a:rPr lang="en-US" dirty="0" err="1" smtClean="0"/>
-              <a:t>Grammer</a:t>
-            </a:r>
-            <a:r>
-              <a:rPr lang="en-US" dirty="0" smtClean="0"/>
-              <a:t> current support </a:t>
+              <a:rPr lang="en-US" altLang="zh-CN" dirty="0" smtClean="0"/>
+              <a:t>Matcher</a:t>
+            </a:r>
+            <a:r>
+              <a:rPr lang="en-US" altLang="zh-CN" dirty="0" smtClean="0"/>
+              <a:t>s </a:t>
+            </a:r>
+            <a:r>
+              <a:rPr lang="en-US" dirty="0" smtClean="0"/>
+              <a:t>current </a:t>
+            </a:r>
+            <a:r>
+              <a:rPr lang="en-US" dirty="0" smtClean="0"/>
+              <a:t>support </a:t>
             </a:r>
             <a:endParaRPr lang="en-US" dirty="0"/>
           </a:p>
@@ -7314,219 +7833,6 @@
 </p:sld>
 </file>
 
-<file path=ppt/slides/slide23.xml><?xml version="1.0" encoding="utf-8"?>
-<p:sld xmlns:a="http://schemas.openxmlformats.org/drawingml/2006/main" xmlns:r="http://schemas.openxmlformats.org/officeDocument/2006/relationships" xmlns:p="http://schemas.openxmlformats.org/presentationml/2006/main">
-  <p:cSld>
-    <p:spTree>
-      <p:nvGrpSpPr>
-        <p:cNvPr id="1" name=""/>
-        <p:cNvGrpSpPr/>
-        <p:nvPr/>
-      </p:nvGrpSpPr>
-      <p:grpSpPr>
-        <a:xfrm>
-          <a:off x="0" y="0"/>
-          <a:ext cx="0" cy="0"/>
-          <a:chOff x="0" y="0"/>
-          <a:chExt cx="0" cy="0"/>
-        </a:xfrm>
-      </p:grpSpPr>
-      <p:sp>
-        <p:nvSpPr>
-          <p:cNvPr id="3" name="Title 2"/>
-          <p:cNvSpPr>
-            <a:spLocks noGrp="1"/>
-          </p:cNvSpPr>
-          <p:nvPr>
-            <p:ph type="title"/>
-          </p:nvPr>
-        </p:nvSpPr>
-        <p:spPr>
-          <a:xfrm>
-            <a:off x="1562100" y="365125"/>
-            <a:ext cx="9791700" cy="1325563"/>
-          </a:xfrm>
-        </p:spPr>
-        <p:txBody>
-          <a:bodyPr/>
-          <a:lstStyle/>
-          <a:p>
-            <a:r>
-              <a:rPr lang="en-US" dirty="0" smtClean="0"/>
-              <a:t>Flexibility --  regular expression style </a:t>
-            </a:r>
-            <a:endParaRPr lang="en-US" dirty="0"/>
-          </a:p>
-        </p:txBody>
-      </p:sp>
-      <p:pic>
-        <p:nvPicPr>
-          <p:cNvPr id="4" name="Picture 3"/>
-          <p:cNvPicPr>
-            <a:picLocks noChangeAspect="1"/>
-          </p:cNvPicPr>
-          <p:nvPr/>
-        </p:nvPicPr>
-        <p:blipFill>
-          <a:blip r:embed="rId2"/>
-          <a:stretch>
-            <a:fillRect/>
-          </a:stretch>
-        </p:blipFill>
-        <p:spPr>
-          <a:xfrm>
-            <a:off x="898699" y="2517685"/>
-            <a:ext cx="10886679" cy="1127035"/>
-          </a:xfrm>
-          <a:prstGeom prst="rect">
-            <a:avLst/>
-          </a:prstGeom>
-        </p:spPr>
-      </p:pic>
-    </p:spTree>
-    <p:extLst>
-      <p:ext uri="{BB962C8B-B14F-4D97-AF65-F5344CB8AC3E}">
-        <p14:creationId xmlns:p14="http://schemas.microsoft.com/office/powerpoint/2010/main" val="689215300"/>
-      </p:ext>
-    </p:extLst>
-  </p:cSld>
-  <p:clrMapOvr>
-    <a:masterClrMapping/>
-  </p:clrMapOvr>
-  <mc:AlternateContent xmlns:mc="http://schemas.openxmlformats.org/markup-compatibility/2006" xmlns:p14="http://schemas.microsoft.com/office/powerpoint/2010/main">
-    <mc:Choice Requires="p14">
-      <p:transition spd="med" p14:dur="700">
-        <p:fade/>
-      </p:transition>
-    </mc:Choice>
-    <mc:Fallback xmlns="">
-      <p:transition spd="med">
-        <p:fade/>
-      </p:transition>
-    </mc:Fallback>
-  </mc:AlternateContent>
-</p:sld>
-</file>
-
-<file path=ppt/slides/slide24.xml><?xml version="1.0" encoding="utf-8"?>
-<p:sld xmlns:a="http://schemas.openxmlformats.org/drawingml/2006/main" xmlns:r="http://schemas.openxmlformats.org/officeDocument/2006/relationships" xmlns:p="http://schemas.openxmlformats.org/presentationml/2006/main">
-  <p:cSld>
-    <p:spTree>
-      <p:nvGrpSpPr>
-        <p:cNvPr id="1" name=""/>
-        <p:cNvGrpSpPr/>
-        <p:nvPr/>
-      </p:nvGrpSpPr>
-      <p:grpSpPr>
-        <a:xfrm>
-          <a:off x="0" y="0"/>
-          <a:ext cx="0" cy="0"/>
-          <a:chOff x="0" y="0"/>
-          <a:chExt cx="0" cy="0"/>
-        </a:xfrm>
-      </p:grpSpPr>
-      <p:sp>
-        <p:nvSpPr>
-          <p:cNvPr id="2" name="Content Placeholder 1"/>
-          <p:cNvSpPr>
-            <a:spLocks noGrp="1"/>
-          </p:cNvSpPr>
-          <p:nvPr>
-            <p:ph idx="1"/>
-          </p:nvPr>
-        </p:nvSpPr>
-        <p:spPr/>
-        <p:txBody>
-          <a:bodyPr/>
-          <a:lstStyle/>
-          <a:p>
-            <a:endParaRPr lang="en-US" dirty="0"/>
-          </a:p>
-        </p:txBody>
-      </p:sp>
-      <p:sp>
-        <p:nvSpPr>
-          <p:cNvPr id="3" name="Title 2"/>
-          <p:cNvSpPr>
-            <a:spLocks noGrp="1"/>
-          </p:cNvSpPr>
-          <p:nvPr>
-            <p:ph type="title"/>
-          </p:nvPr>
-        </p:nvSpPr>
-        <p:spPr>
-          <a:xfrm>
-            <a:off x="1562100" y="365125"/>
-            <a:ext cx="9791700" cy="1325563"/>
-          </a:xfrm>
-        </p:spPr>
-        <p:txBody>
-          <a:bodyPr>
-            <a:normAutofit fontScale="90000"/>
-          </a:bodyPr>
-          <a:lstStyle/>
-          <a:p>
-            <a:r>
-              <a:rPr lang="en-US" dirty="0"/>
-              <a:t>Flexibility -- </a:t>
-            </a:r>
-            <a:r>
-              <a:rPr lang="en-US" dirty="0" smtClean="0"/>
-              <a:t>connected by algebra  operator</a:t>
-            </a:r>
-            <a:endParaRPr lang="en-US" dirty="0"/>
-          </a:p>
-        </p:txBody>
-      </p:sp>
-      <p:pic>
-        <p:nvPicPr>
-          <p:cNvPr id="4" name="Picture 3"/>
-          <p:cNvPicPr>
-            <a:picLocks noChangeAspect="1"/>
-          </p:cNvPicPr>
-          <p:nvPr/>
-        </p:nvPicPr>
-        <p:blipFill>
-          <a:blip r:embed="rId2"/>
-          <a:stretch>
-            <a:fillRect/>
-          </a:stretch>
-        </p:blipFill>
-        <p:spPr>
-          <a:xfrm>
-            <a:off x="1562100" y="2951207"/>
-            <a:ext cx="11054297" cy="1813976"/>
-          </a:xfrm>
-          <a:prstGeom prst="rect">
-            <a:avLst/>
-          </a:prstGeom>
-        </p:spPr>
-      </p:pic>
-    </p:spTree>
-    <p:extLst>
-      <p:ext uri="{BB962C8B-B14F-4D97-AF65-F5344CB8AC3E}">
-        <p14:creationId xmlns:p14="http://schemas.microsoft.com/office/powerpoint/2010/main" val="346801175"/>
-      </p:ext>
-    </p:extLst>
-  </p:cSld>
-  <p:clrMapOvr>
-    <a:masterClrMapping/>
-  </p:clrMapOvr>
-  <mc:AlternateContent xmlns:mc="http://schemas.openxmlformats.org/markup-compatibility/2006" xmlns:p14="http://schemas.microsoft.com/office/powerpoint/2010/main">
-    <mc:Choice Requires="p14">
-      <p:transition spd="med" p14:dur="700">
-        <p:fade/>
-      </p:transition>
-    </mc:Choice>
-    <mc:Fallback xmlns="">
-      <p:transition spd="med">
-        <p:fade/>
-      </p:transition>
-    </mc:Fallback>
-  </mc:AlternateContent>
-</p:sld>
-</file>
-
 <file path=ppt/slides/slide25.xml><?xml version="1.0" encoding="utf-8"?>
 <p:sld xmlns:a="http://schemas.openxmlformats.org/drawingml/2006/main" xmlns:r="http://schemas.openxmlformats.org/officeDocument/2006/relationships" xmlns:p="http://schemas.openxmlformats.org/presentationml/2006/main">
   <p:cSld>
@@ -7544,32 +7850,6 @@
           <a:chExt cx="0" cy="0"/>
         </a:xfrm>
       </p:grpSpPr>
-      <p:pic>
-        <p:nvPicPr>
-          <p:cNvPr id="4" name="Content Placeholder 3"/>
-          <p:cNvPicPr>
-            <a:picLocks noGrp="1" noChangeAspect="1"/>
-          </p:cNvPicPr>
-          <p:nvPr>
-            <p:ph idx="1"/>
-          </p:nvPr>
-        </p:nvPicPr>
-        <p:blipFill>
-          <a:blip r:embed="rId2"/>
-          <a:stretch>
-            <a:fillRect/>
-          </a:stretch>
-        </p:blipFill>
-        <p:spPr>
-          <a:xfrm>
-            <a:off x="1562099" y="2252249"/>
-            <a:ext cx="9170147" cy="2693238"/>
-          </a:xfrm>
-          <a:prstGeom prst="rect">
-            <a:avLst/>
-          </a:prstGeom>
-        </p:spPr>
-      </p:pic>
       <p:sp>
         <p:nvSpPr>
           <p:cNvPr id="3" name="Title 2"/>
@@ -7587,27 +7867,85 @@
           </a:xfrm>
         </p:spPr>
         <p:txBody>
-          <a:bodyPr>
-            <a:normAutofit/>
+          <a:bodyPr/>
+          <a:lstStyle/>
+          <a:p>
+            <a:r>
+              <a:rPr lang="en-US" dirty="0" smtClean="0"/>
+              <a:t>Flexibility --  regular expression style </a:t>
+            </a:r>
+            <a:endParaRPr lang="en-US" dirty="0"/>
+          </a:p>
+        </p:txBody>
+      </p:sp>
+      <p:sp>
+        <p:nvSpPr>
+          <p:cNvPr id="2" name="Rectangle 1"/>
+          <p:cNvSpPr/>
+          <p:nvPr/>
+        </p:nvSpPr>
+        <p:spPr>
+          <a:xfrm>
+            <a:off x="1043189" y="2063368"/>
+            <a:ext cx="10573555" cy="1815882"/>
+          </a:xfrm>
+          <a:prstGeom prst="rect">
+            <a:avLst/>
+          </a:prstGeom>
+        </p:spPr>
+        <p:txBody>
+          <a:bodyPr wrap="square">
+            <a:spAutoFit/>
           </a:bodyPr>
           <a:lstStyle/>
           <a:p>
             <a:r>
-              <a:rPr lang="en-US" dirty="0"/>
-              <a:t>Flexibility </a:t>
-            </a:r>
-            <a:r>
-              <a:rPr lang="en-US" dirty="0" smtClean="0"/>
-              <a:t>– OO programming style</a:t>
-            </a:r>
-            <a:endParaRPr lang="en-US" dirty="0"/>
+              <a:rPr lang="en-US" sz="2800" dirty="0" smtClean="0"/>
+              <a:t>Pattern: </a:t>
+            </a:r>
+            <a:r>
+              <a:rPr lang="en-US" sz="2800" dirty="0"/>
+              <a:t>DE-LEVEL DEGREE ( IN | OF ) DT? </a:t>
+            </a:r>
+            <a:r>
+              <a:rPr lang="en-US" sz="2800" dirty="0" smtClean="0"/>
+              <a:t>MAJOR</a:t>
+            </a:r>
+          </a:p>
+          <a:p>
+            <a:endParaRPr lang="en-US" sz="2800" dirty="0" smtClean="0"/>
+          </a:p>
+          <a:p>
+            <a:endParaRPr lang="en-US" sz="2800" dirty="0"/>
+          </a:p>
+          <a:p>
+            <a:r>
+              <a:rPr lang="en-US" sz="2800" dirty="0" err="1" smtClean="0"/>
+              <a:t>seqMatcher</a:t>
+            </a:r>
+            <a:r>
+              <a:rPr lang="en-US" sz="2800" dirty="0" smtClean="0"/>
+              <a:t> </a:t>
+            </a:r>
+            <a:r>
+              <a:rPr lang="en-US" sz="2800" dirty="0"/>
+              <a:t>=</a:t>
+            </a:r>
+            <a:r>
+              <a:rPr lang="en-US" sz="2800" dirty="0" err="1"/>
+              <a:t>parser.parse</a:t>
+            </a:r>
+            <a:r>
+              <a:rPr lang="en-US" sz="2800" dirty="0"/>
+              <a:t>(”DE-LEVEL DEGREE ( IN | OF ) DT? MAJOR”)</a:t>
+            </a:r>
           </a:p>
         </p:txBody>
       </p:sp>
     </p:spTree>
     <p:extLst>
       <p:ext uri="{BB962C8B-B14F-4D97-AF65-F5344CB8AC3E}">
-        <p14:creationId xmlns:p14="http://schemas.microsoft.com/office/powerpoint/2010/main" val="2796069335"/>
+        <p14:creationId xmlns:p14="http://schemas.microsoft.com/office/powerpoint/2010/main" val="689215300"/>
       </p:ext>
     </p:extLst>
   </p:cSld>
@@ -7648,6 +7986,103 @@
       </p:grpSpPr>
       <p:sp>
         <p:nvSpPr>
+          <p:cNvPr id="2" name="Content Placeholder 1"/>
+          <p:cNvSpPr>
+            <a:spLocks noGrp="1"/>
+          </p:cNvSpPr>
+          <p:nvPr>
+            <p:ph idx="1"/>
+          </p:nvPr>
+        </p:nvSpPr>
+        <p:spPr>
+          <a:xfrm>
+            <a:off x="965915" y="1825625"/>
+            <a:ext cx="10387885" cy="4351338"/>
+          </a:xfrm>
+        </p:spPr>
+        <p:txBody>
+          <a:bodyPr/>
+          <a:lstStyle/>
+          <a:p>
+            <a:r>
+              <a:rPr lang="en-US" dirty="0" smtClean="0"/>
+              <a:t>Pattern: </a:t>
+            </a:r>
+            <a:r>
+              <a:rPr lang="en-US" dirty="0"/>
+              <a:t>”DE-LEVEL DEGREE (IN | OF) MAJOR”</a:t>
+            </a:r>
+          </a:p>
+          <a:p>
+            <a:endParaRPr lang="en-US" dirty="0" smtClean="0"/>
+          </a:p>
+          <a:p>
+            <a:r>
+              <a:rPr lang="en-US" dirty="0" err="1" smtClean="0"/>
+              <a:t>seqMatcher</a:t>
+            </a:r>
+            <a:r>
+              <a:rPr lang="en-US" dirty="0" smtClean="0"/>
+              <a:t> </a:t>
+            </a:r>
+            <a:r>
+              <a:rPr lang="en-US" dirty="0"/>
+              <a:t>= </a:t>
+            </a:r>
+            <a:r>
+              <a:rPr lang="en-US" dirty="0" err="1"/>
+              <a:t>UnitMatcher</a:t>
+            </a:r>
+            <a:r>
+              <a:rPr lang="en-US" dirty="0"/>
+              <a:t>(”DE-LEVEL”) </a:t>
+            </a:r>
+            <a:r>
+              <a:rPr lang="en-US" dirty="0" smtClean="0"/>
+              <a:t>+ </a:t>
+            </a:r>
+            <a:r>
+              <a:rPr lang="en-US" dirty="0" err="1" smtClean="0"/>
+              <a:t>UnitMatcher</a:t>
+            </a:r>
+            <a:r>
+              <a:rPr lang="en-US" dirty="0"/>
+              <a:t>(”DEGREE”) </a:t>
+            </a:r>
+            <a:r>
+              <a:rPr lang="en-US" dirty="0" smtClean="0"/>
+              <a:t>+ ( </a:t>
+            </a:r>
+            <a:r>
+              <a:rPr lang="en-US" dirty="0" err="1"/>
+              <a:t>UnitMatcher</a:t>
+            </a:r>
+            <a:r>
+              <a:rPr lang="en-US" dirty="0"/>
+              <a:t>(”IN”) | </a:t>
+            </a:r>
+            <a:r>
+              <a:rPr lang="en-US" dirty="0" err="1"/>
+              <a:t>UnitMatcher</a:t>
+            </a:r>
+            <a:r>
+              <a:rPr lang="en-US" dirty="0"/>
+              <a:t>(”OF” ) ) + </a:t>
+            </a:r>
+            <a:r>
+              <a:rPr lang="en-US" dirty="0" err="1"/>
+              <a:t>UnitMatcher</a:t>
+            </a:r>
+            <a:r>
+              <a:rPr lang="en-US" dirty="0"/>
+              <a:t>(”MAJOR”)</a:t>
+            </a:r>
+            <a:endParaRPr lang="en-US" dirty="0"/>
+          </a:p>
+        </p:txBody>
+      </p:sp>
+      <p:sp>
+        <p:nvSpPr>
           <p:cNvPr id="3" name="Title 2"/>
           <p:cNvSpPr>
             <a:spLocks noGrp="1"/>
@@ -7663,80 +8098,27 @@
           </a:xfrm>
         </p:spPr>
         <p:txBody>
-          <a:bodyPr/>
-          <a:lstStyle/>
-          <a:p>
-            <a:r>
-              <a:rPr lang="en-US" dirty="0" smtClean="0"/>
-              <a:t>Flexibility</a:t>
-            </a:r>
-            <a:endParaRPr lang="en-US" dirty="0"/>
-          </a:p>
-        </p:txBody>
-      </p:sp>
-      <p:pic>
-        <p:nvPicPr>
-          <p:cNvPr id="4" name="Content Placeholder 3"/>
-          <p:cNvPicPr>
-            <a:picLocks noGrp="1" noChangeAspect="1"/>
-          </p:cNvPicPr>
-          <p:nvPr>
-            <p:ph idx="1"/>
-          </p:nvPr>
-        </p:nvPicPr>
-        <p:blipFill>
-          <a:blip r:embed="rId2"/>
-          <a:stretch>
-            <a:fillRect/>
-          </a:stretch>
-        </p:blipFill>
-        <p:spPr>
-          <a:xfrm>
-            <a:off x="1562099" y="3310797"/>
-            <a:ext cx="9601200" cy="2076450"/>
-          </a:xfrm>
-          <a:prstGeom prst="rect">
-            <a:avLst/>
-          </a:prstGeom>
-        </p:spPr>
-      </p:pic>
-      <p:sp>
-        <p:nvSpPr>
-          <p:cNvPr id="5" name="Rectangle 4"/>
-          <p:cNvSpPr/>
-          <p:nvPr/>
-        </p:nvSpPr>
-        <p:spPr>
-          <a:xfrm>
-            <a:off x="1562099" y="1789021"/>
-            <a:ext cx="8869788" cy="1323439"/>
-          </a:xfrm>
-          <a:prstGeom prst="rect">
-            <a:avLst/>
-          </a:prstGeom>
-        </p:spPr>
-        <p:txBody>
-          <a:bodyPr wrap="square">
-            <a:spAutoFit/>
+          <a:bodyPr>
+            <a:normAutofit fontScale="90000"/>
           </a:bodyPr>
           <a:lstStyle/>
           <a:p>
             <a:r>
-              <a:rPr lang="en-US" sz="4000" dirty="0"/>
-              <a:t>customized </a:t>
-            </a:r>
-            <a:r>
-              <a:rPr lang="en-US" sz="4000" dirty="0" smtClean="0"/>
-              <a:t>in catch function and output function by lambda expression  </a:t>
-            </a:r>
-            <a:endParaRPr lang="en-US" sz="4000" dirty="0"/>
+              <a:rPr lang="en-US" dirty="0"/>
+              <a:t>Flexibility -- </a:t>
+            </a:r>
+            <a:r>
+              <a:rPr lang="en-US" dirty="0" smtClean="0"/>
+              <a:t>connected by algebra  operator</a:t>
+            </a:r>
+            <a:endParaRPr lang="en-US" dirty="0"/>
           </a:p>
         </p:txBody>
       </p:sp>
     </p:spTree>
     <p:extLst>
       <p:ext uri="{BB962C8B-B14F-4D97-AF65-F5344CB8AC3E}">
-        <p14:creationId xmlns:p14="http://schemas.microsoft.com/office/powerpoint/2010/main" val="3061939575"/>
+        <p14:creationId xmlns:p14="http://schemas.microsoft.com/office/powerpoint/2010/main" val="346801175"/>
       </p:ext>
     </p:extLst>
   </p:cSld>
@@ -7777,77 +8159,6 @@
       </p:grpSpPr>
       <p:sp>
         <p:nvSpPr>
-          <p:cNvPr id="2" name="Content Placeholder 1"/>
-          <p:cNvSpPr>
-            <a:spLocks noGrp="1"/>
-          </p:cNvSpPr>
-          <p:nvPr>
-            <p:ph idx="1"/>
-          </p:nvPr>
-        </p:nvSpPr>
-        <p:spPr/>
-        <p:txBody>
-          <a:bodyPr/>
-          <a:lstStyle/>
-          <a:p>
-            <a:r>
-              <a:rPr lang="en-US" dirty="0"/>
-              <a:t>lambda </a:t>
-            </a:r>
-            <a:r>
-              <a:rPr lang="en-US" dirty="0" smtClean="0"/>
-              <a:t>x:x[0] </a:t>
-            </a:r>
-            <a:r>
-              <a:rPr lang="en-US" dirty="0"/>
-              <a:t>– </a:t>
-            </a:r>
-            <a:r>
-              <a:rPr lang="en-US" dirty="0" smtClean="0"/>
-              <a:t>catch the original text</a:t>
-            </a:r>
-          </a:p>
-          <a:p>
-            <a:endParaRPr lang="en-US" dirty="0" smtClean="0"/>
-          </a:p>
-          <a:p>
-            <a:r>
-              <a:rPr lang="en-US" dirty="0" smtClean="0"/>
-              <a:t>lambda </a:t>
-            </a:r>
-            <a:r>
-              <a:rPr lang="en-US" dirty="0"/>
-              <a:t>x:x[2</a:t>
-            </a:r>
-            <a:r>
-              <a:rPr lang="en-US" dirty="0" smtClean="0"/>
-              <a:t>]   -- catch the first layer label </a:t>
-            </a:r>
-          </a:p>
-          <a:p>
-            <a:endParaRPr lang="en-US" dirty="0" smtClean="0"/>
-          </a:p>
-          <a:p>
-            <a:r>
-              <a:rPr lang="en-US" dirty="0" smtClean="0"/>
-              <a:t>lambda </a:t>
-            </a:r>
-            <a:r>
-              <a:rPr lang="en-US" dirty="0"/>
-              <a:t>x:x[1</a:t>
-            </a:r>
-            <a:r>
-              <a:rPr lang="en-US" dirty="0" smtClean="0"/>
-              <a:t>] – output the second layer label</a:t>
-            </a:r>
-          </a:p>
-          <a:p>
-            <a:endParaRPr lang="en-US" dirty="0"/>
-          </a:p>
-        </p:txBody>
-      </p:sp>
-      <p:sp>
-        <p:nvSpPr>
           <p:cNvPr id="3" name="Title 2"/>
           <p:cNvSpPr>
             <a:spLocks noGrp="1"/>
@@ -7863,12 +8174,161 @@
           </a:xfrm>
         </p:spPr>
         <p:txBody>
-          <a:bodyPr/>
+          <a:bodyPr>
+            <a:normAutofit/>
+          </a:bodyPr>
           <a:lstStyle/>
           <a:p>
             <a:r>
               <a:rPr lang="en-US" dirty="0"/>
-              <a:t>Flexibility</a:t>
+              <a:t>Flexibility </a:t>
+            </a:r>
+            <a:r>
+              <a:rPr lang="en-US" dirty="0" smtClean="0"/>
+              <a:t>– OO programming style</a:t>
+            </a:r>
+            <a:endParaRPr lang="en-US" dirty="0"/>
+          </a:p>
+        </p:txBody>
+      </p:sp>
+      <p:sp>
+        <p:nvSpPr>
+          <p:cNvPr id="2" name="Content Placeholder 1"/>
+          <p:cNvSpPr>
+            <a:spLocks noGrp="1"/>
+          </p:cNvSpPr>
+          <p:nvPr>
+            <p:ph idx="1"/>
+          </p:nvPr>
+        </p:nvSpPr>
+        <p:spPr>
+          <a:xfrm>
+            <a:off x="1249251" y="1825625"/>
+            <a:ext cx="10104549" cy="4351338"/>
+          </a:xfrm>
+        </p:spPr>
+        <p:txBody>
+          <a:bodyPr>
+            <a:normAutofit fontScale="92500"/>
+          </a:bodyPr>
+          <a:lstStyle/>
+          <a:p>
+            <a:r>
+              <a:rPr lang="en-US" dirty="0" smtClean="0"/>
+              <a:t>Pattern: </a:t>
+            </a:r>
+            <a:r>
+              <a:rPr lang="en-US" dirty="0"/>
+              <a:t>”DE-LEVEL DEGREE (IN | OF) MAJOR”</a:t>
+            </a:r>
+          </a:p>
+          <a:p>
+            <a:r>
+              <a:rPr lang="en-US" dirty="0" smtClean="0"/>
+              <a:t> </a:t>
+            </a:r>
+            <a:endParaRPr lang="en-US" dirty="0"/>
+          </a:p>
+          <a:p>
+            <a:r>
+              <a:rPr lang="en-US" dirty="0"/>
+              <a:t>matcher1 = </a:t>
+            </a:r>
+            <a:r>
+              <a:rPr lang="en-US" dirty="0" err="1"/>
+              <a:t>UnitMatcher</a:t>
+            </a:r>
+            <a:r>
+              <a:rPr lang="en-US" dirty="0"/>
+              <a:t>(”DE-LEVEL”)</a:t>
+            </a:r>
+          </a:p>
+          <a:p>
+            <a:r>
+              <a:rPr lang="en-US" dirty="0"/>
+              <a:t>matcher2 = </a:t>
+            </a:r>
+            <a:r>
+              <a:rPr lang="en-US" dirty="0" err="1"/>
+              <a:t>UnitMatcher</a:t>
+            </a:r>
+            <a:r>
+              <a:rPr lang="en-US" dirty="0"/>
+              <a:t>(”DEGREE”)</a:t>
+            </a:r>
+          </a:p>
+          <a:p>
+            <a:r>
+              <a:rPr lang="en-US" dirty="0"/>
+              <a:t>matcher3 = </a:t>
+            </a:r>
+            <a:r>
+              <a:rPr lang="en-US" dirty="0" err="1"/>
+              <a:t>UnitMatcher</a:t>
+            </a:r>
+            <a:r>
+              <a:rPr lang="en-US" dirty="0"/>
+              <a:t>(”IN”)</a:t>
+            </a:r>
+          </a:p>
+          <a:p>
+            <a:r>
+              <a:rPr lang="en-US" dirty="0"/>
+              <a:t>matcher4 = </a:t>
+            </a:r>
+            <a:r>
+              <a:rPr lang="en-US" dirty="0" err="1"/>
+              <a:t>UnitMatcher</a:t>
+            </a:r>
+            <a:r>
+              <a:rPr lang="en-US" dirty="0"/>
+              <a:t>(”OF”)</a:t>
+            </a:r>
+          </a:p>
+          <a:p>
+            <a:r>
+              <a:rPr lang="en-US" dirty="0"/>
+              <a:t>matcher5 = </a:t>
+            </a:r>
+            <a:r>
+              <a:rPr lang="en-US" dirty="0" err="1"/>
+              <a:t>UnitMatcher</a:t>
+            </a:r>
+            <a:r>
+              <a:rPr lang="en-US" dirty="0"/>
+              <a:t>(”MAJOR”)</a:t>
+            </a:r>
+          </a:p>
+          <a:p>
+            <a:r>
+              <a:rPr lang="en-US" dirty="0"/>
+              <a:t>matcher6 = </a:t>
+            </a:r>
+            <a:r>
+              <a:rPr lang="en-US" dirty="0" err="1"/>
+              <a:t>AlternateMatcher</a:t>
+            </a:r>
+            <a:r>
+              <a:rPr lang="en-US" dirty="0"/>
+              <a:t>([matcher3,matcher4])</a:t>
+            </a:r>
+          </a:p>
+          <a:p>
+            <a:r>
+              <a:rPr lang="en-US" dirty="0" err="1"/>
+              <a:t>seqMatcher</a:t>
+            </a:r>
+            <a:r>
+              <a:rPr lang="en-US" dirty="0"/>
+              <a:t> = </a:t>
+            </a:r>
+            <a:r>
+              <a:rPr lang="en-US" dirty="0" err="1"/>
+              <a:t>SeqMatcher</a:t>
+            </a:r>
+            <a:r>
+              <a:rPr lang="en-US" dirty="0"/>
+              <a:t>([matcher1, matcher2, matcher6, matcher5])</a:t>
             </a:r>
           </a:p>
         </p:txBody>
@@ -7876,7 +8336,7 @@
     </p:spTree>
     <p:extLst>
       <p:ext uri="{BB962C8B-B14F-4D97-AF65-F5344CB8AC3E}">
-        <p14:creationId xmlns:p14="http://schemas.microsoft.com/office/powerpoint/2010/main" val="4066664294"/>
+        <p14:creationId xmlns:p14="http://schemas.microsoft.com/office/powerpoint/2010/main" val="2796069335"/>
       </p:ext>
     </p:extLst>
   </p:cSld>
@@ -7917,45 +8377,6 @@
       </p:grpSpPr>
       <p:sp>
         <p:nvSpPr>
-          <p:cNvPr id="2" name="Content Placeholder 1"/>
-          <p:cNvSpPr>
-            <a:spLocks noGrp="1"/>
-          </p:cNvSpPr>
-          <p:nvPr>
-            <p:ph idx="1"/>
-          </p:nvPr>
-        </p:nvSpPr>
-        <p:spPr/>
-        <p:txBody>
-          <a:bodyPr/>
-          <a:lstStyle/>
-          <a:p>
-            <a:r>
-              <a:rPr lang="en-US" dirty="0" smtClean="0"/>
-              <a:t> Transfer the sentence from </a:t>
-            </a:r>
-          </a:p>
-          <a:p>
-            <a:r>
-              <a:rPr lang="en-US" dirty="0"/>
-              <a:t> </a:t>
-            </a:r>
-            <a:r>
-              <a:rPr lang="en-US" dirty="0" smtClean="0"/>
-              <a:t>Bachelors degree in computer science or information systems </a:t>
-            </a:r>
-          </a:p>
-          <a:p>
-            <a:r>
-              <a:rPr lang="en-US" dirty="0" smtClean="0"/>
-              <a:t>To </a:t>
-            </a:r>
-            <a:endParaRPr lang="en-US" dirty="0"/>
-          </a:p>
-        </p:txBody>
-      </p:sp>
-      <p:sp>
-        <p:nvSpPr>
           <p:cNvPr id="3" name="Title 2"/>
           <p:cNvSpPr>
             <a:spLocks noGrp="1"/>
@@ -7976,40 +8397,386 @@
           <a:p>
             <a:r>
               <a:rPr lang="en-US" dirty="0" smtClean="0"/>
-              <a:t>Processing the text </a:t>
+              <a:t>Flexibility</a:t>
             </a:r>
             <a:endParaRPr lang="en-US" dirty="0"/>
           </a:p>
         </p:txBody>
       </p:sp>
-      <p:pic>
-        <p:nvPicPr>
-          <p:cNvPr id="4" name="Content Placeholder 3"/>
-          <p:cNvPicPr>
-            <a:picLocks noChangeAspect="1"/>
-          </p:cNvPicPr>
+      <p:sp>
+        <p:nvSpPr>
+          <p:cNvPr id="5" name="Rectangle 4"/>
+          <p:cNvSpPr/>
           <p:nvPr/>
-        </p:nvPicPr>
-        <p:blipFill>
-          <a:blip r:embed="rId2"/>
-          <a:stretch>
-            <a:fillRect/>
-          </a:stretch>
-        </p:blipFill>
+        </p:nvSpPr>
         <p:spPr>
           <a:xfrm>
-            <a:off x="1752600" y="3452466"/>
-            <a:ext cx="9601200" cy="2076450"/>
+            <a:off x="1562099" y="1789021"/>
+            <a:ext cx="8869788" cy="1323439"/>
           </a:xfrm>
           <a:prstGeom prst="rect">
             <a:avLst/>
           </a:prstGeom>
         </p:spPr>
-      </p:pic>
+        <p:txBody>
+          <a:bodyPr wrap="square">
+            <a:spAutoFit/>
+          </a:bodyPr>
+          <a:lstStyle/>
+          <a:p>
+            <a:r>
+              <a:rPr lang="en-US" sz="4000" dirty="0"/>
+              <a:t>customized </a:t>
+            </a:r>
+            <a:r>
+              <a:rPr lang="en-US" sz="4000" dirty="0" smtClean="0"/>
+              <a:t>in catch function and output function by lambda expression  </a:t>
+            </a:r>
+            <a:endParaRPr lang="en-US" sz="4000" dirty="0"/>
+          </a:p>
+        </p:txBody>
+      </p:sp>
+      <p:graphicFrame>
+        <p:nvGraphicFramePr>
+          <p:cNvPr id="6" name="Table 5"/>
+          <p:cNvGraphicFramePr>
+            <a:graphicFrameLocks noGrp="1"/>
+          </p:cNvGraphicFramePr>
+          <p:nvPr>
+            <p:extLst>
+              <p:ext uri="{D42A27DB-BD31-4B8C-83A1-F6EECF244321}">
+                <p14:modId xmlns:p14="http://schemas.microsoft.com/office/powerpoint/2010/main" val="1442511313"/>
+              </p:ext>
+            </p:extLst>
+          </p:nvPr>
+        </p:nvGraphicFramePr>
+        <p:xfrm>
+          <a:off x="1411306" y="3687102"/>
+          <a:ext cx="9942494" cy="1737360"/>
+        </p:xfrm>
+        <a:graphic>
+          <a:graphicData uri="http://schemas.openxmlformats.org/drawingml/2006/table">
+            <a:tbl>
+              <a:tblPr firstRow="1" bandRow="1">
+                <a:tableStyleId>{5940675A-B579-460E-94D1-54222C63F5DA}</a:tableStyleId>
+              </a:tblPr>
+              <a:tblGrid>
+                <a:gridCol w="1875587"/>
+                <a:gridCol w="1176710"/>
+                <a:gridCol w="592428"/>
+                <a:gridCol w="2472744"/>
+                <a:gridCol w="708338"/>
+                <a:gridCol w="2356833"/>
+                <a:gridCol w="759854"/>
+              </a:tblGrid>
+              <a:tr h="370840">
+                <a:tc>
+                  <a:txBody>
+                    <a:bodyPr/>
+                    <a:lstStyle/>
+                    <a:p>
+                      <a:r>
+                        <a:rPr lang="en-US" sz="2400" dirty="0" smtClean="0"/>
+                        <a:t>DE_LEVEL</a:t>
+                      </a:r>
+                      <a:endParaRPr lang="en-US" sz="2400" dirty="0"/>
+                    </a:p>
+                  </a:txBody>
+                  <a:tcPr/>
+                </a:tc>
+                <a:tc>
+                  <a:txBody>
+                    <a:bodyPr/>
+                    <a:lstStyle/>
+                    <a:p>
+                      <a:r>
+                        <a:rPr lang="en-US" sz="2400" dirty="0" smtClean="0"/>
+                        <a:t>DEGREE </a:t>
+                      </a:r>
+                      <a:endParaRPr lang="en-US" sz="2400" dirty="0"/>
+                    </a:p>
+                  </a:txBody>
+                  <a:tcPr/>
+                </a:tc>
+                <a:tc>
+                  <a:txBody>
+                    <a:bodyPr/>
+                    <a:lstStyle/>
+                    <a:p>
+                      <a:r>
+                        <a:rPr lang="en-US" sz="2400" dirty="0" smtClean="0"/>
+                        <a:t>IN</a:t>
+                      </a:r>
+                      <a:endParaRPr lang="en-US" sz="2400" dirty="0"/>
+                    </a:p>
+                  </a:txBody>
+                  <a:tcPr/>
+                </a:tc>
+                <a:tc>
+                  <a:txBody>
+                    <a:bodyPr/>
+                    <a:lstStyle/>
+                    <a:p>
+                      <a:r>
+                        <a:rPr lang="en-US" sz="2400" dirty="0" smtClean="0"/>
+                        <a:t>MAJOR</a:t>
+                      </a:r>
+                      <a:endParaRPr lang="en-US" sz="2400" dirty="0"/>
+                    </a:p>
+                  </a:txBody>
+                  <a:tcPr/>
+                </a:tc>
+                <a:tc>
+                  <a:txBody>
+                    <a:bodyPr/>
+                    <a:lstStyle/>
+                    <a:p>
+                      <a:r>
+                        <a:rPr lang="en-US" sz="2400" dirty="0" smtClean="0"/>
+                        <a:t>OR</a:t>
+                      </a:r>
+                      <a:endParaRPr lang="en-US" sz="2400" dirty="0"/>
+                    </a:p>
+                  </a:txBody>
+                  <a:tcPr/>
+                </a:tc>
+                <a:tc>
+                  <a:txBody>
+                    <a:bodyPr/>
+                    <a:lstStyle/>
+                    <a:p>
+                      <a:r>
+                        <a:rPr lang="en-US" sz="2400" dirty="0" smtClean="0"/>
+                        <a:t>MAJOR</a:t>
+                      </a:r>
+                      <a:endParaRPr lang="en-US" sz="2400" dirty="0"/>
+                    </a:p>
+                  </a:txBody>
+                  <a:tcPr/>
+                </a:tc>
+                <a:tc>
+                  <a:txBody>
+                    <a:bodyPr/>
+                    <a:lstStyle/>
+                    <a:p>
+                      <a:r>
+                        <a:rPr lang="en-US" sz="2400" dirty="0" smtClean="0"/>
+                        <a:t>.</a:t>
+                      </a:r>
+                      <a:endParaRPr lang="en-US" sz="2400" dirty="0"/>
+                    </a:p>
+                  </a:txBody>
+                  <a:tcPr/>
+                </a:tc>
+              </a:tr>
+              <a:tr h="370840">
+                <a:tc>
+                  <a:txBody>
+                    <a:bodyPr/>
+                    <a:lstStyle/>
+                    <a:p>
+                      <a:r>
+                        <a:rPr lang="en-US" sz="2400" dirty="0" smtClean="0"/>
+                        <a:t>BS_LEVEL</a:t>
+                      </a:r>
+                      <a:endParaRPr lang="en-US" sz="2400" dirty="0"/>
+                    </a:p>
+                  </a:txBody>
+                  <a:tcPr/>
+                </a:tc>
+                <a:tc>
+                  <a:txBody>
+                    <a:bodyPr/>
+                    <a:lstStyle/>
+                    <a:p>
+                      <a:r>
+                        <a:rPr lang="en-US" sz="2400" dirty="0" smtClean="0"/>
+                        <a:t>DEGREE</a:t>
+                      </a:r>
+                      <a:endParaRPr lang="en-US" sz="2400" dirty="0"/>
+                    </a:p>
+                  </a:txBody>
+                  <a:tcPr/>
+                </a:tc>
+                <a:tc>
+                  <a:txBody>
+                    <a:bodyPr/>
+                    <a:lstStyle/>
+                    <a:p>
+                      <a:r>
+                        <a:rPr lang="en-US" sz="2400" dirty="0" smtClean="0"/>
+                        <a:t>IN</a:t>
+                      </a:r>
+                      <a:endParaRPr lang="en-US" sz="2400" dirty="0"/>
+                    </a:p>
+                  </a:txBody>
+                  <a:tcPr/>
+                </a:tc>
+                <a:tc>
+                  <a:txBody>
+                    <a:bodyPr/>
+                    <a:lstStyle/>
+                    <a:p>
+                      <a:r>
+                        <a:rPr lang="en-US" sz="2400" dirty="0" smtClean="0"/>
+                        <a:t>MAJOR_CS</a:t>
+                      </a:r>
+                      <a:endParaRPr lang="en-US" sz="2400" dirty="0"/>
+                    </a:p>
+                  </a:txBody>
+                  <a:tcPr/>
+                </a:tc>
+                <a:tc>
+                  <a:txBody>
+                    <a:bodyPr/>
+                    <a:lstStyle/>
+                    <a:p>
+                      <a:r>
+                        <a:rPr lang="en-US" sz="2400" dirty="0" smtClean="0"/>
+                        <a:t>OR</a:t>
+                      </a:r>
+                      <a:endParaRPr lang="en-US" sz="2400" dirty="0"/>
+                    </a:p>
+                  </a:txBody>
+                  <a:tcPr/>
+                </a:tc>
+                <a:tc>
+                  <a:txBody>
+                    <a:bodyPr/>
+                    <a:lstStyle/>
+                    <a:p>
+                      <a:r>
+                        <a:rPr lang="en-US" sz="2400" dirty="0" smtClean="0"/>
+                        <a:t>MAJOR_INFO</a:t>
+                      </a:r>
+                      <a:endParaRPr lang="en-US" sz="2400" dirty="0"/>
+                    </a:p>
+                  </a:txBody>
+                  <a:tcPr/>
+                </a:tc>
+                <a:tc>
+                  <a:txBody>
+                    <a:bodyPr/>
+                    <a:lstStyle/>
+                    <a:p>
+                      <a:r>
+                        <a:rPr lang="en-US" sz="2400" dirty="0" smtClean="0"/>
+                        <a:t>.</a:t>
+                      </a:r>
+                      <a:endParaRPr lang="en-US" sz="2400" dirty="0"/>
+                    </a:p>
+                  </a:txBody>
+                  <a:tcPr/>
+                </a:tc>
+              </a:tr>
+              <a:tr h="370840">
+                <a:tc>
+                  <a:txBody>
+                    <a:bodyPr/>
+                    <a:lstStyle/>
+                    <a:p>
+                      <a:r>
+                        <a:rPr lang="en-US" sz="2400" dirty="0" smtClean="0"/>
+                        <a:t>bachelors</a:t>
+                      </a:r>
+                      <a:endParaRPr lang="en-US" sz="2400" dirty="0"/>
+                    </a:p>
+                  </a:txBody>
+                  <a:tcPr/>
+                </a:tc>
+                <a:tc>
+                  <a:txBody>
+                    <a:bodyPr/>
+                    <a:lstStyle/>
+                    <a:p>
+                      <a:r>
+                        <a:rPr lang="en-US" sz="2400" dirty="0" smtClean="0"/>
+                        <a:t>degree</a:t>
+                      </a:r>
+                      <a:endParaRPr lang="en-US" sz="2400" dirty="0"/>
+                    </a:p>
+                  </a:txBody>
+                  <a:tcPr/>
+                </a:tc>
+                <a:tc>
+                  <a:txBody>
+                    <a:bodyPr/>
+                    <a:lstStyle/>
+                    <a:p>
+                      <a:r>
+                        <a:rPr lang="en-US" sz="2400" dirty="0" smtClean="0"/>
+                        <a:t>in</a:t>
+                      </a:r>
+                      <a:endParaRPr lang="en-US" sz="2400" dirty="0"/>
+                    </a:p>
+                  </a:txBody>
+                  <a:tcPr/>
+                </a:tc>
+                <a:tc>
+                  <a:txBody>
+                    <a:bodyPr/>
+                    <a:lstStyle/>
+                    <a:p>
+                      <a:r>
+                        <a:rPr lang="en-US" sz="2400" dirty="0" smtClean="0"/>
+                        <a:t>Computer Science</a:t>
+                      </a:r>
+                      <a:endParaRPr lang="en-US" sz="2400" dirty="0"/>
+                    </a:p>
+                  </a:txBody>
+                  <a:tcPr/>
+                </a:tc>
+                <a:tc>
+                  <a:txBody>
+                    <a:bodyPr/>
+                    <a:lstStyle/>
+                    <a:p>
+                      <a:r>
+                        <a:rPr lang="en-US" sz="2400" dirty="0" smtClean="0"/>
+                        <a:t>or</a:t>
+                      </a:r>
+                      <a:endParaRPr lang="en-US" sz="2400" dirty="0"/>
+                    </a:p>
+                  </a:txBody>
+                  <a:tcPr/>
+                </a:tc>
+                <a:tc>
+                  <a:txBody>
+                    <a:bodyPr/>
+                    <a:lstStyle/>
+                    <a:p>
+                      <a:r>
+                        <a:rPr lang="en-US" sz="2400" dirty="0" smtClean="0"/>
+                        <a:t>Information Systems</a:t>
+                      </a:r>
+                      <a:endParaRPr lang="en-US" sz="2400" dirty="0"/>
+                    </a:p>
+                  </a:txBody>
+                  <a:tcPr/>
+                </a:tc>
+                <a:tc>
+                  <a:txBody>
+                    <a:bodyPr/>
+                    <a:lstStyle/>
+                    <a:p>
+                      <a:r>
+                        <a:rPr lang="en-US" sz="2400" dirty="0" smtClean="0"/>
+                        <a:t>.</a:t>
+                      </a:r>
+                      <a:endParaRPr lang="en-US" sz="2400" dirty="0"/>
+                    </a:p>
+                  </a:txBody>
+                  <a:tcPr/>
+                </a:tc>
+              </a:tr>
+            </a:tbl>
+          </a:graphicData>
+        </a:graphic>
+      </p:graphicFrame>
     </p:spTree>
     <p:extLst>
       <p:ext uri="{BB962C8B-B14F-4D97-AF65-F5344CB8AC3E}">
-        <p14:creationId xmlns:p14="http://schemas.microsoft.com/office/powerpoint/2010/main" val="3842646551"/>
+        <p14:creationId xmlns:p14="http://schemas.microsoft.com/office/powerpoint/2010/main" val="3061939575"/>
       </p:ext>
     </p:extLst>
   </p:cSld>
@@ -8050,6 +8817,77 @@
       </p:grpSpPr>
       <p:sp>
         <p:nvSpPr>
+          <p:cNvPr id="2" name="Content Placeholder 1"/>
+          <p:cNvSpPr>
+            <a:spLocks noGrp="1"/>
+          </p:cNvSpPr>
+          <p:nvPr>
+            <p:ph idx="1"/>
+          </p:nvPr>
+        </p:nvSpPr>
+        <p:spPr/>
+        <p:txBody>
+          <a:bodyPr/>
+          <a:lstStyle/>
+          <a:p>
+            <a:r>
+              <a:rPr lang="en-US" dirty="0"/>
+              <a:t>lambda </a:t>
+            </a:r>
+            <a:r>
+              <a:rPr lang="en-US" dirty="0" smtClean="0"/>
+              <a:t>x:x[0] </a:t>
+            </a:r>
+            <a:r>
+              <a:rPr lang="en-US" dirty="0"/>
+              <a:t>– </a:t>
+            </a:r>
+            <a:r>
+              <a:rPr lang="en-US" dirty="0" smtClean="0"/>
+              <a:t>catch the original text</a:t>
+            </a:r>
+          </a:p>
+          <a:p>
+            <a:endParaRPr lang="en-US" dirty="0" smtClean="0"/>
+          </a:p>
+          <a:p>
+            <a:r>
+              <a:rPr lang="en-US" dirty="0" smtClean="0"/>
+              <a:t>lambda </a:t>
+            </a:r>
+            <a:r>
+              <a:rPr lang="en-US" dirty="0"/>
+              <a:t>x:x[2</a:t>
+            </a:r>
+            <a:r>
+              <a:rPr lang="en-US" dirty="0" smtClean="0"/>
+              <a:t>]   -- catch the first layer label </a:t>
+            </a:r>
+          </a:p>
+          <a:p>
+            <a:endParaRPr lang="en-US" dirty="0" smtClean="0"/>
+          </a:p>
+          <a:p>
+            <a:r>
+              <a:rPr lang="en-US" dirty="0" smtClean="0"/>
+              <a:t>lambda </a:t>
+            </a:r>
+            <a:r>
+              <a:rPr lang="en-US" dirty="0"/>
+              <a:t>x:x[1</a:t>
+            </a:r>
+            <a:r>
+              <a:rPr lang="en-US" dirty="0" smtClean="0"/>
+              <a:t>] – output the second layer label</a:t>
+            </a:r>
+          </a:p>
+          <a:p>
+            <a:endParaRPr lang="en-US" dirty="0"/>
+          </a:p>
+        </p:txBody>
+      </p:sp>
+      <p:sp>
+        <p:nvSpPr>
           <p:cNvPr id="3" name="Title 2"/>
           <p:cNvSpPr>
             <a:spLocks noGrp="1"/>
@@ -8070,11 +8908,293 @@
           <a:p>
             <a:r>
               <a:rPr lang="en-US" dirty="0" smtClean="0"/>
-              <a:t>Similarity between </a:t>
-            </a:r>
-            <a:r>
-              <a:rPr lang="en-US" dirty="0" smtClean="0"/>
-              <a:t>Skills</a:t>
+              <a:t>Flexibility – Lambda expression </a:t>
+            </a:r>
+            <a:endParaRPr lang="en-US" dirty="0"/>
+          </a:p>
+        </p:txBody>
+      </p:sp>
+    </p:spTree>
+    <p:extLst>
+      <p:ext uri="{BB962C8B-B14F-4D97-AF65-F5344CB8AC3E}">
+        <p14:creationId xmlns:p14="http://schemas.microsoft.com/office/powerpoint/2010/main" val="4066664294"/>
+      </p:ext>
+    </p:extLst>
+  </p:cSld>
+  <p:clrMapOvr>
+    <a:masterClrMapping/>
+  </p:clrMapOvr>
+  <mc:AlternateContent xmlns:mc="http://schemas.openxmlformats.org/markup-compatibility/2006" xmlns:p14="http://schemas.microsoft.com/office/powerpoint/2010/main">
+    <mc:Choice Requires="p14">
+      <p:transition spd="med" p14:dur="700">
+        <p:fade/>
+      </p:transition>
+    </mc:Choice>
+    <mc:Fallback xmlns="">
+      <p:transition spd="med">
+        <p:fade/>
+      </p:transition>
+    </mc:Fallback>
+  </mc:AlternateContent>
+</p:sld>
+</file>
+
+<file path=ppt/slides/slide3.xml><?xml version="1.0" encoding="utf-8"?>
+<p:sld xmlns:a="http://schemas.openxmlformats.org/drawingml/2006/main" xmlns:r="http://schemas.openxmlformats.org/officeDocument/2006/relationships" xmlns:p="http://schemas.openxmlformats.org/presentationml/2006/main">
+  <p:cSld>
+    <p:spTree>
+      <p:nvGrpSpPr>
+        <p:cNvPr id="1" name=""/>
+        <p:cNvGrpSpPr/>
+        <p:nvPr/>
+      </p:nvGrpSpPr>
+      <p:grpSpPr>
+        <a:xfrm>
+          <a:off x="0" y="0"/>
+          <a:ext cx="0" cy="0"/>
+          <a:chOff x="0" y="0"/>
+          <a:chExt cx="0" cy="0"/>
+        </a:xfrm>
+      </p:grpSpPr>
+      <p:pic>
+        <p:nvPicPr>
+          <p:cNvPr id="4" name="Content Placeholder 3"/>
+          <p:cNvPicPr>
+            <a:picLocks noGrp="1" noChangeAspect="1"/>
+          </p:cNvPicPr>
+          <p:nvPr>
+            <p:ph idx="1"/>
+          </p:nvPr>
+        </p:nvPicPr>
+        <p:blipFill>
+          <a:blip r:embed="rId2"/>
+          <a:stretch>
+            <a:fillRect/>
+          </a:stretch>
+        </p:blipFill>
+        <p:spPr>
+          <a:xfrm>
+            <a:off x="965915" y="1690688"/>
+            <a:ext cx="8532525" cy="1065134"/>
+          </a:xfrm>
+          <a:prstGeom prst="rect">
+            <a:avLst/>
+          </a:prstGeom>
+        </p:spPr>
+      </p:pic>
+      <p:sp>
+        <p:nvSpPr>
+          <p:cNvPr id="3" name="Title 2"/>
+          <p:cNvSpPr>
+            <a:spLocks noGrp="1"/>
+          </p:cNvSpPr>
+          <p:nvPr>
+            <p:ph type="title"/>
+          </p:nvPr>
+        </p:nvSpPr>
+        <p:spPr>
+          <a:xfrm>
+            <a:off x="965915" y="365125"/>
+            <a:ext cx="10387885" cy="1325563"/>
+          </a:xfrm>
+        </p:spPr>
+        <p:txBody>
+          <a:bodyPr/>
+          <a:lstStyle/>
+          <a:p>
+            <a:r>
+              <a:rPr lang="en-US" dirty="0" smtClean="0"/>
+              <a:t>They all use keyword Searching</a:t>
+            </a:r>
+            <a:endParaRPr lang="en-US" dirty="0"/>
+          </a:p>
+        </p:txBody>
+      </p:sp>
+      <p:pic>
+        <p:nvPicPr>
+          <p:cNvPr id="5" name="Picture 4"/>
+          <p:cNvPicPr>
+            <a:picLocks noChangeAspect="1"/>
+          </p:cNvPicPr>
+          <p:nvPr/>
+        </p:nvPicPr>
+        <p:blipFill>
+          <a:blip r:embed="rId3"/>
+          <a:stretch>
+            <a:fillRect/>
+          </a:stretch>
+        </p:blipFill>
+        <p:spPr>
+          <a:xfrm>
+            <a:off x="965915" y="3016251"/>
+            <a:ext cx="7867650" cy="885825"/>
+          </a:xfrm>
+          <a:prstGeom prst="rect">
+            <a:avLst/>
+          </a:prstGeom>
+        </p:spPr>
+      </p:pic>
+      <p:pic>
+        <p:nvPicPr>
+          <p:cNvPr id="6" name="Picture 5"/>
+          <p:cNvPicPr>
+            <a:picLocks noChangeAspect="1"/>
+          </p:cNvPicPr>
+          <p:nvPr/>
+        </p:nvPicPr>
+        <p:blipFill>
+          <a:blip r:embed="rId4"/>
+          <a:stretch>
+            <a:fillRect/>
+          </a:stretch>
+        </p:blipFill>
+        <p:spPr>
+          <a:xfrm>
+            <a:off x="965915" y="4756127"/>
+            <a:ext cx="8077200" cy="771525"/>
+          </a:xfrm>
+          <a:prstGeom prst="rect">
+            <a:avLst/>
+          </a:prstGeom>
+        </p:spPr>
+      </p:pic>
+    </p:spTree>
+    <p:extLst>
+      <p:ext uri="{BB962C8B-B14F-4D97-AF65-F5344CB8AC3E}">
+        <p14:creationId xmlns:p14="http://schemas.microsoft.com/office/powerpoint/2010/main" val="2094245540"/>
+      </p:ext>
+    </p:extLst>
+  </p:cSld>
+  <p:clrMapOvr>
+    <a:masterClrMapping/>
+  </p:clrMapOvr>
+  <mc:AlternateContent xmlns:mc="http://schemas.openxmlformats.org/markup-compatibility/2006" xmlns:p14="http://schemas.microsoft.com/office/powerpoint/2010/main">
+    <mc:Choice Requires="p14">
+      <p:transition spd="med" p14:dur="700">
+        <p:fade/>
+      </p:transition>
+    </mc:Choice>
+    <mc:Fallback xmlns="">
+      <p:transition spd="med">
+        <p:fade/>
+      </p:transition>
+    </mc:Fallback>
+  </mc:AlternateContent>
+</p:sld>
+</file>
+
+<file path=ppt/slides/slide30.xml><?xml version="1.0" encoding="utf-8"?>
+<p:sld xmlns:a="http://schemas.openxmlformats.org/drawingml/2006/main" xmlns:r="http://schemas.openxmlformats.org/officeDocument/2006/relationships" xmlns:p="http://schemas.openxmlformats.org/presentationml/2006/main">
+  <p:cSld>
+    <p:spTree>
+      <p:nvGrpSpPr>
+        <p:cNvPr id="1" name=""/>
+        <p:cNvGrpSpPr/>
+        <p:nvPr/>
+      </p:nvGrpSpPr>
+      <p:grpSpPr>
+        <a:xfrm>
+          <a:off x="0" y="0"/>
+          <a:ext cx="0" cy="0"/>
+          <a:chOff x="0" y="0"/>
+          <a:chExt cx="0" cy="0"/>
+        </a:xfrm>
+      </p:grpSpPr>
+      <p:sp>
+        <p:nvSpPr>
+          <p:cNvPr id="3" name="Title 2"/>
+          <p:cNvSpPr>
+            <a:spLocks noGrp="1"/>
+          </p:cNvSpPr>
+          <p:nvPr>
+            <p:ph type="title"/>
+          </p:nvPr>
+        </p:nvSpPr>
+        <p:spPr>
+          <a:xfrm>
+            <a:off x="1652252" y="2490139"/>
+            <a:ext cx="9791700" cy="1325563"/>
+          </a:xfrm>
+        </p:spPr>
+        <p:txBody>
+          <a:bodyPr>
+            <a:normAutofit/>
+          </a:bodyPr>
+          <a:lstStyle/>
+          <a:p>
+            <a:r>
+              <a:rPr lang="en-US" sz="5400" dirty="0" smtClean="0"/>
+              <a:t>Similarity Calculation </a:t>
+            </a:r>
+            <a:endParaRPr lang="en-US" sz="5400" dirty="0"/>
+          </a:p>
+        </p:txBody>
+      </p:sp>
+    </p:spTree>
+    <p:extLst>
+      <p:ext uri="{BB962C8B-B14F-4D97-AF65-F5344CB8AC3E}">
+        <p14:creationId xmlns:p14="http://schemas.microsoft.com/office/powerpoint/2010/main" val="4289674713"/>
+      </p:ext>
+    </p:extLst>
+  </p:cSld>
+  <p:clrMapOvr>
+    <a:masterClrMapping/>
+  </p:clrMapOvr>
+  <mc:AlternateContent xmlns:mc="http://schemas.openxmlformats.org/markup-compatibility/2006" xmlns:p14="http://schemas.microsoft.com/office/powerpoint/2010/main">
+    <mc:Choice Requires="p14">
+      <p:transition spd="med" p14:dur="700">
+        <p:fade/>
+      </p:transition>
+    </mc:Choice>
+    <mc:Fallback xmlns="">
+      <p:transition spd="med">
+        <p:fade/>
+      </p:transition>
+    </mc:Fallback>
+  </mc:AlternateContent>
+</p:sld>
+</file>
+
+<file path=ppt/slides/slide31.xml><?xml version="1.0" encoding="utf-8"?>
+<p:sld xmlns:a="http://schemas.openxmlformats.org/drawingml/2006/main" xmlns:r="http://schemas.openxmlformats.org/officeDocument/2006/relationships" xmlns:p="http://schemas.openxmlformats.org/presentationml/2006/main">
+  <p:cSld>
+    <p:spTree>
+      <p:nvGrpSpPr>
+        <p:cNvPr id="1" name=""/>
+        <p:cNvGrpSpPr/>
+        <p:nvPr/>
+      </p:nvGrpSpPr>
+      <p:grpSpPr>
+        <a:xfrm>
+          <a:off x="0" y="0"/>
+          <a:ext cx="0" cy="0"/>
+          <a:chOff x="0" y="0"/>
+          <a:chExt cx="0" cy="0"/>
+        </a:xfrm>
+      </p:grpSpPr>
+      <p:sp>
+        <p:nvSpPr>
+          <p:cNvPr id="3" name="Title 2"/>
+          <p:cNvSpPr>
+            <a:spLocks noGrp="1"/>
+          </p:cNvSpPr>
+          <p:nvPr>
+            <p:ph type="title"/>
+          </p:nvPr>
+        </p:nvSpPr>
+        <p:spPr>
+          <a:xfrm>
+            <a:off x="1562100" y="365125"/>
+            <a:ext cx="9791700" cy="1325563"/>
+          </a:xfrm>
+        </p:spPr>
+        <p:txBody>
+          <a:bodyPr/>
+          <a:lstStyle/>
+          <a:p>
+            <a:r>
+              <a:rPr lang="en-US" dirty="0" smtClean="0"/>
+              <a:t>Resume and Job Description</a:t>
             </a:r>
             <a:endParaRPr lang="en-US" dirty="0"/>
           </a:p>
@@ -8273,7 +9393,457 @@
 </p:sld>
 </file>
 
-<file path=ppt/slides/slide3.xml><?xml version="1.0" encoding="utf-8"?>
+<file path=ppt/slides/slide32.xml><?xml version="1.0" encoding="utf-8"?>
+<p:sld xmlns:a="http://schemas.openxmlformats.org/drawingml/2006/main" xmlns:r="http://schemas.openxmlformats.org/officeDocument/2006/relationships" xmlns:p="http://schemas.openxmlformats.org/presentationml/2006/main">
+  <p:cSld>
+    <p:spTree>
+      <p:nvGrpSpPr>
+        <p:cNvPr id="1" name=""/>
+        <p:cNvGrpSpPr/>
+        <p:nvPr/>
+      </p:nvGrpSpPr>
+      <p:grpSpPr>
+        <a:xfrm>
+          <a:off x="0" y="0"/>
+          <a:ext cx="0" cy="0"/>
+          <a:chOff x="0" y="0"/>
+          <a:chExt cx="0" cy="0"/>
+        </a:xfrm>
+      </p:grpSpPr>
+      <p:sp>
+        <p:nvSpPr>
+          <p:cNvPr id="2" name="Content Placeholder 1"/>
+          <p:cNvSpPr>
+            <a:spLocks noGrp="1"/>
+          </p:cNvSpPr>
+          <p:nvPr>
+            <p:ph idx="1"/>
+          </p:nvPr>
+        </p:nvSpPr>
+        <p:spPr/>
+        <p:txBody>
+          <a:bodyPr/>
+          <a:lstStyle/>
+          <a:p>
+            <a:r>
+              <a:rPr lang="en-US" dirty="0" smtClean="0"/>
+              <a:t> </a:t>
+            </a:r>
+            <a:r>
+              <a:rPr lang="en-US" dirty="0"/>
+              <a:t>A high-level language such as Java, Groovy, Ruby or Python; we use Java and Groovy extensively</a:t>
+            </a:r>
+          </a:p>
+          <a:p>
+            <a:endParaRPr lang="en-US" dirty="0"/>
+          </a:p>
+          <a:p>
+            <a:r>
+              <a:rPr lang="en-US" dirty="0"/>
+              <a:t>HTML5/CSS3/JavaScript, web standards, jQuery or frameworks like </a:t>
+            </a:r>
+            <a:r>
+              <a:rPr lang="en-US" dirty="0" err="1"/>
+              <a:t>AngularJS</a:t>
+            </a:r>
+            <a:r>
+              <a:rPr lang="en-US" dirty="0"/>
+              <a:t> would be great</a:t>
+            </a:r>
+          </a:p>
+          <a:p>
+            <a:endParaRPr lang="en-US" dirty="0"/>
+          </a:p>
+          <a:p>
+            <a:r>
+              <a:rPr lang="en-US" dirty="0"/>
+              <a:t>HTML CSS and </a:t>
+            </a:r>
+            <a:r>
+              <a:rPr lang="en-US" dirty="0" err="1"/>
+              <a:t>Javascript</a:t>
+            </a:r>
+            <a:r>
+              <a:rPr lang="en-US" dirty="0"/>
+              <a:t> a must 4. Experience with AJAX, XML, XSL, XSLT, CSS, JavaScript, JQuery, HTML and Web Services</a:t>
+            </a:r>
+          </a:p>
+          <a:p>
+            <a:endParaRPr lang="en-US" dirty="0"/>
+          </a:p>
+          <a:p>
+            <a:endParaRPr lang="en-US" dirty="0"/>
+          </a:p>
+        </p:txBody>
+      </p:sp>
+      <p:sp>
+        <p:nvSpPr>
+          <p:cNvPr id="3" name="Title 2"/>
+          <p:cNvSpPr>
+            <a:spLocks noGrp="1"/>
+          </p:cNvSpPr>
+          <p:nvPr>
+            <p:ph type="title"/>
+          </p:nvPr>
+        </p:nvSpPr>
+        <p:spPr>
+          <a:xfrm>
+            <a:off x="1562100" y="365125"/>
+            <a:ext cx="9791700" cy="1325563"/>
+          </a:xfrm>
+        </p:spPr>
+        <p:txBody>
+          <a:bodyPr/>
+          <a:lstStyle/>
+          <a:p>
+            <a:r>
+              <a:rPr lang="en-US" dirty="0"/>
+              <a:t>How to </a:t>
+            </a:r>
+            <a:r>
+              <a:rPr lang="en-US" dirty="0" smtClean="0"/>
+              <a:t>Find </a:t>
+            </a:r>
+            <a:r>
+              <a:rPr lang="en-US" dirty="0"/>
+              <a:t>terms in </a:t>
+            </a:r>
+            <a:r>
+              <a:rPr lang="en-US" dirty="0" smtClean="0"/>
+              <a:t>Job Description </a:t>
+            </a:r>
+            <a:endParaRPr lang="en-US" dirty="0"/>
+          </a:p>
+        </p:txBody>
+      </p:sp>
+    </p:spTree>
+    <p:extLst>
+      <p:ext uri="{BB962C8B-B14F-4D97-AF65-F5344CB8AC3E}">
+        <p14:creationId xmlns:p14="http://schemas.microsoft.com/office/powerpoint/2010/main" val="2854701765"/>
+      </p:ext>
+    </p:extLst>
+  </p:cSld>
+  <p:clrMapOvr>
+    <a:masterClrMapping/>
+  </p:clrMapOvr>
+  <mc:AlternateContent xmlns:mc="http://schemas.openxmlformats.org/markup-compatibility/2006" xmlns:p14="http://schemas.microsoft.com/office/powerpoint/2010/main">
+    <mc:Choice Requires="p14">
+      <p:transition spd="med" p14:dur="700">
+        <p:fade/>
+      </p:transition>
+    </mc:Choice>
+    <mc:Fallback xmlns="">
+      <p:transition spd="med">
+        <p:fade/>
+      </p:transition>
+    </mc:Fallback>
+  </mc:AlternateContent>
+</p:sld>
+</file>
+
+<file path=ppt/slides/slide33.xml><?xml version="1.0" encoding="utf-8"?>
+<p:sld xmlns:a="http://schemas.openxmlformats.org/drawingml/2006/main" xmlns:r="http://schemas.openxmlformats.org/officeDocument/2006/relationships" xmlns:p="http://schemas.openxmlformats.org/presentationml/2006/main">
+  <p:cSld>
+    <p:spTree>
+      <p:nvGrpSpPr>
+        <p:cNvPr id="1" name=""/>
+        <p:cNvGrpSpPr/>
+        <p:nvPr/>
+      </p:nvGrpSpPr>
+      <p:grpSpPr>
+        <a:xfrm>
+          <a:off x="0" y="0"/>
+          <a:ext cx="0" cy="0"/>
+          <a:chOff x="0" y="0"/>
+          <a:chExt cx="0" cy="0"/>
+        </a:xfrm>
+      </p:grpSpPr>
+      <p:sp>
+        <p:nvSpPr>
+          <p:cNvPr id="2" name="Content Placeholder 1"/>
+          <p:cNvSpPr>
+            <a:spLocks noGrp="1"/>
+          </p:cNvSpPr>
+          <p:nvPr>
+            <p:ph idx="1"/>
+          </p:nvPr>
+        </p:nvSpPr>
+        <p:spPr/>
+        <p:txBody>
+          <a:bodyPr/>
+          <a:lstStyle/>
+          <a:p>
+            <a:r>
+              <a:rPr lang="en-US" dirty="0" smtClean="0"/>
+              <a:t>&lt; term </a:t>
+            </a:r>
+            <a:r>
+              <a:rPr lang="en-US" dirty="0"/>
+              <a:t>, * , *, </a:t>
+            </a:r>
+            <a:r>
+              <a:rPr lang="en-US" dirty="0" smtClean="0"/>
+              <a:t>term &gt;</a:t>
+            </a:r>
+            <a:endParaRPr lang="en-US" dirty="0"/>
+          </a:p>
+          <a:p>
+            <a:r>
+              <a:rPr lang="en-US" dirty="0" smtClean="0"/>
+              <a:t>&lt; term </a:t>
+            </a:r>
+            <a:r>
+              <a:rPr lang="en-US" dirty="0"/>
+              <a:t>, * , *, and </a:t>
+            </a:r>
+            <a:r>
+              <a:rPr lang="en-US" dirty="0" smtClean="0"/>
+              <a:t>term &gt; </a:t>
+            </a:r>
+          </a:p>
+          <a:p>
+            <a:r>
+              <a:rPr lang="en-US" dirty="0" smtClean="0"/>
+              <a:t>Bootstrap approach </a:t>
+            </a:r>
+          </a:p>
+          <a:p>
+            <a:pPr marL="914400" lvl="1" indent="-457200">
+              <a:buFont typeface="+mj-lt"/>
+              <a:buAutoNum type="arabicPeriod"/>
+            </a:pPr>
+            <a:r>
+              <a:rPr lang="en-US" dirty="0" smtClean="0"/>
+              <a:t>Collect fifty initial </a:t>
+            </a:r>
+            <a:r>
+              <a:rPr lang="en-US" dirty="0" smtClean="0"/>
+              <a:t>terms </a:t>
+            </a:r>
+            <a:r>
+              <a:rPr lang="en-US" dirty="0" smtClean="0"/>
+              <a:t>manually, add them  to term list</a:t>
+            </a:r>
+            <a:endParaRPr lang="en-US" dirty="0" smtClean="0"/>
+          </a:p>
+          <a:p>
+            <a:pPr marL="914400" lvl="1" indent="-457200">
+              <a:buFont typeface="+mj-lt"/>
+              <a:buAutoNum type="arabicPeriod"/>
+            </a:pPr>
+            <a:r>
+              <a:rPr lang="en-US" dirty="0" smtClean="0"/>
+              <a:t>Using </a:t>
+            </a:r>
+            <a:r>
+              <a:rPr lang="en-US" dirty="0" smtClean="0"/>
+              <a:t>the </a:t>
+            </a:r>
+            <a:r>
+              <a:rPr lang="en-US" dirty="0" smtClean="0"/>
+              <a:t>pattern matching library </a:t>
+            </a:r>
+            <a:r>
+              <a:rPr lang="en-US" dirty="0" smtClean="0"/>
+              <a:t>to find new terms</a:t>
+            </a:r>
+          </a:p>
+          <a:p>
+            <a:pPr marL="914400" lvl="1" indent="-457200">
+              <a:buFont typeface="+mj-lt"/>
+              <a:buAutoNum type="arabicPeriod"/>
+            </a:pPr>
+            <a:r>
+              <a:rPr lang="en-US" dirty="0" smtClean="0"/>
+              <a:t>Checking the found terms </a:t>
+            </a:r>
+            <a:r>
+              <a:rPr lang="en-US" dirty="0" smtClean="0"/>
+              <a:t>on </a:t>
+            </a:r>
+            <a:r>
+              <a:rPr lang="en-US" dirty="0" err="1" smtClean="0"/>
+              <a:t>Dbpedia</a:t>
+            </a:r>
+            <a:r>
+              <a:rPr lang="en-US" dirty="0" smtClean="0"/>
+              <a:t>  </a:t>
+            </a:r>
+            <a:endParaRPr lang="en-US" dirty="0" smtClean="0"/>
+          </a:p>
+          <a:p>
+            <a:pPr marL="914400" lvl="1" indent="-457200">
+              <a:buFont typeface="+mj-lt"/>
+              <a:buAutoNum type="arabicPeriod"/>
+            </a:pPr>
+            <a:r>
+              <a:rPr lang="en-US" dirty="0" smtClean="0"/>
+              <a:t>Adding the new terms in to term list</a:t>
+            </a:r>
+          </a:p>
+          <a:p>
+            <a:pPr marL="914400" lvl="1" indent="-457200">
+              <a:buFont typeface="+mj-lt"/>
+              <a:buAutoNum type="arabicPeriod"/>
+            </a:pPr>
+            <a:endParaRPr lang="en-US" dirty="0"/>
+          </a:p>
+        </p:txBody>
+      </p:sp>
+      <p:sp>
+        <p:nvSpPr>
+          <p:cNvPr id="3" name="Title 2"/>
+          <p:cNvSpPr>
+            <a:spLocks noGrp="1"/>
+          </p:cNvSpPr>
+          <p:nvPr>
+            <p:ph type="title"/>
+          </p:nvPr>
+        </p:nvSpPr>
+        <p:spPr>
+          <a:xfrm>
+            <a:off x="1562100" y="365125"/>
+            <a:ext cx="9791700" cy="1325563"/>
+          </a:xfrm>
+        </p:spPr>
+        <p:txBody>
+          <a:bodyPr/>
+          <a:lstStyle/>
+          <a:p>
+            <a:r>
+              <a:rPr lang="en-US" dirty="0" smtClean="0"/>
+              <a:t>Pattern in sentences </a:t>
+            </a:r>
+            <a:endParaRPr lang="en-US" dirty="0"/>
+          </a:p>
+        </p:txBody>
+      </p:sp>
+    </p:spTree>
+    <p:extLst>
+      <p:ext uri="{BB962C8B-B14F-4D97-AF65-F5344CB8AC3E}">
+        <p14:creationId xmlns:p14="http://schemas.microsoft.com/office/powerpoint/2010/main" val="474799840"/>
+      </p:ext>
+    </p:extLst>
+  </p:cSld>
+  <p:clrMapOvr>
+    <a:masterClrMapping/>
+  </p:clrMapOvr>
+  <mc:AlternateContent xmlns:mc="http://schemas.openxmlformats.org/markup-compatibility/2006" xmlns:p14="http://schemas.microsoft.com/office/powerpoint/2010/main">
+    <mc:Choice Requires="p14">
+      <p:transition spd="med" p14:dur="700">
+        <p:fade/>
+      </p:transition>
+    </mc:Choice>
+    <mc:Fallback xmlns="">
+      <p:transition spd="med">
+        <p:fade/>
+      </p:transition>
+    </mc:Fallback>
+  </mc:AlternateContent>
+</p:sld>
+</file>
+
+<file path=ppt/slides/slide34.xml><?xml version="1.0" encoding="utf-8"?>
+<p:sld xmlns:a="http://schemas.openxmlformats.org/drawingml/2006/main" xmlns:r="http://schemas.openxmlformats.org/officeDocument/2006/relationships" xmlns:p="http://schemas.openxmlformats.org/presentationml/2006/main">
+  <p:cSld>
+    <p:spTree>
+      <p:nvGrpSpPr>
+        <p:cNvPr id="1" name=""/>
+        <p:cNvGrpSpPr/>
+        <p:nvPr/>
+      </p:nvGrpSpPr>
+      <p:grpSpPr>
+        <a:xfrm>
+          <a:off x="0" y="0"/>
+          <a:ext cx="0" cy="0"/>
+          <a:chOff x="0" y="0"/>
+          <a:chExt cx="0" cy="0"/>
+        </a:xfrm>
+      </p:grpSpPr>
+      <p:sp>
+        <p:nvSpPr>
+          <p:cNvPr id="3" name="Title 2"/>
+          <p:cNvSpPr>
+            <a:spLocks noGrp="1"/>
+          </p:cNvSpPr>
+          <p:nvPr>
+            <p:ph type="title"/>
+          </p:nvPr>
+        </p:nvSpPr>
+        <p:spPr>
+          <a:xfrm>
+            <a:off x="1562100" y="365125"/>
+            <a:ext cx="9791700" cy="1325563"/>
+          </a:xfrm>
+        </p:spPr>
+        <p:txBody>
+          <a:bodyPr>
+            <a:normAutofit/>
+          </a:bodyPr>
+          <a:lstStyle/>
+          <a:p>
+            <a:r>
+              <a:rPr lang="en-US" dirty="0"/>
+              <a:t>Bootstrap approach </a:t>
+            </a:r>
+          </a:p>
+        </p:txBody>
+      </p:sp>
+      <p:pic>
+        <p:nvPicPr>
+          <p:cNvPr id="5" name="Content Placeholder 4"/>
+          <p:cNvPicPr>
+            <a:picLocks noGrp="1" noChangeAspect="1"/>
+          </p:cNvPicPr>
+          <p:nvPr>
+            <p:ph idx="1"/>
+          </p:nvPr>
+        </p:nvPicPr>
+        <p:blipFill>
+          <a:blip r:embed="rId2">
+            <a:extLst>
+              <a:ext uri="{28A0092B-C50C-407E-A947-70E740481C1C}">
+                <a14:useLocalDpi xmlns:a14="http://schemas.microsoft.com/office/drawing/2010/main" val="0"/>
+              </a:ext>
+            </a:extLst>
+          </a:blip>
+          <a:stretch>
+            <a:fillRect/>
+          </a:stretch>
+        </p:blipFill>
+        <p:spPr>
+          <a:xfrm>
+            <a:off x="1703297" y="2158407"/>
+            <a:ext cx="8260200" cy="3546933"/>
+          </a:xfrm>
+        </p:spPr>
+      </p:pic>
+    </p:spTree>
+    <p:extLst>
+      <p:ext uri="{BB962C8B-B14F-4D97-AF65-F5344CB8AC3E}">
+        <p14:creationId xmlns:p14="http://schemas.microsoft.com/office/powerpoint/2010/main" val="3480725843"/>
+      </p:ext>
+    </p:extLst>
+  </p:cSld>
+  <p:clrMapOvr>
+    <a:masterClrMapping/>
+  </p:clrMapOvr>
+  <mc:AlternateContent xmlns:mc="http://schemas.openxmlformats.org/markup-compatibility/2006" xmlns:p14="http://schemas.microsoft.com/office/powerpoint/2010/main">
+    <mc:Choice Requires="p14">
+      <p:transition spd="med" p14:dur="700">
+        <p:fade/>
+      </p:transition>
+    </mc:Choice>
+    <mc:Fallback xmlns="">
+      <p:transition spd="med">
+        <p:fade/>
+      </p:transition>
+    </mc:Fallback>
+  </mc:AlternateContent>
+</p:sld>
+</file>
+
+<file path=ppt/slides/slide35.xml><?xml version="1.0" encoding="utf-8"?>
 <p:sld xmlns:a="http://schemas.openxmlformats.org/drawingml/2006/main" xmlns:r="http://schemas.openxmlformats.org/officeDocument/2006/relationships" xmlns:p="http://schemas.openxmlformats.org/presentationml/2006/main">
   <p:cSld>
     <p:spTree>
@@ -8308,8 +9878,8 @@
         </p:blipFill>
         <p:spPr>
           <a:xfrm>
-            <a:off x="965915" y="1690688"/>
-            <a:ext cx="8532525" cy="1065134"/>
+            <a:off x="1562100" y="1874602"/>
+            <a:ext cx="8601075" cy="904875"/>
           </a:xfrm>
           <a:prstGeom prst="rect">
             <a:avLst/>
@@ -8328,8 +9898,8 @@
         </p:nvSpPr>
         <p:spPr>
           <a:xfrm>
-            <a:off x="965915" y="365125"/>
-            <a:ext cx="10387885" cy="1325563"/>
+            <a:off x="1562100" y="365125"/>
+            <a:ext cx="9791700" cy="1325563"/>
           </a:xfrm>
         </p:spPr>
         <p:txBody>
@@ -8338,7 +9908,7 @@
           <a:p>
             <a:r>
               <a:rPr lang="en-US" dirty="0" smtClean="0"/>
-              <a:t>They all use keyword Searching</a:t>
+              <a:t>Dbpedia Page </a:t>
             </a:r>
             <a:endParaRPr lang="en-US" dirty="0"/>
           </a:p>
@@ -8346,7 +9916,7 @@
       </p:sp>
       <p:pic>
         <p:nvPicPr>
-          <p:cNvPr id="5" name="Picture 4"/>
+          <p:cNvPr id="6" name="Picture 5"/>
           <p:cNvPicPr>
             <a:picLocks noChangeAspect="1"/>
           </p:cNvPicPr>
@@ -8360,32 +9930,8 @@
         </p:blipFill>
         <p:spPr>
           <a:xfrm>
-            <a:off x="965915" y="3016251"/>
-            <a:ext cx="7867650" cy="885825"/>
-          </a:xfrm>
-          <a:prstGeom prst="rect">
-            <a:avLst/>
-          </a:prstGeom>
-        </p:spPr>
-      </p:pic>
-      <p:pic>
-        <p:nvPicPr>
-          <p:cNvPr id="6" name="Picture 5"/>
-          <p:cNvPicPr>
-            <a:picLocks noChangeAspect="1"/>
-          </p:cNvPicPr>
-          <p:nvPr/>
-        </p:nvPicPr>
-        <p:blipFill>
-          <a:blip r:embed="rId4"/>
-          <a:stretch>
-            <a:fillRect/>
-          </a:stretch>
-        </p:blipFill>
-        <p:spPr>
-          <a:xfrm>
-            <a:off x="965915" y="4756127"/>
-            <a:ext cx="8077200" cy="771525"/>
+            <a:off x="1562099" y="2963391"/>
+            <a:ext cx="8601075" cy="4162425"/>
           </a:xfrm>
           <a:prstGeom prst="rect">
             <a:avLst/>
@@ -8395,7 +9941,7 @@
     </p:spTree>
     <p:extLst>
       <p:ext uri="{BB962C8B-B14F-4D97-AF65-F5344CB8AC3E}">
-        <p14:creationId xmlns:p14="http://schemas.microsoft.com/office/powerpoint/2010/main" val="2094245540"/>
+        <p14:creationId xmlns:p14="http://schemas.microsoft.com/office/powerpoint/2010/main" val="595089928"/>
       </p:ext>
     </p:extLst>
   </p:cSld>
@@ -8414,10 +9960,17 @@
       </p:transition>
     </mc:Fallback>
   </mc:AlternateContent>
+  <p:timing>
+    <p:tnLst>
+      <p:par>
+        <p:cTn id="1" dur="indefinite" restart="never" nodeType="tmRoot"/>
+      </p:par>
+    </p:tnLst>
+  </p:timing>
 </p:sld>
 </file>
 
-<file path=ppt/slides/slide30.xml><?xml version="1.0" encoding="utf-8"?>
+<file path=ppt/slides/slide36.xml><?xml version="1.0" encoding="utf-8"?>
 <p:sld xmlns:a="http://schemas.openxmlformats.org/drawingml/2006/main" xmlns:r="http://schemas.openxmlformats.org/officeDocument/2006/relationships" xmlns:p="http://schemas.openxmlformats.org/presentationml/2006/main">
   <p:cSld>
     <p:spTree>
@@ -8458,14 +10011,14 @@
         </p:blipFill>
         <p:spPr>
           <a:xfrm>
-            <a:off x="2090133" y="1361984"/>
-            <a:ext cx="8277359" cy="6144099"/>
+            <a:off x="1124218" y="125612"/>
+            <a:ext cx="8870374" cy="6584281"/>
           </a:xfrm>
         </p:spPr>
       </p:pic>
       <p:sp>
         <p:nvSpPr>
-          <p:cNvPr id="3" name="Title 2"/>
+          <p:cNvPr id="2" name="Title 1"/>
           <p:cNvSpPr>
             <a:spLocks noGrp="1"/>
           </p:cNvSpPr>
@@ -8473,20 +10026,12 @@
             <p:ph type="title"/>
           </p:nvPr>
         </p:nvSpPr>
-        <p:spPr>
-          <a:xfrm>
-            <a:off x="1562100" y="365125"/>
-            <a:ext cx="9029700" cy="1325563"/>
-          </a:xfrm>
-        </p:spPr>
+        <p:spPr/>
         <p:txBody>
           <a:bodyPr/>
           <a:lstStyle/>
           <a:p>
-            <a:r>
-              <a:rPr lang="en-US" dirty="0"/>
-              <a:t>Ontology similarity</a:t>
-            </a:r>
+            <a:endParaRPr lang="en-US" dirty="0"/>
           </a:p>
         </p:txBody>
       </p:sp>
@@ -8512,10 +10057,17 @@
       </p:transition>
     </mc:Fallback>
   </mc:AlternateContent>
+  <p:timing>
+    <p:tnLst>
+      <p:par>
+        <p:cTn id="1" dur="indefinite" restart="never" nodeType="tmRoot"/>
+      </p:par>
+    </p:tnLst>
+  </p:timing>
 </p:sld>
 </file>
 
-<file path=ppt/slides/slide31.xml><?xml version="1.0" encoding="utf-8"?>
+<file path=ppt/slides/slide37.xml><?xml version="1.0" encoding="utf-8"?>
 <p:sld xmlns:a="http://schemas.openxmlformats.org/drawingml/2006/main" xmlns:r="http://schemas.openxmlformats.org/officeDocument/2006/relationships" xmlns:p="http://schemas.openxmlformats.org/presentationml/2006/main">
   <p:cSld>
     <p:spTree>
@@ -8730,10 +10282,17 @@
       </p:transition>
     </mc:Fallback>
   </mc:AlternateContent>
+  <p:timing>
+    <p:tnLst>
+      <p:par>
+        <p:cTn id="1" dur="indefinite" restart="never" nodeType="tmRoot"/>
+      </p:par>
+    </p:tnLst>
+  </p:timing>
 </p:sld>
 </file>
 
-<file path=ppt/slides/slide32.xml><?xml version="1.0" encoding="utf-8"?>
+<file path=ppt/slides/slide38.xml><?xml version="1.0" encoding="utf-8"?>
 <p:sld xmlns:a="http://schemas.openxmlformats.org/drawingml/2006/main" xmlns:r="http://schemas.openxmlformats.org/officeDocument/2006/relationships" xmlns:p="http://schemas.openxmlformats.org/presentationml/2006/main">
   <p:cSld>
     <p:spTree>
@@ -8863,7 +10422,7 @@
 </p:sld>
 </file>
 
-<file path=ppt/slides/slide33.xml><?xml version="1.0" encoding="utf-8"?>
+<file path=ppt/slides/slide39.xml><?xml version="1.0" encoding="utf-8"?>
 <p:sld xmlns:a="http://schemas.openxmlformats.org/drawingml/2006/main" xmlns:r="http://schemas.openxmlformats.org/officeDocument/2006/relationships" xmlns:p="http://schemas.openxmlformats.org/presentationml/2006/main">
   <p:cSld>
     <p:spTree>
@@ -8908,7 +10467,11 @@
           <a:p>
             <a:r>
               <a:rPr lang="en-US" dirty="0" smtClean="0"/>
-              <a:t>The numerator</a:t>
+              <a:t>The </a:t>
+            </a:r>
+            <a:r>
+              <a:rPr lang="en-US" b="1" dirty="0" smtClean="0"/>
+              <a:t>numerator</a:t>
             </a:r>
             <a:r>
               <a:rPr lang="zh-CN" altLang="en-US" dirty="0" smtClean="0"/>
@@ -8942,7 +10505,11 @@
           <a:p>
             <a:r>
               <a:rPr lang="en-US" dirty="0" smtClean="0"/>
-              <a:t>The denominator</a:t>
+              <a:t>The </a:t>
+            </a:r>
+            <a:r>
+              <a:rPr lang="en-US" b="1" dirty="0" smtClean="0"/>
+              <a:t>denominator</a:t>
             </a:r>
             <a:r>
               <a:rPr lang="zh-CN" altLang="en-US" dirty="0" smtClean="0"/>
@@ -8980,7 +10547,6 @@
               <a:rPr lang="en-US" dirty="0"/>
               <a:t>the two terms in documents that have them both.</a:t>
             </a:r>
-            <a:endParaRPr lang="en-US" dirty="0"/>
           </a:p>
         </p:txBody>
       </p:sp>
@@ -9062,707 +10628,6 @@
 </p:sld>
 </file>
 
-<file path=ppt/slides/slide34.xml><?xml version="1.0" encoding="utf-8"?>
-<p:sld xmlns:a="http://schemas.openxmlformats.org/drawingml/2006/main" xmlns:r="http://schemas.openxmlformats.org/officeDocument/2006/relationships" xmlns:p="http://schemas.openxmlformats.org/presentationml/2006/main">
-  <p:cSld>
-    <p:spTree>
-      <p:nvGrpSpPr>
-        <p:cNvPr id="1" name=""/>
-        <p:cNvGrpSpPr/>
-        <p:nvPr/>
-      </p:nvGrpSpPr>
-      <p:grpSpPr>
-        <a:xfrm>
-          <a:off x="0" y="0"/>
-          <a:ext cx="0" cy="0"/>
-          <a:chOff x="0" y="0"/>
-          <a:chExt cx="0" cy="0"/>
-        </a:xfrm>
-      </p:grpSpPr>
-      <p:sp>
-        <p:nvSpPr>
-          <p:cNvPr id="3" name="Title 2"/>
-          <p:cNvSpPr>
-            <a:spLocks noGrp="1"/>
-          </p:cNvSpPr>
-          <p:nvPr>
-            <p:ph type="title"/>
-          </p:nvPr>
-        </p:nvSpPr>
-        <p:spPr>
-          <a:xfrm>
-            <a:off x="1562100" y="313610"/>
-            <a:ext cx="9029700" cy="1325563"/>
-          </a:xfrm>
-        </p:spPr>
-        <p:txBody>
-          <a:bodyPr/>
-          <a:lstStyle/>
-          <a:p>
-            <a:r>
-              <a:rPr lang="en-US" dirty="0" smtClean="0"/>
-              <a:t>Algorithm of Similarity Calculation</a:t>
-            </a:r>
-            <a:endParaRPr lang="en-US" dirty="0"/>
-          </a:p>
-        </p:txBody>
-      </p:sp>
-      <p:pic>
-        <p:nvPicPr>
-          <p:cNvPr id="4" name="Picture 3"/>
-          <p:cNvPicPr>
-            <a:picLocks noChangeAspect="1"/>
-          </p:cNvPicPr>
-          <p:nvPr/>
-        </p:nvPicPr>
-        <p:blipFill>
-          <a:blip r:embed="rId2"/>
-          <a:stretch>
-            <a:fillRect/>
-          </a:stretch>
-        </p:blipFill>
-        <p:spPr>
-          <a:xfrm>
-            <a:off x="1661106" y="1639173"/>
-            <a:ext cx="4686300" cy="5057775"/>
-          </a:xfrm>
-          <a:prstGeom prst="rect">
-            <a:avLst/>
-          </a:prstGeom>
-        </p:spPr>
-      </p:pic>
-    </p:spTree>
-    <p:extLst>
-      <p:ext uri="{BB962C8B-B14F-4D97-AF65-F5344CB8AC3E}">
-        <p14:creationId xmlns:p14="http://schemas.microsoft.com/office/powerpoint/2010/main" val="2651826768"/>
-      </p:ext>
-    </p:extLst>
-  </p:cSld>
-  <p:clrMapOvr>
-    <a:masterClrMapping/>
-  </p:clrMapOvr>
-  <mc:AlternateContent xmlns:mc="http://schemas.openxmlformats.org/markup-compatibility/2006" xmlns:p14="http://schemas.microsoft.com/office/powerpoint/2010/main">
-    <mc:Choice Requires="p14">
-      <p:transition spd="med" p14:dur="700">
-        <p:fade/>
-      </p:transition>
-    </mc:Choice>
-    <mc:Fallback xmlns="">
-      <p:transition spd="med">
-        <p:fade/>
-      </p:transition>
-    </mc:Fallback>
-  </mc:AlternateContent>
-</p:sld>
-</file>
-
-<file path=ppt/slides/slide35.xml><?xml version="1.0" encoding="utf-8"?>
-<p:sld xmlns:a="http://schemas.openxmlformats.org/drawingml/2006/main" xmlns:r="http://schemas.openxmlformats.org/officeDocument/2006/relationships" xmlns:p="http://schemas.openxmlformats.org/presentationml/2006/main">
-  <p:cSld>
-    <p:spTree>
-      <p:nvGrpSpPr>
-        <p:cNvPr id="1" name=""/>
-        <p:cNvGrpSpPr/>
-        <p:nvPr/>
-      </p:nvGrpSpPr>
-      <p:grpSpPr>
-        <a:xfrm>
-          <a:off x="0" y="0"/>
-          <a:ext cx="0" cy="0"/>
-          <a:chOff x="0" y="0"/>
-          <a:chExt cx="0" cy="0"/>
-        </a:xfrm>
-      </p:grpSpPr>
-      <p:pic>
-        <p:nvPicPr>
-          <p:cNvPr id="4" name="Content Placeholder 3"/>
-          <p:cNvPicPr>
-            <a:picLocks noGrp="1" noChangeAspect="1"/>
-          </p:cNvPicPr>
-          <p:nvPr>
-            <p:ph idx="1"/>
-          </p:nvPr>
-        </p:nvPicPr>
-        <p:blipFill>
-          <a:blip r:embed="rId2"/>
-          <a:stretch>
-            <a:fillRect/>
-          </a:stretch>
-        </p:blipFill>
-        <p:spPr>
-          <a:xfrm>
-            <a:off x="1562100" y="1973877"/>
-            <a:ext cx="8326906" cy="4504196"/>
-          </a:xfrm>
-          <a:prstGeom prst="rect">
-            <a:avLst/>
-          </a:prstGeom>
-        </p:spPr>
-      </p:pic>
-      <p:sp>
-        <p:nvSpPr>
-          <p:cNvPr id="3" name="Title 2"/>
-          <p:cNvSpPr>
-            <a:spLocks noGrp="1"/>
-          </p:cNvSpPr>
-          <p:nvPr>
-            <p:ph type="title"/>
-          </p:nvPr>
-        </p:nvSpPr>
-        <p:spPr>
-          <a:xfrm>
-            <a:off x="1562100" y="365125"/>
-            <a:ext cx="9791700" cy="1325563"/>
-          </a:xfrm>
-        </p:spPr>
-        <p:txBody>
-          <a:bodyPr/>
-          <a:lstStyle/>
-          <a:p>
-            <a:r>
-              <a:rPr lang="en-US" dirty="0" smtClean="0"/>
-              <a:t>Similarity between terms </a:t>
-            </a:r>
-            <a:endParaRPr lang="en-US" dirty="0"/>
-          </a:p>
-        </p:txBody>
-      </p:sp>
-    </p:spTree>
-    <p:extLst>
-      <p:ext uri="{BB962C8B-B14F-4D97-AF65-F5344CB8AC3E}">
-        <p14:creationId xmlns:p14="http://schemas.microsoft.com/office/powerpoint/2010/main" val="1888765177"/>
-      </p:ext>
-    </p:extLst>
-  </p:cSld>
-  <p:clrMapOvr>
-    <a:masterClrMapping/>
-  </p:clrMapOvr>
-  <mc:AlternateContent xmlns:mc="http://schemas.openxmlformats.org/markup-compatibility/2006" xmlns:p14="http://schemas.microsoft.com/office/powerpoint/2010/main">
-    <mc:Choice Requires="p14">
-      <p:transition spd="med" p14:dur="700">
-        <p:fade/>
-      </p:transition>
-    </mc:Choice>
-    <mc:Fallback xmlns="">
-      <p:transition spd="med">
-        <p:fade/>
-      </p:transition>
-    </mc:Fallback>
-  </mc:AlternateContent>
-</p:sld>
-</file>
-
-<file path=ppt/slides/slide36.xml><?xml version="1.0" encoding="utf-8"?>
-<p:sld xmlns:a="http://schemas.openxmlformats.org/drawingml/2006/main" xmlns:r="http://schemas.openxmlformats.org/officeDocument/2006/relationships" xmlns:p="http://schemas.openxmlformats.org/presentationml/2006/main">
-  <p:cSld>
-    <p:spTree>
-      <p:nvGrpSpPr>
-        <p:cNvPr id="1" name=""/>
-        <p:cNvGrpSpPr/>
-        <p:nvPr/>
-      </p:nvGrpSpPr>
-      <p:grpSpPr>
-        <a:xfrm>
-          <a:off x="0" y="0"/>
-          <a:ext cx="0" cy="0"/>
-          <a:chOff x="0" y="0"/>
-          <a:chExt cx="0" cy="0"/>
-        </a:xfrm>
-      </p:grpSpPr>
-      <p:sp>
-        <p:nvSpPr>
-          <p:cNvPr id="2" name="Content Placeholder 1"/>
-          <p:cNvSpPr>
-            <a:spLocks noGrp="1"/>
-          </p:cNvSpPr>
-          <p:nvPr>
-            <p:ph idx="1"/>
-          </p:nvPr>
-        </p:nvSpPr>
-        <p:spPr/>
-        <p:txBody>
-          <a:bodyPr/>
-          <a:lstStyle/>
-          <a:p>
-            <a:r>
-              <a:rPr lang="en-US" dirty="0" smtClean="0"/>
-              <a:t> </a:t>
-            </a:r>
-            <a:r>
-              <a:rPr lang="en-US" dirty="0"/>
-              <a:t>A high-level language such as Java, Groovy, Ruby or Python; we use Java and Groovy extensively</a:t>
-            </a:r>
-          </a:p>
-          <a:p>
-            <a:endParaRPr lang="en-US" dirty="0"/>
-          </a:p>
-          <a:p>
-            <a:r>
-              <a:rPr lang="en-US" dirty="0"/>
-              <a:t>HTML5/CSS3/JavaScript, web standards, jQuery or frameworks like </a:t>
-            </a:r>
-            <a:r>
-              <a:rPr lang="en-US" dirty="0" err="1"/>
-              <a:t>AngularJS</a:t>
-            </a:r>
-            <a:r>
-              <a:rPr lang="en-US" dirty="0"/>
-              <a:t> would be great</a:t>
-            </a:r>
-          </a:p>
-          <a:p>
-            <a:endParaRPr lang="en-US" dirty="0"/>
-          </a:p>
-          <a:p>
-            <a:r>
-              <a:rPr lang="en-US" dirty="0"/>
-              <a:t>HTML CSS and </a:t>
-            </a:r>
-            <a:r>
-              <a:rPr lang="en-US" dirty="0" err="1"/>
-              <a:t>Javascript</a:t>
-            </a:r>
-            <a:r>
-              <a:rPr lang="en-US" dirty="0"/>
-              <a:t> a must 4. Experience with AJAX, XML, XSL, XSLT, CSS, JavaScript, JQuery, HTML and Web Services</a:t>
-            </a:r>
-          </a:p>
-          <a:p>
-            <a:endParaRPr lang="en-US" dirty="0"/>
-          </a:p>
-          <a:p>
-            <a:endParaRPr lang="en-US" dirty="0"/>
-          </a:p>
-        </p:txBody>
-      </p:sp>
-      <p:sp>
-        <p:nvSpPr>
-          <p:cNvPr id="3" name="Title 2"/>
-          <p:cNvSpPr>
-            <a:spLocks noGrp="1"/>
-          </p:cNvSpPr>
-          <p:nvPr>
-            <p:ph type="title"/>
-          </p:nvPr>
-        </p:nvSpPr>
-        <p:spPr>
-          <a:xfrm>
-            <a:off x="1562100" y="365125"/>
-            <a:ext cx="9791700" cy="1325563"/>
-          </a:xfrm>
-        </p:spPr>
-        <p:txBody>
-          <a:bodyPr/>
-          <a:lstStyle/>
-          <a:p>
-            <a:r>
-              <a:rPr lang="en-US" dirty="0"/>
-              <a:t>How to </a:t>
-            </a:r>
-            <a:r>
-              <a:rPr lang="en-US" dirty="0" smtClean="0"/>
-              <a:t>Find </a:t>
-            </a:r>
-            <a:r>
-              <a:rPr lang="en-US" dirty="0"/>
-              <a:t>terms in </a:t>
-            </a:r>
-            <a:r>
-              <a:rPr lang="en-US" dirty="0" smtClean="0"/>
-              <a:t>Job Description </a:t>
-            </a:r>
-            <a:endParaRPr lang="en-US" dirty="0"/>
-          </a:p>
-        </p:txBody>
-      </p:sp>
-    </p:spTree>
-    <p:extLst>
-      <p:ext uri="{BB962C8B-B14F-4D97-AF65-F5344CB8AC3E}">
-        <p14:creationId xmlns:p14="http://schemas.microsoft.com/office/powerpoint/2010/main" val="162425321"/>
-      </p:ext>
-    </p:extLst>
-  </p:cSld>
-  <p:clrMapOvr>
-    <a:masterClrMapping/>
-  </p:clrMapOvr>
-  <mc:AlternateContent xmlns:mc="http://schemas.openxmlformats.org/markup-compatibility/2006" xmlns:p14="http://schemas.microsoft.com/office/powerpoint/2010/main">
-    <mc:Choice Requires="p14">
-      <p:transition spd="med" p14:dur="700">
-        <p:fade/>
-      </p:transition>
-    </mc:Choice>
-    <mc:Fallback xmlns="">
-      <p:transition spd="med">
-        <p:fade/>
-      </p:transition>
-    </mc:Fallback>
-  </mc:AlternateContent>
-</p:sld>
-</file>
-
-<file path=ppt/slides/slide37.xml><?xml version="1.0" encoding="utf-8"?>
-<p:sld xmlns:a="http://schemas.openxmlformats.org/drawingml/2006/main" xmlns:r="http://schemas.openxmlformats.org/officeDocument/2006/relationships" xmlns:p="http://schemas.openxmlformats.org/presentationml/2006/main">
-  <p:cSld>
-    <p:spTree>
-      <p:nvGrpSpPr>
-        <p:cNvPr id="1" name=""/>
-        <p:cNvGrpSpPr/>
-        <p:nvPr/>
-      </p:nvGrpSpPr>
-      <p:grpSpPr>
-        <a:xfrm>
-          <a:off x="0" y="0"/>
-          <a:ext cx="0" cy="0"/>
-          <a:chOff x="0" y="0"/>
-          <a:chExt cx="0" cy="0"/>
-        </a:xfrm>
-      </p:grpSpPr>
-      <p:sp>
-        <p:nvSpPr>
-          <p:cNvPr id="2" name="Content Placeholder 1"/>
-          <p:cNvSpPr>
-            <a:spLocks noGrp="1"/>
-          </p:cNvSpPr>
-          <p:nvPr>
-            <p:ph idx="1"/>
-          </p:nvPr>
-        </p:nvSpPr>
-        <p:spPr/>
-        <p:txBody>
-          <a:bodyPr/>
-          <a:lstStyle/>
-          <a:p>
-            <a:r>
-              <a:rPr lang="en-US" dirty="0" smtClean="0"/>
-              <a:t>&lt; term </a:t>
-            </a:r>
-            <a:r>
-              <a:rPr lang="en-US" dirty="0"/>
-              <a:t>, * , *, </a:t>
-            </a:r>
-            <a:r>
-              <a:rPr lang="en-US" dirty="0" smtClean="0"/>
-              <a:t>term &gt;</a:t>
-            </a:r>
-            <a:endParaRPr lang="en-US" dirty="0"/>
-          </a:p>
-          <a:p>
-            <a:r>
-              <a:rPr lang="en-US" dirty="0" smtClean="0"/>
-              <a:t>&lt; term </a:t>
-            </a:r>
-            <a:r>
-              <a:rPr lang="en-US" dirty="0"/>
-              <a:t>, * , *, and </a:t>
-            </a:r>
-            <a:r>
-              <a:rPr lang="en-US" dirty="0" smtClean="0"/>
-              <a:t>term &gt; </a:t>
-            </a:r>
-          </a:p>
-          <a:p>
-            <a:r>
-              <a:rPr lang="en-US" dirty="0" smtClean="0"/>
-              <a:t>Bootstrap approach </a:t>
-            </a:r>
-          </a:p>
-          <a:p>
-            <a:pPr lvl="1"/>
-            <a:r>
-              <a:rPr lang="en-US" dirty="0" smtClean="0"/>
-              <a:t>Get some initial terms manually </a:t>
-            </a:r>
-          </a:p>
-          <a:p>
-            <a:pPr lvl="1"/>
-            <a:r>
-              <a:rPr lang="en-US" dirty="0" smtClean="0"/>
-              <a:t>Use the FST tool to find new terms</a:t>
-            </a:r>
-          </a:p>
-          <a:p>
-            <a:pPr lvl="1"/>
-            <a:r>
-              <a:rPr lang="en-US" dirty="0" smtClean="0"/>
-              <a:t>Checking on Dbpedia  </a:t>
-            </a:r>
-            <a:endParaRPr lang="en-US" dirty="0"/>
-          </a:p>
-        </p:txBody>
-      </p:sp>
-      <p:sp>
-        <p:nvSpPr>
-          <p:cNvPr id="3" name="Title 2"/>
-          <p:cNvSpPr>
-            <a:spLocks noGrp="1"/>
-          </p:cNvSpPr>
-          <p:nvPr>
-            <p:ph type="title"/>
-          </p:nvPr>
-        </p:nvSpPr>
-        <p:spPr>
-          <a:xfrm>
-            <a:off x="1562100" y="365125"/>
-            <a:ext cx="9791700" cy="1325563"/>
-          </a:xfrm>
-        </p:spPr>
-        <p:txBody>
-          <a:bodyPr/>
-          <a:lstStyle/>
-          <a:p>
-            <a:r>
-              <a:rPr lang="en-US" dirty="0" smtClean="0"/>
-              <a:t>Pattern in sentences </a:t>
-            </a:r>
-            <a:endParaRPr lang="en-US" dirty="0"/>
-          </a:p>
-        </p:txBody>
-      </p:sp>
-    </p:spTree>
-    <p:extLst>
-      <p:ext uri="{BB962C8B-B14F-4D97-AF65-F5344CB8AC3E}">
-        <p14:creationId xmlns:p14="http://schemas.microsoft.com/office/powerpoint/2010/main" val="4158667606"/>
-      </p:ext>
-    </p:extLst>
-  </p:cSld>
-  <p:clrMapOvr>
-    <a:masterClrMapping/>
-  </p:clrMapOvr>
-  <mc:AlternateContent xmlns:mc="http://schemas.openxmlformats.org/markup-compatibility/2006" xmlns:p14="http://schemas.microsoft.com/office/powerpoint/2010/main">
-    <mc:Choice Requires="p14">
-      <p:transition spd="med" p14:dur="700">
-        <p:fade/>
-      </p:transition>
-    </mc:Choice>
-    <mc:Fallback xmlns="">
-      <p:transition spd="med">
-        <p:fade/>
-      </p:transition>
-    </mc:Fallback>
-  </mc:AlternateContent>
-</p:sld>
-</file>
-
-<file path=ppt/slides/slide38.xml><?xml version="1.0" encoding="utf-8"?>
-<p:sld xmlns:a="http://schemas.openxmlformats.org/drawingml/2006/main" xmlns:r="http://schemas.openxmlformats.org/officeDocument/2006/relationships" xmlns:p="http://schemas.openxmlformats.org/presentationml/2006/main">
-  <p:cSld>
-    <p:spTree>
-      <p:nvGrpSpPr>
-        <p:cNvPr id="1" name=""/>
-        <p:cNvGrpSpPr/>
-        <p:nvPr/>
-      </p:nvGrpSpPr>
-      <p:grpSpPr>
-        <a:xfrm>
-          <a:off x="0" y="0"/>
-          <a:ext cx="0" cy="0"/>
-          <a:chOff x="0" y="0"/>
-          <a:chExt cx="0" cy="0"/>
-        </a:xfrm>
-      </p:grpSpPr>
-      <p:pic>
-        <p:nvPicPr>
-          <p:cNvPr id="4" name="Content Placeholder 3"/>
-          <p:cNvPicPr>
-            <a:picLocks noGrp="1" noChangeAspect="1"/>
-          </p:cNvPicPr>
-          <p:nvPr>
-            <p:ph idx="1"/>
-          </p:nvPr>
-        </p:nvPicPr>
-        <p:blipFill>
-          <a:blip r:embed="rId2">
-            <a:extLst>
-              <a:ext uri="{28A0092B-C50C-407E-A947-70E740481C1C}">
-                <a14:useLocalDpi xmlns:a14="http://schemas.microsoft.com/office/drawing/2010/main" val="0"/>
-              </a:ext>
-            </a:extLst>
-          </a:blip>
-          <a:stretch>
-            <a:fillRect/>
-          </a:stretch>
-        </p:blipFill>
-        <p:spPr>
-          <a:xfrm>
-            <a:off x="1738245" y="2208313"/>
-            <a:ext cx="8389361" cy="3110662"/>
-          </a:xfrm>
-        </p:spPr>
-      </p:pic>
-      <p:sp>
-        <p:nvSpPr>
-          <p:cNvPr id="3" name="Title 2"/>
-          <p:cNvSpPr>
-            <a:spLocks noGrp="1"/>
-          </p:cNvSpPr>
-          <p:nvPr>
-            <p:ph type="title"/>
-          </p:nvPr>
-        </p:nvSpPr>
-        <p:spPr>
-          <a:xfrm>
-            <a:off x="1562100" y="365125"/>
-            <a:ext cx="9791700" cy="1325563"/>
-          </a:xfrm>
-        </p:spPr>
-        <p:txBody>
-          <a:bodyPr>
-            <a:normAutofit/>
-          </a:bodyPr>
-          <a:lstStyle/>
-          <a:p>
-            <a:r>
-              <a:rPr lang="en-US" dirty="0"/>
-              <a:t>Bootstrap approach </a:t>
-            </a:r>
-          </a:p>
-        </p:txBody>
-      </p:sp>
-    </p:spTree>
-    <p:extLst>
-      <p:ext uri="{BB962C8B-B14F-4D97-AF65-F5344CB8AC3E}">
-        <p14:creationId xmlns:p14="http://schemas.microsoft.com/office/powerpoint/2010/main" val="2956514378"/>
-      </p:ext>
-    </p:extLst>
-  </p:cSld>
-  <p:clrMapOvr>
-    <a:masterClrMapping/>
-  </p:clrMapOvr>
-  <mc:AlternateContent xmlns:mc="http://schemas.openxmlformats.org/markup-compatibility/2006" xmlns:p14="http://schemas.microsoft.com/office/powerpoint/2010/main">
-    <mc:Choice Requires="p14">
-      <p:transition spd="med" p14:dur="700">
-        <p:fade/>
-      </p:transition>
-    </mc:Choice>
-    <mc:Fallback xmlns="">
-      <p:transition spd="med">
-        <p:fade/>
-      </p:transition>
-    </mc:Fallback>
-  </mc:AlternateContent>
-</p:sld>
-</file>
-
-<file path=ppt/slides/slide39.xml><?xml version="1.0" encoding="utf-8"?>
-<p:sld xmlns:a="http://schemas.openxmlformats.org/drawingml/2006/main" xmlns:r="http://schemas.openxmlformats.org/officeDocument/2006/relationships" xmlns:p="http://schemas.openxmlformats.org/presentationml/2006/main">
-  <p:cSld>
-    <p:spTree>
-      <p:nvGrpSpPr>
-        <p:cNvPr id="1" name=""/>
-        <p:cNvGrpSpPr/>
-        <p:nvPr/>
-      </p:nvGrpSpPr>
-      <p:grpSpPr>
-        <a:xfrm>
-          <a:off x="0" y="0"/>
-          <a:ext cx="0" cy="0"/>
-          <a:chOff x="0" y="0"/>
-          <a:chExt cx="0" cy="0"/>
-        </a:xfrm>
-      </p:grpSpPr>
-      <p:pic>
-        <p:nvPicPr>
-          <p:cNvPr id="4" name="Content Placeholder 3"/>
-          <p:cNvPicPr>
-            <a:picLocks noGrp="1" noChangeAspect="1"/>
-          </p:cNvPicPr>
-          <p:nvPr>
-            <p:ph idx="1"/>
-          </p:nvPr>
-        </p:nvPicPr>
-        <p:blipFill>
-          <a:blip r:embed="rId2"/>
-          <a:stretch>
-            <a:fillRect/>
-          </a:stretch>
-        </p:blipFill>
-        <p:spPr>
-          <a:xfrm>
-            <a:off x="1562100" y="1874602"/>
-            <a:ext cx="8601075" cy="904875"/>
-          </a:xfrm>
-          <a:prstGeom prst="rect">
-            <a:avLst/>
-          </a:prstGeom>
-        </p:spPr>
-      </p:pic>
-      <p:sp>
-        <p:nvSpPr>
-          <p:cNvPr id="3" name="Title 2"/>
-          <p:cNvSpPr>
-            <a:spLocks noGrp="1"/>
-          </p:cNvSpPr>
-          <p:nvPr>
-            <p:ph type="title"/>
-          </p:nvPr>
-        </p:nvSpPr>
-        <p:spPr>
-          <a:xfrm>
-            <a:off x="1562100" y="365125"/>
-            <a:ext cx="9791700" cy="1325563"/>
-          </a:xfrm>
-        </p:spPr>
-        <p:txBody>
-          <a:bodyPr/>
-          <a:lstStyle/>
-          <a:p>
-            <a:r>
-              <a:rPr lang="en-US" dirty="0" smtClean="0"/>
-              <a:t>Dbpedia Page </a:t>
-            </a:r>
-            <a:endParaRPr lang="en-US" dirty="0"/>
-          </a:p>
-        </p:txBody>
-      </p:sp>
-      <p:pic>
-        <p:nvPicPr>
-          <p:cNvPr id="6" name="Picture 5"/>
-          <p:cNvPicPr>
-            <a:picLocks noChangeAspect="1"/>
-          </p:cNvPicPr>
-          <p:nvPr/>
-        </p:nvPicPr>
-        <p:blipFill>
-          <a:blip r:embed="rId3"/>
-          <a:stretch>
-            <a:fillRect/>
-          </a:stretch>
-        </p:blipFill>
-        <p:spPr>
-          <a:xfrm>
-            <a:off x="1562099" y="2963391"/>
-            <a:ext cx="8601075" cy="4162425"/>
-          </a:xfrm>
-          <a:prstGeom prst="rect">
-            <a:avLst/>
-          </a:prstGeom>
-        </p:spPr>
-      </p:pic>
-    </p:spTree>
-    <p:extLst>
-      <p:ext uri="{BB962C8B-B14F-4D97-AF65-F5344CB8AC3E}">
-        <p14:creationId xmlns:p14="http://schemas.microsoft.com/office/powerpoint/2010/main" val="2387276992"/>
-      </p:ext>
-    </p:extLst>
-  </p:cSld>
-  <p:clrMapOvr>
-    <a:masterClrMapping/>
-  </p:clrMapOvr>
-  <mc:AlternateContent xmlns:mc="http://schemas.openxmlformats.org/markup-compatibility/2006" xmlns:p14="http://schemas.microsoft.com/office/powerpoint/2010/main">
-    <mc:Choice Requires="p14">
-      <p:transition spd="med" p14:dur="700">
-        <p:fade/>
-      </p:transition>
-    </mc:Choice>
-    <mc:Fallback xmlns="">
-      <p:transition spd="med">
-        <p:fade/>
-      </p:transition>
-    </mc:Fallback>
-  </mc:AlternateContent>
-</p:sld>
-</file>
-
 <file path=ppt/slides/slide4.xml><?xml version="1.0" encoding="utf-8"?>
 <p:sld xmlns:a="http://schemas.openxmlformats.org/drawingml/2006/main" xmlns:r="http://schemas.openxmlformats.org/officeDocument/2006/relationships" xmlns:p="http://schemas.openxmlformats.org/presentationml/2006/main">
   <p:cSld>
@@ -9797,11 +10662,7 @@
           <a:p>
             <a:r>
               <a:rPr lang="en-US" dirty="0" smtClean="0"/>
-              <a:t>When  </a:t>
-            </a:r>
-            <a:r>
-              <a:rPr lang="en-US" dirty="0" smtClean="0"/>
-              <a:t>searching with Java </a:t>
+              <a:t>When  searching with Java </a:t>
             </a:r>
           </a:p>
           <a:p>
@@ -9815,11 +10676,7 @@
             </a:r>
             <a:r>
               <a:rPr lang="en-US" dirty="0" smtClean="0"/>
-              <a:t>returned</a:t>
-            </a:r>
-            <a:r>
-              <a:rPr lang="en-US" dirty="0" smtClean="0"/>
-              <a:t>.</a:t>
+              <a:t>returned.</a:t>
             </a:r>
           </a:p>
           <a:p>
@@ -9838,13 +10695,8 @@
             </a:r>
             <a:r>
               <a:rPr lang="en-US" dirty="0" smtClean="0"/>
-              <a:t>ranked</a:t>
-            </a:r>
-            <a:r>
-              <a:rPr lang="en-US" dirty="0" smtClean="0"/>
-              <a:t> </a:t>
-            </a:r>
-            <a:endParaRPr lang="en-US" dirty="0" smtClean="0"/>
+              <a:t>ranked </a:t>
+            </a:r>
           </a:p>
           <a:p>
             <a:r>
@@ -9949,15 +10801,41 @@
           <a:chExt cx="0" cy="0"/>
         </a:xfrm>
       </p:grpSpPr>
+      <p:sp>
+        <p:nvSpPr>
+          <p:cNvPr id="3" name="Title 2"/>
+          <p:cNvSpPr>
+            <a:spLocks noGrp="1"/>
+          </p:cNvSpPr>
+          <p:nvPr>
+            <p:ph type="title"/>
+          </p:nvPr>
+        </p:nvSpPr>
+        <p:spPr>
+          <a:xfrm>
+            <a:off x="1562100" y="313610"/>
+            <a:ext cx="9029700" cy="1325563"/>
+          </a:xfrm>
+        </p:spPr>
+        <p:txBody>
+          <a:bodyPr/>
+          <a:lstStyle/>
+          <a:p>
+            <a:r>
+              <a:rPr lang="en-US" dirty="0" smtClean="0"/>
+              <a:t>Algorithm of Similarity Calculation</a:t>
+            </a:r>
+            <a:endParaRPr lang="en-US" dirty="0"/>
+          </a:p>
+        </p:txBody>
+      </p:sp>
       <p:pic>
         <p:nvPicPr>
-          <p:cNvPr id="4" name="Content Placeholder 3"/>
+          <p:cNvPr id="4" name="Picture 3"/>
           <p:cNvPicPr>
-            <a:picLocks noGrp="1" noChangeAspect="1"/>
+            <a:picLocks noChangeAspect="1"/>
           </p:cNvPicPr>
-          <p:nvPr>
-            <p:ph idx="1"/>
-          </p:nvPr>
+          <p:nvPr/>
         </p:nvPicPr>
         <p:blipFill>
           <a:blip r:embed="rId2"/>
@@ -9967,46 +10845,18 @@
         </p:blipFill>
         <p:spPr>
           <a:xfrm>
-            <a:off x="2613276" y="1786989"/>
-            <a:ext cx="5345393" cy="4351338"/>
+            <a:off x="1661106" y="1639173"/>
+            <a:ext cx="4686300" cy="5057775"/>
           </a:xfrm>
           <a:prstGeom prst="rect">
             <a:avLst/>
           </a:prstGeom>
         </p:spPr>
       </p:pic>
-      <p:sp>
-        <p:nvSpPr>
-          <p:cNvPr id="3" name="Title 2"/>
-          <p:cNvSpPr>
-            <a:spLocks noGrp="1"/>
-          </p:cNvSpPr>
-          <p:nvPr>
-            <p:ph type="title"/>
-          </p:nvPr>
-        </p:nvSpPr>
-        <p:spPr>
-          <a:xfrm>
-            <a:off x="1562100" y="365125"/>
-            <a:ext cx="9791700" cy="1325563"/>
-          </a:xfrm>
-        </p:spPr>
-        <p:txBody>
-          <a:bodyPr/>
-          <a:lstStyle/>
-          <a:p>
-            <a:r>
-              <a:rPr lang="en-US" dirty="0" smtClean="0"/>
-              <a:t>EVALUATION – Information Extraction </a:t>
-            </a:r>
-            <a:endParaRPr lang="en-US" dirty="0"/>
-          </a:p>
-        </p:txBody>
-      </p:sp>
     </p:spTree>
     <p:extLst>
       <p:ext uri="{BB962C8B-B14F-4D97-AF65-F5344CB8AC3E}">
-        <p14:creationId xmlns:p14="http://schemas.microsoft.com/office/powerpoint/2010/main" val="714282575"/>
+        <p14:creationId xmlns:p14="http://schemas.microsoft.com/office/powerpoint/2010/main" val="2651826768"/>
       </p:ext>
     </p:extLst>
   </p:cSld>
@@ -10047,32 +10897,6 @@
       </p:grpSpPr>
       <p:sp>
         <p:nvSpPr>
-          <p:cNvPr id="2" name="Content Placeholder 1"/>
-          <p:cNvSpPr>
-            <a:spLocks noGrp="1"/>
-          </p:cNvSpPr>
-          <p:nvPr>
-            <p:ph idx="1"/>
-          </p:nvPr>
-        </p:nvSpPr>
-        <p:spPr/>
-        <p:txBody>
-          <a:bodyPr/>
-          <a:lstStyle/>
-          <a:p>
-            <a:r>
-              <a:rPr lang="en-US" dirty="0" smtClean="0"/>
-              <a:t>Accuracy of </a:t>
-            </a:r>
-            <a:r>
-              <a:rPr lang="en-US" dirty="0"/>
-              <a:t>Information Extraction </a:t>
-            </a:r>
-          </a:p>
-        </p:txBody>
-      </p:sp>
-      <p:sp>
-        <p:nvSpPr>
           <p:cNvPr id="3" name="Title 2"/>
           <p:cNvSpPr>
             <a:spLocks noGrp="1"/>
@@ -10092,15 +10916,35 @@
           <a:lstStyle/>
           <a:p>
             <a:r>
-              <a:rPr lang="en-US" dirty="0"/>
-              <a:t>EVALUATION – Information Extraction </a:t>
-            </a:r>
+              <a:rPr lang="en-US" dirty="0" smtClean="0"/>
+              <a:t>Similarity between terms </a:t>
+            </a:r>
+            <a:endParaRPr lang="en-US" dirty="0"/>
+          </a:p>
+        </p:txBody>
+      </p:sp>
+      <p:sp>
+        <p:nvSpPr>
+          <p:cNvPr id="2" name="Content Placeholder 1"/>
+          <p:cNvSpPr>
+            <a:spLocks noGrp="1"/>
+          </p:cNvSpPr>
+          <p:nvPr>
+            <p:ph idx="1"/>
+          </p:nvPr>
+        </p:nvSpPr>
+        <p:spPr/>
+        <p:txBody>
+          <a:bodyPr/>
+          <a:lstStyle/>
+          <a:p>
+            <a:endParaRPr lang="en-US"/>
           </a:p>
         </p:txBody>
       </p:sp>
       <p:pic>
         <p:nvPicPr>
-          <p:cNvPr id="4" name="Picture 3"/>
+          <p:cNvPr id="5" name="Picture 4"/>
           <p:cNvPicPr>
             <a:picLocks noChangeAspect="1"/>
           </p:cNvPicPr>
@@ -10114,8 +10958,236 @@
         </p:blipFill>
         <p:spPr>
           <a:xfrm>
-            <a:off x="2658615" y="2894862"/>
-            <a:ext cx="4890555" cy="3080935"/>
+            <a:off x="1562100" y="1825625"/>
+            <a:ext cx="9403256" cy="4652448"/>
+          </a:xfrm>
+          <a:prstGeom prst="rect">
+            <a:avLst/>
+          </a:prstGeom>
+        </p:spPr>
+      </p:pic>
+    </p:spTree>
+    <p:extLst>
+      <p:ext uri="{BB962C8B-B14F-4D97-AF65-F5344CB8AC3E}">
+        <p14:creationId xmlns:p14="http://schemas.microsoft.com/office/powerpoint/2010/main" val="1888765177"/>
+      </p:ext>
+    </p:extLst>
+  </p:cSld>
+  <p:clrMapOvr>
+    <a:masterClrMapping/>
+  </p:clrMapOvr>
+  <mc:AlternateContent xmlns:mc="http://schemas.openxmlformats.org/markup-compatibility/2006" xmlns:p14="http://schemas.microsoft.com/office/powerpoint/2010/main">
+    <mc:Choice Requires="p14">
+      <p:transition spd="med" p14:dur="700">
+        <p:fade/>
+      </p:transition>
+    </mc:Choice>
+    <mc:Fallback xmlns="">
+      <p:transition spd="med">
+        <p:fade/>
+      </p:transition>
+    </mc:Fallback>
+  </mc:AlternateContent>
+</p:sld>
+</file>
+
+<file path=ppt/slides/slide42.xml><?xml version="1.0" encoding="utf-8"?>
+<p:sld xmlns:a="http://schemas.openxmlformats.org/drawingml/2006/main" xmlns:r="http://schemas.openxmlformats.org/officeDocument/2006/relationships" xmlns:p="http://schemas.openxmlformats.org/presentationml/2006/main">
+  <p:cSld>
+    <p:spTree>
+      <p:nvGrpSpPr>
+        <p:cNvPr id="1" name=""/>
+        <p:cNvGrpSpPr/>
+        <p:nvPr/>
+      </p:nvGrpSpPr>
+      <p:grpSpPr>
+        <a:xfrm>
+          <a:off x="0" y="0"/>
+          <a:ext cx="0" cy="0"/>
+          <a:chOff x="0" y="0"/>
+          <a:chExt cx="0" cy="0"/>
+        </a:xfrm>
+      </p:grpSpPr>
+      <p:pic>
+        <p:nvPicPr>
+          <p:cNvPr id="4" name="Content Placeholder 3"/>
+          <p:cNvPicPr>
+            <a:picLocks noGrp="1" noChangeAspect="1"/>
+          </p:cNvPicPr>
+          <p:nvPr>
+            <p:ph idx="1"/>
+          </p:nvPr>
+        </p:nvPicPr>
+        <p:blipFill>
+          <a:blip r:embed="rId2"/>
+          <a:stretch>
+            <a:fillRect/>
+          </a:stretch>
+        </p:blipFill>
+        <p:spPr>
+          <a:xfrm>
+            <a:off x="3527675" y="2224870"/>
+            <a:ext cx="5345393" cy="4351338"/>
+          </a:xfrm>
+          <a:prstGeom prst="rect">
+            <a:avLst/>
+          </a:prstGeom>
+        </p:spPr>
+      </p:pic>
+      <p:sp>
+        <p:nvSpPr>
+          <p:cNvPr id="3" name="Title 2"/>
+          <p:cNvSpPr>
+            <a:spLocks noGrp="1"/>
+          </p:cNvSpPr>
+          <p:nvPr>
+            <p:ph type="title"/>
+          </p:nvPr>
+        </p:nvSpPr>
+        <p:spPr>
+          <a:xfrm>
+            <a:off x="1562100" y="365125"/>
+            <a:ext cx="9791700" cy="1325563"/>
+          </a:xfrm>
+        </p:spPr>
+        <p:txBody>
+          <a:bodyPr/>
+          <a:lstStyle/>
+          <a:p>
+            <a:r>
+              <a:rPr lang="en-US" dirty="0" smtClean="0"/>
+              <a:t>EVALUATION – Information Extraction </a:t>
+            </a:r>
+            <a:endParaRPr lang="en-US" dirty="0"/>
+          </a:p>
+        </p:txBody>
+      </p:sp>
+    </p:spTree>
+    <p:extLst>
+      <p:ext uri="{BB962C8B-B14F-4D97-AF65-F5344CB8AC3E}">
+        <p14:creationId xmlns:p14="http://schemas.microsoft.com/office/powerpoint/2010/main" val="714282575"/>
+      </p:ext>
+    </p:extLst>
+  </p:cSld>
+  <p:clrMapOvr>
+    <a:masterClrMapping/>
+  </p:clrMapOvr>
+  <mc:AlternateContent xmlns:mc="http://schemas.openxmlformats.org/markup-compatibility/2006" xmlns:p14="http://schemas.microsoft.com/office/powerpoint/2010/main">
+    <mc:Choice Requires="p14">
+      <p:transition spd="med" p14:dur="700">
+        <p:fade/>
+      </p:transition>
+    </mc:Choice>
+    <mc:Fallback xmlns="">
+      <p:transition spd="med">
+        <p:fade/>
+      </p:transition>
+    </mc:Fallback>
+  </mc:AlternateContent>
+</p:sld>
+</file>
+
+<file path=ppt/slides/slide43.xml><?xml version="1.0" encoding="utf-8"?>
+<p:sld xmlns:a="http://schemas.openxmlformats.org/drawingml/2006/main" xmlns:r="http://schemas.openxmlformats.org/officeDocument/2006/relationships" xmlns:p="http://schemas.openxmlformats.org/presentationml/2006/main">
+  <p:cSld>
+    <p:spTree>
+      <p:nvGrpSpPr>
+        <p:cNvPr id="1" name=""/>
+        <p:cNvGrpSpPr/>
+        <p:nvPr/>
+      </p:nvGrpSpPr>
+      <p:grpSpPr>
+        <a:xfrm>
+          <a:off x="0" y="0"/>
+          <a:ext cx="0" cy="0"/>
+          <a:chOff x="0" y="0"/>
+          <a:chExt cx="0" cy="0"/>
+        </a:xfrm>
+      </p:grpSpPr>
+      <p:sp>
+        <p:nvSpPr>
+          <p:cNvPr id="2" name="Content Placeholder 1"/>
+          <p:cNvSpPr>
+            <a:spLocks noGrp="1"/>
+          </p:cNvSpPr>
+          <p:nvPr>
+            <p:ph idx="1"/>
+          </p:nvPr>
+        </p:nvSpPr>
+        <p:spPr/>
+        <p:txBody>
+          <a:bodyPr/>
+          <a:lstStyle/>
+          <a:p>
+            <a:r>
+              <a:rPr lang="en-US" dirty="0" smtClean="0"/>
+              <a:t>Accuracy of </a:t>
+            </a:r>
+            <a:r>
+              <a:rPr lang="en-US" dirty="0"/>
+              <a:t>Information </a:t>
+            </a:r>
+            <a:r>
+              <a:rPr lang="en-US" dirty="0" smtClean="0"/>
+              <a:t>Extraction </a:t>
+            </a:r>
+            <a:r>
+              <a:rPr lang="en-US" altLang="zh-CN" dirty="0" smtClean="0"/>
+              <a:t>Comparing to CRF</a:t>
+            </a:r>
+            <a:r>
+              <a:rPr lang="en-US" dirty="0" smtClean="0"/>
+              <a:t> Model</a:t>
+            </a:r>
+            <a:endParaRPr lang="en-US" dirty="0"/>
+          </a:p>
+        </p:txBody>
+      </p:sp>
+      <p:sp>
+        <p:nvSpPr>
+          <p:cNvPr id="3" name="Title 2"/>
+          <p:cNvSpPr>
+            <a:spLocks noGrp="1"/>
+          </p:cNvSpPr>
+          <p:nvPr>
+            <p:ph type="title"/>
+          </p:nvPr>
+        </p:nvSpPr>
+        <p:spPr>
+          <a:xfrm>
+            <a:off x="1562100" y="365125"/>
+            <a:ext cx="9791700" cy="1325563"/>
+          </a:xfrm>
+        </p:spPr>
+        <p:txBody>
+          <a:bodyPr/>
+          <a:lstStyle/>
+          <a:p>
+            <a:r>
+              <a:rPr lang="en-US" dirty="0"/>
+              <a:t>EVALUATION – Information Extraction </a:t>
+            </a:r>
+          </a:p>
+        </p:txBody>
+      </p:sp>
+      <p:pic>
+        <p:nvPicPr>
+          <p:cNvPr id="5" name="Picture 4"/>
+          <p:cNvPicPr>
+            <a:picLocks noChangeAspect="1"/>
+          </p:cNvPicPr>
+          <p:nvPr/>
+        </p:nvPicPr>
+        <p:blipFill>
+          <a:blip r:embed="rId2"/>
+          <a:stretch>
+            <a:fillRect/>
+          </a:stretch>
+        </p:blipFill>
+        <p:spPr>
+          <a:xfrm>
+            <a:off x="1014077" y="2882117"/>
+            <a:ext cx="10492120" cy="2617162"/>
           </a:xfrm>
           <a:prstGeom prst="rect">
             <a:avLst/>
@@ -10147,7 +11219,7 @@
 </p:sld>
 </file>
 
-<file path=ppt/slides/slide42.xml><?xml version="1.0" encoding="utf-8"?>
+<file path=ppt/slides/slide44.xml><?xml version="1.0" encoding="utf-8"?>
 <p:sld xmlns:a="http://schemas.openxmlformats.org/drawingml/2006/main" xmlns:r="http://schemas.openxmlformats.org/officeDocument/2006/relationships" xmlns:p="http://schemas.openxmlformats.org/presentationml/2006/main">
   <p:cSld>
     <p:spTree>
@@ -10272,7 +11344,7 @@
 </p:sld>
 </file>
 
-<file path=ppt/slides/slide43.xml><?xml version="1.0" encoding="utf-8"?>
+<file path=ppt/slides/slide45.xml><?xml version="1.0" encoding="utf-8"?>
 <p:sld xmlns:a="http://schemas.openxmlformats.org/drawingml/2006/main" xmlns:r="http://schemas.openxmlformats.org/officeDocument/2006/relationships" xmlns:p="http://schemas.openxmlformats.org/presentationml/2006/main">
   <p:cSld>
     <p:spTree>
@@ -10367,7 +11439,7 @@
 </p:sld>
 </file>
 
-<file path=ppt/slides/slide44.xml><?xml version="1.0" encoding="utf-8"?>
+<file path=ppt/slides/slide46.xml><?xml version="1.0" encoding="utf-8"?>
 <p:sld xmlns:a="http://schemas.openxmlformats.org/drawingml/2006/main" xmlns:r="http://schemas.openxmlformats.org/officeDocument/2006/relationships" xmlns:p="http://schemas.openxmlformats.org/presentationml/2006/main">
   <p:cSld>
     <p:spTree>
@@ -10479,7 +11551,7 @@
 </p:sld>
 </file>
 
-<file path=ppt/slides/slide45.xml><?xml version="1.0" encoding="utf-8"?>
+<file path=ppt/slides/slide47.xml><?xml version="1.0" encoding="utf-8"?>
 <p:sld xmlns:a="http://schemas.openxmlformats.org/drawingml/2006/main" xmlns:r="http://schemas.openxmlformats.org/officeDocument/2006/relationships" xmlns:p="http://schemas.openxmlformats.org/presentationml/2006/main">
   <p:cSld>
     <p:spTree>
@@ -10553,255 +11625,6 @@
     <p:extLst>
       <p:ext uri="{BB962C8B-B14F-4D97-AF65-F5344CB8AC3E}">
         <p14:creationId xmlns:p14="http://schemas.microsoft.com/office/powerpoint/2010/main" val="2323954431"/>
-      </p:ext>
-    </p:extLst>
-  </p:cSld>
-  <p:clrMapOvr>
-    <a:masterClrMapping/>
-  </p:clrMapOvr>
-  <mc:AlternateContent xmlns:mc="http://schemas.openxmlformats.org/markup-compatibility/2006" xmlns:p14="http://schemas.microsoft.com/office/powerpoint/2010/main">
-    <mc:Choice Requires="p14">
-      <p:transition spd="med" p14:dur="700">
-        <p:fade/>
-      </p:transition>
-    </mc:Choice>
-    <mc:Fallback xmlns="">
-      <p:transition spd="med">
-        <p:fade/>
-      </p:transition>
-    </mc:Fallback>
-  </mc:AlternateContent>
-</p:sld>
-</file>
-
-<file path=ppt/slides/slide46.xml><?xml version="1.0" encoding="utf-8"?>
-<p:sld xmlns:a="http://schemas.openxmlformats.org/drawingml/2006/main" xmlns:r="http://schemas.openxmlformats.org/officeDocument/2006/relationships" xmlns:p="http://schemas.openxmlformats.org/presentationml/2006/main">
-  <p:cSld>
-    <p:spTree>
-      <p:nvGrpSpPr>
-        <p:cNvPr id="1" name=""/>
-        <p:cNvGrpSpPr/>
-        <p:nvPr/>
-      </p:nvGrpSpPr>
-      <p:grpSpPr>
-        <a:xfrm>
-          <a:off x="0" y="0"/>
-          <a:ext cx="0" cy="0"/>
-          <a:chOff x="0" y="0"/>
-          <a:chExt cx="0" cy="0"/>
-        </a:xfrm>
-      </p:grpSpPr>
-      <p:sp>
-        <p:nvSpPr>
-          <p:cNvPr id="2" name="Content Placeholder 1"/>
-          <p:cNvSpPr>
-            <a:spLocks noGrp="1"/>
-          </p:cNvSpPr>
-          <p:nvPr>
-            <p:ph idx="1"/>
-          </p:nvPr>
-        </p:nvSpPr>
-        <p:spPr/>
-        <p:txBody>
-          <a:bodyPr/>
-          <a:lstStyle/>
-          <a:p>
-            <a:pPr marL="0" indent="0">
-              <a:buNone/>
-            </a:pPr>
-            <a:r>
-              <a:rPr lang="en-US" dirty="0" smtClean="0"/>
-              <a:t>Measure </a:t>
-            </a:r>
-          </a:p>
-          <a:p>
-            <a:r>
-              <a:rPr lang="en-US" dirty="0" smtClean="0"/>
-              <a:t>NDCG </a:t>
-            </a:r>
-          </a:p>
-          <a:p>
-            <a:r>
-              <a:rPr lang="en-US" dirty="0" err="1" smtClean="0"/>
-              <a:t>Precision@K</a:t>
-            </a:r>
-            <a:r>
-              <a:rPr lang="en-US" dirty="0" smtClean="0"/>
-              <a:t>  </a:t>
-            </a:r>
-          </a:p>
-          <a:p>
-            <a:endParaRPr lang="en-US" dirty="0"/>
-          </a:p>
-          <a:p>
-            <a:endParaRPr lang="en-US" dirty="0"/>
-          </a:p>
-        </p:txBody>
-      </p:sp>
-      <p:sp>
-        <p:nvSpPr>
-          <p:cNvPr id="3" name="Title 2"/>
-          <p:cNvSpPr>
-            <a:spLocks noGrp="1"/>
-          </p:cNvSpPr>
-          <p:nvPr>
-            <p:ph type="title"/>
-          </p:nvPr>
-        </p:nvSpPr>
-        <p:spPr>
-          <a:xfrm>
-            <a:off x="1562100" y="365125"/>
-            <a:ext cx="9791700" cy="1325563"/>
-          </a:xfrm>
-        </p:spPr>
-        <p:txBody>
-          <a:bodyPr/>
-          <a:lstStyle/>
-          <a:p>
-            <a:r>
-              <a:rPr lang="en-US" dirty="0"/>
-              <a:t>EVALUATION – </a:t>
-            </a:r>
-            <a:r>
-              <a:rPr lang="en-US" dirty="0" smtClean="0"/>
-              <a:t>System Performance </a:t>
-            </a:r>
-            <a:endParaRPr lang="en-US" dirty="0"/>
-          </a:p>
-        </p:txBody>
-      </p:sp>
-      <p:pic>
-        <p:nvPicPr>
-          <p:cNvPr id="4" name="Picture 3"/>
-          <p:cNvPicPr>
-            <a:picLocks noChangeAspect="1"/>
-          </p:cNvPicPr>
-          <p:nvPr/>
-        </p:nvPicPr>
-        <p:blipFill>
-          <a:blip r:embed="rId2"/>
-          <a:stretch>
-            <a:fillRect/>
-          </a:stretch>
-        </p:blipFill>
-        <p:spPr>
-          <a:xfrm>
-            <a:off x="2505410" y="3329054"/>
-            <a:ext cx="4064128" cy="1088399"/>
-          </a:xfrm>
-          <a:prstGeom prst="rect">
-            <a:avLst/>
-          </a:prstGeom>
-        </p:spPr>
-      </p:pic>
-    </p:spTree>
-    <p:extLst>
-      <p:ext uri="{BB962C8B-B14F-4D97-AF65-F5344CB8AC3E}">
-        <p14:creationId xmlns:p14="http://schemas.microsoft.com/office/powerpoint/2010/main" val="3764817134"/>
-      </p:ext>
-    </p:extLst>
-  </p:cSld>
-  <p:clrMapOvr>
-    <a:masterClrMapping/>
-  </p:clrMapOvr>
-  <mc:AlternateContent xmlns:mc="http://schemas.openxmlformats.org/markup-compatibility/2006" xmlns:p14="http://schemas.microsoft.com/office/powerpoint/2010/main">
-    <mc:Choice Requires="p14">
-      <p:transition spd="med" p14:dur="700">
-        <p:fade/>
-      </p:transition>
-    </mc:Choice>
-    <mc:Fallback xmlns="">
-      <p:transition spd="med">
-        <p:fade/>
-      </p:transition>
-    </mc:Fallback>
-  </mc:AlternateContent>
-</p:sld>
-</file>
-
-<file path=ppt/slides/slide47.xml><?xml version="1.0" encoding="utf-8"?>
-<p:sld xmlns:a="http://schemas.openxmlformats.org/drawingml/2006/main" xmlns:r="http://schemas.openxmlformats.org/officeDocument/2006/relationships" xmlns:p="http://schemas.openxmlformats.org/presentationml/2006/main">
-  <p:cSld>
-    <p:spTree>
-      <p:nvGrpSpPr>
-        <p:cNvPr id="1" name=""/>
-        <p:cNvGrpSpPr/>
-        <p:nvPr/>
-      </p:nvGrpSpPr>
-      <p:grpSpPr>
-        <a:xfrm>
-          <a:off x="0" y="0"/>
-          <a:ext cx="0" cy="0"/>
-          <a:chOff x="0" y="0"/>
-          <a:chExt cx="0" cy="0"/>
-        </a:xfrm>
-      </p:grpSpPr>
-      <p:sp>
-        <p:nvSpPr>
-          <p:cNvPr id="2" name="Content Placeholder 1"/>
-          <p:cNvSpPr>
-            <a:spLocks noGrp="1"/>
-          </p:cNvSpPr>
-          <p:nvPr>
-            <p:ph idx="1"/>
-          </p:nvPr>
-        </p:nvSpPr>
-        <p:spPr/>
-        <p:txBody>
-          <a:bodyPr/>
-          <a:lstStyle/>
-          <a:p>
-            <a:r>
-              <a:rPr lang="en-US" dirty="0" smtClean="0"/>
-              <a:t>5 resumes </a:t>
-            </a:r>
-          </a:p>
-          <a:p>
-            <a:r>
-              <a:rPr lang="en-US" dirty="0" smtClean="0"/>
-              <a:t>100 jobs </a:t>
-            </a:r>
-          </a:p>
-          <a:p>
-            <a:r>
-              <a:rPr lang="en-US" dirty="0" smtClean="0"/>
-              <a:t>Relevance value manually assigned </a:t>
-            </a:r>
-            <a:endParaRPr lang="en-US" dirty="0"/>
-          </a:p>
-        </p:txBody>
-      </p:sp>
-      <p:sp>
-        <p:nvSpPr>
-          <p:cNvPr id="3" name="Title 2"/>
-          <p:cNvSpPr>
-            <a:spLocks noGrp="1"/>
-          </p:cNvSpPr>
-          <p:nvPr>
-            <p:ph type="title"/>
-          </p:nvPr>
-        </p:nvSpPr>
-        <p:spPr>
-          <a:xfrm>
-            <a:off x="1461216" y="326489"/>
-            <a:ext cx="9029700" cy="1325563"/>
-          </a:xfrm>
-        </p:spPr>
-        <p:txBody>
-          <a:bodyPr/>
-          <a:lstStyle/>
-          <a:p>
-            <a:r>
-              <a:rPr lang="en-US" dirty="0"/>
-              <a:t>EVALUATION – System Performance </a:t>
-            </a:r>
-          </a:p>
-        </p:txBody>
-      </p:sp>
-    </p:spTree>
-    <p:extLst>
-      <p:ext uri="{BB962C8B-B14F-4D97-AF65-F5344CB8AC3E}">
-        <p14:creationId xmlns:p14="http://schemas.microsoft.com/office/powerpoint/2010/main" val="1952061959"/>
       </p:ext>
     </p:extLst>
   </p:cSld>
@@ -10840,15 +11663,90 @@
           <a:chExt cx="0" cy="0"/>
         </a:xfrm>
       </p:grpSpPr>
+      <p:sp>
+        <p:nvSpPr>
+          <p:cNvPr id="2" name="Content Placeholder 1"/>
+          <p:cNvSpPr>
+            <a:spLocks noGrp="1"/>
+          </p:cNvSpPr>
+          <p:nvPr>
+            <p:ph idx="1"/>
+          </p:nvPr>
+        </p:nvSpPr>
+        <p:spPr/>
+        <p:txBody>
+          <a:bodyPr/>
+          <a:lstStyle/>
+          <a:p>
+            <a:r>
+              <a:rPr lang="en-US" sz="3600" dirty="0"/>
+              <a:t>NDCG </a:t>
+            </a:r>
+          </a:p>
+          <a:p>
+            <a:endParaRPr lang="en-US" sz="3600" dirty="0" smtClean="0"/>
+          </a:p>
+          <a:p>
+            <a:r>
+              <a:rPr lang="en-US" sz="3600" dirty="0" err="1" smtClean="0"/>
+              <a:t>Precision@K</a:t>
+            </a:r>
+            <a:r>
+              <a:rPr lang="en-US" sz="3600" dirty="0" smtClean="0"/>
+              <a:t> </a:t>
+            </a:r>
+          </a:p>
+          <a:p>
+            <a:r>
+              <a:rPr lang="en-US" dirty="0" smtClean="0"/>
+              <a:t>The </a:t>
+            </a:r>
+            <a:r>
+              <a:rPr lang="en-US" dirty="0"/>
+              <a:t>proportion of relevant documents in the first </a:t>
+            </a:r>
+            <a:r>
+              <a:rPr lang="en-US" dirty="0" smtClean="0"/>
+              <a:t>K</a:t>
+            </a:r>
+            <a:endParaRPr lang="en-US" dirty="0"/>
+          </a:p>
+        </p:txBody>
+      </p:sp>
+      <p:sp>
+        <p:nvSpPr>
+          <p:cNvPr id="3" name="Title 2"/>
+          <p:cNvSpPr>
+            <a:spLocks noGrp="1"/>
+          </p:cNvSpPr>
+          <p:nvPr>
+            <p:ph type="title"/>
+          </p:nvPr>
+        </p:nvSpPr>
+        <p:spPr>
+          <a:xfrm>
+            <a:off x="1461216" y="326489"/>
+            <a:ext cx="9029700" cy="1325563"/>
+          </a:xfrm>
+        </p:spPr>
+        <p:txBody>
+          <a:bodyPr/>
+          <a:lstStyle/>
+          <a:p>
+            <a:r>
+              <a:rPr lang="en-US" dirty="0"/>
+              <a:t>EVALUATION – System Performance </a:t>
+            </a:r>
+          </a:p>
+        </p:txBody>
+      </p:sp>
       <p:pic>
         <p:nvPicPr>
-          <p:cNvPr id="4" name="Content Placeholder 3"/>
+          <p:cNvPr id="4" name="Picture 3"/>
           <p:cNvPicPr>
-            <a:picLocks noGrp="1" noChangeAspect="1"/>
+            <a:picLocks noChangeAspect="1"/>
           </p:cNvPicPr>
-          <p:nvPr>
-            <p:ph idx="1"/>
-          </p:nvPr>
+          <p:nvPr/>
         </p:nvPicPr>
         <p:blipFill>
           <a:blip r:embed="rId2"/>
@@ -10858,8 +11756,752 @@
         </p:blipFill>
         <p:spPr>
           <a:xfrm>
-            <a:off x="1798883" y="2599509"/>
-            <a:ext cx="7419434" cy="2989921"/>
+            <a:off x="1887962" y="4476885"/>
+            <a:ext cx="4945353" cy="1511792"/>
+          </a:xfrm>
+          <a:prstGeom prst="rect">
+            <a:avLst/>
+          </a:prstGeom>
+        </p:spPr>
+      </p:pic>
+    </p:spTree>
+    <p:extLst>
+      <p:ext uri="{BB962C8B-B14F-4D97-AF65-F5344CB8AC3E}">
+        <p14:creationId xmlns:p14="http://schemas.microsoft.com/office/powerpoint/2010/main" val="1011031517"/>
+      </p:ext>
+    </p:extLst>
+  </p:cSld>
+  <p:clrMapOvr>
+    <a:masterClrMapping/>
+  </p:clrMapOvr>
+  <mc:AlternateContent xmlns:mc="http://schemas.openxmlformats.org/markup-compatibility/2006">
+    <mc:Choice xmlns:p14="http://schemas.microsoft.com/office/powerpoint/2010/main" Requires="p14">
+      <p:transition spd="med" p14:dur="700">
+        <p:fade/>
+      </p:transition>
+    </mc:Choice>
+    <mc:Fallback>
+      <p:transition spd="med">
+        <p:fade/>
+      </p:transition>
+    </mc:Fallback>
+  </mc:AlternateContent>
+</p:sld>
+</file>
+
+<file path=ppt/slides/slide49.xml><?xml version="1.0" encoding="utf-8"?>
+<p:sld xmlns:a="http://schemas.openxmlformats.org/drawingml/2006/main" xmlns:r="http://schemas.openxmlformats.org/officeDocument/2006/relationships" xmlns:p="http://schemas.openxmlformats.org/presentationml/2006/main">
+  <p:cSld>
+    <p:spTree>
+      <p:nvGrpSpPr>
+        <p:cNvPr id="1" name=""/>
+        <p:cNvGrpSpPr/>
+        <p:nvPr/>
+      </p:nvGrpSpPr>
+      <p:grpSpPr>
+        <a:xfrm>
+          <a:off x="0" y="0"/>
+          <a:ext cx="0" cy="0"/>
+          <a:chOff x="0" y="0"/>
+          <a:chExt cx="0" cy="0"/>
+        </a:xfrm>
+      </p:grpSpPr>
+      <p:sp>
+        <p:nvSpPr>
+          <p:cNvPr id="2" name="Content Placeholder 1"/>
+          <p:cNvSpPr>
+            <a:spLocks noGrp="1"/>
+          </p:cNvSpPr>
+          <p:nvPr>
+            <p:ph idx="1"/>
+          </p:nvPr>
+        </p:nvSpPr>
+        <p:spPr/>
+        <p:txBody>
+          <a:bodyPr/>
+          <a:lstStyle/>
+          <a:p>
+            <a:r>
+              <a:rPr lang="en-US" dirty="0" err="1"/>
+              <a:t>Kullback-Leibler</a:t>
+            </a:r>
+            <a:r>
+              <a:rPr lang="en-US" dirty="0"/>
+              <a:t> </a:t>
+            </a:r>
+            <a:r>
+              <a:rPr lang="en-US" dirty="0" smtClean="0"/>
+              <a:t>divergence  </a:t>
+            </a:r>
+            <a:endParaRPr lang="en-US" dirty="0"/>
+          </a:p>
+        </p:txBody>
+      </p:sp>
+      <p:sp>
+        <p:nvSpPr>
+          <p:cNvPr id="3" name="Title 2"/>
+          <p:cNvSpPr>
+            <a:spLocks noGrp="1"/>
+          </p:cNvSpPr>
+          <p:nvPr>
+            <p:ph type="title"/>
+          </p:nvPr>
+        </p:nvSpPr>
+        <p:spPr/>
+        <p:txBody>
+          <a:bodyPr/>
+          <a:lstStyle/>
+          <a:p>
+            <a:r>
+              <a:rPr lang="en-US" dirty="0" smtClean="0"/>
+              <a:t>Models to Compare</a:t>
+            </a:r>
+            <a:endParaRPr lang="en-US" dirty="0"/>
+          </a:p>
+        </p:txBody>
+      </p:sp>
+      <p:pic>
+        <p:nvPicPr>
+          <p:cNvPr id="4" name="Picture 3"/>
+          <p:cNvPicPr>
+            <a:picLocks noChangeAspect="1"/>
+          </p:cNvPicPr>
+          <p:nvPr/>
+        </p:nvPicPr>
+        <p:blipFill>
+          <a:blip r:embed="rId2"/>
+          <a:stretch>
+            <a:fillRect/>
+          </a:stretch>
+        </p:blipFill>
+        <p:spPr>
+          <a:xfrm>
+            <a:off x="1562100" y="3027272"/>
+            <a:ext cx="9496425" cy="1704975"/>
+          </a:xfrm>
+          <a:prstGeom prst="rect">
+            <a:avLst/>
+          </a:prstGeom>
+        </p:spPr>
+      </p:pic>
+    </p:spTree>
+    <p:extLst>
+      <p:ext uri="{BB962C8B-B14F-4D97-AF65-F5344CB8AC3E}">
+        <p14:creationId xmlns:p14="http://schemas.microsoft.com/office/powerpoint/2010/main" val="1686792917"/>
+      </p:ext>
+    </p:extLst>
+  </p:cSld>
+  <p:clrMapOvr>
+    <a:masterClrMapping/>
+  </p:clrMapOvr>
+  <mc:AlternateContent xmlns:mc="http://schemas.openxmlformats.org/markup-compatibility/2006">
+    <mc:Choice xmlns:p14="http://schemas.microsoft.com/office/powerpoint/2010/main" Requires="p14">
+      <p:transition spd="med" p14:dur="700">
+        <p:fade/>
+      </p:transition>
+    </mc:Choice>
+    <mc:Fallback>
+      <p:transition spd="med">
+        <p:fade/>
+      </p:transition>
+    </mc:Fallback>
+  </mc:AlternateContent>
+</p:sld>
+</file>
+
+<file path=ppt/slides/slide5.xml><?xml version="1.0" encoding="utf-8"?>
+<p:sld xmlns:a="http://schemas.openxmlformats.org/drawingml/2006/main" xmlns:r="http://schemas.openxmlformats.org/officeDocument/2006/relationships" xmlns:p="http://schemas.openxmlformats.org/presentationml/2006/main">
+  <p:cSld>
+    <p:spTree>
+      <p:nvGrpSpPr>
+        <p:cNvPr id="1" name=""/>
+        <p:cNvGrpSpPr/>
+        <p:nvPr/>
+      </p:nvGrpSpPr>
+      <p:grpSpPr>
+        <a:xfrm>
+          <a:off x="0" y="0"/>
+          <a:ext cx="0" cy="0"/>
+          <a:chOff x="0" y="0"/>
+          <a:chExt cx="0" cy="0"/>
+        </a:xfrm>
+      </p:grpSpPr>
+      <p:sp>
+        <p:nvSpPr>
+          <p:cNvPr id="2" name="Content Placeholder 1"/>
+          <p:cNvSpPr>
+            <a:spLocks noGrp="1"/>
+          </p:cNvSpPr>
+          <p:nvPr>
+            <p:ph idx="1"/>
+          </p:nvPr>
+        </p:nvSpPr>
+        <p:spPr/>
+        <p:txBody>
+          <a:bodyPr/>
+          <a:lstStyle/>
+          <a:p>
+            <a:r>
+              <a:rPr lang="en-US" dirty="0" smtClean="0"/>
+              <a:t>A resume has completed personal information </a:t>
+            </a:r>
+          </a:p>
+          <a:p>
+            <a:pPr lvl="1"/>
+            <a:r>
+              <a:rPr lang="en-US" dirty="0" smtClean="0"/>
+              <a:t>Education </a:t>
+            </a:r>
+          </a:p>
+          <a:p>
+            <a:pPr lvl="1"/>
+            <a:r>
+              <a:rPr lang="en-US" dirty="0"/>
+              <a:t>Work </a:t>
+            </a:r>
+            <a:r>
+              <a:rPr lang="en-US" dirty="0" smtClean="0"/>
+              <a:t>experience</a:t>
+            </a:r>
+          </a:p>
+          <a:p>
+            <a:pPr lvl="1"/>
+            <a:r>
+              <a:rPr lang="en-US" dirty="0" smtClean="0"/>
+              <a:t>Skills </a:t>
+            </a:r>
+          </a:p>
+          <a:p>
+            <a:pPr lvl="1"/>
+            <a:endParaRPr lang="en-US" dirty="0"/>
+          </a:p>
+          <a:p>
+            <a:r>
+              <a:rPr lang="en-US" dirty="0" smtClean="0"/>
+              <a:t>Finding similarity between resumes and jobs</a:t>
+            </a:r>
+          </a:p>
+          <a:p>
+            <a:r>
+              <a:rPr lang="en-US" dirty="0" smtClean="0"/>
+              <a:t>Ranking the jobs by their similarity value</a:t>
+            </a:r>
+          </a:p>
+        </p:txBody>
+      </p:sp>
+      <p:sp>
+        <p:nvSpPr>
+          <p:cNvPr id="3" name="Title 2"/>
+          <p:cNvSpPr>
+            <a:spLocks noGrp="1"/>
+          </p:cNvSpPr>
+          <p:nvPr>
+            <p:ph type="title"/>
+          </p:nvPr>
+        </p:nvSpPr>
+        <p:spPr/>
+        <p:txBody>
+          <a:bodyPr/>
+          <a:lstStyle/>
+          <a:p>
+            <a:r>
+              <a:rPr lang="en-US" dirty="0" smtClean="0"/>
+              <a:t>Main idea of </a:t>
+            </a:r>
+            <a:r>
+              <a:rPr lang="en-US" dirty="0" err="1" smtClean="0"/>
+              <a:t>JobFinder</a:t>
+            </a:r>
+            <a:endParaRPr lang="en-US" dirty="0"/>
+          </a:p>
+        </p:txBody>
+      </p:sp>
+    </p:spTree>
+    <p:extLst>
+      <p:ext uri="{BB962C8B-B14F-4D97-AF65-F5344CB8AC3E}">
+        <p14:creationId xmlns:p14="http://schemas.microsoft.com/office/powerpoint/2010/main" val="3416989218"/>
+      </p:ext>
+    </p:extLst>
+  </p:cSld>
+  <p:clrMapOvr>
+    <a:masterClrMapping/>
+  </p:clrMapOvr>
+  <mc:AlternateContent xmlns:mc="http://schemas.openxmlformats.org/markup-compatibility/2006" xmlns:p14="http://schemas.microsoft.com/office/powerpoint/2010/main">
+    <mc:Choice Requires="p14">
+      <p:transition spd="med" p14:dur="700">
+        <p:fade/>
+      </p:transition>
+    </mc:Choice>
+    <mc:Fallback xmlns="">
+      <p:transition spd="med">
+        <p:fade/>
+      </p:transition>
+    </mc:Fallback>
+  </mc:AlternateContent>
+</p:sld>
+</file>
+
+<file path=ppt/slides/slide50.xml><?xml version="1.0" encoding="utf-8"?>
+<p:sld xmlns:a="http://schemas.openxmlformats.org/drawingml/2006/main" xmlns:r="http://schemas.openxmlformats.org/officeDocument/2006/relationships" xmlns:p="http://schemas.openxmlformats.org/presentationml/2006/main">
+  <p:cSld>
+    <p:spTree>
+      <p:nvGrpSpPr>
+        <p:cNvPr id="1" name=""/>
+        <p:cNvGrpSpPr/>
+        <p:nvPr/>
+      </p:nvGrpSpPr>
+      <p:grpSpPr>
+        <a:xfrm>
+          <a:off x="0" y="0"/>
+          <a:ext cx="0" cy="0"/>
+          <a:chOff x="0" y="0"/>
+          <a:chExt cx="0" cy="0"/>
+        </a:xfrm>
+      </p:grpSpPr>
+      <p:sp>
+        <p:nvSpPr>
+          <p:cNvPr id="2" name="Content Placeholder 1"/>
+          <p:cNvSpPr>
+            <a:spLocks noGrp="1"/>
+          </p:cNvSpPr>
+          <p:nvPr>
+            <p:ph idx="1"/>
+          </p:nvPr>
+        </p:nvSpPr>
+        <p:spPr/>
+        <p:txBody>
+          <a:bodyPr/>
+          <a:lstStyle/>
+          <a:p>
+            <a:r>
+              <a:rPr lang="en-US" dirty="0" smtClean="0"/>
+              <a:t>T</a:t>
+            </a:r>
+            <a:r>
+              <a:rPr lang="en-US" altLang="zh-CN" dirty="0" smtClean="0"/>
+              <a:t>F</a:t>
+            </a:r>
+            <a:r>
+              <a:rPr lang="en-US" dirty="0" smtClean="0"/>
+              <a:t>-IDF</a:t>
+            </a:r>
+            <a:r>
+              <a:rPr lang="zh-CN" altLang="en-US" dirty="0" smtClean="0"/>
+              <a:t>：</a:t>
+            </a:r>
+            <a:endParaRPr lang="en-US" altLang="zh-CN" dirty="0" smtClean="0"/>
+          </a:p>
+          <a:p>
+            <a:r>
+              <a:rPr lang="en-US" altLang="zh-CN" dirty="0" smtClean="0"/>
+              <a:t>TF is </a:t>
+            </a:r>
+            <a:r>
+              <a:rPr lang="en-US" altLang="zh-CN" dirty="0"/>
+              <a:t>the </a:t>
+            </a:r>
+            <a:r>
+              <a:rPr lang="en-US" altLang="zh-CN" dirty="0" smtClean="0"/>
+              <a:t>term</a:t>
+            </a:r>
+            <a:r>
+              <a:rPr lang="en-US" altLang="zh-CN" dirty="0"/>
+              <a:t> </a:t>
+            </a:r>
+            <a:r>
+              <a:rPr lang="en-US" altLang="zh-CN" dirty="0" smtClean="0"/>
+              <a:t>frequency </a:t>
+            </a:r>
+          </a:p>
+          <a:p>
+            <a:r>
+              <a:rPr lang="en-US" altLang="zh-CN" dirty="0" smtClean="0"/>
+              <a:t>IDF </a:t>
+            </a:r>
+            <a:r>
+              <a:rPr lang="en-US" altLang="zh-CN" dirty="0"/>
+              <a:t>is the inverse document frequency</a:t>
+            </a:r>
+            <a:endParaRPr lang="en-US" dirty="0"/>
+          </a:p>
+        </p:txBody>
+      </p:sp>
+      <p:sp>
+        <p:nvSpPr>
+          <p:cNvPr id="3" name="Title 2"/>
+          <p:cNvSpPr>
+            <a:spLocks noGrp="1"/>
+          </p:cNvSpPr>
+          <p:nvPr>
+            <p:ph type="title"/>
+          </p:nvPr>
+        </p:nvSpPr>
+        <p:spPr/>
+        <p:txBody>
+          <a:bodyPr/>
+          <a:lstStyle/>
+          <a:p>
+            <a:r>
+              <a:rPr lang="en-US" dirty="0" smtClean="0"/>
+              <a:t>Models to Compare</a:t>
+            </a:r>
+            <a:endParaRPr lang="en-US" dirty="0"/>
+          </a:p>
+        </p:txBody>
+      </p:sp>
+      <p:pic>
+        <p:nvPicPr>
+          <p:cNvPr id="5" name="Picture 4"/>
+          <p:cNvPicPr>
+            <a:picLocks noChangeAspect="1"/>
+          </p:cNvPicPr>
+          <p:nvPr/>
+        </p:nvPicPr>
+        <p:blipFill>
+          <a:blip r:embed="rId2"/>
+          <a:stretch>
+            <a:fillRect/>
+          </a:stretch>
+        </p:blipFill>
+        <p:spPr>
+          <a:xfrm>
+            <a:off x="2324100" y="3522629"/>
+            <a:ext cx="5624314" cy="957330"/>
+          </a:xfrm>
+          <a:prstGeom prst="rect">
+            <a:avLst/>
+          </a:prstGeom>
+        </p:spPr>
+      </p:pic>
+      <p:pic>
+        <p:nvPicPr>
+          <p:cNvPr id="6" name="Picture 5"/>
+          <p:cNvPicPr>
+            <a:picLocks noChangeAspect="1"/>
+          </p:cNvPicPr>
+          <p:nvPr/>
+        </p:nvPicPr>
+        <p:blipFill>
+          <a:blip r:embed="rId3"/>
+          <a:stretch>
+            <a:fillRect/>
+          </a:stretch>
+        </p:blipFill>
+        <p:spPr>
+          <a:xfrm>
+            <a:off x="2483544" y="4698788"/>
+            <a:ext cx="5305425" cy="1247775"/>
+          </a:xfrm>
+          <a:prstGeom prst="rect">
+            <a:avLst/>
+          </a:prstGeom>
+        </p:spPr>
+      </p:pic>
+    </p:spTree>
+    <p:extLst>
+      <p:ext uri="{BB962C8B-B14F-4D97-AF65-F5344CB8AC3E}">
+        <p14:creationId xmlns:p14="http://schemas.microsoft.com/office/powerpoint/2010/main" val="3794372381"/>
+      </p:ext>
+    </p:extLst>
+  </p:cSld>
+  <p:clrMapOvr>
+    <a:masterClrMapping/>
+  </p:clrMapOvr>
+  <mc:AlternateContent xmlns:mc="http://schemas.openxmlformats.org/markup-compatibility/2006">
+    <mc:Choice xmlns:p14="http://schemas.microsoft.com/office/powerpoint/2010/main" Requires="p14">
+      <p:transition spd="med" p14:dur="700">
+        <p:fade/>
+      </p:transition>
+    </mc:Choice>
+    <mc:Fallback>
+      <p:transition spd="med">
+        <p:fade/>
+      </p:transition>
+    </mc:Fallback>
+  </mc:AlternateContent>
+</p:sld>
+</file>
+
+<file path=ppt/slides/slide51.xml><?xml version="1.0" encoding="utf-8"?>
+<p:sld xmlns:a="http://schemas.openxmlformats.org/drawingml/2006/main" xmlns:r="http://schemas.openxmlformats.org/officeDocument/2006/relationships" xmlns:p="http://schemas.openxmlformats.org/presentationml/2006/main">
+  <p:cSld>
+    <p:spTree>
+      <p:nvGrpSpPr>
+        <p:cNvPr id="1" name=""/>
+        <p:cNvGrpSpPr/>
+        <p:nvPr/>
+      </p:nvGrpSpPr>
+      <p:grpSpPr>
+        <a:xfrm>
+          <a:off x="0" y="0"/>
+          <a:ext cx="0" cy="0"/>
+          <a:chOff x="0" y="0"/>
+          <a:chExt cx="0" cy="0"/>
+        </a:xfrm>
+      </p:grpSpPr>
+      <p:sp>
+        <p:nvSpPr>
+          <p:cNvPr id="2" name="Content Placeholder 1"/>
+          <p:cNvSpPr>
+            <a:spLocks noGrp="1"/>
+          </p:cNvSpPr>
+          <p:nvPr>
+            <p:ph idx="1"/>
+          </p:nvPr>
+        </p:nvSpPr>
+        <p:spPr/>
+        <p:txBody>
+          <a:bodyPr/>
+          <a:lstStyle/>
+          <a:p>
+            <a:r>
+              <a:rPr lang="en-US" dirty="0"/>
+              <a:t>Okapi BM25: </a:t>
+            </a:r>
+            <a:endParaRPr lang="en-US" dirty="0" smtClean="0"/>
+          </a:p>
+          <a:p>
+            <a:r>
+              <a:rPr lang="en-US" dirty="0" smtClean="0"/>
+              <a:t>Given </a:t>
+            </a:r>
+            <a:r>
+              <a:rPr lang="en-US" dirty="0"/>
+              <a:t>a query Q, containing the keywords q1,...,</a:t>
+            </a:r>
+            <a:r>
+              <a:rPr lang="en-US" dirty="0" err="1"/>
+              <a:t>qn</a:t>
+            </a:r>
+            <a:r>
+              <a:rPr lang="en-US" dirty="0"/>
+              <a:t>, the </a:t>
+            </a:r>
+            <a:r>
+              <a:rPr lang="en-US" dirty="0" smtClean="0"/>
+              <a:t>BM25 score </a:t>
+            </a:r>
+            <a:r>
+              <a:rPr lang="en-US" dirty="0"/>
+              <a:t>of a document D</a:t>
+            </a:r>
+          </a:p>
+        </p:txBody>
+      </p:sp>
+      <p:sp>
+        <p:nvSpPr>
+          <p:cNvPr id="3" name="Title 2"/>
+          <p:cNvSpPr>
+            <a:spLocks noGrp="1"/>
+          </p:cNvSpPr>
+          <p:nvPr>
+            <p:ph type="title"/>
+          </p:nvPr>
+        </p:nvSpPr>
+        <p:spPr/>
+        <p:txBody>
+          <a:bodyPr/>
+          <a:lstStyle/>
+          <a:p>
+            <a:r>
+              <a:rPr lang="en-US" dirty="0" smtClean="0"/>
+              <a:t>Models to Compare</a:t>
+            </a:r>
+            <a:endParaRPr lang="en-US" dirty="0"/>
+          </a:p>
+        </p:txBody>
+      </p:sp>
+      <p:pic>
+        <p:nvPicPr>
+          <p:cNvPr id="5" name="Picture 4"/>
+          <p:cNvPicPr>
+            <a:picLocks noChangeAspect="1"/>
+          </p:cNvPicPr>
+          <p:nvPr/>
+        </p:nvPicPr>
+        <p:blipFill>
+          <a:blip r:embed="rId2"/>
+          <a:stretch>
+            <a:fillRect/>
+          </a:stretch>
+        </p:blipFill>
+        <p:spPr>
+          <a:xfrm>
+            <a:off x="1235299" y="4001294"/>
+            <a:ext cx="10210800" cy="1104900"/>
+          </a:xfrm>
+          <a:prstGeom prst="rect">
+            <a:avLst/>
+          </a:prstGeom>
+        </p:spPr>
+      </p:pic>
+    </p:spTree>
+    <p:extLst>
+      <p:ext uri="{BB962C8B-B14F-4D97-AF65-F5344CB8AC3E}">
+        <p14:creationId xmlns:p14="http://schemas.microsoft.com/office/powerpoint/2010/main" val="848230397"/>
+      </p:ext>
+    </p:extLst>
+  </p:cSld>
+  <p:clrMapOvr>
+    <a:masterClrMapping/>
+  </p:clrMapOvr>
+  <mc:AlternateContent xmlns:mc="http://schemas.openxmlformats.org/markup-compatibility/2006">
+    <mc:Choice xmlns:p14="http://schemas.microsoft.com/office/powerpoint/2010/main" Requires="p14">
+      <p:transition spd="med" p14:dur="700">
+        <p:fade/>
+      </p:transition>
+    </mc:Choice>
+    <mc:Fallback>
+      <p:transition spd="med">
+        <p:fade/>
+      </p:transition>
+    </mc:Fallback>
+  </mc:AlternateContent>
+</p:sld>
+</file>
+
+<file path=ppt/slides/slide52.xml><?xml version="1.0" encoding="utf-8"?>
+<p:sld xmlns:a="http://schemas.openxmlformats.org/drawingml/2006/main" xmlns:r="http://schemas.openxmlformats.org/officeDocument/2006/relationships" xmlns:p="http://schemas.openxmlformats.org/presentationml/2006/main">
+  <p:cSld>
+    <p:spTree>
+      <p:nvGrpSpPr>
+        <p:cNvPr id="1" name=""/>
+        <p:cNvGrpSpPr/>
+        <p:nvPr/>
+      </p:nvGrpSpPr>
+      <p:grpSpPr>
+        <a:xfrm>
+          <a:off x="0" y="0"/>
+          <a:ext cx="0" cy="0"/>
+          <a:chOff x="0" y="0"/>
+          <a:chExt cx="0" cy="0"/>
+        </a:xfrm>
+      </p:grpSpPr>
+      <p:sp>
+        <p:nvSpPr>
+          <p:cNvPr id="2" name="Content Placeholder 1"/>
+          <p:cNvSpPr>
+            <a:spLocks noGrp="1"/>
+          </p:cNvSpPr>
+          <p:nvPr>
+            <p:ph idx="1"/>
+          </p:nvPr>
+        </p:nvSpPr>
+        <p:spPr/>
+        <p:txBody>
+          <a:bodyPr/>
+          <a:lstStyle/>
+          <a:p>
+            <a:r>
+              <a:rPr lang="en-US" dirty="0" smtClean="0"/>
+              <a:t>5 resumes </a:t>
+            </a:r>
+          </a:p>
+          <a:p>
+            <a:r>
+              <a:rPr lang="en-US" dirty="0" smtClean="0"/>
+              <a:t>100 jobs </a:t>
+            </a:r>
+          </a:p>
+          <a:p>
+            <a:r>
+              <a:rPr lang="en-US" dirty="0" smtClean="0"/>
+              <a:t>Relevance value manually assigned </a:t>
+            </a:r>
+            <a:endParaRPr lang="en-US" dirty="0"/>
+          </a:p>
+        </p:txBody>
+      </p:sp>
+      <p:sp>
+        <p:nvSpPr>
+          <p:cNvPr id="3" name="Title 2"/>
+          <p:cNvSpPr>
+            <a:spLocks noGrp="1"/>
+          </p:cNvSpPr>
+          <p:nvPr>
+            <p:ph type="title"/>
+          </p:nvPr>
+        </p:nvSpPr>
+        <p:spPr>
+          <a:xfrm>
+            <a:off x="1461216" y="326489"/>
+            <a:ext cx="9029700" cy="1325563"/>
+          </a:xfrm>
+        </p:spPr>
+        <p:txBody>
+          <a:bodyPr/>
+          <a:lstStyle/>
+          <a:p>
+            <a:r>
+              <a:rPr lang="en-US" dirty="0" smtClean="0"/>
+              <a:t>Experiment Setup </a:t>
+            </a:r>
+            <a:endParaRPr lang="en-US" dirty="0"/>
+          </a:p>
+        </p:txBody>
+      </p:sp>
+    </p:spTree>
+    <p:extLst>
+      <p:ext uri="{BB962C8B-B14F-4D97-AF65-F5344CB8AC3E}">
+        <p14:creationId xmlns:p14="http://schemas.microsoft.com/office/powerpoint/2010/main" val="1952061959"/>
+      </p:ext>
+    </p:extLst>
+  </p:cSld>
+  <p:clrMapOvr>
+    <a:masterClrMapping/>
+  </p:clrMapOvr>
+  <mc:AlternateContent xmlns:mc="http://schemas.openxmlformats.org/markup-compatibility/2006" xmlns:p14="http://schemas.microsoft.com/office/powerpoint/2010/main">
+    <mc:Choice Requires="p14">
+      <p:transition spd="med" p14:dur="700">
+        <p:fade/>
+      </p:transition>
+    </mc:Choice>
+    <mc:Fallback xmlns="">
+      <p:transition spd="med">
+        <p:fade/>
+      </p:transition>
+    </mc:Fallback>
+  </mc:AlternateContent>
+</p:sld>
+</file>
+
+<file path=ppt/slides/slide53.xml><?xml version="1.0" encoding="utf-8"?>
+<p:sld xmlns:a="http://schemas.openxmlformats.org/drawingml/2006/main" xmlns:r="http://schemas.openxmlformats.org/officeDocument/2006/relationships" xmlns:p="http://schemas.openxmlformats.org/presentationml/2006/main">
+  <p:cSld>
+    <p:spTree>
+      <p:nvGrpSpPr>
+        <p:cNvPr id="1" name=""/>
+        <p:cNvGrpSpPr/>
+        <p:nvPr/>
+      </p:nvGrpSpPr>
+      <p:grpSpPr>
+        <a:xfrm>
+          <a:off x="0" y="0"/>
+          <a:ext cx="0" cy="0"/>
+          <a:chOff x="0" y="0"/>
+          <a:chExt cx="0" cy="0"/>
+        </a:xfrm>
+      </p:grpSpPr>
+      <p:pic>
+        <p:nvPicPr>
+          <p:cNvPr id="4" name="Content Placeholder 3"/>
+          <p:cNvPicPr>
+            <a:picLocks noGrp="1" noChangeAspect="1"/>
+          </p:cNvPicPr>
+          <p:nvPr>
+            <p:ph idx="1"/>
+          </p:nvPr>
+        </p:nvPicPr>
+        <p:blipFill>
+          <a:blip r:embed="rId2"/>
+          <a:stretch>
+            <a:fillRect/>
+          </a:stretch>
+        </p:blipFill>
+        <p:spPr>
+          <a:xfrm>
+            <a:off x="1708730" y="2200264"/>
+            <a:ext cx="8058609" cy="3247499"/>
           </a:xfrm>
           <a:prstGeom prst="rect">
             <a:avLst/>
@@ -10918,7 +12560,7 @@
 </p:sld>
 </file>
 
-<file path=ppt/slides/slide49.xml><?xml version="1.0" encoding="utf-8"?>
+<file path=ppt/slides/slide54.xml><?xml version="1.0" encoding="utf-8"?>
 <p:sld xmlns:a="http://schemas.openxmlformats.org/drawingml/2006/main" xmlns:r="http://schemas.openxmlformats.org/officeDocument/2006/relationships" xmlns:p="http://schemas.openxmlformats.org/presentationml/2006/main">
   <p:cSld>
     <p:spTree>
@@ -10953,8 +12595,8 @@
         </p:blipFill>
         <p:spPr>
           <a:xfrm>
-            <a:off x="2080675" y="2509021"/>
-            <a:ext cx="6848475" cy="2752725"/>
+            <a:off x="1562100" y="2354474"/>
+            <a:ext cx="7984132" cy="3209199"/>
           </a:xfrm>
           <a:prstGeom prst="rect">
             <a:avLst/>
@@ -11013,7 +12655,7 @@
 </p:sld>
 </file>
 
-<file path=ppt/slides/slide5.xml><?xml version="1.0" encoding="utf-8"?>
+<file path=ppt/slides/slide55.xml><?xml version="1.0" encoding="utf-8"?>
 <p:sld xmlns:a="http://schemas.openxmlformats.org/drawingml/2006/main" xmlns:r="http://schemas.openxmlformats.org/officeDocument/2006/relationships" xmlns:p="http://schemas.openxmlformats.org/presentationml/2006/main">
   <p:cSld>
     <p:spTree>
@@ -11045,139 +12687,7 @@
           <a:bodyPr/>
           <a:lstStyle/>
           <a:p>
-            <a:r>
-              <a:rPr lang="en-US" dirty="0" smtClean="0"/>
-              <a:t>A resume has completed personal information </a:t>
-            </a:r>
-          </a:p>
-          <a:p>
-            <a:pPr lvl="1"/>
-            <a:r>
-              <a:rPr lang="en-US" dirty="0" smtClean="0"/>
-              <a:t>Education </a:t>
-            </a:r>
-          </a:p>
-          <a:p>
-            <a:pPr lvl="1"/>
-            <a:r>
-              <a:rPr lang="en-US" dirty="0"/>
-              <a:t>Work </a:t>
-            </a:r>
-            <a:r>
-              <a:rPr lang="en-US" dirty="0" smtClean="0"/>
-              <a:t>experience</a:t>
-            </a:r>
-          </a:p>
-          <a:p>
-            <a:pPr lvl="1"/>
-            <a:r>
-              <a:rPr lang="en-US" dirty="0" smtClean="0"/>
-              <a:t>Skills </a:t>
-            </a:r>
-          </a:p>
-          <a:p>
-            <a:pPr lvl="1"/>
             <a:endParaRPr lang="en-US" dirty="0"/>
-          </a:p>
-          <a:p>
-            <a:r>
-              <a:rPr lang="en-US" dirty="0" smtClean="0"/>
-              <a:t>Finding similarity between resumes and jobs</a:t>
-            </a:r>
-          </a:p>
-          <a:p>
-            <a:r>
-              <a:rPr lang="en-US" dirty="0" smtClean="0"/>
-              <a:t>Ranking the jobs by their similarity value</a:t>
-            </a:r>
-          </a:p>
-        </p:txBody>
-      </p:sp>
-      <p:sp>
-        <p:nvSpPr>
-          <p:cNvPr id="3" name="Title 2"/>
-          <p:cNvSpPr>
-            <a:spLocks noGrp="1"/>
-          </p:cNvSpPr>
-          <p:nvPr>
-            <p:ph type="title"/>
-          </p:nvPr>
-        </p:nvSpPr>
-        <p:spPr/>
-        <p:txBody>
-          <a:bodyPr/>
-          <a:lstStyle/>
-          <a:p>
-            <a:r>
-              <a:rPr lang="en-US" dirty="0" smtClean="0"/>
-              <a:t>Main idea of </a:t>
-            </a:r>
-            <a:r>
-              <a:rPr lang="en-US" dirty="0" err="1" smtClean="0"/>
-              <a:t>JobFinder</a:t>
-            </a:r>
-            <a:endParaRPr lang="en-US" dirty="0"/>
-          </a:p>
-        </p:txBody>
-      </p:sp>
-    </p:spTree>
-    <p:extLst>
-      <p:ext uri="{BB962C8B-B14F-4D97-AF65-F5344CB8AC3E}">
-        <p14:creationId xmlns:p14="http://schemas.microsoft.com/office/powerpoint/2010/main" val="3416989218"/>
-      </p:ext>
-    </p:extLst>
-  </p:cSld>
-  <p:clrMapOvr>
-    <a:masterClrMapping/>
-  </p:clrMapOvr>
-  <mc:AlternateContent xmlns:mc="http://schemas.openxmlformats.org/markup-compatibility/2006">
-    <mc:Choice xmlns:p14="http://schemas.microsoft.com/office/powerpoint/2010/main" Requires="p14">
-      <p:transition spd="med" p14:dur="700">
-        <p:fade/>
-      </p:transition>
-    </mc:Choice>
-    <mc:Fallback>
-      <p:transition spd="med">
-        <p:fade/>
-      </p:transition>
-    </mc:Fallback>
-  </mc:AlternateContent>
-</p:sld>
-</file>
-
-<file path=ppt/slides/slide50.xml><?xml version="1.0" encoding="utf-8"?>
-<p:sld xmlns:a="http://schemas.openxmlformats.org/drawingml/2006/main" xmlns:r="http://schemas.openxmlformats.org/officeDocument/2006/relationships" xmlns:p="http://schemas.openxmlformats.org/presentationml/2006/main">
-  <p:cSld>
-    <p:spTree>
-      <p:nvGrpSpPr>
-        <p:cNvPr id="1" name=""/>
-        <p:cNvGrpSpPr/>
-        <p:nvPr/>
-      </p:nvGrpSpPr>
-      <p:grpSpPr>
-        <a:xfrm>
-          <a:off x="0" y="0"/>
-          <a:ext cx="0" cy="0"/>
-          <a:chOff x="0" y="0"/>
-          <a:chExt cx="0" cy="0"/>
-        </a:xfrm>
-      </p:grpSpPr>
-      <p:sp>
-        <p:nvSpPr>
-          <p:cNvPr id="2" name="Content Placeholder 1"/>
-          <p:cNvSpPr>
-            <a:spLocks noGrp="1"/>
-          </p:cNvSpPr>
-          <p:nvPr>
-            <p:ph idx="1"/>
-          </p:nvPr>
-        </p:nvSpPr>
-        <p:spPr/>
-        <p:txBody>
-          <a:bodyPr/>
-          <a:lstStyle/>
-          <a:p>
-            <a:endParaRPr lang="en-US"/>
           </a:p>
         </p:txBody>
       </p:sp>
@@ -11203,7 +12713,7 @@
           <a:p>
             <a:r>
               <a:rPr lang="en-US" dirty="0" smtClean="0"/>
-              <a:t>Conclusion  ??</a:t>
+              <a:t>Conclusion</a:t>
             </a:r>
             <a:endParaRPr lang="en-US" dirty="0"/>
           </a:p>

--- a/media/JobFinder.pptx
+++ b/media/JobFinder.pptx
@@ -5,10 +5,10 @@
     <p:sldMasterId id="2147483684" r:id="rId2"/>
   </p:sldMasterIdLst>
   <p:notesMasterIdLst>
-    <p:notesMasterId r:id="rId58"/>
+    <p:notesMasterId r:id="rId68"/>
   </p:notesMasterIdLst>
   <p:handoutMasterIdLst>
-    <p:handoutMasterId r:id="rId59"/>
+    <p:handoutMasterId r:id="rId69"/>
   </p:handoutMasterIdLst>
   <p:sldIdLst>
     <p:sldId id="265" r:id="rId3"/>
@@ -20,52 +20,62 @@
     <p:sldId id="325" r:id="rId9"/>
     <p:sldId id="269" r:id="rId10"/>
     <p:sldId id="270" r:id="rId11"/>
-    <p:sldId id="271" r:id="rId12"/>
-    <p:sldId id="272" r:id="rId13"/>
-    <p:sldId id="273" r:id="rId14"/>
-    <p:sldId id="274" r:id="rId15"/>
-    <p:sldId id="275" r:id="rId16"/>
-    <p:sldId id="343" r:id="rId17"/>
-    <p:sldId id="276" r:id="rId18"/>
-    <p:sldId id="333" r:id="rId19"/>
-    <p:sldId id="277" r:id="rId20"/>
-    <p:sldId id="327" r:id="rId21"/>
-    <p:sldId id="278" r:id="rId22"/>
-    <p:sldId id="279" r:id="rId23"/>
-    <p:sldId id="280" r:id="rId24"/>
-    <p:sldId id="331" r:id="rId25"/>
-    <p:sldId id="281" r:id="rId26"/>
-    <p:sldId id="282" r:id="rId27"/>
-    <p:sldId id="283" r:id="rId28"/>
-    <p:sldId id="284" r:id="rId29"/>
-    <p:sldId id="285" r:id="rId30"/>
-    <p:sldId id="286" r:id="rId31"/>
-    <p:sldId id="342" r:id="rId32"/>
-    <p:sldId id="288" r:id="rId33"/>
-    <p:sldId id="334" r:id="rId34"/>
-    <p:sldId id="335" r:id="rId35"/>
-    <p:sldId id="336" r:id="rId36"/>
-    <p:sldId id="337" r:id="rId37"/>
-    <p:sldId id="328" r:id="rId38"/>
-    <p:sldId id="289" r:id="rId39"/>
-    <p:sldId id="290" r:id="rId40"/>
-    <p:sldId id="291" r:id="rId41"/>
-    <p:sldId id="329" r:id="rId42"/>
-    <p:sldId id="292" r:id="rId43"/>
-    <p:sldId id="297" r:id="rId44"/>
-    <p:sldId id="298" r:id="rId45"/>
-    <p:sldId id="299" r:id="rId46"/>
-    <p:sldId id="300" r:id="rId47"/>
-    <p:sldId id="301" r:id="rId48"/>
-    <p:sldId id="302" r:id="rId49"/>
-    <p:sldId id="338" r:id="rId50"/>
-    <p:sldId id="339" r:id="rId51"/>
-    <p:sldId id="340" r:id="rId52"/>
-    <p:sldId id="341" r:id="rId53"/>
-    <p:sldId id="330" r:id="rId54"/>
-    <p:sldId id="304" r:id="rId55"/>
-    <p:sldId id="305" r:id="rId56"/>
-    <p:sldId id="306" r:id="rId57"/>
+    <p:sldId id="348" r:id="rId12"/>
+    <p:sldId id="351" r:id="rId13"/>
+    <p:sldId id="352" r:id="rId14"/>
+    <p:sldId id="350" r:id="rId15"/>
+    <p:sldId id="346" r:id="rId16"/>
+    <p:sldId id="349" r:id="rId17"/>
+    <p:sldId id="347" r:id="rId18"/>
+    <p:sldId id="353" r:id="rId19"/>
+    <p:sldId id="271" r:id="rId20"/>
+    <p:sldId id="272" r:id="rId21"/>
+    <p:sldId id="273" r:id="rId22"/>
+    <p:sldId id="274" r:id="rId23"/>
+    <p:sldId id="275" r:id="rId24"/>
+    <p:sldId id="343" r:id="rId25"/>
+    <p:sldId id="276" r:id="rId26"/>
+    <p:sldId id="333" r:id="rId27"/>
+    <p:sldId id="277" r:id="rId28"/>
+    <p:sldId id="345" r:id="rId29"/>
+    <p:sldId id="327" r:id="rId30"/>
+    <p:sldId id="278" r:id="rId31"/>
+    <p:sldId id="280" r:id="rId32"/>
+    <p:sldId id="331" r:id="rId33"/>
+    <p:sldId id="279" r:id="rId34"/>
+    <p:sldId id="281" r:id="rId35"/>
+    <p:sldId id="282" r:id="rId36"/>
+    <p:sldId id="283" r:id="rId37"/>
+    <p:sldId id="284" r:id="rId38"/>
+    <p:sldId id="285" r:id="rId39"/>
+    <p:sldId id="286" r:id="rId40"/>
+    <p:sldId id="342" r:id="rId41"/>
+    <p:sldId id="288" r:id="rId42"/>
+    <p:sldId id="334" r:id="rId43"/>
+    <p:sldId id="335" r:id="rId44"/>
+    <p:sldId id="336" r:id="rId45"/>
+    <p:sldId id="337" r:id="rId46"/>
+    <p:sldId id="328" r:id="rId47"/>
+    <p:sldId id="289" r:id="rId48"/>
+    <p:sldId id="290" r:id="rId49"/>
+    <p:sldId id="291" r:id="rId50"/>
+    <p:sldId id="329" r:id="rId51"/>
+    <p:sldId id="292" r:id="rId52"/>
+    <p:sldId id="297" r:id="rId53"/>
+    <p:sldId id="298" r:id="rId54"/>
+    <p:sldId id="299" r:id="rId55"/>
+    <p:sldId id="300" r:id="rId56"/>
+    <p:sldId id="301" r:id="rId57"/>
+    <p:sldId id="302" r:id="rId58"/>
+    <p:sldId id="338" r:id="rId59"/>
+    <p:sldId id="339" r:id="rId60"/>
+    <p:sldId id="340" r:id="rId61"/>
+    <p:sldId id="341" r:id="rId62"/>
+    <p:sldId id="330" r:id="rId63"/>
+    <p:sldId id="304" r:id="rId64"/>
+    <p:sldId id="305" r:id="rId65"/>
+    <p:sldId id="306" r:id="rId66"/>
+    <p:sldId id="344" r:id="rId67"/>
   </p:sldIdLst>
   <p:sldSz cx="12192000" cy="6858000"/>
   <p:notesSz cx="6858000" cy="9144000"/>
@@ -268,7 +278,7 @@
           <a:p>
             <a:fld id="{41658A34-83F4-4B2E-BC5A-DE51EE8822F9}" type="datetimeFigureOut">
               <a:rPr lang="en-US" smtClean="0"/>
-              <a:t>11/19/2014</a:t>
+              <a:t>11/24/2014</a:t>
             </a:fld>
             <a:endParaRPr lang="en-US"/>
           </a:p>
@@ -433,7 +443,7 @@
           <a:p>
             <a:fld id="{7F2E1917-0BAF-4687-978A-82FFF05559C3}" type="datetimeFigureOut">
               <a:rPr lang="en-US" smtClean="0"/>
-              <a:t>11/19/2014</a:t>
+              <a:t>11/24/2014</a:t>
             </a:fld>
             <a:endParaRPr lang="en-US"/>
           </a:p>
@@ -735,7 +745,7 @@
           <a:p>
             <a:fld id="{84EAB7D7-3608-4730-B2E2-670834DF882C}" type="datetimeFigureOut">
               <a:rPr lang="en-US" smtClean="0"/>
-              <a:t>11/19/2014</a:t>
+              <a:t>11/24/2014</a:t>
             </a:fld>
             <a:endParaRPr lang="en-US"/>
           </a:p>
@@ -943,7 +953,7 @@
           <a:p>
             <a:fld id="{84EAB7D7-3608-4730-B2E2-670834DF882C}" type="datetimeFigureOut">
               <a:rPr lang="en-US" smtClean="0"/>
-              <a:t>11/19/2014</a:t>
+              <a:t>11/24/2014</a:t>
             </a:fld>
             <a:endParaRPr lang="en-US"/>
           </a:p>
@@ -1130,7 +1140,7 @@
           <a:p>
             <a:fld id="{84EAB7D7-3608-4730-B2E2-670834DF882C}" type="datetimeFigureOut">
               <a:rPr lang="en-US" smtClean="0"/>
-              <a:t>11/19/2014</a:t>
+              <a:t>11/24/2014</a:t>
             </a:fld>
             <a:endParaRPr lang="en-US"/>
           </a:p>
@@ -1322,7 +1332,7 @@
           <a:p>
             <a:fld id="{84EAB7D7-3608-4730-B2E2-670834DF882C}" type="datetimeFigureOut">
               <a:rPr lang="en-US" smtClean="0"/>
-              <a:t>11/19/2014</a:t>
+              <a:t>11/24/2014</a:t>
             </a:fld>
             <a:endParaRPr lang="en-US"/>
           </a:p>
@@ -1591,7 +1601,7 @@
           <a:p>
             <a:fld id="{84EAB7D7-3608-4730-B2E2-670834DF882C}" type="datetimeFigureOut">
               <a:rPr lang="en-US" smtClean="0"/>
-              <a:t>11/19/2014</a:t>
+              <a:t>11/24/2014</a:t>
             </a:fld>
             <a:endParaRPr lang="en-US"/>
           </a:p>
@@ -1773,7 +1783,7 @@
           <a:p>
             <a:fld id="{84EAB7D7-3608-4730-B2E2-670834DF882C}" type="datetimeFigureOut">
               <a:rPr lang="en-US" smtClean="0"/>
-              <a:t>11/19/2014</a:t>
+              <a:t>11/24/2014</a:t>
             </a:fld>
             <a:endParaRPr lang="en-US"/>
           </a:p>
@@ -1977,7 +1987,7 @@
           <a:p>
             <a:fld id="{84EAB7D7-3608-4730-B2E2-670834DF882C}" type="datetimeFigureOut">
               <a:rPr lang="en-US" smtClean="0"/>
-              <a:t>11/19/2014</a:t>
+              <a:t>11/24/2014</a:t>
             </a:fld>
             <a:endParaRPr lang="en-US"/>
           </a:p>
@@ -2277,7 +2287,7 @@
           <a:p>
             <a:fld id="{84EAB7D7-3608-4730-B2E2-670834DF882C}" type="datetimeFigureOut">
               <a:rPr lang="en-US" smtClean="0"/>
-              <a:t>11/19/2014</a:t>
+              <a:t>11/24/2014</a:t>
             </a:fld>
             <a:endParaRPr lang="en-US"/>
           </a:p>
@@ -2728,7 +2738,7 @@
           <a:p>
             <a:fld id="{84EAB7D7-3608-4730-B2E2-670834DF882C}" type="datetimeFigureOut">
               <a:rPr lang="en-US" smtClean="0"/>
-              <a:t>11/19/2014</a:t>
+              <a:t>11/24/2014</a:t>
             </a:fld>
             <a:endParaRPr lang="en-US"/>
           </a:p>
@@ -2858,7 +2868,7 @@
           <a:p>
             <a:fld id="{84EAB7D7-3608-4730-B2E2-670834DF882C}" type="datetimeFigureOut">
               <a:rPr lang="en-US" smtClean="0"/>
-              <a:t>11/19/2014</a:t>
+              <a:t>11/24/2014</a:t>
             </a:fld>
             <a:endParaRPr lang="en-US"/>
           </a:p>
@@ -2965,7 +2975,7 @@
           <a:p>
             <a:fld id="{84EAB7D7-3608-4730-B2E2-670834DF882C}" type="datetimeFigureOut">
               <a:rPr lang="en-US" smtClean="0"/>
-              <a:t>11/19/2014</a:t>
+              <a:t>11/24/2014</a:t>
             </a:fld>
             <a:endParaRPr lang="en-US"/>
           </a:p>
@@ -3254,7 +3264,7 @@
           <a:p>
             <a:fld id="{84EAB7D7-3608-4730-B2E2-670834DF882C}" type="datetimeFigureOut">
               <a:rPr lang="en-US" smtClean="0"/>
-              <a:t>11/19/2014</a:t>
+              <a:t>11/24/2014</a:t>
             </a:fld>
             <a:endParaRPr lang="en-US"/>
           </a:p>
@@ -3556,7 +3566,7 @@
             <a:fld id="{84EAB7D7-3608-4730-B2E2-670834DF882C}" type="datetimeFigureOut">
               <a:rPr lang="en-US" smtClean="0"/>
               <a:pPr/>
-              <a:t>11/19/2014</a:t>
+              <a:t>11/24/2014</a:t>
             </a:fld>
             <a:endParaRPr lang="en-US"/>
           </a:p>
@@ -4208,7 +4218,15 @@
             </a:r>
             <a:r>
               <a:rPr lang="en-US" dirty="0"/>
-              <a:t>PERSONALIZED RESUME-JOB MATCHING SYSTEM</a:t>
+              <a:t>PERSONALIZED </a:t>
+            </a:r>
+            <a:r>
+              <a:rPr lang="en-US" dirty="0" smtClean="0"/>
+              <a:t>Résumé-JOB </a:t>
+            </a:r>
+            <a:r>
+              <a:rPr lang="en-US" dirty="0"/>
+              <a:t>MATCHING SYSTEM</a:t>
             </a:r>
           </a:p>
         </p:txBody>
@@ -4264,6 +4282,1287 @@
       </p:grpSpPr>
       <p:sp>
         <p:nvSpPr>
+          <p:cNvPr id="2" name="Content Placeholder 1"/>
+          <p:cNvSpPr>
+            <a:spLocks noGrp="1"/>
+          </p:cNvSpPr>
+          <p:nvPr>
+            <p:ph idx="1"/>
+          </p:nvPr>
+        </p:nvSpPr>
+        <p:spPr>
+          <a:xfrm>
+            <a:off x="1356038" y="4118065"/>
+            <a:ext cx="9791700" cy="4351338"/>
+          </a:xfrm>
+        </p:spPr>
+        <p:txBody>
+          <a:bodyPr/>
+          <a:lstStyle/>
+          <a:p>
+            <a:r>
+              <a:rPr lang="en-US" dirty="0"/>
+              <a:t>Shortcomings of Collaborative Filtering </a:t>
+            </a:r>
+            <a:endParaRPr lang="en-US" dirty="0" smtClean="0"/>
+          </a:p>
+          <a:p>
+            <a:pPr lvl="1"/>
+            <a:r>
+              <a:rPr lang="en-US" dirty="0" smtClean="0"/>
+              <a:t> </a:t>
+            </a:r>
+            <a:r>
+              <a:rPr lang="en-US" sz="2800" dirty="0" smtClean="0"/>
+              <a:t>Cold start</a:t>
+            </a:r>
+          </a:p>
+          <a:p>
+            <a:pPr lvl="1"/>
+            <a:r>
+              <a:rPr lang="en-US" sz="2800" dirty="0"/>
+              <a:t> </a:t>
+            </a:r>
+            <a:r>
+              <a:rPr lang="en-US" sz="2800" dirty="0" smtClean="0"/>
+              <a:t>Sparseness of users’ profiles</a:t>
+            </a:r>
+            <a:endParaRPr lang="en-US" sz="2800" dirty="0" smtClean="0"/>
+          </a:p>
+          <a:p>
+            <a:pPr lvl="1"/>
+            <a:endParaRPr lang="en-US" dirty="0" smtClean="0"/>
+          </a:p>
+          <a:p>
+            <a:endParaRPr lang="en-US" dirty="0" smtClean="0"/>
+          </a:p>
+          <a:p>
+            <a:endParaRPr lang="en-US" dirty="0" smtClean="0"/>
+          </a:p>
+          <a:p>
+            <a:endParaRPr lang="en-US" dirty="0"/>
+          </a:p>
+        </p:txBody>
+      </p:sp>
+      <p:sp>
+        <p:nvSpPr>
+          <p:cNvPr id="3" name="Title 2"/>
+          <p:cNvSpPr>
+            <a:spLocks noGrp="1"/>
+          </p:cNvSpPr>
+          <p:nvPr>
+            <p:ph type="title"/>
+          </p:nvPr>
+        </p:nvSpPr>
+        <p:spPr>
+          <a:xfrm>
+            <a:off x="1562100" y="365125"/>
+            <a:ext cx="9791700" cy="1325563"/>
+          </a:xfrm>
+        </p:spPr>
+        <p:txBody>
+          <a:bodyPr/>
+          <a:lstStyle/>
+          <a:p>
+            <a:r>
+              <a:rPr lang="en-US" dirty="0" smtClean="0"/>
+              <a:t>Previous </a:t>
+            </a:r>
+            <a:r>
+              <a:rPr lang="en-US" dirty="0"/>
+              <a:t>work -- CASPER </a:t>
+            </a:r>
+          </a:p>
+        </p:txBody>
+      </p:sp>
+      <p:pic>
+        <p:nvPicPr>
+          <p:cNvPr id="4" name="Picture 3"/>
+          <p:cNvPicPr>
+            <a:picLocks noChangeAspect="1"/>
+          </p:cNvPicPr>
+          <p:nvPr/>
+        </p:nvPicPr>
+        <p:blipFill>
+          <a:blip r:embed="rId2"/>
+          <a:stretch>
+            <a:fillRect/>
+          </a:stretch>
+        </p:blipFill>
+        <p:spPr>
+          <a:xfrm>
+            <a:off x="1562100" y="1911507"/>
+            <a:ext cx="5507300" cy="1192302"/>
+          </a:xfrm>
+          <a:prstGeom prst="rect">
+            <a:avLst/>
+          </a:prstGeom>
+        </p:spPr>
+      </p:pic>
+      <p:pic>
+        <p:nvPicPr>
+          <p:cNvPr id="5" name="Picture 4"/>
+          <p:cNvPicPr>
+            <a:picLocks noChangeAspect="1"/>
+          </p:cNvPicPr>
+          <p:nvPr/>
+        </p:nvPicPr>
+        <p:blipFill>
+          <a:blip r:embed="rId3"/>
+          <a:stretch>
+            <a:fillRect/>
+          </a:stretch>
+        </p:blipFill>
+        <p:spPr>
+          <a:xfrm>
+            <a:off x="1562100" y="3229423"/>
+            <a:ext cx="6463958" cy="888642"/>
+          </a:xfrm>
+          <a:prstGeom prst="rect">
+            <a:avLst/>
+          </a:prstGeom>
+        </p:spPr>
+      </p:pic>
+    </p:spTree>
+    <p:extLst>
+      <p:ext uri="{BB962C8B-B14F-4D97-AF65-F5344CB8AC3E}">
+        <p14:creationId xmlns:p14="http://schemas.microsoft.com/office/powerpoint/2010/main" val="3656998828"/>
+      </p:ext>
+    </p:extLst>
+  </p:cSld>
+  <p:clrMapOvr>
+    <a:masterClrMapping/>
+  </p:clrMapOvr>
+  <mc:AlternateContent xmlns:mc="http://schemas.openxmlformats.org/markup-compatibility/2006" xmlns:p14="http://schemas.microsoft.com/office/powerpoint/2010/main">
+    <mc:Choice Requires="p14">
+      <p:transition spd="med" p14:dur="700">
+        <p:fade/>
+      </p:transition>
+    </mc:Choice>
+    <mc:Fallback xmlns="">
+      <p:transition spd="med">
+        <p:fade/>
+      </p:transition>
+    </mc:Fallback>
+  </mc:AlternateContent>
+</p:sld>
+</file>
+
+<file path=ppt/slides/slide11.xml><?xml version="1.0" encoding="utf-8"?>
+<p:sld xmlns:a="http://schemas.openxmlformats.org/drawingml/2006/main" xmlns:r="http://schemas.openxmlformats.org/officeDocument/2006/relationships" xmlns:p="http://schemas.openxmlformats.org/presentationml/2006/main">
+  <p:cSld>
+    <p:spTree>
+      <p:nvGrpSpPr>
+        <p:cNvPr id="1" name=""/>
+        <p:cNvGrpSpPr/>
+        <p:nvPr/>
+      </p:nvGrpSpPr>
+      <p:grpSpPr>
+        <a:xfrm>
+          <a:off x="0" y="0"/>
+          <a:ext cx="0" cy="0"/>
+          <a:chOff x="0" y="0"/>
+          <a:chExt cx="0" cy="0"/>
+        </a:xfrm>
+      </p:grpSpPr>
+      <p:sp>
+        <p:nvSpPr>
+          <p:cNvPr id="2" name="Content Placeholder 1"/>
+          <p:cNvSpPr>
+            <a:spLocks noGrp="1"/>
+          </p:cNvSpPr>
+          <p:nvPr>
+            <p:ph idx="1"/>
+          </p:nvPr>
+        </p:nvSpPr>
+        <p:spPr>
+          <a:xfrm>
+            <a:off x="828004" y="1690688"/>
+            <a:ext cx="9791700" cy="4351338"/>
+          </a:xfrm>
+        </p:spPr>
+        <p:txBody>
+          <a:bodyPr/>
+          <a:lstStyle/>
+          <a:p>
+            <a:r>
+              <a:rPr lang="en-US" dirty="0" smtClean="0"/>
+              <a:t>Yao Lu et. A. 2013 </a:t>
+            </a:r>
+          </a:p>
+          <a:p>
+            <a:r>
+              <a:rPr lang="en-US" sz="2800" dirty="0" smtClean="0"/>
+              <a:t>Content –based Recommendation </a:t>
+            </a:r>
+          </a:p>
+          <a:p>
+            <a:pPr lvl="1"/>
+            <a:r>
+              <a:rPr lang="en-US" sz="2400" dirty="0" smtClean="0"/>
+              <a:t>Similarity is computed using Latent Semantic Analysis (LSA) </a:t>
+            </a:r>
+            <a:endParaRPr lang="en-US" dirty="0" smtClean="0"/>
+          </a:p>
+          <a:p>
+            <a:r>
+              <a:rPr lang="en-US" dirty="0" smtClean="0"/>
+              <a:t>Interaction-based Recommendation</a:t>
+            </a:r>
+          </a:p>
+          <a:p>
+            <a:pPr lvl="1"/>
+            <a:r>
+              <a:rPr lang="en-US" dirty="0" smtClean="0"/>
+              <a:t>Apply &gt; Favorite &gt; Like &gt; Visit</a:t>
+            </a:r>
+          </a:p>
+          <a:p>
+            <a:endParaRPr lang="en-US" dirty="0" smtClean="0"/>
+          </a:p>
+          <a:p>
+            <a:endParaRPr lang="en-US" dirty="0" smtClean="0"/>
+          </a:p>
+          <a:p>
+            <a:endParaRPr lang="en-US" dirty="0"/>
+          </a:p>
+        </p:txBody>
+      </p:sp>
+      <p:sp>
+        <p:nvSpPr>
+          <p:cNvPr id="3" name="Title 2"/>
+          <p:cNvSpPr>
+            <a:spLocks noGrp="1"/>
+          </p:cNvSpPr>
+          <p:nvPr>
+            <p:ph type="title"/>
+          </p:nvPr>
+        </p:nvSpPr>
+        <p:spPr>
+          <a:xfrm>
+            <a:off x="721217" y="365125"/>
+            <a:ext cx="10632583" cy="1325563"/>
+          </a:xfrm>
+        </p:spPr>
+        <p:txBody>
+          <a:bodyPr>
+            <a:normAutofit fontScale="90000"/>
+          </a:bodyPr>
+          <a:lstStyle/>
+          <a:p>
+            <a:r>
+              <a:rPr lang="en-US" dirty="0" smtClean="0"/>
+              <a:t>Previous </a:t>
+            </a:r>
+            <a:r>
+              <a:rPr lang="en-US" dirty="0"/>
+              <a:t>work </a:t>
+            </a:r>
+            <a:r>
+              <a:rPr lang="en-US" dirty="0" smtClean="0"/>
+              <a:t>– Hybrid Recommender System</a:t>
+            </a:r>
+            <a:endParaRPr lang="en-US" dirty="0"/>
+          </a:p>
+        </p:txBody>
+      </p:sp>
+    </p:spTree>
+    <p:extLst>
+      <p:ext uri="{BB962C8B-B14F-4D97-AF65-F5344CB8AC3E}">
+        <p14:creationId xmlns:p14="http://schemas.microsoft.com/office/powerpoint/2010/main" val="1384194259"/>
+      </p:ext>
+    </p:extLst>
+  </p:cSld>
+  <p:clrMapOvr>
+    <a:masterClrMapping/>
+  </p:clrMapOvr>
+  <mc:AlternateContent xmlns:mc="http://schemas.openxmlformats.org/markup-compatibility/2006" xmlns:p14="http://schemas.microsoft.com/office/powerpoint/2010/main">
+    <mc:Choice Requires="p14">
+      <p:transition spd="med" p14:dur="700">
+        <p:fade/>
+      </p:transition>
+    </mc:Choice>
+    <mc:Fallback xmlns="">
+      <p:transition spd="med">
+        <p:fade/>
+      </p:transition>
+    </mc:Fallback>
+  </mc:AlternateContent>
+</p:sld>
+</file>
+
+<file path=ppt/slides/slide12.xml><?xml version="1.0" encoding="utf-8"?>
+<p:sld xmlns:a="http://schemas.openxmlformats.org/drawingml/2006/main" xmlns:r="http://schemas.openxmlformats.org/officeDocument/2006/relationships" xmlns:p="http://schemas.openxmlformats.org/presentationml/2006/main">
+  <p:cSld>
+    <p:spTree>
+      <p:nvGrpSpPr>
+        <p:cNvPr id="1" name=""/>
+        <p:cNvGrpSpPr/>
+        <p:nvPr/>
+      </p:nvGrpSpPr>
+      <p:grpSpPr>
+        <a:xfrm>
+          <a:off x="0" y="0"/>
+          <a:ext cx="0" cy="0"/>
+          <a:chOff x="0" y="0"/>
+          <a:chExt cx="0" cy="0"/>
+        </a:xfrm>
+      </p:grpSpPr>
+      <p:sp>
+        <p:nvSpPr>
+          <p:cNvPr id="2" name="Content Placeholder 1"/>
+          <p:cNvSpPr>
+            <a:spLocks noGrp="1"/>
+          </p:cNvSpPr>
+          <p:nvPr>
+            <p:ph idx="1"/>
+          </p:nvPr>
+        </p:nvSpPr>
+        <p:spPr>
+          <a:xfrm>
+            <a:off x="828004" y="1690688"/>
+            <a:ext cx="9791700" cy="4351338"/>
+          </a:xfrm>
+        </p:spPr>
+        <p:txBody>
+          <a:bodyPr/>
+          <a:lstStyle/>
+          <a:p>
+            <a:endParaRPr lang="en-US" dirty="0" smtClean="0"/>
+          </a:p>
+          <a:p>
+            <a:endParaRPr lang="en-US" dirty="0" smtClean="0"/>
+          </a:p>
+          <a:p>
+            <a:endParaRPr lang="en-US" dirty="0" smtClean="0"/>
+          </a:p>
+          <a:p>
+            <a:endParaRPr lang="en-US" dirty="0"/>
+          </a:p>
+        </p:txBody>
+      </p:sp>
+      <p:sp>
+        <p:nvSpPr>
+          <p:cNvPr id="3" name="Title 2"/>
+          <p:cNvSpPr>
+            <a:spLocks noGrp="1"/>
+          </p:cNvSpPr>
+          <p:nvPr>
+            <p:ph type="title"/>
+          </p:nvPr>
+        </p:nvSpPr>
+        <p:spPr>
+          <a:xfrm>
+            <a:off x="721217" y="365125"/>
+            <a:ext cx="10632583" cy="1325563"/>
+          </a:xfrm>
+        </p:spPr>
+        <p:txBody>
+          <a:bodyPr>
+            <a:normAutofit fontScale="90000"/>
+          </a:bodyPr>
+          <a:lstStyle/>
+          <a:p>
+            <a:r>
+              <a:rPr lang="en-US" dirty="0" smtClean="0"/>
+              <a:t>Previous </a:t>
+            </a:r>
+            <a:r>
+              <a:rPr lang="en-US" dirty="0"/>
+              <a:t>work </a:t>
+            </a:r>
+            <a:r>
+              <a:rPr lang="en-US" dirty="0" smtClean="0"/>
+              <a:t>– Hybrid Recommender System</a:t>
+            </a:r>
+            <a:endParaRPr lang="en-US" dirty="0"/>
+          </a:p>
+        </p:txBody>
+      </p:sp>
+      <p:pic>
+        <p:nvPicPr>
+          <p:cNvPr id="4" name="Picture 3"/>
+          <p:cNvPicPr>
+            <a:picLocks noChangeAspect="1"/>
+          </p:cNvPicPr>
+          <p:nvPr/>
+        </p:nvPicPr>
+        <p:blipFill>
+          <a:blip r:embed="rId2"/>
+          <a:stretch>
+            <a:fillRect/>
+          </a:stretch>
+        </p:blipFill>
+        <p:spPr>
+          <a:xfrm>
+            <a:off x="2141784" y="1793718"/>
+            <a:ext cx="6850752" cy="4671475"/>
+          </a:xfrm>
+          <a:prstGeom prst="rect">
+            <a:avLst/>
+          </a:prstGeom>
+        </p:spPr>
+      </p:pic>
+    </p:spTree>
+    <p:extLst>
+      <p:ext uri="{BB962C8B-B14F-4D97-AF65-F5344CB8AC3E}">
+        <p14:creationId xmlns:p14="http://schemas.microsoft.com/office/powerpoint/2010/main" val="81136734"/>
+      </p:ext>
+    </p:extLst>
+  </p:cSld>
+  <p:clrMapOvr>
+    <a:masterClrMapping/>
+  </p:clrMapOvr>
+  <mc:AlternateContent xmlns:mc="http://schemas.openxmlformats.org/markup-compatibility/2006" xmlns:p14="http://schemas.microsoft.com/office/powerpoint/2010/main">
+    <mc:Choice Requires="p14">
+      <p:transition spd="med" p14:dur="700">
+        <p:fade/>
+      </p:transition>
+    </mc:Choice>
+    <mc:Fallback xmlns="">
+      <p:transition spd="med">
+        <p:fade/>
+      </p:transition>
+    </mc:Fallback>
+  </mc:AlternateContent>
+</p:sld>
+</file>
+
+<file path=ppt/slides/slide13.xml><?xml version="1.0" encoding="utf-8"?>
+<p:sld xmlns:a="http://schemas.openxmlformats.org/drawingml/2006/main" xmlns:r="http://schemas.openxmlformats.org/officeDocument/2006/relationships" xmlns:p="http://schemas.openxmlformats.org/presentationml/2006/main">
+  <p:cSld>
+    <p:spTree>
+      <p:nvGrpSpPr>
+        <p:cNvPr id="1" name=""/>
+        <p:cNvGrpSpPr/>
+        <p:nvPr/>
+      </p:nvGrpSpPr>
+      <p:grpSpPr>
+        <a:xfrm>
+          <a:off x="0" y="0"/>
+          <a:ext cx="0" cy="0"/>
+          <a:chOff x="0" y="0"/>
+          <a:chExt cx="0" cy="0"/>
+        </a:xfrm>
+      </p:grpSpPr>
+      <p:sp>
+        <p:nvSpPr>
+          <p:cNvPr id="2" name="Content Placeholder 1"/>
+          <p:cNvSpPr>
+            <a:spLocks noGrp="1"/>
+          </p:cNvSpPr>
+          <p:nvPr>
+            <p:ph idx="1"/>
+          </p:nvPr>
+        </p:nvSpPr>
+        <p:spPr>
+          <a:xfrm>
+            <a:off x="828004" y="1690688"/>
+            <a:ext cx="9791700" cy="4351338"/>
+          </a:xfrm>
+        </p:spPr>
+        <p:txBody>
+          <a:bodyPr/>
+          <a:lstStyle/>
+          <a:p>
+            <a:r>
+              <a:rPr lang="en-US" altLang="zh-CN" dirty="0"/>
+              <a:t>Recommend Job  C  to Peter because Yao  liked  Job  C, </a:t>
+            </a:r>
+            <a:r>
+              <a:rPr lang="en-US" altLang="zh-CN" dirty="0" smtClean="0"/>
+              <a:t>and </a:t>
+            </a:r>
+            <a:r>
+              <a:rPr lang="en-US" altLang="zh-CN" dirty="0"/>
+              <a:t>Peter and Yao have similar profiles;</a:t>
+            </a:r>
+          </a:p>
+          <a:p>
+            <a:r>
+              <a:rPr lang="en-US" altLang="zh-CN" dirty="0" smtClean="0"/>
+              <a:t> Recommend </a:t>
+            </a:r>
+            <a:r>
+              <a:rPr lang="en-US" altLang="zh-CN" dirty="0"/>
+              <a:t>Job  A  to  Peter  because  Peter  applied for </a:t>
+            </a:r>
+            <a:r>
+              <a:rPr lang="en-US" altLang="zh-CN" dirty="0" smtClean="0"/>
+              <a:t>Job </a:t>
+            </a:r>
+            <a:r>
+              <a:rPr lang="en-US" altLang="zh-CN" dirty="0"/>
+              <a:t>B, and Job A and Job B are similar;</a:t>
+            </a:r>
+          </a:p>
+          <a:p>
+            <a:r>
+              <a:rPr lang="en-US" altLang="zh-CN" dirty="0" smtClean="0"/>
+              <a:t>Recommend </a:t>
+            </a:r>
+            <a:r>
+              <a:rPr lang="en-US" altLang="zh-CN" dirty="0"/>
+              <a:t>Employer 3 to Peter because Peter </a:t>
+            </a:r>
+            <a:r>
+              <a:rPr lang="en-US" altLang="zh-CN" dirty="0" smtClean="0"/>
+              <a:t>applied for </a:t>
+            </a:r>
+            <a:r>
+              <a:rPr lang="en-US" altLang="zh-CN" dirty="0"/>
+              <a:t>Job B and Job B is posted by Employer 3;</a:t>
+            </a:r>
+          </a:p>
+          <a:p>
+            <a:r>
+              <a:rPr lang="en-US" altLang="zh-CN" dirty="0" smtClean="0"/>
+              <a:t>Recommend </a:t>
+            </a:r>
+            <a:r>
+              <a:rPr lang="en-US" altLang="zh-CN" dirty="0"/>
+              <a:t>Job B to Yao because Peter applied for </a:t>
+            </a:r>
+            <a:r>
+              <a:rPr lang="en-US" altLang="zh-CN" dirty="0" smtClean="0"/>
+              <a:t>Job B</a:t>
+            </a:r>
+            <a:r>
+              <a:rPr lang="en-US" altLang="zh-CN" dirty="0"/>
+              <a:t>, and Peter and Yao have similar profiles.</a:t>
+            </a:r>
+            <a:endParaRPr lang="en-US" dirty="0" smtClean="0"/>
+          </a:p>
+          <a:p>
+            <a:endParaRPr lang="en-US" dirty="0" smtClean="0"/>
+          </a:p>
+          <a:p>
+            <a:endParaRPr lang="en-US" dirty="0"/>
+          </a:p>
+        </p:txBody>
+      </p:sp>
+      <p:sp>
+        <p:nvSpPr>
+          <p:cNvPr id="3" name="Title 2"/>
+          <p:cNvSpPr>
+            <a:spLocks noGrp="1"/>
+          </p:cNvSpPr>
+          <p:nvPr>
+            <p:ph type="title"/>
+          </p:nvPr>
+        </p:nvSpPr>
+        <p:spPr>
+          <a:xfrm>
+            <a:off x="721217" y="365125"/>
+            <a:ext cx="10632583" cy="1325563"/>
+          </a:xfrm>
+        </p:spPr>
+        <p:txBody>
+          <a:bodyPr>
+            <a:normAutofit fontScale="90000"/>
+          </a:bodyPr>
+          <a:lstStyle/>
+          <a:p>
+            <a:r>
+              <a:rPr lang="en-US" dirty="0" smtClean="0"/>
+              <a:t>Previous </a:t>
+            </a:r>
+            <a:r>
+              <a:rPr lang="en-US" dirty="0"/>
+              <a:t>work </a:t>
+            </a:r>
+            <a:r>
+              <a:rPr lang="en-US" dirty="0" smtClean="0"/>
+              <a:t>– Hybrid Recommender System</a:t>
+            </a:r>
+            <a:endParaRPr lang="en-US" dirty="0"/>
+          </a:p>
+        </p:txBody>
+      </p:sp>
+    </p:spTree>
+    <p:extLst>
+      <p:ext uri="{BB962C8B-B14F-4D97-AF65-F5344CB8AC3E}">
+        <p14:creationId xmlns:p14="http://schemas.microsoft.com/office/powerpoint/2010/main" val="2067751579"/>
+      </p:ext>
+    </p:extLst>
+  </p:cSld>
+  <p:clrMapOvr>
+    <a:masterClrMapping/>
+  </p:clrMapOvr>
+  <mc:AlternateContent xmlns:mc="http://schemas.openxmlformats.org/markup-compatibility/2006" xmlns:p14="http://schemas.microsoft.com/office/powerpoint/2010/main">
+    <mc:Choice Requires="p14">
+      <p:transition spd="med" p14:dur="700">
+        <p:fade/>
+      </p:transition>
+    </mc:Choice>
+    <mc:Fallback xmlns="">
+      <p:transition spd="med">
+        <p:fade/>
+      </p:transition>
+    </mc:Fallback>
+  </mc:AlternateContent>
+</p:sld>
+</file>
+
+<file path=ppt/slides/slide14.xml><?xml version="1.0" encoding="utf-8"?>
+<p:sld xmlns:a="http://schemas.openxmlformats.org/drawingml/2006/main" xmlns:r="http://schemas.openxmlformats.org/officeDocument/2006/relationships" xmlns:p="http://schemas.openxmlformats.org/presentationml/2006/main">
+  <p:cSld>
+    <p:spTree>
+      <p:nvGrpSpPr>
+        <p:cNvPr id="1" name=""/>
+        <p:cNvGrpSpPr/>
+        <p:nvPr/>
+      </p:nvGrpSpPr>
+      <p:grpSpPr>
+        <a:xfrm>
+          <a:off x="0" y="0"/>
+          <a:ext cx="0" cy="0"/>
+          <a:chOff x="0" y="0"/>
+          <a:chExt cx="0" cy="0"/>
+        </a:xfrm>
+      </p:grpSpPr>
+      <p:sp>
+        <p:nvSpPr>
+          <p:cNvPr id="2" name="Content Placeholder 1"/>
+          <p:cNvSpPr>
+            <a:spLocks noGrp="1"/>
+          </p:cNvSpPr>
+          <p:nvPr>
+            <p:ph idx="1"/>
+          </p:nvPr>
+        </p:nvSpPr>
+        <p:spPr/>
+        <p:txBody>
+          <a:bodyPr/>
+          <a:lstStyle/>
+          <a:p>
+            <a:r>
+              <a:rPr lang="en-US" sz="3200" dirty="0" smtClean="0"/>
+              <a:t>A </a:t>
+            </a:r>
+            <a:r>
+              <a:rPr lang="en-US" sz="3200" dirty="0"/>
+              <a:t>system that </a:t>
+            </a:r>
+            <a:r>
+              <a:rPr lang="en-US" sz="3200" dirty="0" smtClean="0"/>
+              <a:t>aids in </a:t>
+            </a:r>
+            <a:r>
+              <a:rPr lang="en-US" sz="3200" dirty="0"/>
+              <a:t>the shortlisting of candidates for jobs</a:t>
+            </a:r>
+            <a:r>
+              <a:rPr lang="en-US" sz="3200" dirty="0" smtClean="0"/>
+              <a:t>.</a:t>
+            </a:r>
+          </a:p>
+          <a:p>
+            <a:r>
+              <a:rPr lang="en-US" sz="3200" dirty="0"/>
+              <a:t>Using Conditional Random Fields (</a:t>
+            </a:r>
+            <a:r>
+              <a:rPr lang="en-US" sz="3200" dirty="0" smtClean="0"/>
+              <a:t>CRFs) model to extract the information from résumés</a:t>
+            </a:r>
+          </a:p>
+          <a:p>
+            <a:r>
+              <a:rPr lang="en-US" sz="3200" dirty="0"/>
+              <a:t>Filtering </a:t>
+            </a:r>
+            <a:r>
+              <a:rPr lang="en-US" sz="3200" dirty="0" smtClean="0"/>
+              <a:t>the candidates with </a:t>
+            </a:r>
+            <a:r>
+              <a:rPr lang="en-US" sz="3200" dirty="0"/>
+              <a:t>facets</a:t>
+            </a:r>
+            <a:endParaRPr lang="en-US" sz="3200" dirty="0"/>
+          </a:p>
+          <a:p>
+            <a:endParaRPr lang="en-US" dirty="0" smtClean="0"/>
+          </a:p>
+          <a:p>
+            <a:pPr marL="0" indent="0">
+              <a:buNone/>
+            </a:pPr>
+            <a:endParaRPr lang="en-US" dirty="0" smtClean="0"/>
+          </a:p>
+          <a:p>
+            <a:endParaRPr lang="en-US" dirty="0" smtClean="0"/>
+          </a:p>
+          <a:p>
+            <a:endParaRPr lang="en-US" dirty="0" smtClean="0"/>
+          </a:p>
+          <a:p>
+            <a:endParaRPr lang="en-US" dirty="0"/>
+          </a:p>
+        </p:txBody>
+      </p:sp>
+      <p:sp>
+        <p:nvSpPr>
+          <p:cNvPr id="3" name="Title 2"/>
+          <p:cNvSpPr>
+            <a:spLocks noGrp="1"/>
+          </p:cNvSpPr>
+          <p:nvPr>
+            <p:ph type="title"/>
+          </p:nvPr>
+        </p:nvSpPr>
+        <p:spPr>
+          <a:xfrm>
+            <a:off x="1562100" y="365125"/>
+            <a:ext cx="9791700" cy="1325563"/>
+          </a:xfrm>
+        </p:spPr>
+        <p:txBody>
+          <a:bodyPr/>
+          <a:lstStyle/>
+          <a:p>
+            <a:r>
+              <a:rPr lang="en-US" dirty="0" smtClean="0"/>
+              <a:t>Previous </a:t>
+            </a:r>
+            <a:r>
+              <a:rPr lang="en-US" dirty="0"/>
+              <a:t>work </a:t>
+            </a:r>
+            <a:r>
+              <a:rPr lang="en-US" dirty="0" smtClean="0"/>
+              <a:t>– IBM PROSPECT</a:t>
+            </a:r>
+            <a:endParaRPr lang="en-US" dirty="0"/>
+          </a:p>
+        </p:txBody>
+      </p:sp>
+    </p:spTree>
+    <p:extLst>
+      <p:ext uri="{BB962C8B-B14F-4D97-AF65-F5344CB8AC3E}">
+        <p14:creationId xmlns:p14="http://schemas.microsoft.com/office/powerpoint/2010/main" val="1387940903"/>
+      </p:ext>
+    </p:extLst>
+  </p:cSld>
+  <p:clrMapOvr>
+    <a:masterClrMapping/>
+  </p:clrMapOvr>
+  <mc:AlternateContent xmlns:mc="http://schemas.openxmlformats.org/markup-compatibility/2006" xmlns:p14="http://schemas.microsoft.com/office/powerpoint/2010/main">
+    <mc:Choice Requires="p14">
+      <p:transition spd="med" p14:dur="700">
+        <p:fade/>
+      </p:transition>
+    </mc:Choice>
+    <mc:Fallback xmlns="">
+      <p:transition spd="med">
+        <p:fade/>
+      </p:transition>
+    </mc:Fallback>
+  </mc:AlternateContent>
+</p:sld>
+</file>
+
+<file path=ppt/slides/slide15.xml><?xml version="1.0" encoding="utf-8"?>
+<p:sld xmlns:a="http://schemas.openxmlformats.org/drawingml/2006/main" xmlns:r="http://schemas.openxmlformats.org/officeDocument/2006/relationships" xmlns:p="http://schemas.openxmlformats.org/presentationml/2006/main">
+  <p:cSld>
+    <p:spTree>
+      <p:nvGrpSpPr>
+        <p:cNvPr id="1" name=""/>
+        <p:cNvGrpSpPr/>
+        <p:nvPr/>
+      </p:nvGrpSpPr>
+      <p:grpSpPr>
+        <a:xfrm>
+          <a:off x="0" y="0"/>
+          <a:ext cx="0" cy="0"/>
+          <a:chOff x="0" y="0"/>
+          <a:chExt cx="0" cy="0"/>
+        </a:xfrm>
+      </p:grpSpPr>
+      <p:sp>
+        <p:nvSpPr>
+          <p:cNvPr id="2" name="Content Placeholder 1"/>
+          <p:cNvSpPr>
+            <a:spLocks noGrp="1"/>
+          </p:cNvSpPr>
+          <p:nvPr>
+            <p:ph idx="1"/>
+          </p:nvPr>
+        </p:nvSpPr>
+        <p:spPr/>
+        <p:txBody>
+          <a:bodyPr/>
+          <a:lstStyle/>
+          <a:p>
+            <a:endParaRPr lang="en-US" dirty="0" smtClean="0"/>
+          </a:p>
+          <a:p>
+            <a:pPr marL="0" indent="0">
+              <a:buNone/>
+            </a:pPr>
+            <a:r>
+              <a:rPr lang="en-US" dirty="0" smtClean="0"/>
+              <a:t>   </a:t>
+            </a:r>
+            <a:endParaRPr lang="en-US" dirty="0" smtClean="0"/>
+          </a:p>
+          <a:p>
+            <a:endParaRPr lang="en-US" dirty="0" smtClean="0"/>
+          </a:p>
+          <a:p>
+            <a:endParaRPr lang="en-US" dirty="0" smtClean="0"/>
+          </a:p>
+          <a:p>
+            <a:endParaRPr lang="en-US" dirty="0"/>
+          </a:p>
+        </p:txBody>
+      </p:sp>
+      <p:sp>
+        <p:nvSpPr>
+          <p:cNvPr id="3" name="Title 2"/>
+          <p:cNvSpPr>
+            <a:spLocks noGrp="1"/>
+          </p:cNvSpPr>
+          <p:nvPr>
+            <p:ph type="title"/>
+          </p:nvPr>
+        </p:nvSpPr>
+        <p:spPr>
+          <a:xfrm>
+            <a:off x="1562100" y="365125"/>
+            <a:ext cx="9791700" cy="1325563"/>
+          </a:xfrm>
+        </p:spPr>
+        <p:txBody>
+          <a:bodyPr/>
+          <a:lstStyle/>
+          <a:p>
+            <a:r>
+              <a:rPr lang="en-US" dirty="0" smtClean="0"/>
+              <a:t>Previous </a:t>
+            </a:r>
+            <a:r>
+              <a:rPr lang="en-US" dirty="0"/>
+              <a:t>work -- PROSPECT</a:t>
+            </a:r>
+          </a:p>
+        </p:txBody>
+      </p:sp>
+      <p:pic>
+        <p:nvPicPr>
+          <p:cNvPr id="6" name="Picture 5"/>
+          <p:cNvPicPr>
+            <a:picLocks noChangeAspect="1"/>
+          </p:cNvPicPr>
+          <p:nvPr/>
+        </p:nvPicPr>
+        <p:blipFill>
+          <a:blip r:embed="rId2"/>
+          <a:stretch>
+            <a:fillRect/>
+          </a:stretch>
+        </p:blipFill>
+        <p:spPr>
+          <a:xfrm>
+            <a:off x="1235231" y="1690688"/>
+            <a:ext cx="9515475" cy="4895850"/>
+          </a:xfrm>
+          <a:prstGeom prst="rect">
+            <a:avLst/>
+          </a:prstGeom>
+        </p:spPr>
+      </p:pic>
+    </p:spTree>
+    <p:extLst>
+      <p:ext uri="{BB962C8B-B14F-4D97-AF65-F5344CB8AC3E}">
+        <p14:creationId xmlns:p14="http://schemas.microsoft.com/office/powerpoint/2010/main" val="3116352705"/>
+      </p:ext>
+    </p:extLst>
+  </p:cSld>
+  <p:clrMapOvr>
+    <a:masterClrMapping/>
+  </p:clrMapOvr>
+  <mc:AlternateContent xmlns:mc="http://schemas.openxmlformats.org/markup-compatibility/2006">
+    <mc:Choice xmlns:p14="http://schemas.microsoft.com/office/powerpoint/2010/main" Requires="p14">
+      <p:transition spd="med" p14:dur="700">
+        <p:fade/>
+      </p:transition>
+    </mc:Choice>
+    <mc:Fallback>
+      <p:transition spd="med">
+        <p:fade/>
+      </p:transition>
+    </mc:Fallback>
+  </mc:AlternateContent>
+</p:sld>
+</file>
+
+<file path=ppt/slides/slide16.xml><?xml version="1.0" encoding="utf-8"?>
+<p:sld xmlns:a="http://schemas.openxmlformats.org/drawingml/2006/main" xmlns:r="http://schemas.openxmlformats.org/officeDocument/2006/relationships" xmlns:p="http://schemas.openxmlformats.org/presentationml/2006/main">
+  <p:cSld>
+    <p:spTree>
+      <p:nvGrpSpPr>
+        <p:cNvPr id="1" name=""/>
+        <p:cNvGrpSpPr/>
+        <p:nvPr/>
+      </p:nvGrpSpPr>
+      <p:grpSpPr>
+        <a:xfrm>
+          <a:off x="0" y="0"/>
+          <a:ext cx="0" cy="0"/>
+          <a:chOff x="0" y="0"/>
+          <a:chExt cx="0" cy="0"/>
+        </a:xfrm>
+      </p:grpSpPr>
+      <p:sp>
+        <p:nvSpPr>
+          <p:cNvPr id="2" name="Content Placeholder 1"/>
+          <p:cNvSpPr>
+            <a:spLocks noGrp="1"/>
+          </p:cNvSpPr>
+          <p:nvPr>
+            <p:ph idx="1"/>
+          </p:nvPr>
+        </p:nvSpPr>
+        <p:spPr/>
+        <p:txBody>
+          <a:bodyPr/>
+          <a:lstStyle/>
+          <a:p>
+            <a:r>
+              <a:rPr lang="en-US" dirty="0" smtClean="0"/>
+              <a:t>Staged Information Extraction Framework</a:t>
+            </a:r>
+          </a:p>
+          <a:p>
+            <a:r>
+              <a:rPr lang="en-US" dirty="0"/>
+              <a:t>Resource </a:t>
+            </a:r>
+            <a:r>
+              <a:rPr lang="en-US" dirty="0" smtClean="0"/>
+              <a:t>Classification</a:t>
+            </a:r>
+          </a:p>
+          <a:p>
+            <a:r>
+              <a:rPr lang="en-US" dirty="0" smtClean="0"/>
+              <a:t>Help recruiters to find </a:t>
+            </a:r>
+          </a:p>
+          <a:p>
+            <a:r>
+              <a:rPr lang="en-US" dirty="0" smtClean="0"/>
+              <a:t>candidates</a:t>
+            </a:r>
+          </a:p>
+          <a:p>
+            <a:endParaRPr lang="en-US" dirty="0" smtClean="0"/>
+          </a:p>
+          <a:p>
+            <a:endParaRPr lang="en-US" dirty="0" smtClean="0"/>
+          </a:p>
+          <a:p>
+            <a:endParaRPr lang="en-US" dirty="0" smtClean="0"/>
+          </a:p>
+          <a:p>
+            <a:endParaRPr lang="en-US" dirty="0"/>
+          </a:p>
+        </p:txBody>
+      </p:sp>
+      <p:sp>
+        <p:nvSpPr>
+          <p:cNvPr id="3" name="Title 2"/>
+          <p:cNvSpPr>
+            <a:spLocks noGrp="1"/>
+          </p:cNvSpPr>
+          <p:nvPr>
+            <p:ph type="title"/>
+          </p:nvPr>
+        </p:nvSpPr>
+        <p:spPr>
+          <a:xfrm>
+            <a:off x="1562100" y="365125"/>
+            <a:ext cx="9791700" cy="1325563"/>
+          </a:xfrm>
+        </p:spPr>
+        <p:txBody>
+          <a:bodyPr>
+            <a:normAutofit fontScale="90000"/>
+          </a:bodyPr>
+          <a:lstStyle/>
+          <a:p>
+            <a:r>
+              <a:rPr lang="en-US" dirty="0" smtClean="0"/>
+              <a:t>Previous </a:t>
+            </a:r>
+            <a:r>
+              <a:rPr lang="en-US" dirty="0"/>
+              <a:t>work </a:t>
+            </a:r>
+            <a:r>
+              <a:rPr lang="en-US" dirty="0" smtClean="0"/>
+              <a:t>– HP Resource </a:t>
+            </a:r>
+            <a:r>
+              <a:rPr lang="en-US" dirty="0"/>
+              <a:t>Planning Tool </a:t>
+            </a:r>
+            <a:endParaRPr lang="en-US" dirty="0"/>
+          </a:p>
+        </p:txBody>
+      </p:sp>
+      <p:pic>
+        <p:nvPicPr>
+          <p:cNvPr id="4" name="Picture 3"/>
+          <p:cNvPicPr>
+            <a:picLocks noChangeAspect="1"/>
+          </p:cNvPicPr>
+          <p:nvPr/>
+        </p:nvPicPr>
+        <p:blipFill>
+          <a:blip r:embed="rId2"/>
+          <a:stretch>
+            <a:fillRect/>
+          </a:stretch>
+        </p:blipFill>
+        <p:spPr>
+          <a:xfrm>
+            <a:off x="6102574" y="3114675"/>
+            <a:ext cx="5962650" cy="3743325"/>
+          </a:xfrm>
+          <a:prstGeom prst="rect">
+            <a:avLst/>
+          </a:prstGeom>
+        </p:spPr>
+      </p:pic>
+    </p:spTree>
+    <p:extLst>
+      <p:ext uri="{BB962C8B-B14F-4D97-AF65-F5344CB8AC3E}">
+        <p14:creationId xmlns:p14="http://schemas.microsoft.com/office/powerpoint/2010/main" val="3983611862"/>
+      </p:ext>
+    </p:extLst>
+  </p:cSld>
+  <p:clrMapOvr>
+    <a:masterClrMapping/>
+  </p:clrMapOvr>
+  <mc:AlternateContent xmlns:mc="http://schemas.openxmlformats.org/markup-compatibility/2006" xmlns:p14="http://schemas.microsoft.com/office/powerpoint/2010/main">
+    <mc:Choice Requires="p14">
+      <p:transition spd="med" p14:dur="700">
+        <p:fade/>
+      </p:transition>
+    </mc:Choice>
+    <mc:Fallback xmlns="">
+      <p:transition spd="med">
+        <p:fade/>
+      </p:transition>
+    </mc:Fallback>
+  </mc:AlternateContent>
+</p:sld>
+</file>
+
+<file path=ppt/slides/slide17.xml><?xml version="1.0" encoding="utf-8"?>
+<p:sld xmlns:a="http://schemas.openxmlformats.org/drawingml/2006/main" xmlns:r="http://schemas.openxmlformats.org/officeDocument/2006/relationships" xmlns:p="http://schemas.openxmlformats.org/presentationml/2006/main">
+  <p:cSld>
+    <p:spTree>
+      <p:nvGrpSpPr>
+        <p:cNvPr id="1" name=""/>
+        <p:cNvGrpSpPr/>
+        <p:nvPr/>
+      </p:nvGrpSpPr>
+      <p:grpSpPr>
+        <a:xfrm>
+          <a:off x="0" y="0"/>
+          <a:ext cx="0" cy="0"/>
+          <a:chOff x="0" y="0"/>
+          <a:chExt cx="0" cy="0"/>
+        </a:xfrm>
+      </p:grpSpPr>
+      <p:sp>
+        <p:nvSpPr>
+          <p:cNvPr id="2" name="Content Placeholder 1"/>
+          <p:cNvSpPr>
+            <a:spLocks noGrp="1"/>
+          </p:cNvSpPr>
+          <p:nvPr>
+            <p:ph idx="1"/>
+          </p:nvPr>
+        </p:nvSpPr>
+        <p:spPr/>
+        <p:txBody>
+          <a:bodyPr>
+            <a:normAutofit/>
+          </a:bodyPr>
+          <a:lstStyle/>
+          <a:p>
+            <a:r>
+              <a:rPr lang="en-US" dirty="0"/>
+              <a:t>Most systems can only process the structured data </a:t>
+            </a:r>
+            <a:r>
+              <a:rPr lang="en-US" dirty="0" smtClean="0"/>
+              <a:t> </a:t>
+            </a:r>
+            <a:endParaRPr lang="en-US" dirty="0"/>
+          </a:p>
+          <a:p>
+            <a:pPr marL="0" indent="0">
+              <a:buNone/>
+            </a:pPr>
+            <a:endParaRPr lang="en-US" dirty="0" smtClean="0"/>
+          </a:p>
+          <a:p>
+            <a:r>
+              <a:rPr lang="en-US" dirty="0" smtClean="0"/>
+              <a:t>The </a:t>
+            </a:r>
+            <a:r>
+              <a:rPr lang="en-US" dirty="0"/>
+              <a:t>systems that have information extraction module are </a:t>
+            </a:r>
+            <a:r>
+              <a:rPr lang="en-US" dirty="0" smtClean="0"/>
+              <a:t>designed </a:t>
+            </a:r>
+            <a:r>
+              <a:rPr lang="en-US" dirty="0"/>
+              <a:t>for recruiters</a:t>
+            </a:r>
+          </a:p>
+          <a:p>
+            <a:pPr marL="0" indent="0">
+              <a:buNone/>
+            </a:pPr>
+            <a:endParaRPr lang="en-US" dirty="0"/>
+          </a:p>
+          <a:p>
+            <a:r>
+              <a:rPr lang="en-US" dirty="0" smtClean="0"/>
+              <a:t>Information </a:t>
+            </a:r>
+            <a:r>
+              <a:rPr lang="en-US" dirty="0"/>
+              <a:t>fields </a:t>
+            </a:r>
+            <a:r>
+              <a:rPr lang="en-US" dirty="0" smtClean="0"/>
+              <a:t>for matching </a:t>
+            </a:r>
+            <a:r>
+              <a:rPr lang="en-US" dirty="0"/>
+              <a:t>résumés and job descriptions </a:t>
+            </a:r>
+            <a:r>
+              <a:rPr lang="en-US" dirty="0" smtClean="0"/>
+              <a:t>are coarse-grained</a:t>
+            </a:r>
+            <a:r>
+              <a:rPr lang="en-US" dirty="0"/>
+              <a:t>. </a:t>
+            </a:r>
+            <a:r>
+              <a:rPr lang="en-US" dirty="0" smtClean="0"/>
+              <a:t> </a:t>
+            </a:r>
+            <a:endParaRPr lang="en-US" dirty="0" smtClean="0"/>
+          </a:p>
+          <a:p>
+            <a:endParaRPr lang="en-US" dirty="0" smtClean="0"/>
+          </a:p>
+          <a:p>
+            <a:endParaRPr lang="en-US" dirty="0" smtClean="0"/>
+          </a:p>
+          <a:p>
+            <a:endParaRPr lang="en-US" dirty="0" smtClean="0"/>
+          </a:p>
+          <a:p>
+            <a:endParaRPr lang="en-US" dirty="0"/>
+          </a:p>
+        </p:txBody>
+      </p:sp>
+      <p:sp>
+        <p:nvSpPr>
+          <p:cNvPr id="3" name="Title 2"/>
+          <p:cNvSpPr>
+            <a:spLocks noGrp="1"/>
+          </p:cNvSpPr>
+          <p:nvPr>
+            <p:ph type="title"/>
+          </p:nvPr>
+        </p:nvSpPr>
+        <p:spPr>
+          <a:xfrm>
+            <a:off x="1562100" y="365125"/>
+            <a:ext cx="9791700" cy="1325563"/>
+          </a:xfrm>
+        </p:spPr>
+        <p:txBody>
+          <a:bodyPr>
+            <a:normAutofit/>
+          </a:bodyPr>
+          <a:lstStyle/>
+          <a:p>
+            <a:r>
+              <a:rPr lang="en-US" dirty="0" smtClean="0"/>
+              <a:t>Previous </a:t>
+            </a:r>
+            <a:r>
+              <a:rPr lang="en-US" dirty="0"/>
+              <a:t>work </a:t>
+            </a:r>
+            <a:r>
+              <a:rPr lang="en-US" dirty="0" smtClean="0"/>
+              <a:t>– Problems</a:t>
+            </a:r>
+            <a:endParaRPr lang="en-US" dirty="0"/>
+          </a:p>
+        </p:txBody>
+      </p:sp>
+    </p:spTree>
+    <p:extLst>
+      <p:ext uri="{BB962C8B-B14F-4D97-AF65-F5344CB8AC3E}">
+        <p14:creationId xmlns:p14="http://schemas.microsoft.com/office/powerpoint/2010/main" val="3274840996"/>
+      </p:ext>
+    </p:extLst>
+  </p:cSld>
+  <p:clrMapOvr>
+    <a:masterClrMapping/>
+  </p:clrMapOvr>
+  <mc:AlternateContent xmlns:mc="http://schemas.openxmlformats.org/markup-compatibility/2006" xmlns:p14="http://schemas.microsoft.com/office/powerpoint/2010/main">
+    <mc:Choice Requires="p14">
+      <p:transition spd="med" p14:dur="700">
+        <p:fade/>
+      </p:transition>
+    </mc:Choice>
+    <mc:Fallback xmlns="">
+      <p:transition spd="med">
+        <p:fade/>
+      </p:transition>
+    </mc:Fallback>
+  </mc:AlternateContent>
+</p:sld>
+</file>
+
+<file path=ppt/slides/slide18.xml><?xml version="1.0" encoding="utf-8"?>
+<p:sld xmlns:a="http://schemas.openxmlformats.org/drawingml/2006/main" xmlns:r="http://schemas.openxmlformats.org/officeDocument/2006/relationships" xmlns:p="http://schemas.openxmlformats.org/presentationml/2006/main">
+  <p:cSld>
+    <p:spTree>
+      <p:nvGrpSpPr>
+        <p:cNvPr id="1" name=""/>
+        <p:cNvGrpSpPr/>
+        <p:nvPr/>
+      </p:nvGrpSpPr>
+      <p:grpSpPr>
+        <a:xfrm>
+          <a:off x="0" y="0"/>
+          <a:ext cx="0" cy="0"/>
+          <a:chOff x="0" y="0"/>
+          <a:chExt cx="0" cy="0"/>
+        </a:xfrm>
+      </p:grpSpPr>
+      <p:sp>
+        <p:nvSpPr>
           <p:cNvPr id="3" name="Title 2"/>
           <p:cNvSpPr>
             <a:spLocks noGrp="1"/>
@@ -4420,7 +5719,7 @@
 </p:sld>
 </file>
 
-<file path=ppt/slides/slide11.xml><?xml version="1.0" encoding="utf-8"?>
+<file path=ppt/slides/slide19.xml><?xml version="1.0" encoding="utf-8"?>
 <p:sld xmlns:a="http://schemas.openxmlformats.org/drawingml/2006/main" xmlns:r="http://schemas.openxmlformats.org/officeDocument/2006/relationships" xmlns:p="http://schemas.openxmlformats.org/presentationml/2006/main">
   <p:cSld>
     <p:spTree>
@@ -4462,11 +5761,11 @@
             </a:r>
             <a:r>
               <a:rPr lang="en-US" dirty="0"/>
-              <a:t>resume </a:t>
-            </a:r>
-            <a:r>
-              <a:rPr lang="en-US" dirty="0" smtClean="0"/>
-              <a:t>model, </a:t>
+              <a:t>résumé model</a:t>
+            </a:r>
+            <a:r>
+              <a:rPr lang="en-US" dirty="0" smtClean="0"/>
+              <a:t>, </a:t>
             </a:r>
             <a:r>
               <a:rPr lang="en-US" dirty="0" err="1"/>
@@ -4613,7 +5912,336 @@
 </p:sld>
 </file>
 
-<file path=ppt/slides/slide12.xml><?xml version="1.0" encoding="utf-8"?>
+<file path=ppt/slides/slide2.xml><?xml version="1.0" encoding="utf-8"?>
+<p:sld xmlns:a="http://schemas.openxmlformats.org/drawingml/2006/main" xmlns:r="http://schemas.openxmlformats.org/officeDocument/2006/relationships" xmlns:p="http://schemas.openxmlformats.org/presentationml/2006/main">
+  <p:cSld>
+    <p:spTree>
+      <p:nvGrpSpPr>
+        <p:cNvPr id="1" name=""/>
+        <p:cNvGrpSpPr/>
+        <p:nvPr/>
+      </p:nvGrpSpPr>
+      <p:grpSpPr>
+        <a:xfrm>
+          <a:off x="0" y="0"/>
+          <a:ext cx="0" cy="0"/>
+          <a:chOff x="0" y="0"/>
+          <a:chExt cx="0" cy="0"/>
+        </a:xfrm>
+      </p:grpSpPr>
+      <p:sp>
+        <p:nvSpPr>
+          <p:cNvPr id="14" name="Content Placeholder 13"/>
+          <p:cNvSpPr>
+            <a:spLocks noGrp="1"/>
+          </p:cNvSpPr>
+          <p:nvPr>
+            <p:ph idx="1"/>
+          </p:nvPr>
+        </p:nvSpPr>
+        <p:spPr/>
+        <p:txBody>
+          <a:bodyPr/>
+          <a:lstStyle/>
+          <a:p>
+            <a:pPr lvl="0"/>
+            <a:r>
+              <a:rPr lang="en-US" dirty="0" smtClean="0"/>
+              <a:t> There are many job finding websites today. </a:t>
+            </a:r>
+          </a:p>
+        </p:txBody>
+      </p:sp>
+      <p:sp>
+        <p:nvSpPr>
+          <p:cNvPr id="13" name="Title 12"/>
+          <p:cNvSpPr>
+            <a:spLocks noGrp="1"/>
+          </p:cNvSpPr>
+          <p:nvPr>
+            <p:ph type="title"/>
+          </p:nvPr>
+        </p:nvSpPr>
+        <p:spPr>
+          <a:xfrm>
+            <a:off x="1280911" y="406003"/>
+            <a:ext cx="9029700" cy="1325563"/>
+          </a:xfrm>
+        </p:spPr>
+        <p:txBody>
+          <a:bodyPr/>
+          <a:lstStyle/>
+          <a:p>
+            <a:r>
+              <a:rPr lang="en-US" altLang="zh-CN" dirty="0" smtClean="0"/>
+              <a:t>Motivation</a:t>
+            </a:r>
+            <a:endParaRPr lang="en-US" dirty="0"/>
+          </a:p>
+        </p:txBody>
+      </p:sp>
+      <p:pic>
+        <p:nvPicPr>
+          <p:cNvPr id="1026" name="Picture 2" descr="Indeed job search"/>
+          <p:cNvPicPr>
+            <a:picLocks noChangeAspect="1" noChangeArrowheads="1"/>
+          </p:cNvPicPr>
+          <p:nvPr/>
+        </p:nvPicPr>
+        <p:blipFill>
+          <a:blip r:embed="rId2">
+            <a:extLst>
+              <a:ext uri="{28A0092B-C50C-407E-A947-70E740481C1C}">
+                <a14:useLocalDpi xmlns:a14="http://schemas.microsoft.com/office/drawing/2010/main" val="0"/>
+              </a:ext>
+            </a:extLst>
+          </a:blip>
+          <a:srcRect/>
+          <a:stretch>
+            <a:fillRect/>
+          </a:stretch>
+        </p:blipFill>
+        <p:spPr bwMode="auto">
+          <a:xfrm>
+            <a:off x="1562100" y="2963069"/>
+            <a:ext cx="2381250" cy="1038225"/>
+          </a:xfrm>
+          <a:prstGeom prst="rect">
+            <a:avLst/>
+          </a:prstGeom>
+          <a:noFill/>
+          <a:extLst>
+            <a:ext uri="{909E8E84-426E-40DD-AFC4-6F175D3DCCD1}">
+              <a14:hiddenFill xmlns:a14="http://schemas.microsoft.com/office/drawing/2010/main">
+                <a:solidFill>
+                  <a:srgbClr val="FFFFFF"/>
+                </a:solidFill>
+              </a14:hiddenFill>
+            </a:ext>
+          </a:extLst>
+        </p:spPr>
+      </p:pic>
+      <p:pic>
+        <p:nvPicPr>
+          <p:cNvPr id="1028" name="Picture 4" descr="Visit Monster for Employer home page"/>
+          <p:cNvPicPr>
+            <a:picLocks noChangeAspect="1" noChangeArrowheads="1"/>
+          </p:cNvPicPr>
+          <p:nvPr/>
+        </p:nvPicPr>
+        <p:blipFill>
+          <a:blip r:embed="rId3">
+            <a:extLst>
+              <a:ext uri="{28A0092B-C50C-407E-A947-70E740481C1C}">
+                <a14:useLocalDpi xmlns:a14="http://schemas.microsoft.com/office/drawing/2010/main" val="0"/>
+              </a:ext>
+            </a:extLst>
+          </a:blip>
+          <a:srcRect/>
+          <a:stretch>
+            <a:fillRect/>
+          </a:stretch>
+        </p:blipFill>
+        <p:spPr bwMode="auto">
+          <a:xfrm>
+            <a:off x="4810125" y="3120231"/>
+            <a:ext cx="2838450" cy="723900"/>
+          </a:xfrm>
+          <a:prstGeom prst="rect">
+            <a:avLst/>
+          </a:prstGeom>
+          <a:noFill/>
+          <a:extLst>
+            <a:ext uri="{909E8E84-426E-40DD-AFC4-6F175D3DCCD1}">
+              <a14:hiddenFill xmlns:a14="http://schemas.microsoft.com/office/drawing/2010/main">
+                <a:solidFill>
+                  <a:srgbClr val="FFFFFF"/>
+                </a:solidFill>
+              </a14:hiddenFill>
+            </a:ext>
+          </a:extLst>
+        </p:spPr>
+      </p:pic>
+      <p:pic>
+        <p:nvPicPr>
+          <p:cNvPr id="2" name="Picture 1"/>
+          <p:cNvPicPr>
+            <a:picLocks noChangeAspect="1"/>
+          </p:cNvPicPr>
+          <p:nvPr/>
+        </p:nvPicPr>
+        <p:blipFill>
+          <a:blip r:embed="rId4"/>
+          <a:stretch>
+            <a:fillRect/>
+          </a:stretch>
+        </p:blipFill>
+        <p:spPr>
+          <a:xfrm>
+            <a:off x="1562100" y="4529146"/>
+            <a:ext cx="2268792" cy="728663"/>
+          </a:xfrm>
+          <a:prstGeom prst="rect">
+            <a:avLst/>
+          </a:prstGeom>
+        </p:spPr>
+      </p:pic>
+      <p:pic>
+        <p:nvPicPr>
+          <p:cNvPr id="1030" name="Picture 6" descr="Dice - The career hub for tech™"/>
+          <p:cNvPicPr>
+            <a:picLocks noChangeAspect="1" noChangeArrowheads="1"/>
+          </p:cNvPicPr>
+          <p:nvPr/>
+        </p:nvPicPr>
+        <p:blipFill>
+          <a:blip r:embed="rId5">
+            <a:extLst>
+              <a:ext uri="{28A0092B-C50C-407E-A947-70E740481C1C}">
+                <a14:useLocalDpi xmlns:a14="http://schemas.microsoft.com/office/drawing/2010/main" val="0"/>
+              </a:ext>
+            </a:extLst>
+          </a:blip>
+          <a:srcRect/>
+          <a:stretch>
+            <a:fillRect/>
+          </a:stretch>
+        </p:blipFill>
+        <p:spPr bwMode="auto">
+          <a:xfrm>
+            <a:off x="8095795" y="3120231"/>
+            <a:ext cx="4873231" cy="688323"/>
+          </a:xfrm>
+          <a:prstGeom prst="rect">
+            <a:avLst/>
+          </a:prstGeom>
+          <a:noFill/>
+          <a:extLst>
+            <a:ext uri="{909E8E84-426E-40DD-AFC4-6F175D3DCCD1}">
+              <a14:hiddenFill xmlns:a14="http://schemas.microsoft.com/office/drawing/2010/main">
+                <a:solidFill>
+                  <a:srgbClr val="FFFFFF"/>
+                </a:solidFill>
+              </a14:hiddenFill>
+            </a:ext>
+          </a:extLst>
+        </p:spPr>
+      </p:pic>
+      <p:pic>
+        <p:nvPicPr>
+          <p:cNvPr id="1032" name="Picture 8" descr="Find Jobs and Careers – SimplyHired.com Job Search"/>
+          <p:cNvPicPr>
+            <a:picLocks noChangeAspect="1" noChangeArrowheads="1"/>
+          </p:cNvPicPr>
+          <p:nvPr/>
+        </p:nvPicPr>
+        <p:blipFill>
+          <a:blip r:embed="rId6">
+            <a:extLst>
+              <a:ext uri="{28A0092B-C50C-407E-A947-70E740481C1C}">
+                <a14:useLocalDpi xmlns:a14="http://schemas.microsoft.com/office/drawing/2010/main" val="0"/>
+              </a:ext>
+            </a:extLst>
+          </a:blip>
+          <a:srcRect/>
+          <a:stretch>
+            <a:fillRect/>
+          </a:stretch>
+        </p:blipFill>
+        <p:spPr bwMode="auto">
+          <a:xfrm>
+            <a:off x="8216855" y="4451378"/>
+            <a:ext cx="2857500" cy="523875"/>
+          </a:xfrm>
+          <a:prstGeom prst="rect">
+            <a:avLst/>
+          </a:prstGeom>
+          <a:noFill/>
+          <a:extLst>
+            <a:ext uri="{909E8E84-426E-40DD-AFC4-6F175D3DCCD1}">
+              <a14:hiddenFill xmlns:a14="http://schemas.microsoft.com/office/drawing/2010/main">
+                <a:solidFill>
+                  <a:srgbClr val="FFFFFF"/>
+                </a:solidFill>
+              </a14:hiddenFill>
+            </a:ext>
+          </a:extLst>
+        </p:spPr>
+      </p:pic>
+      <p:pic>
+        <p:nvPicPr>
+          <p:cNvPr id="1034" name="Picture 10" descr="Logo"/>
+          <p:cNvPicPr>
+            <a:picLocks noChangeAspect="1" noChangeArrowheads="1"/>
+          </p:cNvPicPr>
+          <p:nvPr/>
+        </p:nvPicPr>
+        <p:blipFill>
+          <a:blip r:embed="rId7">
+            <a:extLst>
+              <a:ext uri="{28A0092B-C50C-407E-A947-70E740481C1C}">
+                <a14:useLocalDpi xmlns:a14="http://schemas.microsoft.com/office/drawing/2010/main" val="0"/>
+              </a:ext>
+            </a:extLst>
+          </a:blip>
+          <a:srcRect/>
+          <a:stretch>
+            <a:fillRect/>
+          </a:stretch>
+        </p:blipFill>
+        <p:spPr bwMode="auto">
+          <a:xfrm>
+            <a:off x="4647511" y="4138613"/>
+            <a:ext cx="2752725" cy="2038350"/>
+          </a:xfrm>
+          <a:prstGeom prst="rect">
+            <a:avLst/>
+          </a:prstGeom>
+          <a:noFill/>
+          <a:extLst>
+            <a:ext uri="{909E8E84-426E-40DD-AFC4-6F175D3DCCD1}">
+              <a14:hiddenFill xmlns:a14="http://schemas.microsoft.com/office/drawing/2010/main">
+                <a:solidFill>
+                  <a:srgbClr val="FFFFFF"/>
+                </a:solidFill>
+              </a14:hiddenFill>
+            </a:ext>
+          </a:extLst>
+        </p:spPr>
+      </p:pic>
+    </p:spTree>
+    <p:extLst>
+      <p:ext uri="{BB962C8B-B14F-4D97-AF65-F5344CB8AC3E}">
+        <p14:creationId xmlns:p14="http://schemas.microsoft.com/office/powerpoint/2010/main" val="2364934239"/>
+      </p:ext>
+    </p:extLst>
+  </p:cSld>
+  <p:clrMapOvr>
+    <a:masterClrMapping/>
+  </p:clrMapOvr>
+  <mc:AlternateContent xmlns:mc="http://schemas.openxmlformats.org/markup-compatibility/2006" xmlns:p14="http://schemas.microsoft.com/office/powerpoint/2010/main">
+    <mc:Choice Requires="p14">
+      <p:transition spd="med" p14:dur="700">
+        <p:fade/>
+      </p:transition>
+    </mc:Choice>
+    <mc:Fallback xmlns="">
+      <p:transition spd="med">
+        <p:fade/>
+      </p:transition>
+    </mc:Fallback>
+  </mc:AlternateContent>
+  <p:timing>
+    <p:tnLst>
+      <p:par>
+        <p:cTn id="1" dur="indefinite" restart="never" nodeType="tmRoot"/>
+      </p:par>
+    </p:tnLst>
+  </p:timing>
+</p:sld>
+</file>
+
+<file path=ppt/slides/slide20.xml><?xml version="1.0" encoding="utf-8"?>
 <p:sld xmlns:a="http://schemas.openxmlformats.org/drawingml/2006/main" xmlns:r="http://schemas.openxmlformats.org/officeDocument/2006/relationships" xmlns:p="http://schemas.openxmlformats.org/presentationml/2006/main">
   <p:cSld>
     <p:spTree>
@@ -4743,7 +6371,7 @@
 </p:sld>
 </file>
 
-<file path=ppt/slides/slide13.xml><?xml version="1.0" encoding="utf-8"?>
+<file path=ppt/slides/slide21.xml><?xml version="1.0" encoding="utf-8"?>
 <p:sld xmlns:a="http://schemas.openxmlformats.org/drawingml/2006/main" xmlns:r="http://schemas.openxmlformats.org/officeDocument/2006/relationships" xmlns:p="http://schemas.openxmlformats.org/presentationml/2006/main">
   <p:cSld>
     <p:spTree>
@@ -4842,7 +6470,7 @@
 </p:sld>
 </file>
 
-<file path=ppt/slides/slide14.xml><?xml version="1.0" encoding="utf-8"?>
+<file path=ppt/slides/slide22.xml><?xml version="1.0" encoding="utf-8"?>
 <p:sld xmlns:a="http://schemas.openxmlformats.org/drawingml/2006/main" xmlns:r="http://schemas.openxmlformats.org/officeDocument/2006/relationships" xmlns:p="http://schemas.openxmlformats.org/presentationml/2006/main">
   <p:cSld>
     <p:spTree>
@@ -4861,25 +6489,6 @@
       </p:grpSpPr>
       <p:sp>
         <p:nvSpPr>
-          <p:cNvPr id="2" name="Content Placeholder 1"/>
-          <p:cNvSpPr>
-            <a:spLocks noGrp="1"/>
-          </p:cNvSpPr>
-          <p:nvPr>
-            <p:ph idx="1"/>
-          </p:nvPr>
-        </p:nvSpPr>
-        <p:spPr/>
-        <p:txBody>
-          <a:bodyPr/>
-          <a:lstStyle/>
-          <a:p>
-            <a:endParaRPr lang="en-US" dirty="0"/>
-          </a:p>
-        </p:txBody>
-      </p:sp>
-      <p:sp>
-        <p:nvSpPr>
           <p:cNvPr id="3" name="Title 2"/>
           <p:cNvSpPr>
             <a:spLocks noGrp="1"/>
@@ -4910,34 +6519,36 @@
           </a:p>
         </p:txBody>
       </p:sp>
-      <p:sp>
-        <p:nvSpPr>
-          <p:cNvPr id="4" name="Rectangle 3"/>
-          <p:cNvSpPr/>
+      <p:pic>
+        <p:nvPicPr>
+          <p:cNvPr id="9" name="Picture 8"/>
+          <p:cNvPicPr>
+            <a:picLocks noChangeAspect="1"/>
+          </p:cNvPicPr>
           <p:nvPr/>
-        </p:nvSpPr>
+        </p:nvPicPr>
+        <p:blipFill>
+          <a:blip r:embed="rId2">
+            <a:extLst>
+              <a:ext uri="{28A0092B-C50C-407E-A947-70E740481C1C}">
+                <a14:useLocalDpi xmlns:a14="http://schemas.microsoft.com/office/drawing/2010/main" val="0"/>
+              </a:ext>
+            </a:extLst>
+          </a:blip>
+          <a:stretch>
+            <a:fillRect/>
+          </a:stretch>
+        </p:blipFill>
         <p:spPr>
           <a:xfrm>
-            <a:off x="5542803" y="3244334"/>
-            <a:ext cx="1106393" cy="369332"/>
+            <a:off x="4701933" y="1690687"/>
+            <a:ext cx="6715403" cy="4954811"/>
           </a:xfrm>
           <a:prstGeom prst="rect">
             <a:avLst/>
           </a:prstGeom>
         </p:spPr>
-        <p:txBody>
-          <a:bodyPr wrap="none">
-            <a:spAutoFit/>
-          </a:bodyPr>
-          <a:lstStyle/>
-          <a:p>
-            <a:r>
-              <a:rPr lang="en-US" dirty="0"/>
-              <a:t>DE_LEVEL</a:t>
-            </a:r>
-          </a:p>
-        </p:txBody>
-      </p:sp>
+      </p:pic>
     </p:spTree>
     <p:extLst>
       <p:ext uri="{BB962C8B-B14F-4D97-AF65-F5344CB8AC3E}">
@@ -4963,7 +6574,7 @@
 </p:sld>
 </file>
 
-<file path=ppt/slides/slide15.xml><?xml version="1.0" encoding="utf-8"?>
+<file path=ppt/slides/slide23.xml><?xml version="1.0" encoding="utf-8"?>
 <p:sld xmlns:a="http://schemas.openxmlformats.org/drawingml/2006/main" xmlns:r="http://schemas.openxmlformats.org/officeDocument/2006/relationships" xmlns:p="http://schemas.openxmlformats.org/presentationml/2006/main">
   <p:cSld>
     <p:spTree>
@@ -4992,7 +6603,7 @@
         </p:nvSpPr>
         <p:spPr>
           <a:xfrm>
-            <a:off x="1678009" y="2644685"/>
+            <a:off x="1008308" y="1936347"/>
             <a:ext cx="9791700" cy="1325563"/>
           </a:xfrm>
         </p:spPr>
@@ -5020,13 +6631,13 @@
   <p:clrMapOvr>
     <a:masterClrMapping/>
   </p:clrMapOvr>
-  <mc:AlternateContent xmlns:mc="http://schemas.openxmlformats.org/markup-compatibility/2006">
-    <mc:Choice xmlns:p14="http://schemas.microsoft.com/office/powerpoint/2010/main" Requires="p14">
+  <mc:AlternateContent xmlns:mc="http://schemas.openxmlformats.org/markup-compatibility/2006" xmlns:p14="http://schemas.microsoft.com/office/powerpoint/2010/main">
+    <mc:Choice Requires="p14">
       <p:transition spd="med" p14:dur="700">
         <p:fade/>
       </p:transition>
     </mc:Choice>
-    <mc:Fallback>
+    <mc:Fallback xmlns="">
       <p:transition spd="med">
         <p:fade/>
       </p:transition>
@@ -5035,7 +6646,7 @@
 </p:sld>
 </file>
 
-<file path=ppt/slides/slide16.xml><?xml version="1.0" encoding="utf-8"?>
+<file path=ppt/slides/slide24.xml><?xml version="1.0" encoding="utf-8"?>
 <p:sld xmlns:a="http://schemas.openxmlformats.org/drawingml/2006/main" xmlns:r="http://schemas.openxmlformats.org/officeDocument/2006/relationships" xmlns:p="http://schemas.openxmlformats.org/presentationml/2006/main">
   <p:cSld>
     <p:spTree>
@@ -5105,15 +6716,7 @@
             </a:r>
             <a:r>
               <a:rPr lang="en-US" dirty="0" smtClean="0"/>
-              <a:t>e need </a:t>
-            </a:r>
-            <a:r>
-              <a:rPr lang="en-US" dirty="0" smtClean="0"/>
-              <a:t>extract </a:t>
-            </a:r>
-            <a:r>
-              <a:rPr lang="en-US" dirty="0" smtClean="0"/>
-              <a:t>information from plaint text</a:t>
+              <a:t>e need extract information from plaint text</a:t>
             </a:r>
             <a:endParaRPr lang="en-US" dirty="0"/>
           </a:p>
@@ -5174,7 +6777,7 @@
 </p:sld>
 </file>
 
-<file path=ppt/slides/slide17.xml><?xml version="1.0" encoding="utf-8"?>
+<file path=ppt/slides/slide25.xml><?xml version="1.0" encoding="utf-8"?>
 <p:sld xmlns:a="http://schemas.openxmlformats.org/drawingml/2006/main" xmlns:r="http://schemas.openxmlformats.org/officeDocument/2006/relationships" xmlns:p="http://schemas.openxmlformats.org/presentationml/2006/main">
   <p:cSld>
     <p:spTree>
@@ -5258,8 +6861,8 @@
         </p:nvSpPr>
         <p:spPr>
           <a:xfrm>
-            <a:off x="609063" y="1931512"/>
-            <a:ext cx="9791700" cy="4351338"/>
+            <a:off x="1407553" y="1841360"/>
+            <a:ext cx="5431129" cy="4351338"/>
           </a:xfrm>
           <a:prstGeom prst="rect">
             <a:avLst/>
@@ -5542,7 +7145,7 @@
 </p:sld>
 </file>
 
-<file path=ppt/slides/slide18.xml><?xml version="1.0" encoding="utf-8"?>
+<file path=ppt/slides/slide26.xml><?xml version="1.0" encoding="utf-8"?>
 <p:sld xmlns:a="http://schemas.openxmlformats.org/drawingml/2006/main" xmlns:r="http://schemas.openxmlformats.org/officeDocument/2006/relationships" xmlns:p="http://schemas.openxmlformats.org/presentationml/2006/main">
   <p:cSld>
     <p:spTree>
@@ -5673,7 +7276,7 @@
 </p:sld>
 </file>
 
-<file path=ppt/slides/slide19.xml><?xml version="1.0" encoding="utf-8"?>
+<file path=ppt/slides/slide27.xml><?xml version="1.0" encoding="utf-8"?>
 <p:sld xmlns:a="http://schemas.openxmlformats.org/drawingml/2006/main" xmlns:r="http://schemas.openxmlformats.org/officeDocument/2006/relationships" xmlns:p="http://schemas.openxmlformats.org/presentationml/2006/main">
   <p:cSld>
     <p:spTree>
@@ -5700,31 +7303,75 @@
             <p:ph idx="1"/>
           </p:nvPr>
         </p:nvSpPr>
-        <p:spPr/>
-        <p:txBody>
-          <a:bodyPr/>
-          <a:lstStyle/>
-          <a:p>
-            <a:r>
-              <a:rPr lang="en-US" dirty="0" smtClean="0"/>
-              <a:t> Transfer the sentence from </a:t>
-            </a:r>
-          </a:p>
-          <a:p>
-            <a:r>
-              <a:rPr lang="en-US" dirty="0"/>
-              <a:t> </a:t>
-            </a:r>
-            <a:r>
-              <a:rPr lang="en-US" dirty="0" smtClean="0"/>
-              <a:t>Bachelors degree in computer science or information systems </a:t>
-            </a:r>
-          </a:p>
-          <a:p>
-            <a:r>
-              <a:rPr lang="en-US" dirty="0" smtClean="0"/>
-              <a:t>To </a:t>
-            </a:r>
+        <p:spPr>
+          <a:xfrm>
+            <a:off x="1017431" y="1825625"/>
+            <a:ext cx="10336369" cy="2553192"/>
+          </a:xfrm>
+        </p:spPr>
+        <p:txBody>
+          <a:bodyPr>
+            <a:normAutofit fontScale="85000" lnSpcReduction="10000"/>
+          </a:bodyPr>
+          <a:lstStyle/>
+          <a:p>
+            <a:r>
+              <a:rPr lang="en-US" sz="3600" dirty="0" smtClean="0"/>
+              <a:t>A  single concept has multiple expressions</a:t>
+            </a:r>
+          </a:p>
+          <a:p>
+            <a:r>
+              <a:rPr lang="en-US" sz="3600" dirty="0" smtClean="0"/>
+              <a:t>“bachelor’s </a:t>
+            </a:r>
+            <a:r>
+              <a:rPr lang="en-US" sz="3600" dirty="0"/>
+              <a:t>degree”, the pattern will like below:</a:t>
+            </a:r>
+          </a:p>
+          <a:p>
+            <a:r>
+              <a:rPr lang="en-US" sz="3600" dirty="0"/>
+              <a:t>( Baccalaureate | bachelors | </a:t>
+            </a:r>
+            <a:r>
+              <a:rPr lang="en-US" sz="3600" dirty="0" smtClean="0"/>
+              <a:t>bachelor | </a:t>
+            </a:r>
+            <a:r>
+              <a:rPr lang="en-US" sz="3600" dirty="0"/>
+              <a:t>B.S | BS | BA ) degree</a:t>
+            </a:r>
+            <a:endParaRPr lang="en-US" sz="3600" dirty="0" smtClean="0"/>
+          </a:p>
+          <a:p>
+            <a:endParaRPr lang="en-US" sz="3600" dirty="0"/>
+          </a:p>
+          <a:p>
+            <a:r>
+              <a:rPr lang="en-US" sz="3600" dirty="0" smtClean="0"/>
+              <a:t>All </a:t>
+            </a:r>
+            <a:r>
+              <a:rPr lang="en-US" sz="3600" dirty="0"/>
+              <a:t>words mean </a:t>
+            </a:r>
+            <a:r>
+              <a:rPr lang="en-US" sz="3600" dirty="0" smtClean="0"/>
+              <a:t>bachelors: </a:t>
+            </a:r>
+          </a:p>
+          <a:p>
+            <a:endParaRPr lang="en-US" dirty="0" smtClean="0"/>
+          </a:p>
+          <a:p>
+            <a:endParaRPr lang="en-US" dirty="0"/>
+          </a:p>
+          <a:p>
+            <a:endParaRPr lang="en-US" dirty="0"/>
+          </a:p>
+          <a:p>
             <a:endParaRPr lang="en-US" dirty="0"/>
           </a:p>
         </p:txBody>
@@ -5751,9 +7398,171 @@
           <a:p>
             <a:r>
               <a:rPr lang="en-US" dirty="0" smtClean="0"/>
-              <a:t>Processing the text </a:t>
+              <a:t>Semantic Labeling</a:t>
             </a:r>
             <a:endParaRPr lang="en-US" dirty="0"/>
+          </a:p>
+        </p:txBody>
+      </p:sp>
+      <p:sp>
+        <p:nvSpPr>
+          <p:cNvPr id="4" name="TextBox 3"/>
+          <p:cNvSpPr txBox="1"/>
+          <p:nvPr/>
+        </p:nvSpPr>
+        <p:spPr>
+          <a:xfrm>
+            <a:off x="1135218" y="4805692"/>
+            <a:ext cx="10126551" cy="1477328"/>
+          </a:xfrm>
+          <a:prstGeom prst="rect">
+            <a:avLst/>
+          </a:prstGeom>
+          <a:noFill/>
+          <a:ln>
+            <a:solidFill>
+              <a:schemeClr val="bg2"/>
+            </a:solidFill>
+          </a:ln>
+        </p:spPr>
+        <p:txBody>
+          <a:bodyPr wrap="square" rtlCol="0" anchor="ctr" anchorCtr="1">
+            <a:spAutoFit/>
+          </a:bodyPr>
+          <a:lstStyle/>
+          <a:p>
+            <a:r>
+              <a:rPr lang="en-US" sz="2400" dirty="0"/>
+              <a:t>”Baccalaureate”, ”bachelors”, ”bachelor” ,”B.S.”, ”B.S”,”BS”,”BA”,”BA/BS”, ”BABS”, ”BSBA”, ”B.A</a:t>
+            </a:r>
+            <a:r>
+              <a:rPr lang="en-US" sz="2400" dirty="0" smtClean="0"/>
+              <a:t>.”, ”</a:t>
+            </a:r>
+            <a:r>
+              <a:rPr lang="en-US" sz="2400" dirty="0"/>
+              <a:t>4-year”,”4-year”, ”4 year”, ”four year</a:t>
+            </a:r>
+            <a:r>
+              <a:rPr lang="en-US" sz="2400" dirty="0" smtClean="0"/>
+              <a:t>”, ”</a:t>
+            </a:r>
+            <a:r>
+              <a:rPr lang="en-US" sz="2400" dirty="0"/>
+              <a:t>college</a:t>
+            </a:r>
+            <a:r>
+              <a:rPr lang="en-US" sz="2400" dirty="0" smtClean="0"/>
+              <a:t>”, ”Undergraduate</a:t>
+            </a:r>
+            <a:r>
+              <a:rPr lang="en-US" sz="2400" dirty="0"/>
+              <a:t>” , ”University”</a:t>
+            </a:r>
+          </a:p>
+          <a:p>
+            <a:endParaRPr lang="en-US" dirty="0"/>
+          </a:p>
+        </p:txBody>
+      </p:sp>
+    </p:spTree>
+    <p:extLst>
+      <p:ext uri="{BB962C8B-B14F-4D97-AF65-F5344CB8AC3E}">
+        <p14:creationId xmlns:p14="http://schemas.microsoft.com/office/powerpoint/2010/main" val="3108571009"/>
+      </p:ext>
+    </p:extLst>
+  </p:cSld>
+  <p:clrMapOvr>
+    <a:masterClrMapping/>
+  </p:clrMapOvr>
+  <mc:AlternateContent xmlns:mc="http://schemas.openxmlformats.org/markup-compatibility/2006" xmlns:p14="http://schemas.microsoft.com/office/powerpoint/2010/main">
+    <mc:Choice Requires="p14">
+      <p:transition spd="med" p14:dur="700">
+        <p:fade/>
+      </p:transition>
+    </mc:Choice>
+    <mc:Fallback xmlns="">
+      <p:transition spd="med">
+        <p:fade/>
+      </p:transition>
+    </mc:Fallback>
+  </mc:AlternateContent>
+</p:sld>
+</file>
+
+<file path=ppt/slides/slide28.xml><?xml version="1.0" encoding="utf-8"?>
+<p:sld xmlns:a="http://schemas.openxmlformats.org/drawingml/2006/main" xmlns:r="http://schemas.openxmlformats.org/officeDocument/2006/relationships" xmlns:p="http://schemas.openxmlformats.org/presentationml/2006/main">
+  <p:cSld>
+    <p:spTree>
+      <p:nvGrpSpPr>
+        <p:cNvPr id="1" name=""/>
+        <p:cNvGrpSpPr/>
+        <p:nvPr/>
+      </p:nvGrpSpPr>
+      <p:grpSpPr>
+        <a:xfrm>
+          <a:off x="0" y="0"/>
+          <a:ext cx="0" cy="0"/>
+          <a:chOff x="0" y="0"/>
+          <a:chExt cx="0" cy="0"/>
+        </a:xfrm>
+      </p:grpSpPr>
+      <p:sp>
+        <p:nvSpPr>
+          <p:cNvPr id="2" name="Content Placeholder 1"/>
+          <p:cNvSpPr>
+            <a:spLocks noGrp="1"/>
+          </p:cNvSpPr>
+          <p:nvPr>
+            <p:ph idx="1"/>
+          </p:nvPr>
+        </p:nvSpPr>
+        <p:spPr/>
+        <p:txBody>
+          <a:bodyPr/>
+          <a:lstStyle/>
+          <a:p>
+            <a:r>
+              <a:rPr lang="en-US" dirty="0" smtClean="0"/>
+              <a:t>Bachelors degree in computer science or information systems </a:t>
+            </a:r>
+          </a:p>
+          <a:p>
+            <a:endParaRPr lang="en-US" dirty="0" smtClean="0"/>
+          </a:p>
+          <a:p>
+            <a:r>
+              <a:rPr lang="en-US" dirty="0" smtClean="0"/>
+              <a:t>To </a:t>
+            </a:r>
+            <a:endParaRPr lang="en-US" dirty="0"/>
+          </a:p>
+        </p:txBody>
+      </p:sp>
+      <p:sp>
+        <p:nvSpPr>
+          <p:cNvPr id="3" name="Title 2"/>
+          <p:cNvSpPr>
+            <a:spLocks noGrp="1"/>
+          </p:cNvSpPr>
+          <p:nvPr>
+            <p:ph type="title"/>
+          </p:nvPr>
+        </p:nvSpPr>
+        <p:spPr>
+          <a:xfrm>
+            <a:off x="1562100" y="365125"/>
+            <a:ext cx="9791700" cy="1325563"/>
+          </a:xfrm>
+        </p:spPr>
+        <p:txBody>
+          <a:bodyPr/>
+          <a:lstStyle/>
+          <a:p>
+            <a:r>
+              <a:rPr lang="en-US" dirty="0"/>
+              <a:t>Semantic Labeling</a:t>
+            </a:r>
           </a:p>
         </p:txBody>
       </p:sp>
@@ -5766,14 +7575,14 @@
           <p:nvPr>
             <p:extLst>
               <p:ext uri="{D42A27DB-BD31-4B8C-83A1-F6EECF244321}">
-                <p14:modId xmlns:p14="http://schemas.microsoft.com/office/powerpoint/2010/main" val="4131126749"/>
+                <p14:modId xmlns:p14="http://schemas.microsoft.com/office/powerpoint/2010/main" val="2831318194"/>
               </p:ext>
             </p:extLst>
           </p:nvPr>
         </p:nvGraphicFramePr>
         <p:xfrm>
           <a:off x="1562100" y="3854527"/>
-          <a:ext cx="9942494" cy="1737360"/>
+          <a:ext cx="9222888" cy="1737360"/>
         </p:xfrm>
         <a:graphic>
           <a:graphicData uri="http://schemas.openxmlformats.org/drawingml/2006/table">
@@ -5787,8 +7596,8 @@
                 <a:gridCol w="592428"/>
                 <a:gridCol w="2472744"/>
                 <a:gridCol w="708338"/>
-                <a:gridCol w="2356833"/>
-                <a:gridCol w="759854"/>
+                <a:gridCol w="2069738"/>
+                <a:gridCol w="327343"/>
               </a:tblGrid>
               <a:tr h="370840">
                 <a:tc>
@@ -6119,336 +7928,7 @@
 </p:sld>
 </file>
 
-<file path=ppt/slides/slide2.xml><?xml version="1.0" encoding="utf-8"?>
-<p:sld xmlns:a="http://schemas.openxmlformats.org/drawingml/2006/main" xmlns:r="http://schemas.openxmlformats.org/officeDocument/2006/relationships" xmlns:p="http://schemas.openxmlformats.org/presentationml/2006/main">
-  <p:cSld>
-    <p:spTree>
-      <p:nvGrpSpPr>
-        <p:cNvPr id="1" name=""/>
-        <p:cNvGrpSpPr/>
-        <p:nvPr/>
-      </p:nvGrpSpPr>
-      <p:grpSpPr>
-        <a:xfrm>
-          <a:off x="0" y="0"/>
-          <a:ext cx="0" cy="0"/>
-          <a:chOff x="0" y="0"/>
-          <a:chExt cx="0" cy="0"/>
-        </a:xfrm>
-      </p:grpSpPr>
-      <p:sp>
-        <p:nvSpPr>
-          <p:cNvPr id="14" name="Content Placeholder 13"/>
-          <p:cNvSpPr>
-            <a:spLocks noGrp="1"/>
-          </p:cNvSpPr>
-          <p:nvPr>
-            <p:ph idx="1"/>
-          </p:nvPr>
-        </p:nvSpPr>
-        <p:spPr/>
-        <p:txBody>
-          <a:bodyPr/>
-          <a:lstStyle/>
-          <a:p>
-            <a:pPr lvl="0"/>
-            <a:r>
-              <a:rPr lang="en-US" dirty="0" smtClean="0"/>
-              <a:t> There are many job finding websites today. </a:t>
-            </a:r>
-          </a:p>
-        </p:txBody>
-      </p:sp>
-      <p:sp>
-        <p:nvSpPr>
-          <p:cNvPr id="13" name="Title 12"/>
-          <p:cNvSpPr>
-            <a:spLocks noGrp="1"/>
-          </p:cNvSpPr>
-          <p:nvPr>
-            <p:ph type="title"/>
-          </p:nvPr>
-        </p:nvSpPr>
-        <p:spPr>
-          <a:xfrm>
-            <a:off x="1280911" y="406003"/>
-            <a:ext cx="9029700" cy="1325563"/>
-          </a:xfrm>
-        </p:spPr>
-        <p:txBody>
-          <a:bodyPr/>
-          <a:lstStyle/>
-          <a:p>
-            <a:r>
-              <a:rPr lang="en-US" altLang="zh-CN" dirty="0" smtClean="0"/>
-              <a:t>Motivation</a:t>
-            </a:r>
-            <a:endParaRPr lang="en-US" dirty="0"/>
-          </a:p>
-        </p:txBody>
-      </p:sp>
-      <p:pic>
-        <p:nvPicPr>
-          <p:cNvPr id="1026" name="Picture 2" descr="Indeed job search"/>
-          <p:cNvPicPr>
-            <a:picLocks noChangeAspect="1" noChangeArrowheads="1"/>
-          </p:cNvPicPr>
-          <p:nvPr/>
-        </p:nvPicPr>
-        <p:blipFill>
-          <a:blip r:embed="rId2">
-            <a:extLst>
-              <a:ext uri="{28A0092B-C50C-407E-A947-70E740481C1C}">
-                <a14:useLocalDpi xmlns:a14="http://schemas.microsoft.com/office/drawing/2010/main" val="0"/>
-              </a:ext>
-            </a:extLst>
-          </a:blip>
-          <a:srcRect/>
-          <a:stretch>
-            <a:fillRect/>
-          </a:stretch>
-        </p:blipFill>
-        <p:spPr bwMode="auto">
-          <a:xfrm>
-            <a:off x="1562100" y="2963069"/>
-            <a:ext cx="2381250" cy="1038225"/>
-          </a:xfrm>
-          <a:prstGeom prst="rect">
-            <a:avLst/>
-          </a:prstGeom>
-          <a:noFill/>
-          <a:extLst>
-            <a:ext uri="{909E8E84-426E-40DD-AFC4-6F175D3DCCD1}">
-              <a14:hiddenFill xmlns:a14="http://schemas.microsoft.com/office/drawing/2010/main">
-                <a:solidFill>
-                  <a:srgbClr val="FFFFFF"/>
-                </a:solidFill>
-              </a14:hiddenFill>
-            </a:ext>
-          </a:extLst>
-        </p:spPr>
-      </p:pic>
-      <p:pic>
-        <p:nvPicPr>
-          <p:cNvPr id="1028" name="Picture 4" descr="Visit Monster for Employer home page"/>
-          <p:cNvPicPr>
-            <a:picLocks noChangeAspect="1" noChangeArrowheads="1"/>
-          </p:cNvPicPr>
-          <p:nvPr/>
-        </p:nvPicPr>
-        <p:blipFill>
-          <a:blip r:embed="rId3">
-            <a:extLst>
-              <a:ext uri="{28A0092B-C50C-407E-A947-70E740481C1C}">
-                <a14:useLocalDpi xmlns:a14="http://schemas.microsoft.com/office/drawing/2010/main" val="0"/>
-              </a:ext>
-            </a:extLst>
-          </a:blip>
-          <a:srcRect/>
-          <a:stretch>
-            <a:fillRect/>
-          </a:stretch>
-        </p:blipFill>
-        <p:spPr bwMode="auto">
-          <a:xfrm>
-            <a:off x="4810125" y="3120231"/>
-            <a:ext cx="2838450" cy="723900"/>
-          </a:xfrm>
-          <a:prstGeom prst="rect">
-            <a:avLst/>
-          </a:prstGeom>
-          <a:noFill/>
-          <a:extLst>
-            <a:ext uri="{909E8E84-426E-40DD-AFC4-6F175D3DCCD1}">
-              <a14:hiddenFill xmlns:a14="http://schemas.microsoft.com/office/drawing/2010/main">
-                <a:solidFill>
-                  <a:srgbClr val="FFFFFF"/>
-                </a:solidFill>
-              </a14:hiddenFill>
-            </a:ext>
-          </a:extLst>
-        </p:spPr>
-      </p:pic>
-      <p:pic>
-        <p:nvPicPr>
-          <p:cNvPr id="2" name="Picture 1"/>
-          <p:cNvPicPr>
-            <a:picLocks noChangeAspect="1"/>
-          </p:cNvPicPr>
-          <p:nvPr/>
-        </p:nvPicPr>
-        <p:blipFill>
-          <a:blip r:embed="rId4"/>
-          <a:stretch>
-            <a:fillRect/>
-          </a:stretch>
-        </p:blipFill>
-        <p:spPr>
-          <a:xfrm>
-            <a:off x="1562100" y="4529146"/>
-            <a:ext cx="2268792" cy="728663"/>
-          </a:xfrm>
-          <a:prstGeom prst="rect">
-            <a:avLst/>
-          </a:prstGeom>
-        </p:spPr>
-      </p:pic>
-      <p:pic>
-        <p:nvPicPr>
-          <p:cNvPr id="1030" name="Picture 6" descr="Dice - The career hub for tech™"/>
-          <p:cNvPicPr>
-            <a:picLocks noChangeAspect="1" noChangeArrowheads="1"/>
-          </p:cNvPicPr>
-          <p:nvPr/>
-        </p:nvPicPr>
-        <p:blipFill>
-          <a:blip r:embed="rId5">
-            <a:extLst>
-              <a:ext uri="{28A0092B-C50C-407E-A947-70E740481C1C}">
-                <a14:useLocalDpi xmlns:a14="http://schemas.microsoft.com/office/drawing/2010/main" val="0"/>
-              </a:ext>
-            </a:extLst>
-          </a:blip>
-          <a:srcRect/>
-          <a:stretch>
-            <a:fillRect/>
-          </a:stretch>
-        </p:blipFill>
-        <p:spPr bwMode="auto">
-          <a:xfrm>
-            <a:off x="8095795" y="3120231"/>
-            <a:ext cx="4873231" cy="688323"/>
-          </a:xfrm>
-          <a:prstGeom prst="rect">
-            <a:avLst/>
-          </a:prstGeom>
-          <a:noFill/>
-          <a:extLst>
-            <a:ext uri="{909E8E84-426E-40DD-AFC4-6F175D3DCCD1}">
-              <a14:hiddenFill xmlns:a14="http://schemas.microsoft.com/office/drawing/2010/main">
-                <a:solidFill>
-                  <a:srgbClr val="FFFFFF"/>
-                </a:solidFill>
-              </a14:hiddenFill>
-            </a:ext>
-          </a:extLst>
-        </p:spPr>
-      </p:pic>
-      <p:pic>
-        <p:nvPicPr>
-          <p:cNvPr id="1032" name="Picture 8" descr="Find Jobs and Careers – SimplyHired.com Job Search"/>
-          <p:cNvPicPr>
-            <a:picLocks noChangeAspect="1" noChangeArrowheads="1"/>
-          </p:cNvPicPr>
-          <p:nvPr/>
-        </p:nvPicPr>
-        <p:blipFill>
-          <a:blip r:embed="rId6">
-            <a:extLst>
-              <a:ext uri="{28A0092B-C50C-407E-A947-70E740481C1C}">
-                <a14:useLocalDpi xmlns:a14="http://schemas.microsoft.com/office/drawing/2010/main" val="0"/>
-              </a:ext>
-            </a:extLst>
-          </a:blip>
-          <a:srcRect/>
-          <a:stretch>
-            <a:fillRect/>
-          </a:stretch>
-        </p:blipFill>
-        <p:spPr bwMode="auto">
-          <a:xfrm>
-            <a:off x="8216855" y="4451378"/>
-            <a:ext cx="2857500" cy="523875"/>
-          </a:xfrm>
-          <a:prstGeom prst="rect">
-            <a:avLst/>
-          </a:prstGeom>
-          <a:noFill/>
-          <a:extLst>
-            <a:ext uri="{909E8E84-426E-40DD-AFC4-6F175D3DCCD1}">
-              <a14:hiddenFill xmlns:a14="http://schemas.microsoft.com/office/drawing/2010/main">
-                <a:solidFill>
-                  <a:srgbClr val="FFFFFF"/>
-                </a:solidFill>
-              </a14:hiddenFill>
-            </a:ext>
-          </a:extLst>
-        </p:spPr>
-      </p:pic>
-      <p:pic>
-        <p:nvPicPr>
-          <p:cNvPr id="1034" name="Picture 10" descr="Logo"/>
-          <p:cNvPicPr>
-            <a:picLocks noChangeAspect="1" noChangeArrowheads="1"/>
-          </p:cNvPicPr>
-          <p:nvPr/>
-        </p:nvPicPr>
-        <p:blipFill>
-          <a:blip r:embed="rId7">
-            <a:extLst>
-              <a:ext uri="{28A0092B-C50C-407E-A947-70E740481C1C}">
-                <a14:useLocalDpi xmlns:a14="http://schemas.microsoft.com/office/drawing/2010/main" val="0"/>
-              </a:ext>
-            </a:extLst>
-          </a:blip>
-          <a:srcRect/>
-          <a:stretch>
-            <a:fillRect/>
-          </a:stretch>
-        </p:blipFill>
-        <p:spPr bwMode="auto">
-          <a:xfrm>
-            <a:off x="4647511" y="4138613"/>
-            <a:ext cx="2752725" cy="2038350"/>
-          </a:xfrm>
-          <a:prstGeom prst="rect">
-            <a:avLst/>
-          </a:prstGeom>
-          <a:noFill/>
-          <a:extLst>
-            <a:ext uri="{909E8E84-426E-40DD-AFC4-6F175D3DCCD1}">
-              <a14:hiddenFill xmlns:a14="http://schemas.microsoft.com/office/drawing/2010/main">
-                <a:solidFill>
-                  <a:srgbClr val="FFFFFF"/>
-                </a:solidFill>
-              </a14:hiddenFill>
-            </a:ext>
-          </a:extLst>
-        </p:spPr>
-      </p:pic>
-    </p:spTree>
-    <p:extLst>
-      <p:ext uri="{BB962C8B-B14F-4D97-AF65-F5344CB8AC3E}">
-        <p14:creationId xmlns:p14="http://schemas.microsoft.com/office/powerpoint/2010/main" val="2364934239"/>
-      </p:ext>
-    </p:extLst>
-  </p:cSld>
-  <p:clrMapOvr>
-    <a:masterClrMapping/>
-  </p:clrMapOvr>
-  <mc:AlternateContent xmlns:mc="http://schemas.openxmlformats.org/markup-compatibility/2006" xmlns:p14="http://schemas.microsoft.com/office/powerpoint/2010/main">
-    <mc:Choice Requires="p14">
-      <p:transition spd="med" p14:dur="700">
-        <p:fade/>
-      </p:transition>
-    </mc:Choice>
-    <mc:Fallback xmlns="">
-      <p:transition spd="med">
-        <p:fade/>
-      </p:transition>
-    </mc:Fallback>
-  </mc:AlternateContent>
-  <p:timing>
-    <p:tnLst>
-      <p:par>
-        <p:cTn id="1" dur="indefinite" restart="never" nodeType="tmRoot"/>
-      </p:par>
-    </p:tnLst>
-  </p:timing>
-</p:sld>
-</file>
-
-<file path=ppt/slides/slide20.xml><?xml version="1.0" encoding="utf-8"?>
+<file path=ppt/slides/slide29.xml><?xml version="1.0" encoding="utf-8"?>
 <p:sld xmlns:a="http://schemas.openxmlformats.org/drawingml/2006/main" xmlns:r="http://schemas.openxmlformats.org/officeDocument/2006/relationships" xmlns:p="http://schemas.openxmlformats.org/presentationml/2006/main">
   <p:cSld>
     <p:spTree>
@@ -7239,7 +8719,7 @@
 </p:sld>
 </file>
 
-<file path=ppt/slides/slide21.xml><?xml version="1.0" encoding="utf-8"?>
+<file path=ppt/slides/slide3.xml><?xml version="1.0" encoding="utf-8"?>
 <p:sld xmlns:a="http://schemas.openxmlformats.org/drawingml/2006/main" xmlns:r="http://schemas.openxmlformats.org/officeDocument/2006/relationships" xmlns:p="http://schemas.openxmlformats.org/presentationml/2006/main">
   <p:cSld>
     <p:spTree>
@@ -7256,20 +8736,46 @@
           <a:chExt cx="0" cy="0"/>
         </a:xfrm>
       </p:grpSpPr>
-      <p:sp>
-        <p:nvSpPr>
-          <p:cNvPr id="3" name="Title 2"/>
-          <p:cNvSpPr>
-            <a:spLocks noGrp="1"/>
-          </p:cNvSpPr>
-          <p:nvPr>
-            <p:ph type="title"/>
-          </p:nvPr>
-        </p:nvSpPr>
+      <p:pic>
+        <p:nvPicPr>
+          <p:cNvPr id="4" name="Content Placeholder 3"/>
+          <p:cNvPicPr>
+            <a:picLocks noGrp="1" noChangeAspect="1"/>
+          </p:cNvPicPr>
+          <p:nvPr>
+            <p:ph idx="1"/>
+          </p:nvPr>
+        </p:nvPicPr>
+        <p:blipFill>
+          <a:blip r:embed="rId2"/>
+          <a:stretch>
+            <a:fillRect/>
+          </a:stretch>
+        </p:blipFill>
         <p:spPr>
           <a:xfrm>
-            <a:off x="1562100" y="365125"/>
-            <a:ext cx="9791700" cy="1325563"/>
+            <a:off x="965915" y="1690688"/>
+            <a:ext cx="8532525" cy="1065134"/>
+          </a:xfrm>
+          <a:prstGeom prst="rect">
+            <a:avLst/>
+          </a:prstGeom>
+        </p:spPr>
+      </p:pic>
+      <p:sp>
+        <p:nvSpPr>
+          <p:cNvPr id="3" name="Title 2"/>
+          <p:cNvSpPr>
+            <a:spLocks noGrp="1"/>
+          </p:cNvSpPr>
+          <p:nvPr>
+            <p:ph type="title"/>
+          </p:nvPr>
+        </p:nvSpPr>
+        <p:spPr>
+          <a:xfrm>
+            <a:off x="965915" y="365125"/>
+            <a:ext cx="10387885" cy="1325563"/>
           </a:xfrm>
         </p:spPr>
         <p:txBody>
@@ -7278,133 +8784,64 @@
           <a:p>
             <a:r>
               <a:rPr lang="en-US" dirty="0" smtClean="0"/>
-              <a:t>Patterns </a:t>
-            </a:r>
-            <a:r>
-              <a:rPr lang="en-US" dirty="0"/>
-              <a:t>M</a:t>
-            </a:r>
-            <a:r>
-              <a:rPr lang="en-US" dirty="0" smtClean="0"/>
-              <a:t>atching Degree</a:t>
+              <a:t>They all use keyword Searching</a:t>
             </a:r>
             <a:endParaRPr lang="en-US" dirty="0"/>
           </a:p>
         </p:txBody>
       </p:sp>
-      <p:sp>
-        <p:nvSpPr>
-          <p:cNvPr id="2" name="Content Placeholder 1"/>
-          <p:cNvSpPr>
-            <a:spLocks noGrp="1"/>
-          </p:cNvSpPr>
-          <p:nvPr>
-            <p:ph idx="1"/>
-          </p:nvPr>
-        </p:nvSpPr>
-        <p:spPr/>
-        <p:txBody>
-          <a:bodyPr/>
-          <a:lstStyle/>
-          <a:p>
-            <a:pPr marL="514350" indent="-514350">
-              <a:buFont typeface="+mj-lt"/>
-              <a:buAutoNum type="arabicPeriod"/>
-            </a:pPr>
-            <a:r>
-              <a:rPr lang="en-US" dirty="0"/>
-              <a:t> DE-LEVEL,  DE-LEVEL, OR  DE-LEVEL </a:t>
-            </a:r>
-            <a:r>
-              <a:rPr lang="en-US" dirty="0" smtClean="0"/>
-              <a:t> </a:t>
-            </a:r>
-            <a:endParaRPr lang="en-US" dirty="0"/>
-          </a:p>
-          <a:p>
-            <a:pPr marL="514350" indent="-514350">
-              <a:buFont typeface="+mj-lt"/>
-              <a:buAutoNum type="arabicPeriod"/>
-            </a:pPr>
-            <a:r>
-              <a:rPr lang="en-US" dirty="0"/>
-              <a:t> DE-LEVEL DEGREE ( IN  </a:t>
-            </a:r>
-            <a:r>
-              <a:rPr lang="en-US" dirty="0" smtClean="0"/>
-              <a:t>| OF </a:t>
-            </a:r>
-            <a:r>
-              <a:rPr lang="en-US" dirty="0"/>
-              <a:t>) DT MAJOR   </a:t>
-            </a:r>
-          </a:p>
-          <a:p>
-            <a:pPr marL="514350" indent="-514350">
-              <a:buFont typeface="+mj-lt"/>
-              <a:buAutoNum type="arabicPeriod"/>
-            </a:pPr>
-            <a:r>
-              <a:rPr lang="en-US" dirty="0"/>
-              <a:t> MAJOR-DEGREE  ,  MAJOR-DEGREE OR MAJOR </a:t>
-            </a:r>
-            <a:r>
-              <a:rPr lang="en-US" dirty="0" smtClean="0"/>
-              <a:t> </a:t>
-            </a:r>
-            <a:endParaRPr lang="en-US" dirty="0"/>
-          </a:p>
-          <a:p>
-            <a:pPr marL="514350" indent="-514350">
-              <a:buFont typeface="+mj-lt"/>
-              <a:buAutoNum type="arabicPeriod"/>
-            </a:pPr>
-            <a:r>
-              <a:rPr lang="en-US" dirty="0"/>
-              <a:t> DE-LEVEL (, DE-LEVEL)* (OR DE-LEVEL)? BE? PERFER-VBD   </a:t>
-            </a:r>
-            <a:r>
-              <a:rPr lang="en-US" dirty="0" smtClean="0"/>
-              <a:t> </a:t>
-            </a:r>
-          </a:p>
-          <a:p>
-            <a:pPr marL="514350" indent="-514350">
-              <a:buFont typeface="+mj-lt"/>
-              <a:buAutoNum type="arabicPeriod"/>
-            </a:pPr>
-            <a:r>
-              <a:rPr lang="en-US" dirty="0" smtClean="0"/>
-              <a:t> MAJOR DEGREE </a:t>
-            </a:r>
-          </a:p>
-          <a:p>
-            <a:pPr marL="514350" indent="-514350">
-              <a:buFont typeface="+mj-lt"/>
-              <a:buAutoNum type="arabicPeriod"/>
-            </a:pPr>
-            <a:r>
-              <a:rPr lang="en-US" dirty="0" smtClean="0"/>
-              <a:t> DE_LEVEL </a:t>
-            </a:r>
-            <a:r>
-              <a:rPr lang="en-US" dirty="0"/>
-              <a:t>, OR DEGREE_JJ</a:t>
-            </a:r>
-            <a:r>
-              <a:rPr lang="en-US" dirty="0" smtClean="0"/>
-              <a:t> </a:t>
-            </a:r>
-          </a:p>
-          <a:p>
-            <a:endParaRPr lang="en-US" dirty="0"/>
-          </a:p>
-        </p:txBody>
-      </p:sp>
+      <p:pic>
+        <p:nvPicPr>
+          <p:cNvPr id="5" name="Picture 4"/>
+          <p:cNvPicPr>
+            <a:picLocks noChangeAspect="1"/>
+          </p:cNvPicPr>
+          <p:nvPr/>
+        </p:nvPicPr>
+        <p:blipFill>
+          <a:blip r:embed="rId3"/>
+          <a:stretch>
+            <a:fillRect/>
+          </a:stretch>
+        </p:blipFill>
+        <p:spPr>
+          <a:xfrm>
+            <a:off x="965915" y="3016251"/>
+            <a:ext cx="7867650" cy="885825"/>
+          </a:xfrm>
+          <a:prstGeom prst="rect">
+            <a:avLst/>
+          </a:prstGeom>
+        </p:spPr>
+      </p:pic>
+      <p:pic>
+        <p:nvPicPr>
+          <p:cNvPr id="6" name="Picture 5"/>
+          <p:cNvPicPr>
+            <a:picLocks noChangeAspect="1"/>
+          </p:cNvPicPr>
+          <p:nvPr/>
+        </p:nvPicPr>
+        <p:blipFill>
+          <a:blip r:embed="rId4"/>
+          <a:stretch>
+            <a:fillRect/>
+          </a:stretch>
+        </p:blipFill>
+        <p:spPr>
+          <a:xfrm>
+            <a:off x="965915" y="4756127"/>
+            <a:ext cx="8077200" cy="771525"/>
+          </a:xfrm>
+          <a:prstGeom prst="rect">
+            <a:avLst/>
+          </a:prstGeom>
+        </p:spPr>
+      </p:pic>
     </p:spTree>
     <p:extLst>
       <p:ext uri="{BB962C8B-B14F-4D97-AF65-F5344CB8AC3E}">
-        <p14:creationId xmlns:p14="http://schemas.microsoft.com/office/powerpoint/2010/main" val="1711261763"/>
+        <p14:creationId xmlns:p14="http://schemas.microsoft.com/office/powerpoint/2010/main" val="2094245540"/>
       </p:ext>
     </p:extLst>
   </p:cSld>
@@ -7426,7 +8863,7 @@
 </p:sld>
 </file>
 
-<file path=ppt/slides/slide22.xml><?xml version="1.0" encoding="utf-8"?>
+<file path=ppt/slides/slide30.xml><?xml version="1.0" encoding="utf-8"?>
 <p:sld xmlns:a="http://schemas.openxmlformats.org/drawingml/2006/main" xmlns:r="http://schemas.openxmlformats.org/officeDocument/2006/relationships" xmlns:p="http://schemas.openxmlformats.org/presentationml/2006/main">
   <p:cSld>
     <p:spTree>
@@ -7462,11 +8899,7 @@
           <a:p>
             <a:r>
               <a:rPr lang="en-US" dirty="0" smtClean="0"/>
-              <a:t>The unit of the expression is token or </a:t>
-            </a:r>
-            <a:r>
-              <a:rPr lang="en-US" dirty="0" smtClean="0"/>
-              <a:t>word</a:t>
+              <a:t>The unit of the expression is token or word</a:t>
             </a:r>
           </a:p>
           <a:p>
@@ -7514,13 +8947,8 @@
           <a:p>
             <a:r>
               <a:rPr lang="en-US" dirty="0" smtClean="0"/>
-              <a:t> </a:t>
-            </a:r>
-            <a:r>
-              <a:rPr lang="en-US" dirty="0" smtClean="0"/>
-              <a:t> </a:t>
-            </a:r>
-            <a:endParaRPr lang="en-US" dirty="0" smtClean="0"/>
+              <a:t>  </a:t>
+            </a:r>
           </a:p>
           <a:p>
             <a:r>
@@ -7584,7 +9012,7 @@
 </p:sld>
 </file>
 
-<file path=ppt/slides/slide23.xml><?xml version="1.0" encoding="utf-8"?>
+<file path=ppt/slides/slide31.xml><?xml version="1.0" encoding="utf-8"?>
 <p:sld xmlns:a="http://schemas.openxmlformats.org/drawingml/2006/main" xmlns:r="http://schemas.openxmlformats.org/officeDocument/2006/relationships" xmlns:p="http://schemas.openxmlformats.org/presentationml/2006/main">
   <p:cSld>
     <p:spTree>
@@ -7727,7 +9155,7 @@
 </p:sld>
 </file>
 
-<file path=ppt/slides/slide24.xml><?xml version="1.0" encoding="utf-8"?>
+<file path=ppt/slides/slide32.xml><?xml version="1.0" encoding="utf-8"?>
 <p:sld xmlns:a="http://schemas.openxmlformats.org/drawingml/2006/main" xmlns:r="http://schemas.openxmlformats.org/officeDocument/2006/relationships" xmlns:p="http://schemas.openxmlformats.org/presentationml/2006/main">
   <p:cSld>
     <p:spTree>
@@ -7765,20 +9193,199 @@
           <a:lstStyle/>
           <a:p>
             <a:r>
+              <a:rPr lang="en-US" dirty="0" smtClean="0"/>
+              <a:t>Patterns </a:t>
+            </a:r>
+            <a:r>
+              <a:rPr lang="en-US" dirty="0"/>
+              <a:t>M</a:t>
+            </a:r>
+            <a:r>
+              <a:rPr lang="en-US" dirty="0" smtClean="0"/>
+              <a:t>atching Degree</a:t>
+            </a:r>
+            <a:endParaRPr lang="en-US" dirty="0"/>
+          </a:p>
+        </p:txBody>
+      </p:sp>
+      <p:sp>
+        <p:nvSpPr>
+          <p:cNvPr id="2" name="Content Placeholder 1"/>
+          <p:cNvSpPr>
+            <a:spLocks noGrp="1"/>
+          </p:cNvSpPr>
+          <p:nvPr>
+            <p:ph idx="1"/>
+          </p:nvPr>
+        </p:nvSpPr>
+        <p:spPr/>
+        <p:txBody>
+          <a:bodyPr/>
+          <a:lstStyle/>
+          <a:p>
+            <a:pPr marL="514350" indent="-514350">
+              <a:buFont typeface="+mj-lt"/>
+              <a:buAutoNum type="arabicPeriod"/>
+            </a:pPr>
+            <a:r>
+              <a:rPr lang="en-US" dirty="0"/>
+              <a:t> DE-LEVEL,  DE-LEVEL, OR  DE-LEVEL </a:t>
+            </a:r>
+            <a:r>
+              <a:rPr lang="en-US" dirty="0" smtClean="0"/>
+              <a:t> </a:t>
+            </a:r>
+            <a:endParaRPr lang="en-US" dirty="0"/>
+          </a:p>
+          <a:p>
+            <a:pPr marL="514350" indent="-514350">
+              <a:buFont typeface="+mj-lt"/>
+              <a:buAutoNum type="arabicPeriod"/>
+            </a:pPr>
+            <a:r>
+              <a:rPr lang="en-US" dirty="0"/>
+              <a:t> DE-LEVEL DEGREE ( IN  </a:t>
+            </a:r>
+            <a:r>
+              <a:rPr lang="en-US" dirty="0" smtClean="0"/>
+              <a:t>| OF </a:t>
+            </a:r>
+            <a:r>
+              <a:rPr lang="en-US" dirty="0"/>
+              <a:t>) DT MAJOR   </a:t>
+            </a:r>
+          </a:p>
+          <a:p>
+            <a:pPr marL="514350" indent="-514350">
+              <a:buFont typeface="+mj-lt"/>
+              <a:buAutoNum type="arabicPeriod"/>
+            </a:pPr>
+            <a:r>
+              <a:rPr lang="en-US" dirty="0"/>
+              <a:t> MAJOR-DEGREE  ,  MAJOR-DEGREE OR MAJOR </a:t>
+            </a:r>
+            <a:r>
+              <a:rPr lang="en-US" dirty="0" smtClean="0"/>
+              <a:t> </a:t>
+            </a:r>
+            <a:endParaRPr lang="en-US" dirty="0"/>
+          </a:p>
+          <a:p>
+            <a:pPr marL="514350" indent="-514350">
+              <a:buFont typeface="+mj-lt"/>
+              <a:buAutoNum type="arabicPeriod"/>
+            </a:pPr>
+            <a:r>
+              <a:rPr lang="en-US" dirty="0"/>
+              <a:t> DE-LEVEL (, DE-LEVEL)* (OR DE-LEVEL)? BE? PERFER-VBD   </a:t>
+            </a:r>
+            <a:r>
+              <a:rPr lang="en-US" dirty="0" smtClean="0"/>
+              <a:t> </a:t>
+            </a:r>
+          </a:p>
+          <a:p>
+            <a:pPr marL="514350" indent="-514350">
+              <a:buFont typeface="+mj-lt"/>
+              <a:buAutoNum type="arabicPeriod"/>
+            </a:pPr>
+            <a:r>
+              <a:rPr lang="en-US" dirty="0" smtClean="0"/>
+              <a:t> MAJOR DEGREE </a:t>
+            </a:r>
+          </a:p>
+          <a:p>
+            <a:pPr marL="514350" indent="-514350">
+              <a:buFont typeface="+mj-lt"/>
+              <a:buAutoNum type="arabicPeriod"/>
+            </a:pPr>
+            <a:r>
+              <a:rPr lang="en-US" dirty="0" smtClean="0"/>
+              <a:t> DE_LEVEL </a:t>
+            </a:r>
+            <a:r>
+              <a:rPr lang="en-US" dirty="0"/>
+              <a:t>, OR DEGREE_JJ</a:t>
+            </a:r>
+            <a:r>
+              <a:rPr lang="en-US" dirty="0" smtClean="0"/>
+              <a:t> </a:t>
+            </a:r>
+          </a:p>
+          <a:p>
+            <a:endParaRPr lang="en-US" dirty="0"/>
+          </a:p>
+        </p:txBody>
+      </p:sp>
+    </p:spTree>
+    <p:extLst>
+      <p:ext uri="{BB962C8B-B14F-4D97-AF65-F5344CB8AC3E}">
+        <p14:creationId xmlns:p14="http://schemas.microsoft.com/office/powerpoint/2010/main" val="1711261763"/>
+      </p:ext>
+    </p:extLst>
+  </p:cSld>
+  <p:clrMapOvr>
+    <a:masterClrMapping/>
+  </p:clrMapOvr>
+  <mc:AlternateContent xmlns:mc="http://schemas.openxmlformats.org/markup-compatibility/2006" xmlns:p14="http://schemas.microsoft.com/office/powerpoint/2010/main">
+    <mc:Choice Requires="p14">
+      <p:transition spd="med" p14:dur="700">
+        <p:fade/>
+      </p:transition>
+    </mc:Choice>
+    <mc:Fallback xmlns="">
+      <p:transition spd="med">
+        <p:fade/>
+      </p:transition>
+    </mc:Fallback>
+  </mc:AlternateContent>
+</p:sld>
+</file>
+
+<file path=ppt/slides/slide33.xml><?xml version="1.0" encoding="utf-8"?>
+<p:sld xmlns:a="http://schemas.openxmlformats.org/drawingml/2006/main" xmlns:r="http://schemas.openxmlformats.org/officeDocument/2006/relationships" xmlns:p="http://schemas.openxmlformats.org/presentationml/2006/main">
+  <p:cSld>
+    <p:spTree>
+      <p:nvGrpSpPr>
+        <p:cNvPr id="1" name=""/>
+        <p:cNvGrpSpPr/>
+        <p:nvPr/>
+      </p:nvGrpSpPr>
+      <p:grpSpPr>
+        <a:xfrm>
+          <a:off x="0" y="0"/>
+          <a:ext cx="0" cy="0"/>
+          <a:chOff x="0" y="0"/>
+          <a:chExt cx="0" cy="0"/>
+        </a:xfrm>
+      </p:grpSpPr>
+      <p:sp>
+        <p:nvSpPr>
+          <p:cNvPr id="3" name="Title 2"/>
+          <p:cNvSpPr>
+            <a:spLocks noGrp="1"/>
+          </p:cNvSpPr>
+          <p:nvPr>
+            <p:ph type="title"/>
+          </p:nvPr>
+        </p:nvSpPr>
+        <p:spPr>
+          <a:xfrm>
+            <a:off x="1562100" y="365125"/>
+            <a:ext cx="9791700" cy="1325563"/>
+          </a:xfrm>
+        </p:spPr>
+        <p:txBody>
+          <a:bodyPr/>
+          <a:lstStyle/>
+          <a:p>
+            <a:r>
               <a:rPr lang="en-US" altLang="zh-CN" dirty="0" smtClean="0"/>
-              <a:t>Matcher</a:t>
-            </a:r>
-            <a:r>
-              <a:rPr lang="en-US" altLang="zh-CN" dirty="0" smtClean="0"/>
-              <a:t>s </a:t>
-            </a:r>
-            <a:r>
-              <a:rPr lang="en-US" dirty="0" smtClean="0"/>
-              <a:t>current </a:t>
-            </a:r>
-            <a:r>
-              <a:rPr lang="en-US" dirty="0" smtClean="0"/>
-              <a:t>support </a:t>
+              <a:t>Matchers </a:t>
+            </a:r>
+            <a:r>
+              <a:rPr lang="en-US" dirty="0" smtClean="0"/>
+              <a:t>current support </a:t>
             </a:r>
             <a:endParaRPr lang="en-US" dirty="0"/>
           </a:p>
@@ -7786,7 +9393,7 @@
       </p:sp>
       <p:pic>
         <p:nvPicPr>
-          <p:cNvPr id="4" name="Picture 3"/>
+          <p:cNvPr id="2" name="Picture 1"/>
           <p:cNvPicPr>
             <a:picLocks noChangeAspect="1"/>
           </p:cNvPicPr>
@@ -7800,8 +9407,8 @@
         </p:blipFill>
         <p:spPr>
           <a:xfrm>
-            <a:off x="1418889" y="2001994"/>
-            <a:ext cx="9534525" cy="4476750"/>
+            <a:off x="1219535" y="2043246"/>
+            <a:ext cx="9572625" cy="4162425"/>
           </a:xfrm>
           <a:prstGeom prst="rect">
             <a:avLst/>
@@ -7833,7 +9440,7 @@
 </p:sld>
 </file>
 
-<file path=ppt/slides/slide25.xml><?xml version="1.0" encoding="utf-8"?>
+<file path=ppt/slides/slide34.xml><?xml version="1.0" encoding="utf-8"?>
 <p:sld xmlns:a="http://schemas.openxmlformats.org/drawingml/2006/main" xmlns:r="http://schemas.openxmlformats.org/officeDocument/2006/relationships" xmlns:p="http://schemas.openxmlformats.org/presentationml/2006/main">
   <p:cSld>
     <p:spTree>
@@ -7967,7 +9574,7 @@
 </p:sld>
 </file>
 
-<file path=ppt/slides/slide26.xml><?xml version="1.0" encoding="utf-8"?>
+<file path=ppt/slides/slide35.xml><?xml version="1.0" encoding="utf-8"?>
 <p:sld xmlns:a="http://schemas.openxmlformats.org/drawingml/2006/main" xmlns:r="http://schemas.openxmlformats.org/officeDocument/2006/relationships" xmlns:p="http://schemas.openxmlformats.org/presentationml/2006/main">
   <p:cSld>
     <p:spTree>
@@ -8077,7 +9684,6 @@
               <a:rPr lang="en-US" dirty="0"/>
               <a:t>(”MAJOR”)</a:t>
             </a:r>
-            <a:endParaRPr lang="en-US" dirty="0"/>
           </a:p>
         </p:txBody>
       </p:sp>
@@ -8140,7 +9746,7 @@
 </p:sld>
 </file>
 
-<file path=ppt/slides/slide27.xml><?xml version="1.0" encoding="utf-8"?>
+<file path=ppt/slides/slide36.xml><?xml version="1.0" encoding="utf-8"?>
 <p:sld xmlns:a="http://schemas.openxmlformats.org/drawingml/2006/main" xmlns:r="http://schemas.openxmlformats.org/officeDocument/2006/relationships" xmlns:p="http://schemas.openxmlformats.org/presentationml/2006/main">
   <p:cSld>
     <p:spTree>
@@ -8358,7 +9964,7 @@
 </p:sld>
 </file>
 
-<file path=ppt/slides/slide28.xml><?xml version="1.0" encoding="utf-8"?>
+<file path=ppt/slides/slide37.xml><?xml version="1.0" encoding="utf-8"?>
 <p:sld xmlns:a="http://schemas.openxmlformats.org/drawingml/2006/main" xmlns:r="http://schemas.openxmlformats.org/officeDocument/2006/relationships" xmlns:p="http://schemas.openxmlformats.org/presentationml/2006/main">
   <p:cSld>
     <p:spTree>
@@ -8798,7 +10404,7 @@
 </p:sld>
 </file>
 
-<file path=ppt/slides/slide29.xml><?xml version="1.0" encoding="utf-8"?>
+<file path=ppt/slides/slide38.xml><?xml version="1.0" encoding="utf-8"?>
 <p:sld xmlns:a="http://schemas.openxmlformats.org/drawingml/2006/main" xmlns:r="http://schemas.openxmlformats.org/officeDocument/2006/relationships" xmlns:p="http://schemas.openxmlformats.org/presentationml/2006/main">
   <p:cSld>
     <p:spTree>
@@ -8939,151 +10545,7 @@
 </p:sld>
 </file>
 
-<file path=ppt/slides/slide3.xml><?xml version="1.0" encoding="utf-8"?>
-<p:sld xmlns:a="http://schemas.openxmlformats.org/drawingml/2006/main" xmlns:r="http://schemas.openxmlformats.org/officeDocument/2006/relationships" xmlns:p="http://schemas.openxmlformats.org/presentationml/2006/main">
-  <p:cSld>
-    <p:spTree>
-      <p:nvGrpSpPr>
-        <p:cNvPr id="1" name=""/>
-        <p:cNvGrpSpPr/>
-        <p:nvPr/>
-      </p:nvGrpSpPr>
-      <p:grpSpPr>
-        <a:xfrm>
-          <a:off x="0" y="0"/>
-          <a:ext cx="0" cy="0"/>
-          <a:chOff x="0" y="0"/>
-          <a:chExt cx="0" cy="0"/>
-        </a:xfrm>
-      </p:grpSpPr>
-      <p:pic>
-        <p:nvPicPr>
-          <p:cNvPr id="4" name="Content Placeholder 3"/>
-          <p:cNvPicPr>
-            <a:picLocks noGrp="1" noChangeAspect="1"/>
-          </p:cNvPicPr>
-          <p:nvPr>
-            <p:ph idx="1"/>
-          </p:nvPr>
-        </p:nvPicPr>
-        <p:blipFill>
-          <a:blip r:embed="rId2"/>
-          <a:stretch>
-            <a:fillRect/>
-          </a:stretch>
-        </p:blipFill>
-        <p:spPr>
-          <a:xfrm>
-            <a:off x="965915" y="1690688"/>
-            <a:ext cx="8532525" cy="1065134"/>
-          </a:xfrm>
-          <a:prstGeom prst="rect">
-            <a:avLst/>
-          </a:prstGeom>
-        </p:spPr>
-      </p:pic>
-      <p:sp>
-        <p:nvSpPr>
-          <p:cNvPr id="3" name="Title 2"/>
-          <p:cNvSpPr>
-            <a:spLocks noGrp="1"/>
-          </p:cNvSpPr>
-          <p:nvPr>
-            <p:ph type="title"/>
-          </p:nvPr>
-        </p:nvSpPr>
-        <p:spPr>
-          <a:xfrm>
-            <a:off x="965915" y="365125"/>
-            <a:ext cx="10387885" cy="1325563"/>
-          </a:xfrm>
-        </p:spPr>
-        <p:txBody>
-          <a:bodyPr/>
-          <a:lstStyle/>
-          <a:p>
-            <a:r>
-              <a:rPr lang="en-US" dirty="0" smtClean="0"/>
-              <a:t>They all use keyword Searching</a:t>
-            </a:r>
-            <a:endParaRPr lang="en-US" dirty="0"/>
-          </a:p>
-        </p:txBody>
-      </p:sp>
-      <p:pic>
-        <p:nvPicPr>
-          <p:cNvPr id="5" name="Picture 4"/>
-          <p:cNvPicPr>
-            <a:picLocks noChangeAspect="1"/>
-          </p:cNvPicPr>
-          <p:nvPr/>
-        </p:nvPicPr>
-        <p:blipFill>
-          <a:blip r:embed="rId3"/>
-          <a:stretch>
-            <a:fillRect/>
-          </a:stretch>
-        </p:blipFill>
-        <p:spPr>
-          <a:xfrm>
-            <a:off x="965915" y="3016251"/>
-            <a:ext cx="7867650" cy="885825"/>
-          </a:xfrm>
-          <a:prstGeom prst="rect">
-            <a:avLst/>
-          </a:prstGeom>
-        </p:spPr>
-      </p:pic>
-      <p:pic>
-        <p:nvPicPr>
-          <p:cNvPr id="6" name="Picture 5"/>
-          <p:cNvPicPr>
-            <a:picLocks noChangeAspect="1"/>
-          </p:cNvPicPr>
-          <p:nvPr/>
-        </p:nvPicPr>
-        <p:blipFill>
-          <a:blip r:embed="rId4"/>
-          <a:stretch>
-            <a:fillRect/>
-          </a:stretch>
-        </p:blipFill>
-        <p:spPr>
-          <a:xfrm>
-            <a:off x="965915" y="4756127"/>
-            <a:ext cx="8077200" cy="771525"/>
-          </a:xfrm>
-          <a:prstGeom prst="rect">
-            <a:avLst/>
-          </a:prstGeom>
-        </p:spPr>
-      </p:pic>
-    </p:spTree>
-    <p:extLst>
-      <p:ext uri="{BB962C8B-B14F-4D97-AF65-F5344CB8AC3E}">
-        <p14:creationId xmlns:p14="http://schemas.microsoft.com/office/powerpoint/2010/main" val="2094245540"/>
-      </p:ext>
-    </p:extLst>
-  </p:cSld>
-  <p:clrMapOvr>
-    <a:masterClrMapping/>
-  </p:clrMapOvr>
-  <mc:AlternateContent xmlns:mc="http://schemas.openxmlformats.org/markup-compatibility/2006" xmlns:p14="http://schemas.microsoft.com/office/powerpoint/2010/main">
-    <mc:Choice Requires="p14">
-      <p:transition spd="med" p14:dur="700">
-        <p:fade/>
-      </p:transition>
-    </mc:Choice>
-    <mc:Fallback xmlns="">
-      <p:transition spd="med">
-        <p:fade/>
-      </p:transition>
-    </mc:Fallback>
-  </mc:AlternateContent>
-</p:sld>
-</file>
-
-<file path=ppt/slides/slide30.xml><?xml version="1.0" encoding="utf-8"?>
+<file path=ppt/slides/slide39.xml><?xml version="1.0" encoding="utf-8"?>
 <p:sld xmlns:a="http://schemas.openxmlformats.org/drawingml/2006/main" xmlns:r="http://schemas.openxmlformats.org/officeDocument/2006/relationships" xmlns:p="http://schemas.openxmlformats.org/presentationml/2006/main">
   <p:cSld>
     <p:spTree>
@@ -9155,7 +10617,7 @@
 </p:sld>
 </file>
 
-<file path=ppt/slides/slide31.xml><?xml version="1.0" encoding="utf-8"?>
+<file path=ppt/slides/slide4.xml><?xml version="1.0" encoding="utf-8"?>
 <p:sld xmlns:a="http://schemas.openxmlformats.org/drawingml/2006/main" xmlns:r="http://schemas.openxmlformats.org/officeDocument/2006/relationships" xmlns:p="http://schemas.openxmlformats.org/presentationml/2006/main">
   <p:cSld>
     <p:spTree>
@@ -9174,6 +10636,68 @@
       </p:grpSpPr>
       <p:sp>
         <p:nvSpPr>
+          <p:cNvPr id="2" name="Content Placeholder 1"/>
+          <p:cNvSpPr>
+            <a:spLocks noGrp="1"/>
+          </p:cNvSpPr>
+          <p:nvPr>
+            <p:ph idx="1"/>
+          </p:nvPr>
+        </p:nvSpPr>
+        <p:spPr/>
+        <p:txBody>
+          <a:bodyPr/>
+          <a:lstStyle/>
+          <a:p>
+            <a:r>
+              <a:rPr lang="en-US" dirty="0" smtClean="0"/>
+              <a:t>When  searching with Java </a:t>
+            </a:r>
+          </a:p>
+          <a:p>
+            <a:r>
+              <a:rPr lang="en-US" dirty="0" smtClean="0"/>
+              <a:t>7000 unranked </a:t>
+            </a:r>
+            <a:r>
+              <a:rPr lang="en-US" dirty="0"/>
+              <a:t>jobs </a:t>
+            </a:r>
+            <a:r>
+              <a:rPr lang="en-US" dirty="0" smtClean="0"/>
+              <a:t>returned.</a:t>
+            </a:r>
+          </a:p>
+          <a:p>
+            <a:endParaRPr lang="en-US" dirty="0"/>
+          </a:p>
+          <a:p>
+            <a:r>
+              <a:rPr lang="en-US" dirty="0"/>
+              <a:t>Too many jobs return</a:t>
+            </a:r>
+          </a:p>
+          <a:p>
+            <a:r>
+              <a:rPr lang="en-US" dirty="0"/>
+              <a:t>The result is not </a:t>
+            </a:r>
+            <a:r>
+              <a:rPr lang="en-US" dirty="0" smtClean="0"/>
+              <a:t>ranked </a:t>
+            </a:r>
+          </a:p>
+          <a:p>
+            <a:r>
+              <a:rPr lang="en-US" dirty="0" smtClean="0"/>
+              <a:t>Job finding become a tedious work  </a:t>
+            </a:r>
+            <a:endParaRPr lang="en-US" dirty="0"/>
+          </a:p>
+        </p:txBody>
+      </p:sp>
+      <p:sp>
+        <p:nvSpPr>
           <p:cNvPr id="3" name="Title 2"/>
           <p:cNvSpPr>
             <a:spLocks noGrp="1"/>
@@ -9194,7 +10718,109 @@
           <a:p>
             <a:r>
               <a:rPr lang="en-US" dirty="0" smtClean="0"/>
-              <a:t>Resume and Job Description</a:t>
+              <a:t>Problems of keyword Searching</a:t>
+            </a:r>
+            <a:endParaRPr lang="en-US" dirty="0"/>
+          </a:p>
+        </p:txBody>
+      </p:sp>
+      <p:pic>
+        <p:nvPicPr>
+          <p:cNvPr id="4" name="图片 3"/>
+          <p:cNvPicPr>
+            <a:picLocks noChangeAspect="1"/>
+          </p:cNvPicPr>
+          <p:nvPr/>
+        </p:nvPicPr>
+        <p:blipFill>
+          <a:blip r:embed="rId2"/>
+          <a:stretch>
+            <a:fillRect/>
+          </a:stretch>
+        </p:blipFill>
+        <p:spPr>
+          <a:xfrm>
+            <a:off x="7558261" y="1353443"/>
+            <a:ext cx="4633739" cy="5295702"/>
+          </a:xfrm>
+          <a:prstGeom prst="rect">
+            <a:avLst/>
+          </a:prstGeom>
+        </p:spPr>
+      </p:pic>
+    </p:spTree>
+    <p:extLst>
+      <p:ext uri="{BB962C8B-B14F-4D97-AF65-F5344CB8AC3E}">
+        <p14:creationId xmlns:p14="http://schemas.microsoft.com/office/powerpoint/2010/main" val="1124580778"/>
+      </p:ext>
+    </p:extLst>
+  </p:cSld>
+  <p:clrMapOvr>
+    <a:masterClrMapping/>
+  </p:clrMapOvr>
+  <mc:AlternateContent xmlns:mc="http://schemas.openxmlformats.org/markup-compatibility/2006" xmlns:p14="http://schemas.microsoft.com/office/powerpoint/2010/main">
+    <mc:Choice Requires="p14">
+      <p:transition spd="med" p14:dur="700">
+        <p:fade/>
+      </p:transition>
+    </mc:Choice>
+    <mc:Fallback xmlns="">
+      <p:transition spd="med">
+        <p:fade/>
+      </p:transition>
+    </mc:Fallback>
+  </mc:AlternateContent>
+</p:sld>
+</file>
+
+<file path=ppt/slides/slide40.xml><?xml version="1.0" encoding="utf-8"?>
+<p:sld xmlns:a="http://schemas.openxmlformats.org/drawingml/2006/main" xmlns:r="http://schemas.openxmlformats.org/officeDocument/2006/relationships" xmlns:p="http://schemas.openxmlformats.org/presentationml/2006/main">
+  <p:cSld>
+    <p:spTree>
+      <p:nvGrpSpPr>
+        <p:cNvPr id="1" name=""/>
+        <p:cNvGrpSpPr/>
+        <p:nvPr/>
+      </p:nvGrpSpPr>
+      <p:grpSpPr>
+        <a:xfrm>
+          <a:off x="0" y="0"/>
+          <a:ext cx="0" cy="0"/>
+          <a:chOff x="0" y="0"/>
+          <a:chExt cx="0" cy="0"/>
+        </a:xfrm>
+      </p:grpSpPr>
+      <p:sp>
+        <p:nvSpPr>
+          <p:cNvPr id="3" name="Title 2"/>
+          <p:cNvSpPr>
+            <a:spLocks noGrp="1"/>
+          </p:cNvSpPr>
+          <p:nvPr>
+            <p:ph type="title"/>
+          </p:nvPr>
+        </p:nvSpPr>
+        <p:spPr>
+          <a:xfrm>
+            <a:off x="1562100" y="365125"/>
+            <a:ext cx="9791700" cy="1325563"/>
+          </a:xfrm>
+        </p:spPr>
+        <p:txBody>
+          <a:bodyPr/>
+          <a:lstStyle/>
+          <a:p>
+            <a:r>
+              <a:rPr lang="en-US" dirty="0" smtClean="0"/>
+              <a:t>Résumé </a:t>
+            </a:r>
+            <a:r>
+              <a:rPr lang="en-US" dirty="0"/>
+              <a:t>and </a:t>
+            </a:r>
+            <a:r>
+              <a:rPr lang="en-US" dirty="0" smtClean="0"/>
+              <a:t>Job Description</a:t>
             </a:r>
             <a:endParaRPr lang="en-US" dirty="0"/>
           </a:p>
@@ -9209,7 +10835,7 @@
           <p:nvPr>
             <p:extLst>
               <p:ext uri="{D42A27DB-BD31-4B8C-83A1-F6EECF244321}">
-                <p14:modId xmlns:p14="http://schemas.microsoft.com/office/powerpoint/2010/main" val="3806822529"/>
+                <p14:modId xmlns:p14="http://schemas.microsoft.com/office/powerpoint/2010/main" val="1862814646"/>
               </p:ext>
             </p:extLst>
           </p:nvPr>
@@ -9236,7 +10862,11 @@
                     <a:p>
                       <a:r>
                         <a:rPr lang="en-US" sz="2800" b="1" dirty="0" smtClean="0"/>
-                        <a:t>Part of Resume</a:t>
+                        <a:t>Part of </a:t>
+                      </a:r>
+                      <a:r>
+                        <a:rPr lang="en-US" sz="2800" b="1" dirty="0" smtClean="0"/>
+                        <a:t>Résumé</a:t>
                       </a:r>
                       <a:endParaRPr lang="en-US" sz="2800" b="1" dirty="0"/>
                     </a:p>
@@ -9393,7 +11023,7 @@
 </p:sld>
 </file>
 
-<file path=ppt/slides/slide32.xml><?xml version="1.0" encoding="utf-8"?>
+<file path=ppt/slides/slide41.xml><?xml version="1.0" encoding="utf-8"?>
 <p:sld xmlns:a="http://schemas.openxmlformats.org/drawingml/2006/main" xmlns:r="http://schemas.openxmlformats.org/officeDocument/2006/relationships" xmlns:p="http://schemas.openxmlformats.org/presentationml/2006/main">
   <p:cSld>
     <p:spTree>
@@ -9541,7 +11171,7 @@
 </p:sld>
 </file>
 
-<file path=ppt/slides/slide33.xml><?xml version="1.0" encoding="utf-8"?>
+<file path=ppt/slides/slide42.xml><?xml version="1.0" encoding="utf-8"?>
 <p:sld xmlns:a="http://schemas.openxmlformats.org/drawingml/2006/main" xmlns:r="http://schemas.openxmlformats.org/officeDocument/2006/relationships" xmlns:p="http://schemas.openxmlformats.org/presentationml/2006/main">
   <p:cSld>
     <p:spTree>
@@ -9614,17 +11244,8 @@
             </a:pPr>
             <a:r>
               <a:rPr lang="en-US" dirty="0" smtClean="0"/>
-              <a:t>Collect fifty initial </a:t>
-            </a:r>
-            <a:r>
-              <a:rPr lang="en-US" dirty="0" smtClean="0"/>
-              <a:t>terms </a:t>
-            </a:r>
-            <a:r>
-              <a:rPr lang="en-US" dirty="0" smtClean="0"/>
-              <a:t>manually, add them  to term list</a:t>
-            </a:r>
-            <a:endParaRPr lang="en-US" dirty="0" smtClean="0"/>
+              <a:t>Collect fifty initial terms manually, add them  to term list</a:t>
+            </a:r>
           </a:p>
           <a:p>
             <a:pPr marL="914400" lvl="1" indent="-457200">
@@ -9633,19 +11254,7 @@
             </a:pPr>
             <a:r>
               <a:rPr lang="en-US" dirty="0" smtClean="0"/>
-              <a:t>Using </a:t>
-            </a:r>
-            <a:r>
-              <a:rPr lang="en-US" dirty="0" smtClean="0"/>
-              <a:t>the </a:t>
-            </a:r>
-            <a:r>
-              <a:rPr lang="en-US" dirty="0" smtClean="0"/>
-              <a:t>pattern matching library </a:t>
-            </a:r>
-            <a:r>
-              <a:rPr lang="en-US" dirty="0" smtClean="0"/>
-              <a:t>to find new terms</a:t>
+              <a:t>Using the pattern matching library to find new terms</a:t>
             </a:r>
           </a:p>
           <a:p>
@@ -9655,11 +11264,7 @@
             </a:pPr>
             <a:r>
               <a:rPr lang="en-US" dirty="0" smtClean="0"/>
-              <a:t>Checking the found terms </a:t>
-            </a:r>
-            <a:r>
-              <a:rPr lang="en-US" dirty="0" smtClean="0"/>
-              <a:t>on </a:t>
+              <a:t>Checking the found terms on </a:t>
             </a:r>
             <a:r>
               <a:rPr lang="en-US" dirty="0" err="1" smtClean="0"/>
@@ -9669,7 +11274,6 @@
               <a:rPr lang="en-US" dirty="0" smtClean="0"/>
               <a:t>  </a:t>
             </a:r>
-            <a:endParaRPr lang="en-US" dirty="0" smtClean="0"/>
           </a:p>
           <a:p>
             <a:pPr marL="914400" lvl="1" indent="-457200">
@@ -9743,7 +11347,7 @@
 </p:sld>
 </file>
 
-<file path=ppt/slides/slide34.xml><?xml version="1.0" encoding="utf-8"?>
+<file path=ppt/slides/slide43.xml><?xml version="1.0" encoding="utf-8"?>
 <p:sld xmlns:a="http://schemas.openxmlformats.org/drawingml/2006/main" xmlns:r="http://schemas.openxmlformats.org/officeDocument/2006/relationships" xmlns:p="http://schemas.openxmlformats.org/presentationml/2006/main">
   <p:cSld>
     <p:spTree>
@@ -9843,7 +11447,7 @@
 </p:sld>
 </file>
 
-<file path=ppt/slides/slide35.xml><?xml version="1.0" encoding="utf-8"?>
+<file path=ppt/slides/slide44.xml><?xml version="1.0" encoding="utf-8"?>
 <p:sld xmlns:a="http://schemas.openxmlformats.org/drawingml/2006/main" xmlns:r="http://schemas.openxmlformats.org/officeDocument/2006/relationships" xmlns:p="http://schemas.openxmlformats.org/presentationml/2006/main">
   <p:cSld>
     <p:spTree>
@@ -9878,7 +11482,7 @@
         </p:blipFill>
         <p:spPr>
           <a:xfrm>
-            <a:off x="1562100" y="1874602"/>
+            <a:off x="1652253" y="1690688"/>
             <a:ext cx="8601075" cy="904875"/>
           </a:xfrm>
           <a:prstGeom prst="rect">
@@ -9930,8 +11534,8 @@
         </p:blipFill>
         <p:spPr>
           <a:xfrm>
-            <a:off x="1562099" y="2963391"/>
-            <a:ext cx="8601075" cy="4162425"/>
+            <a:off x="1652253" y="2695575"/>
+            <a:ext cx="9684881" cy="4349169"/>
           </a:xfrm>
           <a:prstGeom prst="rect">
             <a:avLst/>
@@ -9970,7 +11574,7 @@
 </p:sld>
 </file>
 
-<file path=ppt/slides/slide36.xml><?xml version="1.0" encoding="utf-8"?>
+<file path=ppt/slides/slide45.xml><?xml version="1.0" encoding="utf-8"?>
 <p:sld xmlns:a="http://schemas.openxmlformats.org/drawingml/2006/main" xmlns:r="http://schemas.openxmlformats.org/officeDocument/2006/relationships" xmlns:p="http://schemas.openxmlformats.org/presentationml/2006/main">
   <p:cSld>
     <p:spTree>
@@ -10067,7 +11671,7 @@
 </p:sld>
 </file>
 
-<file path=ppt/slides/slide37.xml><?xml version="1.0" encoding="utf-8"?>
+<file path=ppt/slides/slide46.xml><?xml version="1.0" encoding="utf-8"?>
 <p:sld xmlns:a="http://schemas.openxmlformats.org/drawingml/2006/main" xmlns:r="http://schemas.openxmlformats.org/officeDocument/2006/relationships" xmlns:p="http://schemas.openxmlformats.org/presentationml/2006/main">
   <p:cSld>
     <p:spTree>
@@ -10292,7 +11896,7 @@
 </p:sld>
 </file>
 
-<file path=ppt/slides/slide38.xml><?xml version="1.0" encoding="utf-8"?>
+<file path=ppt/slides/slide47.xml><?xml version="1.0" encoding="utf-8"?>
 <p:sld xmlns:a="http://schemas.openxmlformats.org/drawingml/2006/main" xmlns:r="http://schemas.openxmlformats.org/officeDocument/2006/relationships" xmlns:p="http://schemas.openxmlformats.org/presentationml/2006/main">
   <p:cSld>
     <p:spTree>
@@ -10422,7 +12026,7 @@
 </p:sld>
 </file>
 
-<file path=ppt/slides/slide39.xml><?xml version="1.0" encoding="utf-8"?>
+<file path=ppt/slides/slide48.xml><?xml version="1.0" encoding="utf-8"?>
 <p:sld xmlns:a="http://schemas.openxmlformats.org/drawingml/2006/main" xmlns:r="http://schemas.openxmlformats.org/officeDocument/2006/relationships" xmlns:p="http://schemas.openxmlformats.org/presentationml/2006/main">
   <p:cSld>
     <p:spTree>
@@ -10628,163 +12232,7 @@
 </p:sld>
 </file>
 
-<file path=ppt/slides/slide4.xml><?xml version="1.0" encoding="utf-8"?>
-<p:sld xmlns:a="http://schemas.openxmlformats.org/drawingml/2006/main" xmlns:r="http://schemas.openxmlformats.org/officeDocument/2006/relationships" xmlns:p="http://schemas.openxmlformats.org/presentationml/2006/main">
-  <p:cSld>
-    <p:spTree>
-      <p:nvGrpSpPr>
-        <p:cNvPr id="1" name=""/>
-        <p:cNvGrpSpPr/>
-        <p:nvPr/>
-      </p:nvGrpSpPr>
-      <p:grpSpPr>
-        <a:xfrm>
-          <a:off x="0" y="0"/>
-          <a:ext cx="0" cy="0"/>
-          <a:chOff x="0" y="0"/>
-          <a:chExt cx="0" cy="0"/>
-        </a:xfrm>
-      </p:grpSpPr>
-      <p:sp>
-        <p:nvSpPr>
-          <p:cNvPr id="2" name="Content Placeholder 1"/>
-          <p:cNvSpPr>
-            <a:spLocks noGrp="1"/>
-          </p:cNvSpPr>
-          <p:nvPr>
-            <p:ph idx="1"/>
-          </p:nvPr>
-        </p:nvSpPr>
-        <p:spPr/>
-        <p:txBody>
-          <a:bodyPr/>
-          <a:lstStyle/>
-          <a:p>
-            <a:r>
-              <a:rPr lang="en-US" dirty="0" smtClean="0"/>
-              <a:t>When  searching with Java </a:t>
-            </a:r>
-          </a:p>
-          <a:p>
-            <a:r>
-              <a:rPr lang="en-US" dirty="0" smtClean="0"/>
-              <a:t>7000 unranked </a:t>
-            </a:r>
-            <a:r>
-              <a:rPr lang="en-US" dirty="0"/>
-              <a:t>jobs </a:t>
-            </a:r>
-            <a:r>
-              <a:rPr lang="en-US" dirty="0" smtClean="0"/>
-              <a:t>returned.</a:t>
-            </a:r>
-          </a:p>
-          <a:p>
-            <a:endParaRPr lang="en-US" dirty="0"/>
-          </a:p>
-          <a:p>
-            <a:r>
-              <a:rPr lang="en-US" dirty="0"/>
-              <a:t>Too many jobs return</a:t>
-            </a:r>
-          </a:p>
-          <a:p>
-            <a:r>
-              <a:rPr lang="en-US" dirty="0"/>
-              <a:t>The result is not </a:t>
-            </a:r>
-            <a:r>
-              <a:rPr lang="en-US" dirty="0" smtClean="0"/>
-              <a:t>ranked </a:t>
-            </a:r>
-          </a:p>
-          <a:p>
-            <a:r>
-              <a:rPr lang="en-US" dirty="0" smtClean="0"/>
-              <a:t>Job finding become a tedious work  </a:t>
-            </a:r>
-            <a:endParaRPr lang="en-US" dirty="0"/>
-          </a:p>
-        </p:txBody>
-      </p:sp>
-      <p:sp>
-        <p:nvSpPr>
-          <p:cNvPr id="3" name="Title 2"/>
-          <p:cNvSpPr>
-            <a:spLocks noGrp="1"/>
-          </p:cNvSpPr>
-          <p:nvPr>
-            <p:ph type="title"/>
-          </p:nvPr>
-        </p:nvSpPr>
-        <p:spPr>
-          <a:xfrm>
-            <a:off x="1562100" y="365125"/>
-            <a:ext cx="9791700" cy="1325563"/>
-          </a:xfrm>
-        </p:spPr>
-        <p:txBody>
-          <a:bodyPr/>
-          <a:lstStyle/>
-          <a:p>
-            <a:r>
-              <a:rPr lang="en-US" dirty="0" smtClean="0"/>
-              <a:t>Problems of keywords Searching</a:t>
-            </a:r>
-            <a:endParaRPr lang="en-US" dirty="0"/>
-          </a:p>
-        </p:txBody>
-      </p:sp>
-      <p:pic>
-        <p:nvPicPr>
-          <p:cNvPr id="4" name="图片 3"/>
-          <p:cNvPicPr>
-            <a:picLocks noChangeAspect="1"/>
-          </p:cNvPicPr>
-          <p:nvPr/>
-        </p:nvPicPr>
-        <p:blipFill>
-          <a:blip r:embed="rId2"/>
-          <a:stretch>
-            <a:fillRect/>
-          </a:stretch>
-        </p:blipFill>
-        <p:spPr>
-          <a:xfrm>
-            <a:off x="7558261" y="1353443"/>
-            <a:ext cx="4633739" cy="5295702"/>
-          </a:xfrm>
-          <a:prstGeom prst="rect">
-            <a:avLst/>
-          </a:prstGeom>
-        </p:spPr>
-      </p:pic>
-    </p:spTree>
-    <p:extLst>
-      <p:ext uri="{BB962C8B-B14F-4D97-AF65-F5344CB8AC3E}">
-        <p14:creationId xmlns:p14="http://schemas.microsoft.com/office/powerpoint/2010/main" val="1124580778"/>
-      </p:ext>
-    </p:extLst>
-  </p:cSld>
-  <p:clrMapOvr>
-    <a:masterClrMapping/>
-  </p:clrMapOvr>
-  <mc:AlternateContent xmlns:mc="http://schemas.openxmlformats.org/markup-compatibility/2006" xmlns:p14="http://schemas.microsoft.com/office/powerpoint/2010/main">
-    <mc:Choice Requires="p14">
-      <p:transition spd="med" p14:dur="700">
-        <p:fade/>
-      </p:transition>
-    </mc:Choice>
-    <mc:Fallback xmlns="">
-      <p:transition spd="med">
-        <p:fade/>
-      </p:transition>
-    </mc:Fallback>
-  </mc:AlternateContent>
-</p:sld>
-</file>
-
-<file path=ppt/slides/slide40.xml><?xml version="1.0" encoding="utf-8"?>
+<file path=ppt/slides/slide49.xml><?xml version="1.0" encoding="utf-8"?>
 <p:sld xmlns:a="http://schemas.openxmlformats.org/drawingml/2006/main" xmlns:r="http://schemas.openxmlformats.org/officeDocument/2006/relationships" xmlns:p="http://schemas.openxmlformats.org/presentationml/2006/main">
   <p:cSld>
     <p:spTree>
@@ -10878,7 +12326,159 @@
 </p:sld>
 </file>
 
-<file path=ppt/slides/slide41.xml><?xml version="1.0" encoding="utf-8"?>
+<file path=ppt/slides/slide5.xml><?xml version="1.0" encoding="utf-8"?>
+<p:sld xmlns:a="http://schemas.openxmlformats.org/drawingml/2006/main" xmlns:r="http://schemas.openxmlformats.org/officeDocument/2006/relationships" xmlns:p="http://schemas.openxmlformats.org/presentationml/2006/main">
+  <p:cSld>
+    <p:spTree>
+      <p:nvGrpSpPr>
+        <p:cNvPr id="1" name=""/>
+        <p:cNvGrpSpPr/>
+        <p:nvPr/>
+      </p:nvGrpSpPr>
+      <p:grpSpPr>
+        <a:xfrm>
+          <a:off x="0" y="0"/>
+          <a:ext cx="0" cy="0"/>
+          <a:chOff x="0" y="0"/>
+          <a:chExt cx="0" cy="0"/>
+        </a:xfrm>
+      </p:grpSpPr>
+      <p:sp>
+        <p:nvSpPr>
+          <p:cNvPr id="2" name="Content Placeholder 1"/>
+          <p:cNvSpPr>
+            <a:spLocks noGrp="1"/>
+          </p:cNvSpPr>
+          <p:nvPr>
+            <p:ph idx="1"/>
+          </p:nvPr>
+        </p:nvSpPr>
+        <p:spPr/>
+        <p:txBody>
+          <a:bodyPr/>
+          <a:lstStyle/>
+          <a:p>
+            <a:r>
+              <a:rPr lang="en-US" dirty="0" smtClean="0"/>
+              <a:t>A </a:t>
+            </a:r>
+            <a:r>
+              <a:rPr lang="en-US" dirty="0" smtClean="0"/>
+              <a:t>résumé </a:t>
+            </a:r>
+            <a:r>
+              <a:rPr lang="en-US" dirty="0" smtClean="0"/>
+              <a:t>has completed personal information </a:t>
+            </a:r>
+          </a:p>
+          <a:p>
+            <a:pPr lvl="1"/>
+            <a:r>
+              <a:rPr lang="en-US" dirty="0" smtClean="0"/>
+              <a:t>Education </a:t>
+            </a:r>
+          </a:p>
+          <a:p>
+            <a:pPr lvl="1"/>
+            <a:r>
+              <a:rPr lang="en-US" dirty="0"/>
+              <a:t>Work </a:t>
+            </a:r>
+            <a:r>
+              <a:rPr lang="en-US" dirty="0" smtClean="0"/>
+              <a:t>experience</a:t>
+            </a:r>
+          </a:p>
+          <a:p>
+            <a:pPr lvl="1"/>
+            <a:r>
+              <a:rPr lang="en-US" dirty="0" smtClean="0"/>
+              <a:t>Skills </a:t>
+            </a:r>
+          </a:p>
+          <a:p>
+            <a:pPr lvl="1"/>
+            <a:endParaRPr lang="en-US" dirty="0"/>
+          </a:p>
+          <a:p>
+            <a:r>
+              <a:rPr lang="en-US" dirty="0" smtClean="0"/>
+              <a:t>Finding similarity between </a:t>
+            </a:r>
+            <a:r>
+              <a:rPr lang="en-US" dirty="0" smtClean="0"/>
+              <a:t>résumé</a:t>
+            </a:r>
+            <a:r>
+              <a:rPr lang="en-US" dirty="0" smtClean="0"/>
+              <a:t>s </a:t>
+            </a:r>
+            <a:r>
+              <a:rPr lang="en-US" dirty="0" smtClean="0"/>
+              <a:t>and jobs</a:t>
+            </a:r>
+          </a:p>
+          <a:p>
+            <a:r>
+              <a:rPr lang="en-US" dirty="0" smtClean="0"/>
+              <a:t>Ranking the jobs by their similarity value</a:t>
+            </a:r>
+          </a:p>
+        </p:txBody>
+      </p:sp>
+      <p:sp>
+        <p:nvSpPr>
+          <p:cNvPr id="3" name="Title 2"/>
+          <p:cNvSpPr>
+            <a:spLocks noGrp="1"/>
+          </p:cNvSpPr>
+          <p:nvPr>
+            <p:ph type="title"/>
+          </p:nvPr>
+        </p:nvSpPr>
+        <p:spPr/>
+        <p:txBody>
+          <a:bodyPr/>
+          <a:lstStyle/>
+          <a:p>
+            <a:r>
+              <a:rPr lang="en-US" dirty="0" smtClean="0"/>
+              <a:t>Main idea of </a:t>
+            </a:r>
+            <a:r>
+              <a:rPr lang="en-US" dirty="0" err="1" smtClean="0"/>
+              <a:t>JobFinder</a:t>
+            </a:r>
+            <a:endParaRPr lang="en-US" dirty="0"/>
+          </a:p>
+        </p:txBody>
+      </p:sp>
+    </p:spTree>
+    <p:extLst>
+      <p:ext uri="{BB962C8B-B14F-4D97-AF65-F5344CB8AC3E}">
+        <p14:creationId xmlns:p14="http://schemas.microsoft.com/office/powerpoint/2010/main" val="3416989218"/>
+      </p:ext>
+    </p:extLst>
+  </p:cSld>
+  <p:clrMapOvr>
+    <a:masterClrMapping/>
+  </p:clrMapOvr>
+  <mc:AlternateContent xmlns:mc="http://schemas.openxmlformats.org/markup-compatibility/2006" xmlns:p14="http://schemas.microsoft.com/office/powerpoint/2010/main">
+    <mc:Choice Requires="p14">
+      <p:transition spd="med" p14:dur="700">
+        <p:fade/>
+      </p:transition>
+    </mc:Choice>
+    <mc:Fallback xmlns="">
+      <p:transition spd="med">
+        <p:fade/>
+      </p:transition>
+    </mc:Fallback>
+  </mc:AlternateContent>
+</p:sld>
+</file>
+
+<file path=ppt/slides/slide50.xml><?xml version="1.0" encoding="utf-8"?>
 <p:sld xmlns:a="http://schemas.openxmlformats.org/drawingml/2006/main" xmlns:r="http://schemas.openxmlformats.org/officeDocument/2006/relationships" xmlns:p="http://schemas.openxmlformats.org/presentationml/2006/main">
   <p:cSld>
     <p:spTree>
@@ -10991,7 +12591,7 @@
 </p:sld>
 </file>
 
-<file path=ppt/slides/slide42.xml><?xml version="1.0" encoding="utf-8"?>
+<file path=ppt/slides/slide51.xml><?xml version="1.0" encoding="utf-8"?>
 <p:sld xmlns:a="http://schemas.openxmlformats.org/drawingml/2006/main" xmlns:r="http://schemas.openxmlformats.org/officeDocument/2006/relationships" xmlns:p="http://schemas.openxmlformats.org/presentationml/2006/main">
   <p:cSld>
     <p:spTree>
@@ -11087,7 +12687,7 @@
 </p:sld>
 </file>
 
-<file path=ppt/slides/slide43.xml><?xml version="1.0" encoding="utf-8"?>
+<file path=ppt/slides/slide52.xml><?xml version="1.0" encoding="utf-8"?>
 <p:sld xmlns:a="http://schemas.openxmlformats.org/drawingml/2006/main" xmlns:r="http://schemas.openxmlformats.org/officeDocument/2006/relationships" xmlns:p="http://schemas.openxmlformats.org/presentationml/2006/main">
   <p:cSld>
     <p:spTree>
@@ -11219,7 +12819,7 @@
 </p:sld>
 </file>
 
-<file path=ppt/slides/slide44.xml><?xml version="1.0" encoding="utf-8"?>
+<file path=ppt/slides/slide53.xml><?xml version="1.0" encoding="utf-8"?>
 <p:sld xmlns:a="http://schemas.openxmlformats.org/drawingml/2006/main" xmlns:r="http://schemas.openxmlformats.org/officeDocument/2006/relationships" xmlns:p="http://schemas.openxmlformats.org/presentationml/2006/main">
   <p:cSld>
     <p:spTree>
@@ -11344,7 +12944,7 @@
 </p:sld>
 </file>
 
-<file path=ppt/slides/slide45.xml><?xml version="1.0" encoding="utf-8"?>
+<file path=ppt/slides/slide54.xml><?xml version="1.0" encoding="utf-8"?>
 <p:sld xmlns:a="http://schemas.openxmlformats.org/drawingml/2006/main" xmlns:r="http://schemas.openxmlformats.org/officeDocument/2006/relationships" xmlns:p="http://schemas.openxmlformats.org/presentationml/2006/main">
   <p:cSld>
     <p:spTree>
@@ -11439,7 +13039,7 @@
 </p:sld>
 </file>
 
-<file path=ppt/slides/slide46.xml><?xml version="1.0" encoding="utf-8"?>
+<file path=ppt/slides/slide55.xml><?xml version="1.0" encoding="utf-8"?>
 <p:sld xmlns:a="http://schemas.openxmlformats.org/drawingml/2006/main" xmlns:r="http://schemas.openxmlformats.org/officeDocument/2006/relationships" xmlns:p="http://schemas.openxmlformats.org/presentationml/2006/main">
   <p:cSld>
     <p:spTree>
@@ -11551,7 +13151,7 @@
 </p:sld>
 </file>
 
-<file path=ppt/slides/slide47.xml><?xml version="1.0" encoding="utf-8"?>
+<file path=ppt/slides/slide56.xml><?xml version="1.0" encoding="utf-8"?>
 <p:sld xmlns:a="http://schemas.openxmlformats.org/drawingml/2006/main" xmlns:r="http://schemas.openxmlformats.org/officeDocument/2006/relationships" xmlns:p="http://schemas.openxmlformats.org/presentationml/2006/main">
   <p:cSld>
     <p:spTree>
@@ -11646,7 +13246,7 @@
 </p:sld>
 </file>
 
-<file path=ppt/slides/slide48.xml><?xml version="1.0" encoding="utf-8"?>
+<file path=ppt/slides/slide57.xml><?xml version="1.0" encoding="utf-8"?>
 <p:sld xmlns:a="http://schemas.openxmlformats.org/drawingml/2006/main" xmlns:r="http://schemas.openxmlformats.org/officeDocument/2006/relationships" xmlns:p="http://schemas.openxmlformats.org/presentationml/2006/main">
   <p:cSld>
     <p:spTree>
@@ -11774,13 +13374,13 @@
   <p:clrMapOvr>
     <a:masterClrMapping/>
   </p:clrMapOvr>
-  <mc:AlternateContent xmlns:mc="http://schemas.openxmlformats.org/markup-compatibility/2006">
-    <mc:Choice xmlns:p14="http://schemas.microsoft.com/office/powerpoint/2010/main" Requires="p14">
+  <mc:AlternateContent xmlns:mc="http://schemas.openxmlformats.org/markup-compatibility/2006" xmlns:p14="http://schemas.microsoft.com/office/powerpoint/2010/main">
+    <mc:Choice Requires="p14">
       <p:transition spd="med" p14:dur="700">
         <p:fade/>
       </p:transition>
     </mc:Choice>
-    <mc:Fallback>
+    <mc:Fallback xmlns="">
       <p:transition spd="med">
         <p:fade/>
       </p:transition>
@@ -11789,7 +13389,7 @@
 </p:sld>
 </file>
 
-<file path=ppt/slides/slide49.xml><?xml version="1.0" encoding="utf-8"?>
+<file path=ppt/slides/slide58.xml><?xml version="1.0" encoding="utf-8"?>
 <p:sld xmlns:a="http://schemas.openxmlformats.org/drawingml/2006/main" xmlns:r="http://schemas.openxmlformats.org/officeDocument/2006/relationships" xmlns:p="http://schemas.openxmlformats.org/presentationml/2006/main">
   <p:cSld>
     <p:spTree>
@@ -11894,138 +13494,6 @@
   <p:clrMapOvr>
     <a:masterClrMapping/>
   </p:clrMapOvr>
-  <mc:AlternateContent xmlns:mc="http://schemas.openxmlformats.org/markup-compatibility/2006">
-    <mc:Choice xmlns:p14="http://schemas.microsoft.com/office/powerpoint/2010/main" Requires="p14">
-      <p:transition spd="med" p14:dur="700">
-        <p:fade/>
-      </p:transition>
-    </mc:Choice>
-    <mc:Fallback>
-      <p:transition spd="med">
-        <p:fade/>
-      </p:transition>
-    </mc:Fallback>
-  </mc:AlternateContent>
-</p:sld>
-</file>
-
-<file path=ppt/slides/slide5.xml><?xml version="1.0" encoding="utf-8"?>
-<p:sld xmlns:a="http://schemas.openxmlformats.org/drawingml/2006/main" xmlns:r="http://schemas.openxmlformats.org/officeDocument/2006/relationships" xmlns:p="http://schemas.openxmlformats.org/presentationml/2006/main">
-  <p:cSld>
-    <p:spTree>
-      <p:nvGrpSpPr>
-        <p:cNvPr id="1" name=""/>
-        <p:cNvGrpSpPr/>
-        <p:nvPr/>
-      </p:nvGrpSpPr>
-      <p:grpSpPr>
-        <a:xfrm>
-          <a:off x="0" y="0"/>
-          <a:ext cx="0" cy="0"/>
-          <a:chOff x="0" y="0"/>
-          <a:chExt cx="0" cy="0"/>
-        </a:xfrm>
-      </p:grpSpPr>
-      <p:sp>
-        <p:nvSpPr>
-          <p:cNvPr id="2" name="Content Placeholder 1"/>
-          <p:cNvSpPr>
-            <a:spLocks noGrp="1"/>
-          </p:cNvSpPr>
-          <p:nvPr>
-            <p:ph idx="1"/>
-          </p:nvPr>
-        </p:nvSpPr>
-        <p:spPr/>
-        <p:txBody>
-          <a:bodyPr/>
-          <a:lstStyle/>
-          <a:p>
-            <a:r>
-              <a:rPr lang="en-US" dirty="0" smtClean="0"/>
-              <a:t>A resume has completed personal information </a:t>
-            </a:r>
-          </a:p>
-          <a:p>
-            <a:pPr lvl="1"/>
-            <a:r>
-              <a:rPr lang="en-US" dirty="0" smtClean="0"/>
-              <a:t>Education </a:t>
-            </a:r>
-          </a:p>
-          <a:p>
-            <a:pPr lvl="1"/>
-            <a:r>
-              <a:rPr lang="en-US" dirty="0"/>
-              <a:t>Work </a:t>
-            </a:r>
-            <a:r>
-              <a:rPr lang="en-US" dirty="0" smtClean="0"/>
-              <a:t>experience</a:t>
-            </a:r>
-          </a:p>
-          <a:p>
-            <a:pPr lvl="1"/>
-            <a:r>
-              <a:rPr lang="en-US" dirty="0" smtClean="0"/>
-              <a:t>Skills </a:t>
-            </a:r>
-          </a:p>
-          <a:p>
-            <a:pPr lvl="1"/>
-            <a:endParaRPr lang="en-US" dirty="0"/>
-          </a:p>
-          <a:p>
-            <a:r>
-              <a:rPr lang="en-US" dirty="0" smtClean="0"/>
-              <a:t>Finding similarity between resumes and jobs</a:t>
-            </a:r>
-          </a:p>
-          <a:p>
-            <a:r>
-              <a:rPr lang="en-US" dirty="0" smtClean="0"/>
-              <a:t>Ranking the jobs by their similarity value</a:t>
-            </a:r>
-          </a:p>
-        </p:txBody>
-      </p:sp>
-      <p:sp>
-        <p:nvSpPr>
-          <p:cNvPr id="3" name="Title 2"/>
-          <p:cNvSpPr>
-            <a:spLocks noGrp="1"/>
-          </p:cNvSpPr>
-          <p:nvPr>
-            <p:ph type="title"/>
-          </p:nvPr>
-        </p:nvSpPr>
-        <p:spPr/>
-        <p:txBody>
-          <a:bodyPr/>
-          <a:lstStyle/>
-          <a:p>
-            <a:r>
-              <a:rPr lang="en-US" dirty="0" smtClean="0"/>
-              <a:t>Main idea of </a:t>
-            </a:r>
-            <a:r>
-              <a:rPr lang="en-US" dirty="0" err="1" smtClean="0"/>
-              <a:t>JobFinder</a:t>
-            </a:r>
-            <a:endParaRPr lang="en-US" dirty="0"/>
-          </a:p>
-        </p:txBody>
-      </p:sp>
-    </p:spTree>
-    <p:extLst>
-      <p:ext uri="{BB962C8B-B14F-4D97-AF65-F5344CB8AC3E}">
-        <p14:creationId xmlns:p14="http://schemas.microsoft.com/office/powerpoint/2010/main" val="3416989218"/>
-      </p:ext>
-    </p:extLst>
-  </p:cSld>
-  <p:clrMapOvr>
-    <a:masterClrMapping/>
-  </p:clrMapOvr>
   <mc:AlternateContent xmlns:mc="http://schemas.openxmlformats.org/markup-compatibility/2006" xmlns:p14="http://schemas.microsoft.com/office/powerpoint/2010/main">
     <mc:Choice Requires="p14">
       <p:transition spd="med" p14:dur="700">
@@ -12041,7 +13509,7 @@
 </p:sld>
 </file>
 
-<file path=ppt/slides/slide50.xml><?xml version="1.0" encoding="utf-8"?>
+<file path=ppt/slides/slide59.xml><?xml version="1.0" encoding="utf-8"?>
 <p:sld xmlns:a="http://schemas.openxmlformats.org/drawingml/2006/main" xmlns:r="http://schemas.openxmlformats.org/officeDocument/2006/relationships" xmlns:p="http://schemas.openxmlformats.org/presentationml/2006/main">
   <p:cSld>
     <p:spTree>
@@ -12201,528 +13669,6 @@
     <p:extLst>
       <p:ext uri="{BB962C8B-B14F-4D97-AF65-F5344CB8AC3E}">
         <p14:creationId xmlns:p14="http://schemas.microsoft.com/office/powerpoint/2010/main" val="3794372381"/>
-      </p:ext>
-    </p:extLst>
-  </p:cSld>
-  <p:clrMapOvr>
-    <a:masterClrMapping/>
-  </p:clrMapOvr>
-  <mc:AlternateContent xmlns:mc="http://schemas.openxmlformats.org/markup-compatibility/2006">
-    <mc:Choice xmlns:p14="http://schemas.microsoft.com/office/powerpoint/2010/main" Requires="p14">
-      <p:transition spd="med" p14:dur="700">
-        <p:fade/>
-      </p:transition>
-    </mc:Choice>
-    <mc:Fallback>
-      <p:transition spd="med">
-        <p:fade/>
-      </p:transition>
-    </mc:Fallback>
-  </mc:AlternateContent>
-</p:sld>
-</file>
-
-<file path=ppt/slides/slide51.xml><?xml version="1.0" encoding="utf-8"?>
-<p:sld xmlns:a="http://schemas.openxmlformats.org/drawingml/2006/main" xmlns:r="http://schemas.openxmlformats.org/officeDocument/2006/relationships" xmlns:p="http://schemas.openxmlformats.org/presentationml/2006/main">
-  <p:cSld>
-    <p:spTree>
-      <p:nvGrpSpPr>
-        <p:cNvPr id="1" name=""/>
-        <p:cNvGrpSpPr/>
-        <p:nvPr/>
-      </p:nvGrpSpPr>
-      <p:grpSpPr>
-        <a:xfrm>
-          <a:off x="0" y="0"/>
-          <a:ext cx="0" cy="0"/>
-          <a:chOff x="0" y="0"/>
-          <a:chExt cx="0" cy="0"/>
-        </a:xfrm>
-      </p:grpSpPr>
-      <p:sp>
-        <p:nvSpPr>
-          <p:cNvPr id="2" name="Content Placeholder 1"/>
-          <p:cNvSpPr>
-            <a:spLocks noGrp="1"/>
-          </p:cNvSpPr>
-          <p:nvPr>
-            <p:ph idx="1"/>
-          </p:nvPr>
-        </p:nvSpPr>
-        <p:spPr/>
-        <p:txBody>
-          <a:bodyPr/>
-          <a:lstStyle/>
-          <a:p>
-            <a:r>
-              <a:rPr lang="en-US" dirty="0"/>
-              <a:t>Okapi BM25: </a:t>
-            </a:r>
-            <a:endParaRPr lang="en-US" dirty="0" smtClean="0"/>
-          </a:p>
-          <a:p>
-            <a:r>
-              <a:rPr lang="en-US" dirty="0" smtClean="0"/>
-              <a:t>Given </a:t>
-            </a:r>
-            <a:r>
-              <a:rPr lang="en-US" dirty="0"/>
-              <a:t>a query Q, containing the keywords q1,...,</a:t>
-            </a:r>
-            <a:r>
-              <a:rPr lang="en-US" dirty="0" err="1"/>
-              <a:t>qn</a:t>
-            </a:r>
-            <a:r>
-              <a:rPr lang="en-US" dirty="0"/>
-              <a:t>, the </a:t>
-            </a:r>
-            <a:r>
-              <a:rPr lang="en-US" dirty="0" smtClean="0"/>
-              <a:t>BM25 score </a:t>
-            </a:r>
-            <a:r>
-              <a:rPr lang="en-US" dirty="0"/>
-              <a:t>of a document D</a:t>
-            </a:r>
-          </a:p>
-        </p:txBody>
-      </p:sp>
-      <p:sp>
-        <p:nvSpPr>
-          <p:cNvPr id="3" name="Title 2"/>
-          <p:cNvSpPr>
-            <a:spLocks noGrp="1"/>
-          </p:cNvSpPr>
-          <p:nvPr>
-            <p:ph type="title"/>
-          </p:nvPr>
-        </p:nvSpPr>
-        <p:spPr/>
-        <p:txBody>
-          <a:bodyPr/>
-          <a:lstStyle/>
-          <a:p>
-            <a:r>
-              <a:rPr lang="en-US" dirty="0" smtClean="0"/>
-              <a:t>Models to Compare</a:t>
-            </a:r>
-            <a:endParaRPr lang="en-US" dirty="0"/>
-          </a:p>
-        </p:txBody>
-      </p:sp>
-      <p:pic>
-        <p:nvPicPr>
-          <p:cNvPr id="5" name="Picture 4"/>
-          <p:cNvPicPr>
-            <a:picLocks noChangeAspect="1"/>
-          </p:cNvPicPr>
-          <p:nvPr/>
-        </p:nvPicPr>
-        <p:blipFill>
-          <a:blip r:embed="rId2"/>
-          <a:stretch>
-            <a:fillRect/>
-          </a:stretch>
-        </p:blipFill>
-        <p:spPr>
-          <a:xfrm>
-            <a:off x="1235299" y="4001294"/>
-            <a:ext cx="10210800" cy="1104900"/>
-          </a:xfrm>
-          <a:prstGeom prst="rect">
-            <a:avLst/>
-          </a:prstGeom>
-        </p:spPr>
-      </p:pic>
-    </p:spTree>
-    <p:extLst>
-      <p:ext uri="{BB962C8B-B14F-4D97-AF65-F5344CB8AC3E}">
-        <p14:creationId xmlns:p14="http://schemas.microsoft.com/office/powerpoint/2010/main" val="848230397"/>
-      </p:ext>
-    </p:extLst>
-  </p:cSld>
-  <p:clrMapOvr>
-    <a:masterClrMapping/>
-  </p:clrMapOvr>
-  <mc:AlternateContent xmlns:mc="http://schemas.openxmlformats.org/markup-compatibility/2006">
-    <mc:Choice xmlns:p14="http://schemas.microsoft.com/office/powerpoint/2010/main" Requires="p14">
-      <p:transition spd="med" p14:dur="700">
-        <p:fade/>
-      </p:transition>
-    </mc:Choice>
-    <mc:Fallback>
-      <p:transition spd="med">
-        <p:fade/>
-      </p:transition>
-    </mc:Fallback>
-  </mc:AlternateContent>
-</p:sld>
-</file>
-
-<file path=ppt/slides/slide52.xml><?xml version="1.0" encoding="utf-8"?>
-<p:sld xmlns:a="http://schemas.openxmlformats.org/drawingml/2006/main" xmlns:r="http://schemas.openxmlformats.org/officeDocument/2006/relationships" xmlns:p="http://schemas.openxmlformats.org/presentationml/2006/main">
-  <p:cSld>
-    <p:spTree>
-      <p:nvGrpSpPr>
-        <p:cNvPr id="1" name=""/>
-        <p:cNvGrpSpPr/>
-        <p:nvPr/>
-      </p:nvGrpSpPr>
-      <p:grpSpPr>
-        <a:xfrm>
-          <a:off x="0" y="0"/>
-          <a:ext cx="0" cy="0"/>
-          <a:chOff x="0" y="0"/>
-          <a:chExt cx="0" cy="0"/>
-        </a:xfrm>
-      </p:grpSpPr>
-      <p:sp>
-        <p:nvSpPr>
-          <p:cNvPr id="2" name="Content Placeholder 1"/>
-          <p:cNvSpPr>
-            <a:spLocks noGrp="1"/>
-          </p:cNvSpPr>
-          <p:nvPr>
-            <p:ph idx="1"/>
-          </p:nvPr>
-        </p:nvSpPr>
-        <p:spPr/>
-        <p:txBody>
-          <a:bodyPr/>
-          <a:lstStyle/>
-          <a:p>
-            <a:r>
-              <a:rPr lang="en-US" dirty="0" smtClean="0"/>
-              <a:t>5 resumes </a:t>
-            </a:r>
-          </a:p>
-          <a:p>
-            <a:r>
-              <a:rPr lang="en-US" dirty="0" smtClean="0"/>
-              <a:t>100 jobs </a:t>
-            </a:r>
-          </a:p>
-          <a:p>
-            <a:r>
-              <a:rPr lang="en-US" dirty="0" smtClean="0"/>
-              <a:t>Relevance value manually assigned </a:t>
-            </a:r>
-            <a:endParaRPr lang="en-US" dirty="0"/>
-          </a:p>
-        </p:txBody>
-      </p:sp>
-      <p:sp>
-        <p:nvSpPr>
-          <p:cNvPr id="3" name="Title 2"/>
-          <p:cNvSpPr>
-            <a:spLocks noGrp="1"/>
-          </p:cNvSpPr>
-          <p:nvPr>
-            <p:ph type="title"/>
-          </p:nvPr>
-        </p:nvSpPr>
-        <p:spPr>
-          <a:xfrm>
-            <a:off x="1461216" y="326489"/>
-            <a:ext cx="9029700" cy="1325563"/>
-          </a:xfrm>
-        </p:spPr>
-        <p:txBody>
-          <a:bodyPr/>
-          <a:lstStyle/>
-          <a:p>
-            <a:r>
-              <a:rPr lang="en-US" dirty="0" smtClean="0"/>
-              <a:t>Experiment Setup </a:t>
-            </a:r>
-            <a:endParaRPr lang="en-US" dirty="0"/>
-          </a:p>
-        </p:txBody>
-      </p:sp>
-    </p:spTree>
-    <p:extLst>
-      <p:ext uri="{BB962C8B-B14F-4D97-AF65-F5344CB8AC3E}">
-        <p14:creationId xmlns:p14="http://schemas.microsoft.com/office/powerpoint/2010/main" val="1952061959"/>
-      </p:ext>
-    </p:extLst>
-  </p:cSld>
-  <p:clrMapOvr>
-    <a:masterClrMapping/>
-  </p:clrMapOvr>
-  <mc:AlternateContent xmlns:mc="http://schemas.openxmlformats.org/markup-compatibility/2006" xmlns:p14="http://schemas.microsoft.com/office/powerpoint/2010/main">
-    <mc:Choice Requires="p14">
-      <p:transition spd="med" p14:dur="700">
-        <p:fade/>
-      </p:transition>
-    </mc:Choice>
-    <mc:Fallback xmlns="">
-      <p:transition spd="med">
-        <p:fade/>
-      </p:transition>
-    </mc:Fallback>
-  </mc:AlternateContent>
-</p:sld>
-</file>
-
-<file path=ppt/slides/slide53.xml><?xml version="1.0" encoding="utf-8"?>
-<p:sld xmlns:a="http://schemas.openxmlformats.org/drawingml/2006/main" xmlns:r="http://schemas.openxmlformats.org/officeDocument/2006/relationships" xmlns:p="http://schemas.openxmlformats.org/presentationml/2006/main">
-  <p:cSld>
-    <p:spTree>
-      <p:nvGrpSpPr>
-        <p:cNvPr id="1" name=""/>
-        <p:cNvGrpSpPr/>
-        <p:nvPr/>
-      </p:nvGrpSpPr>
-      <p:grpSpPr>
-        <a:xfrm>
-          <a:off x="0" y="0"/>
-          <a:ext cx="0" cy="0"/>
-          <a:chOff x="0" y="0"/>
-          <a:chExt cx="0" cy="0"/>
-        </a:xfrm>
-      </p:grpSpPr>
-      <p:pic>
-        <p:nvPicPr>
-          <p:cNvPr id="4" name="Content Placeholder 3"/>
-          <p:cNvPicPr>
-            <a:picLocks noGrp="1" noChangeAspect="1"/>
-          </p:cNvPicPr>
-          <p:nvPr>
-            <p:ph idx="1"/>
-          </p:nvPr>
-        </p:nvPicPr>
-        <p:blipFill>
-          <a:blip r:embed="rId2"/>
-          <a:stretch>
-            <a:fillRect/>
-          </a:stretch>
-        </p:blipFill>
-        <p:spPr>
-          <a:xfrm>
-            <a:off x="1708730" y="2200264"/>
-            <a:ext cx="8058609" cy="3247499"/>
-          </a:xfrm>
-          <a:prstGeom prst="rect">
-            <a:avLst/>
-          </a:prstGeom>
-        </p:spPr>
-      </p:pic>
-      <p:sp>
-        <p:nvSpPr>
-          <p:cNvPr id="3" name="Title 2"/>
-          <p:cNvSpPr>
-            <a:spLocks noGrp="1"/>
-          </p:cNvSpPr>
-          <p:nvPr>
-            <p:ph type="title"/>
-          </p:nvPr>
-        </p:nvSpPr>
-        <p:spPr>
-          <a:xfrm>
-            <a:off x="1562100" y="365125"/>
-            <a:ext cx="9791700" cy="1325563"/>
-          </a:xfrm>
-        </p:spPr>
-        <p:txBody>
-          <a:bodyPr/>
-          <a:lstStyle/>
-          <a:p>
-            <a:r>
-              <a:rPr lang="en-US" dirty="0"/>
-              <a:t>EVALUATION – System Performance </a:t>
-            </a:r>
-          </a:p>
-        </p:txBody>
-      </p:sp>
-    </p:spTree>
-    <p:extLst>
-      <p:ext uri="{BB962C8B-B14F-4D97-AF65-F5344CB8AC3E}">
-        <p14:creationId xmlns:p14="http://schemas.microsoft.com/office/powerpoint/2010/main" val="156323686"/>
-      </p:ext>
-    </p:extLst>
-  </p:cSld>
-  <p:clrMapOvr>
-    <a:masterClrMapping/>
-  </p:clrMapOvr>
-  <mc:AlternateContent xmlns:mc="http://schemas.openxmlformats.org/markup-compatibility/2006" xmlns:p14="http://schemas.microsoft.com/office/powerpoint/2010/main">
-    <mc:Choice Requires="p14">
-      <p:transition spd="med" p14:dur="700">
-        <p:fade/>
-      </p:transition>
-    </mc:Choice>
-    <mc:Fallback xmlns="">
-      <p:transition spd="med">
-        <p:fade/>
-      </p:transition>
-    </mc:Fallback>
-  </mc:AlternateContent>
-</p:sld>
-</file>
-
-<file path=ppt/slides/slide54.xml><?xml version="1.0" encoding="utf-8"?>
-<p:sld xmlns:a="http://schemas.openxmlformats.org/drawingml/2006/main" xmlns:r="http://schemas.openxmlformats.org/officeDocument/2006/relationships" xmlns:p="http://schemas.openxmlformats.org/presentationml/2006/main">
-  <p:cSld>
-    <p:spTree>
-      <p:nvGrpSpPr>
-        <p:cNvPr id="1" name=""/>
-        <p:cNvGrpSpPr/>
-        <p:nvPr/>
-      </p:nvGrpSpPr>
-      <p:grpSpPr>
-        <a:xfrm>
-          <a:off x="0" y="0"/>
-          <a:ext cx="0" cy="0"/>
-          <a:chOff x="0" y="0"/>
-          <a:chExt cx="0" cy="0"/>
-        </a:xfrm>
-      </p:grpSpPr>
-      <p:pic>
-        <p:nvPicPr>
-          <p:cNvPr id="4" name="Content Placeholder 3"/>
-          <p:cNvPicPr>
-            <a:picLocks noGrp="1" noChangeAspect="1"/>
-          </p:cNvPicPr>
-          <p:nvPr>
-            <p:ph idx="1"/>
-          </p:nvPr>
-        </p:nvPicPr>
-        <p:blipFill>
-          <a:blip r:embed="rId2"/>
-          <a:stretch>
-            <a:fillRect/>
-          </a:stretch>
-        </p:blipFill>
-        <p:spPr>
-          <a:xfrm>
-            <a:off x="1562100" y="2354474"/>
-            <a:ext cx="7984132" cy="3209199"/>
-          </a:xfrm>
-          <a:prstGeom prst="rect">
-            <a:avLst/>
-          </a:prstGeom>
-        </p:spPr>
-      </p:pic>
-      <p:sp>
-        <p:nvSpPr>
-          <p:cNvPr id="3" name="Title 2"/>
-          <p:cNvSpPr>
-            <a:spLocks noGrp="1"/>
-          </p:cNvSpPr>
-          <p:nvPr>
-            <p:ph type="title"/>
-          </p:nvPr>
-        </p:nvSpPr>
-        <p:spPr>
-          <a:xfrm>
-            <a:off x="1562100" y="365125"/>
-            <a:ext cx="9791700" cy="1325563"/>
-          </a:xfrm>
-        </p:spPr>
-        <p:txBody>
-          <a:bodyPr/>
-          <a:lstStyle/>
-          <a:p>
-            <a:r>
-              <a:rPr lang="en-US" dirty="0"/>
-              <a:t>EVALUATION – System Performance </a:t>
-            </a:r>
-          </a:p>
-        </p:txBody>
-      </p:sp>
-    </p:spTree>
-    <p:extLst>
-      <p:ext uri="{BB962C8B-B14F-4D97-AF65-F5344CB8AC3E}">
-        <p14:creationId xmlns:p14="http://schemas.microsoft.com/office/powerpoint/2010/main" val="1989927708"/>
-      </p:ext>
-    </p:extLst>
-  </p:cSld>
-  <p:clrMapOvr>
-    <a:masterClrMapping/>
-  </p:clrMapOvr>
-  <mc:AlternateContent xmlns:mc="http://schemas.openxmlformats.org/markup-compatibility/2006" xmlns:p14="http://schemas.microsoft.com/office/powerpoint/2010/main">
-    <mc:Choice Requires="p14">
-      <p:transition spd="med" p14:dur="700">
-        <p:fade/>
-      </p:transition>
-    </mc:Choice>
-    <mc:Fallback xmlns="">
-      <p:transition spd="med">
-        <p:fade/>
-      </p:transition>
-    </mc:Fallback>
-  </mc:AlternateContent>
-</p:sld>
-</file>
-
-<file path=ppt/slides/slide55.xml><?xml version="1.0" encoding="utf-8"?>
-<p:sld xmlns:a="http://schemas.openxmlformats.org/drawingml/2006/main" xmlns:r="http://schemas.openxmlformats.org/officeDocument/2006/relationships" xmlns:p="http://schemas.openxmlformats.org/presentationml/2006/main">
-  <p:cSld>
-    <p:spTree>
-      <p:nvGrpSpPr>
-        <p:cNvPr id="1" name=""/>
-        <p:cNvGrpSpPr/>
-        <p:nvPr/>
-      </p:nvGrpSpPr>
-      <p:grpSpPr>
-        <a:xfrm>
-          <a:off x="0" y="0"/>
-          <a:ext cx="0" cy="0"/>
-          <a:chOff x="0" y="0"/>
-          <a:chExt cx="0" cy="0"/>
-        </a:xfrm>
-      </p:grpSpPr>
-      <p:sp>
-        <p:nvSpPr>
-          <p:cNvPr id="2" name="Content Placeholder 1"/>
-          <p:cNvSpPr>
-            <a:spLocks noGrp="1"/>
-          </p:cNvSpPr>
-          <p:nvPr>
-            <p:ph idx="1"/>
-          </p:nvPr>
-        </p:nvSpPr>
-        <p:spPr/>
-        <p:txBody>
-          <a:bodyPr/>
-          <a:lstStyle/>
-          <a:p>
-            <a:endParaRPr lang="en-US" dirty="0"/>
-          </a:p>
-        </p:txBody>
-      </p:sp>
-      <p:sp>
-        <p:nvSpPr>
-          <p:cNvPr id="3" name="Title 2"/>
-          <p:cNvSpPr>
-            <a:spLocks noGrp="1"/>
-          </p:cNvSpPr>
-          <p:nvPr>
-            <p:ph type="title"/>
-          </p:nvPr>
-        </p:nvSpPr>
-        <p:spPr>
-          <a:xfrm>
-            <a:off x="1562100" y="365125"/>
-            <a:ext cx="9791700" cy="1325563"/>
-          </a:xfrm>
-        </p:spPr>
-        <p:txBody>
-          <a:bodyPr/>
-          <a:lstStyle/>
-          <a:p>
-            <a:r>
-              <a:rPr lang="en-US" dirty="0" smtClean="0"/>
-              <a:t>Conclusion</a:t>
-            </a:r>
-            <a:endParaRPr lang="en-US" dirty="0"/>
-          </a:p>
-        </p:txBody>
-      </p:sp>
-    </p:spTree>
-    <p:extLst>
-      <p:ext uri="{BB962C8B-B14F-4D97-AF65-F5344CB8AC3E}">
-        <p14:creationId xmlns:p14="http://schemas.microsoft.com/office/powerpoint/2010/main" val="359033607"/>
       </p:ext>
     </p:extLst>
   </p:cSld>
@@ -12936,6 +13882,617 @@
 </p:sld>
 </file>
 
+<file path=ppt/slides/slide60.xml><?xml version="1.0" encoding="utf-8"?>
+<p:sld xmlns:a="http://schemas.openxmlformats.org/drawingml/2006/main" xmlns:r="http://schemas.openxmlformats.org/officeDocument/2006/relationships" xmlns:p="http://schemas.openxmlformats.org/presentationml/2006/main">
+  <p:cSld>
+    <p:spTree>
+      <p:nvGrpSpPr>
+        <p:cNvPr id="1" name=""/>
+        <p:cNvGrpSpPr/>
+        <p:nvPr/>
+      </p:nvGrpSpPr>
+      <p:grpSpPr>
+        <a:xfrm>
+          <a:off x="0" y="0"/>
+          <a:ext cx="0" cy="0"/>
+          <a:chOff x="0" y="0"/>
+          <a:chExt cx="0" cy="0"/>
+        </a:xfrm>
+      </p:grpSpPr>
+      <p:sp>
+        <p:nvSpPr>
+          <p:cNvPr id="2" name="Content Placeholder 1"/>
+          <p:cNvSpPr>
+            <a:spLocks noGrp="1"/>
+          </p:cNvSpPr>
+          <p:nvPr>
+            <p:ph idx="1"/>
+          </p:nvPr>
+        </p:nvSpPr>
+        <p:spPr/>
+        <p:txBody>
+          <a:bodyPr/>
+          <a:lstStyle/>
+          <a:p>
+            <a:r>
+              <a:rPr lang="en-US" dirty="0"/>
+              <a:t>Okapi BM25: </a:t>
+            </a:r>
+            <a:endParaRPr lang="en-US" dirty="0" smtClean="0"/>
+          </a:p>
+          <a:p>
+            <a:r>
+              <a:rPr lang="en-US" dirty="0" smtClean="0"/>
+              <a:t>Given </a:t>
+            </a:r>
+            <a:r>
+              <a:rPr lang="en-US" dirty="0"/>
+              <a:t>a query Q, containing the keywords q1,...,</a:t>
+            </a:r>
+            <a:r>
+              <a:rPr lang="en-US" dirty="0" err="1"/>
+              <a:t>qn</a:t>
+            </a:r>
+            <a:r>
+              <a:rPr lang="en-US" dirty="0"/>
+              <a:t>, the </a:t>
+            </a:r>
+            <a:r>
+              <a:rPr lang="en-US" dirty="0" smtClean="0"/>
+              <a:t>BM25 score </a:t>
+            </a:r>
+            <a:r>
+              <a:rPr lang="en-US" dirty="0"/>
+              <a:t>of a document D</a:t>
+            </a:r>
+          </a:p>
+        </p:txBody>
+      </p:sp>
+      <p:sp>
+        <p:nvSpPr>
+          <p:cNvPr id="3" name="Title 2"/>
+          <p:cNvSpPr>
+            <a:spLocks noGrp="1"/>
+          </p:cNvSpPr>
+          <p:nvPr>
+            <p:ph type="title"/>
+          </p:nvPr>
+        </p:nvSpPr>
+        <p:spPr/>
+        <p:txBody>
+          <a:bodyPr/>
+          <a:lstStyle/>
+          <a:p>
+            <a:r>
+              <a:rPr lang="en-US" dirty="0" smtClean="0"/>
+              <a:t>Models to Compare</a:t>
+            </a:r>
+            <a:endParaRPr lang="en-US" dirty="0"/>
+          </a:p>
+        </p:txBody>
+      </p:sp>
+      <p:pic>
+        <p:nvPicPr>
+          <p:cNvPr id="5" name="Picture 4"/>
+          <p:cNvPicPr>
+            <a:picLocks noChangeAspect="1"/>
+          </p:cNvPicPr>
+          <p:nvPr/>
+        </p:nvPicPr>
+        <p:blipFill>
+          <a:blip r:embed="rId2"/>
+          <a:stretch>
+            <a:fillRect/>
+          </a:stretch>
+        </p:blipFill>
+        <p:spPr>
+          <a:xfrm>
+            <a:off x="1235299" y="4001294"/>
+            <a:ext cx="10210800" cy="1104900"/>
+          </a:xfrm>
+          <a:prstGeom prst="rect">
+            <a:avLst/>
+          </a:prstGeom>
+        </p:spPr>
+      </p:pic>
+    </p:spTree>
+    <p:extLst>
+      <p:ext uri="{BB962C8B-B14F-4D97-AF65-F5344CB8AC3E}">
+        <p14:creationId xmlns:p14="http://schemas.microsoft.com/office/powerpoint/2010/main" val="848230397"/>
+      </p:ext>
+    </p:extLst>
+  </p:cSld>
+  <p:clrMapOvr>
+    <a:masterClrMapping/>
+  </p:clrMapOvr>
+  <mc:AlternateContent xmlns:mc="http://schemas.openxmlformats.org/markup-compatibility/2006" xmlns:p14="http://schemas.microsoft.com/office/powerpoint/2010/main">
+    <mc:Choice Requires="p14">
+      <p:transition spd="med" p14:dur="700">
+        <p:fade/>
+      </p:transition>
+    </mc:Choice>
+    <mc:Fallback xmlns="">
+      <p:transition spd="med">
+        <p:fade/>
+      </p:transition>
+    </mc:Fallback>
+  </mc:AlternateContent>
+</p:sld>
+</file>
+
+<file path=ppt/slides/slide61.xml><?xml version="1.0" encoding="utf-8"?>
+<p:sld xmlns:a="http://schemas.openxmlformats.org/drawingml/2006/main" xmlns:r="http://schemas.openxmlformats.org/officeDocument/2006/relationships" xmlns:p="http://schemas.openxmlformats.org/presentationml/2006/main">
+  <p:cSld>
+    <p:spTree>
+      <p:nvGrpSpPr>
+        <p:cNvPr id="1" name=""/>
+        <p:cNvGrpSpPr/>
+        <p:nvPr/>
+      </p:nvGrpSpPr>
+      <p:grpSpPr>
+        <a:xfrm>
+          <a:off x="0" y="0"/>
+          <a:ext cx="0" cy="0"/>
+          <a:chOff x="0" y="0"/>
+          <a:chExt cx="0" cy="0"/>
+        </a:xfrm>
+      </p:grpSpPr>
+      <p:sp>
+        <p:nvSpPr>
+          <p:cNvPr id="2" name="Content Placeholder 1"/>
+          <p:cNvSpPr>
+            <a:spLocks noGrp="1"/>
+          </p:cNvSpPr>
+          <p:nvPr>
+            <p:ph idx="1"/>
+          </p:nvPr>
+        </p:nvSpPr>
+        <p:spPr/>
+        <p:txBody>
+          <a:bodyPr/>
+          <a:lstStyle/>
+          <a:p>
+            <a:r>
+              <a:rPr lang="en-US" dirty="0" smtClean="0"/>
+              <a:t>5 </a:t>
+            </a:r>
+            <a:r>
+              <a:rPr lang="en-US" dirty="0" smtClean="0"/>
+              <a:t>résumés </a:t>
+            </a:r>
+            <a:endParaRPr lang="en-US" dirty="0" smtClean="0"/>
+          </a:p>
+          <a:p>
+            <a:r>
+              <a:rPr lang="en-US" dirty="0" smtClean="0"/>
+              <a:t>100 jobs </a:t>
+            </a:r>
+          </a:p>
+          <a:p>
+            <a:r>
+              <a:rPr lang="en-US" dirty="0" smtClean="0"/>
+              <a:t>Relevance value manually assigned </a:t>
+            </a:r>
+            <a:endParaRPr lang="en-US" dirty="0"/>
+          </a:p>
+        </p:txBody>
+      </p:sp>
+      <p:sp>
+        <p:nvSpPr>
+          <p:cNvPr id="3" name="Title 2"/>
+          <p:cNvSpPr>
+            <a:spLocks noGrp="1"/>
+          </p:cNvSpPr>
+          <p:nvPr>
+            <p:ph type="title"/>
+          </p:nvPr>
+        </p:nvSpPr>
+        <p:spPr>
+          <a:xfrm>
+            <a:off x="1461216" y="326489"/>
+            <a:ext cx="9029700" cy="1325563"/>
+          </a:xfrm>
+        </p:spPr>
+        <p:txBody>
+          <a:bodyPr/>
+          <a:lstStyle/>
+          <a:p>
+            <a:r>
+              <a:rPr lang="en-US" dirty="0" smtClean="0"/>
+              <a:t>Experiment Setup </a:t>
+            </a:r>
+            <a:endParaRPr lang="en-US" dirty="0"/>
+          </a:p>
+        </p:txBody>
+      </p:sp>
+    </p:spTree>
+    <p:extLst>
+      <p:ext uri="{BB962C8B-B14F-4D97-AF65-F5344CB8AC3E}">
+        <p14:creationId xmlns:p14="http://schemas.microsoft.com/office/powerpoint/2010/main" val="1952061959"/>
+      </p:ext>
+    </p:extLst>
+  </p:cSld>
+  <p:clrMapOvr>
+    <a:masterClrMapping/>
+  </p:clrMapOvr>
+  <mc:AlternateContent xmlns:mc="http://schemas.openxmlformats.org/markup-compatibility/2006" xmlns:p14="http://schemas.microsoft.com/office/powerpoint/2010/main">
+    <mc:Choice Requires="p14">
+      <p:transition spd="med" p14:dur="700">
+        <p:fade/>
+      </p:transition>
+    </mc:Choice>
+    <mc:Fallback xmlns="">
+      <p:transition spd="med">
+        <p:fade/>
+      </p:transition>
+    </mc:Fallback>
+  </mc:AlternateContent>
+</p:sld>
+</file>
+
+<file path=ppt/slides/slide62.xml><?xml version="1.0" encoding="utf-8"?>
+<p:sld xmlns:a="http://schemas.openxmlformats.org/drawingml/2006/main" xmlns:r="http://schemas.openxmlformats.org/officeDocument/2006/relationships" xmlns:p="http://schemas.openxmlformats.org/presentationml/2006/main">
+  <p:cSld>
+    <p:spTree>
+      <p:nvGrpSpPr>
+        <p:cNvPr id="1" name=""/>
+        <p:cNvGrpSpPr/>
+        <p:nvPr/>
+      </p:nvGrpSpPr>
+      <p:grpSpPr>
+        <a:xfrm>
+          <a:off x="0" y="0"/>
+          <a:ext cx="0" cy="0"/>
+          <a:chOff x="0" y="0"/>
+          <a:chExt cx="0" cy="0"/>
+        </a:xfrm>
+      </p:grpSpPr>
+      <p:pic>
+        <p:nvPicPr>
+          <p:cNvPr id="4" name="Content Placeholder 3"/>
+          <p:cNvPicPr>
+            <a:picLocks noGrp="1" noChangeAspect="1"/>
+          </p:cNvPicPr>
+          <p:nvPr>
+            <p:ph idx="1"/>
+          </p:nvPr>
+        </p:nvPicPr>
+        <p:blipFill>
+          <a:blip r:embed="rId2"/>
+          <a:stretch>
+            <a:fillRect/>
+          </a:stretch>
+        </p:blipFill>
+        <p:spPr>
+          <a:xfrm>
+            <a:off x="1708730" y="2200264"/>
+            <a:ext cx="8058609" cy="3247499"/>
+          </a:xfrm>
+          <a:prstGeom prst="rect">
+            <a:avLst/>
+          </a:prstGeom>
+        </p:spPr>
+      </p:pic>
+      <p:sp>
+        <p:nvSpPr>
+          <p:cNvPr id="3" name="Title 2"/>
+          <p:cNvSpPr>
+            <a:spLocks noGrp="1"/>
+          </p:cNvSpPr>
+          <p:nvPr>
+            <p:ph type="title"/>
+          </p:nvPr>
+        </p:nvSpPr>
+        <p:spPr>
+          <a:xfrm>
+            <a:off x="1562100" y="365125"/>
+            <a:ext cx="9791700" cy="1325563"/>
+          </a:xfrm>
+        </p:spPr>
+        <p:txBody>
+          <a:bodyPr/>
+          <a:lstStyle/>
+          <a:p>
+            <a:r>
+              <a:rPr lang="en-US" dirty="0"/>
+              <a:t>EVALUATION – System Performance </a:t>
+            </a:r>
+          </a:p>
+        </p:txBody>
+      </p:sp>
+    </p:spTree>
+    <p:extLst>
+      <p:ext uri="{BB962C8B-B14F-4D97-AF65-F5344CB8AC3E}">
+        <p14:creationId xmlns:p14="http://schemas.microsoft.com/office/powerpoint/2010/main" val="156323686"/>
+      </p:ext>
+    </p:extLst>
+  </p:cSld>
+  <p:clrMapOvr>
+    <a:masterClrMapping/>
+  </p:clrMapOvr>
+  <mc:AlternateContent xmlns:mc="http://schemas.openxmlformats.org/markup-compatibility/2006" xmlns:p14="http://schemas.microsoft.com/office/powerpoint/2010/main">
+    <mc:Choice Requires="p14">
+      <p:transition spd="med" p14:dur="700">
+        <p:fade/>
+      </p:transition>
+    </mc:Choice>
+    <mc:Fallback xmlns="">
+      <p:transition spd="med">
+        <p:fade/>
+      </p:transition>
+    </mc:Fallback>
+  </mc:AlternateContent>
+</p:sld>
+</file>
+
+<file path=ppt/slides/slide63.xml><?xml version="1.0" encoding="utf-8"?>
+<p:sld xmlns:a="http://schemas.openxmlformats.org/drawingml/2006/main" xmlns:r="http://schemas.openxmlformats.org/officeDocument/2006/relationships" xmlns:p="http://schemas.openxmlformats.org/presentationml/2006/main">
+  <p:cSld>
+    <p:spTree>
+      <p:nvGrpSpPr>
+        <p:cNvPr id="1" name=""/>
+        <p:cNvGrpSpPr/>
+        <p:nvPr/>
+      </p:nvGrpSpPr>
+      <p:grpSpPr>
+        <a:xfrm>
+          <a:off x="0" y="0"/>
+          <a:ext cx="0" cy="0"/>
+          <a:chOff x="0" y="0"/>
+          <a:chExt cx="0" cy="0"/>
+        </a:xfrm>
+      </p:grpSpPr>
+      <p:pic>
+        <p:nvPicPr>
+          <p:cNvPr id="4" name="Content Placeholder 3"/>
+          <p:cNvPicPr>
+            <a:picLocks noGrp="1" noChangeAspect="1"/>
+          </p:cNvPicPr>
+          <p:nvPr>
+            <p:ph idx="1"/>
+          </p:nvPr>
+        </p:nvPicPr>
+        <p:blipFill>
+          <a:blip r:embed="rId2"/>
+          <a:stretch>
+            <a:fillRect/>
+          </a:stretch>
+        </p:blipFill>
+        <p:spPr>
+          <a:xfrm>
+            <a:off x="1562100" y="2354474"/>
+            <a:ext cx="7984132" cy="3209199"/>
+          </a:xfrm>
+          <a:prstGeom prst="rect">
+            <a:avLst/>
+          </a:prstGeom>
+        </p:spPr>
+      </p:pic>
+      <p:sp>
+        <p:nvSpPr>
+          <p:cNvPr id="3" name="Title 2"/>
+          <p:cNvSpPr>
+            <a:spLocks noGrp="1"/>
+          </p:cNvSpPr>
+          <p:nvPr>
+            <p:ph type="title"/>
+          </p:nvPr>
+        </p:nvSpPr>
+        <p:spPr>
+          <a:xfrm>
+            <a:off x="1562100" y="365125"/>
+            <a:ext cx="9791700" cy="1325563"/>
+          </a:xfrm>
+        </p:spPr>
+        <p:txBody>
+          <a:bodyPr/>
+          <a:lstStyle/>
+          <a:p>
+            <a:r>
+              <a:rPr lang="en-US" dirty="0"/>
+              <a:t>EVALUATION – System Performance </a:t>
+            </a:r>
+          </a:p>
+        </p:txBody>
+      </p:sp>
+    </p:spTree>
+    <p:extLst>
+      <p:ext uri="{BB962C8B-B14F-4D97-AF65-F5344CB8AC3E}">
+        <p14:creationId xmlns:p14="http://schemas.microsoft.com/office/powerpoint/2010/main" val="1989927708"/>
+      </p:ext>
+    </p:extLst>
+  </p:cSld>
+  <p:clrMapOvr>
+    <a:masterClrMapping/>
+  </p:clrMapOvr>
+  <mc:AlternateContent xmlns:mc="http://schemas.openxmlformats.org/markup-compatibility/2006" xmlns:p14="http://schemas.microsoft.com/office/powerpoint/2010/main">
+    <mc:Choice Requires="p14">
+      <p:transition spd="med" p14:dur="700">
+        <p:fade/>
+      </p:transition>
+    </mc:Choice>
+    <mc:Fallback xmlns="">
+      <p:transition spd="med">
+        <p:fade/>
+      </p:transition>
+    </mc:Fallback>
+  </mc:AlternateContent>
+</p:sld>
+</file>
+
+<file path=ppt/slides/slide64.xml><?xml version="1.0" encoding="utf-8"?>
+<p:sld xmlns:a="http://schemas.openxmlformats.org/drawingml/2006/main" xmlns:r="http://schemas.openxmlformats.org/officeDocument/2006/relationships" xmlns:p="http://schemas.openxmlformats.org/presentationml/2006/main">
+  <p:cSld>
+    <p:spTree>
+      <p:nvGrpSpPr>
+        <p:cNvPr id="1" name=""/>
+        <p:cNvGrpSpPr/>
+        <p:nvPr/>
+      </p:nvGrpSpPr>
+      <p:grpSpPr>
+        <a:xfrm>
+          <a:off x="0" y="0"/>
+          <a:ext cx="0" cy="0"/>
+          <a:chOff x="0" y="0"/>
+          <a:chExt cx="0" cy="0"/>
+        </a:xfrm>
+      </p:grpSpPr>
+      <p:sp>
+        <p:nvSpPr>
+          <p:cNvPr id="2" name="Content Placeholder 1"/>
+          <p:cNvSpPr>
+            <a:spLocks noGrp="1"/>
+          </p:cNvSpPr>
+          <p:nvPr>
+            <p:ph idx="1"/>
+          </p:nvPr>
+        </p:nvSpPr>
+        <p:spPr/>
+        <p:txBody>
+          <a:bodyPr/>
+          <a:lstStyle/>
+          <a:p>
+            <a:endParaRPr lang="en-US" dirty="0"/>
+          </a:p>
+        </p:txBody>
+      </p:sp>
+      <p:sp>
+        <p:nvSpPr>
+          <p:cNvPr id="3" name="Title 2"/>
+          <p:cNvSpPr>
+            <a:spLocks noGrp="1"/>
+          </p:cNvSpPr>
+          <p:nvPr>
+            <p:ph type="title"/>
+          </p:nvPr>
+        </p:nvSpPr>
+        <p:spPr>
+          <a:xfrm>
+            <a:off x="1562100" y="365125"/>
+            <a:ext cx="9791700" cy="1325563"/>
+          </a:xfrm>
+        </p:spPr>
+        <p:txBody>
+          <a:bodyPr/>
+          <a:lstStyle/>
+          <a:p>
+            <a:r>
+              <a:rPr lang="en-US" altLang="en-US" dirty="0"/>
+              <a:t>Summary</a:t>
+            </a:r>
+            <a:endParaRPr lang="en-US" dirty="0"/>
+          </a:p>
+        </p:txBody>
+      </p:sp>
+    </p:spTree>
+    <p:extLst>
+      <p:ext uri="{BB962C8B-B14F-4D97-AF65-F5344CB8AC3E}">
+        <p14:creationId xmlns:p14="http://schemas.microsoft.com/office/powerpoint/2010/main" val="359033607"/>
+      </p:ext>
+    </p:extLst>
+  </p:cSld>
+  <p:clrMapOvr>
+    <a:masterClrMapping/>
+  </p:clrMapOvr>
+  <mc:AlternateContent xmlns:mc="http://schemas.openxmlformats.org/markup-compatibility/2006" xmlns:p14="http://schemas.microsoft.com/office/powerpoint/2010/main">
+    <mc:Choice Requires="p14">
+      <p:transition spd="med" p14:dur="700">
+        <p:fade/>
+      </p:transition>
+    </mc:Choice>
+    <mc:Fallback xmlns="">
+      <p:transition spd="med">
+        <p:fade/>
+      </p:transition>
+    </mc:Fallback>
+  </mc:AlternateContent>
+</p:sld>
+</file>
+
+<file path=ppt/slides/slide65.xml><?xml version="1.0" encoding="utf-8"?>
+<p:sld xmlns:a="http://schemas.openxmlformats.org/drawingml/2006/main" xmlns:r="http://schemas.openxmlformats.org/officeDocument/2006/relationships" xmlns:p="http://schemas.openxmlformats.org/presentationml/2006/main">
+  <p:cSld>
+    <p:spTree>
+      <p:nvGrpSpPr>
+        <p:cNvPr id="1" name=""/>
+        <p:cNvGrpSpPr/>
+        <p:nvPr/>
+      </p:nvGrpSpPr>
+      <p:grpSpPr>
+        <a:xfrm>
+          <a:off x="0" y="0"/>
+          <a:ext cx="0" cy="0"/>
+          <a:chOff x="0" y="0"/>
+          <a:chExt cx="0" cy="0"/>
+        </a:xfrm>
+      </p:grpSpPr>
+      <p:sp>
+        <p:nvSpPr>
+          <p:cNvPr id="2" name="Content Placeholder 1"/>
+          <p:cNvSpPr>
+            <a:spLocks noGrp="1"/>
+          </p:cNvSpPr>
+          <p:nvPr>
+            <p:ph idx="1"/>
+          </p:nvPr>
+        </p:nvSpPr>
+        <p:spPr/>
+        <p:txBody>
+          <a:bodyPr/>
+          <a:lstStyle/>
+          <a:p>
+            <a:endParaRPr lang="en-US"/>
+          </a:p>
+        </p:txBody>
+      </p:sp>
+      <p:sp>
+        <p:nvSpPr>
+          <p:cNvPr id="3" name="Title 2"/>
+          <p:cNvSpPr>
+            <a:spLocks noGrp="1"/>
+          </p:cNvSpPr>
+          <p:nvPr>
+            <p:ph type="title"/>
+          </p:nvPr>
+        </p:nvSpPr>
+        <p:spPr/>
+        <p:txBody>
+          <a:bodyPr/>
+          <a:lstStyle/>
+          <a:p>
+            <a:r>
+              <a:rPr lang="en-US" altLang="en-US" dirty="0"/>
+              <a:t>Future Work</a:t>
+            </a:r>
+            <a:endParaRPr lang="en-US" dirty="0"/>
+          </a:p>
+        </p:txBody>
+      </p:sp>
+    </p:spTree>
+    <p:extLst>
+      <p:ext uri="{BB962C8B-B14F-4D97-AF65-F5344CB8AC3E}">
+        <p14:creationId xmlns:p14="http://schemas.microsoft.com/office/powerpoint/2010/main" val="1569281403"/>
+      </p:ext>
+    </p:extLst>
+  </p:cSld>
+  <p:clrMapOvr>
+    <a:masterClrMapping/>
+  </p:clrMapOvr>
+  <mc:AlternateContent xmlns:mc="http://schemas.openxmlformats.org/markup-compatibility/2006" xmlns:p14="http://schemas.microsoft.com/office/powerpoint/2010/main">
+    <mc:Choice Requires="p14">
+      <p:transition spd="med" p14:dur="700">
+        <p:fade/>
+      </p:transition>
+    </mc:Choice>
+    <mc:Fallback xmlns="">
+      <p:transition spd="med">
+        <p:fade/>
+      </p:transition>
+    </mc:Fallback>
+  </mc:AlternateContent>
+</p:sld>
+</file>
+
 <file path=ppt/slides/slide7.xml><?xml version="1.0" encoding="utf-8"?>
 <p:sld xmlns:a="http://schemas.openxmlformats.org/drawingml/2006/main" xmlns:r="http://schemas.openxmlformats.org/officeDocument/2006/relationships" xmlns:p="http://schemas.openxmlformats.org/presentationml/2006/main">
   <p:cSld>
@@ -12969,71 +14526,83 @@
           <a:lstStyle/>
           <a:p>
             <a:r>
-              <a:rPr lang="en-US" dirty="0" smtClean="0"/>
-              <a:t>A resume – job matching system</a:t>
-            </a:r>
-          </a:p>
-          <a:p>
-            <a:r>
-              <a:rPr lang="en-US" dirty="0" smtClean="0"/>
+              <a:rPr lang="en-US" sz="3200" dirty="0" smtClean="0"/>
+              <a:t>A </a:t>
+            </a:r>
+            <a:r>
+              <a:rPr lang="en-US" sz="3200" dirty="0" smtClean="0"/>
+              <a:t>résumé </a:t>
+            </a:r>
+            <a:r>
+              <a:rPr lang="en-US" sz="3200" dirty="0" smtClean="0"/>
+              <a:t>– </a:t>
+            </a:r>
+            <a:r>
+              <a:rPr lang="en-US" sz="3200" dirty="0" smtClean="0"/>
+              <a:t>job matching system</a:t>
+            </a:r>
+          </a:p>
+          <a:p>
+            <a:r>
+              <a:rPr lang="en-US" sz="3200" dirty="0" smtClean="0"/>
               <a:t>A finite </a:t>
             </a:r>
             <a:r>
-              <a:rPr lang="en-US" dirty="0"/>
+              <a:rPr lang="en-US" sz="3200" dirty="0"/>
               <a:t>state transducer based </a:t>
             </a:r>
             <a:r>
-              <a:rPr lang="en-US" dirty="0" smtClean="0"/>
+              <a:rPr lang="en-US" sz="3200" dirty="0" smtClean="0"/>
               <a:t>tool for information extraction</a:t>
             </a:r>
           </a:p>
           <a:p>
             <a:r>
-              <a:rPr lang="en-US" dirty="0" smtClean="0"/>
+              <a:rPr lang="en-US" sz="3200" dirty="0" smtClean="0"/>
               <a:t>A </a:t>
             </a:r>
             <a:r>
-              <a:rPr lang="en-US" dirty="0"/>
+              <a:rPr lang="en-US" sz="3200" dirty="0"/>
               <a:t>semi-automatic </a:t>
             </a:r>
             <a:r>
-              <a:rPr lang="en-US" dirty="0" smtClean="0"/>
+              <a:rPr lang="en-US" sz="3200" dirty="0" smtClean="0"/>
               <a:t>approach to collect </a:t>
             </a:r>
             <a:r>
-              <a:rPr lang="en-US" dirty="0"/>
+              <a:rPr lang="en-US" sz="3200" dirty="0"/>
               <a:t>technical </a:t>
             </a:r>
             <a:r>
-              <a:rPr lang="en-US" dirty="0" smtClean="0"/>
+              <a:rPr lang="en-US" sz="3200" dirty="0" smtClean="0"/>
               <a:t>terms</a:t>
             </a:r>
           </a:p>
           <a:p>
             <a:r>
-              <a:rPr lang="en-US" dirty="0" smtClean="0"/>
+              <a:rPr lang="en-US" sz="3200" dirty="0" smtClean="0"/>
               <a:t>A statistical-based </a:t>
             </a:r>
             <a:r>
-              <a:rPr lang="en-US" dirty="0"/>
+              <a:rPr lang="en-US" sz="3200" dirty="0"/>
               <a:t>ontology similarity </a:t>
             </a:r>
             <a:r>
-              <a:rPr lang="en-US" dirty="0" smtClean="0"/>
+              <a:rPr lang="en-US" sz="3200" dirty="0" smtClean="0"/>
               <a:t>measure</a:t>
             </a:r>
           </a:p>
           <a:p>
             <a:r>
-              <a:rPr lang="en-US" dirty="0" smtClean="0"/>
+              <a:rPr lang="en-US" sz="3200" dirty="0" smtClean="0"/>
               <a:t>Combined keyword </a:t>
             </a:r>
             <a:r>
-              <a:rPr lang="en-US" dirty="0"/>
+              <a:rPr lang="en-US" sz="3200" dirty="0"/>
               <a:t>searching and </a:t>
             </a:r>
             <a:r>
-              <a:rPr lang="en-US" dirty="0" smtClean="0"/>
+              <a:rPr lang="en-US" sz="3200" dirty="0" smtClean="0"/>
               <a:t>model matching</a:t>
             </a:r>
           </a:p>
@@ -13125,9 +14694,16 @@
             <p:ph idx="1"/>
           </p:nvPr>
         </p:nvSpPr>
-        <p:spPr/>
-        <p:txBody>
-          <a:bodyPr/>
+        <p:spPr>
+          <a:xfrm>
+            <a:off x="1562100" y="1690688"/>
+            <a:ext cx="9791700" cy="4351338"/>
+          </a:xfrm>
+        </p:spPr>
+        <p:txBody>
+          <a:bodyPr>
+            <a:normAutofit lnSpcReduction="10000"/>
+          </a:bodyPr>
           <a:lstStyle/>
           <a:p>
             <a:r>
@@ -13143,8 +14719,12 @@
           <a:p>
             <a:pPr lvl="1"/>
             <a:r>
+              <a:rPr lang="en-US" sz="2800" dirty="0" smtClean="0"/>
+              <a:t>Suggesting </a:t>
+            </a:r>
+            <a:r>
               <a:rPr lang="en-US" sz="2800" dirty="0"/>
-              <a:t>suggest items that have similar content information to </a:t>
+              <a:t>items that have similar content information to </a:t>
             </a:r>
             <a:r>
               <a:rPr lang="en-US" sz="2800" dirty="0" smtClean="0"/>
@@ -13154,32 +14734,68 @@
           <a:p>
             <a:r>
               <a:rPr lang="en-US" dirty="0"/>
-              <a:t>Knowledge-based Recommendation (KBR)</a:t>
-            </a:r>
+              <a:t>Collaborative Filtering Recommendation (CFR). </a:t>
+            </a:r>
+            <a:endParaRPr lang="en-US" dirty="0" smtClean="0"/>
           </a:p>
           <a:p>
             <a:pPr lvl="1"/>
             <a:r>
+              <a:rPr lang="en-US" dirty="0" smtClean="0"/>
+              <a:t>Finding </a:t>
+            </a:r>
+            <a:r>
               <a:rPr lang="en-US" dirty="0"/>
-              <a:t>rules and patterns obtained from the functional knowledge of how a specific item meets the requirement of a particular </a:t>
-            </a:r>
-            <a:r>
-              <a:rPr lang="en-US" dirty="0" smtClean="0"/>
-              <a:t>user</a:t>
-            </a:r>
-          </a:p>
-          <a:p>
+              <a:t>similar users who have the same taste with the target user </a:t>
+            </a:r>
+            <a:r>
+              <a:rPr lang="en-US" dirty="0" smtClean="0"/>
+              <a:t>and recommends </a:t>
+            </a:r>
             <a:r>
               <a:rPr lang="en-US" dirty="0"/>
-              <a:t>Knowledge-based Recommendation (KBR)</a:t>
+              <a:t>items based on what the similar </a:t>
+            </a:r>
+            <a:r>
+              <a:rPr lang="en-US" dirty="0" smtClean="0"/>
+              <a:t>users</a:t>
+            </a:r>
+          </a:p>
+          <a:p>
+            <a:r>
+              <a:rPr lang="en-US" dirty="0" smtClean="0"/>
+              <a:t>Knowledge-based </a:t>
+            </a:r>
+            <a:r>
+              <a:rPr lang="en-US" dirty="0"/>
+              <a:t>Recommendation (KBR)</a:t>
             </a:r>
           </a:p>
           <a:p>
             <a:pPr lvl="1"/>
             <a:r>
+              <a:rPr lang="en-US" dirty="0" smtClean="0"/>
+              <a:t>Rules </a:t>
+            </a:r>
+            <a:r>
               <a:rPr lang="en-US" dirty="0"/>
-              <a:t>rules and patterns obtained from the functional knowledge of how a specific item meets the requirement of a particular user</a:t>
-            </a:r>
+              <a:t>and patterns obtained from the functional knowledge of how a specific item meets the requirement of a particular </a:t>
+            </a:r>
+            <a:r>
+              <a:rPr lang="en-US" dirty="0" smtClean="0"/>
+              <a:t>use</a:t>
+            </a:r>
+          </a:p>
+          <a:p>
+            <a:r>
+              <a:rPr lang="en-US" dirty="0" smtClean="0"/>
+              <a:t>Hybrid </a:t>
+            </a:r>
+            <a:r>
+              <a:rPr lang="en-US" dirty="0"/>
+              <a:t>Recommendation </a:t>
+            </a:r>
+            <a:endParaRPr lang="en-US" dirty="0"/>
           </a:p>
           <a:p>
             <a:pPr lvl="1"/>
@@ -13281,20 +14897,67 @@
           <a:p>
             <a:r>
               <a:rPr lang="en-US" dirty="0" smtClean="0"/>
-              <a:t>CASPER  ACF </a:t>
-            </a:r>
-          </a:p>
-          <a:p>
-            <a:r>
-              <a:rPr lang="en-US" dirty="0" smtClean="0"/>
-              <a:t>PROSPECT</a:t>
-            </a:r>
-          </a:p>
-          <a:p>
-            <a:r>
-              <a:rPr lang="en-US" dirty="0" smtClean="0"/>
-              <a:t>…  </a:t>
-            </a:r>
+              <a:t>CASPER  (Rafter et. Al. 2000)</a:t>
+            </a:r>
+          </a:p>
+          <a:p>
+            <a:r>
+              <a:rPr lang="en-US" dirty="0" smtClean="0"/>
+              <a:t>Collaborative </a:t>
+            </a:r>
+            <a:r>
+              <a:rPr lang="en-US" dirty="0"/>
+              <a:t>Filtering </a:t>
+            </a:r>
+            <a:r>
+              <a:rPr lang="en-US" dirty="0" smtClean="0"/>
+              <a:t>Recommendation </a:t>
+            </a:r>
+            <a:r>
+              <a:rPr lang="zh-CN" altLang="en-US" dirty="0"/>
+              <a:t> </a:t>
+            </a:r>
+            <a:r>
+              <a:rPr lang="en-US" altLang="zh-CN" dirty="0" smtClean="0"/>
+              <a:t>(CFR)</a:t>
+            </a:r>
+          </a:p>
+          <a:p>
+            <a:r>
+              <a:rPr lang="en-US" altLang="zh-CN" dirty="0" smtClean="0"/>
+              <a:t>Monitor users’ behavior</a:t>
+            </a:r>
+          </a:p>
+          <a:p>
+            <a:r>
+              <a:rPr lang="en-US" dirty="0" smtClean="0"/>
+              <a:t>Get User’s profile from server-log:  </a:t>
+            </a:r>
+          </a:p>
+          <a:p>
+            <a:pPr lvl="1"/>
+            <a:r>
+              <a:rPr lang="en-US" dirty="0" smtClean="0"/>
+              <a:t>Revisit data </a:t>
+            </a:r>
+          </a:p>
+          <a:p>
+            <a:pPr lvl="1"/>
+            <a:r>
+              <a:rPr lang="en-US" dirty="0" smtClean="0"/>
+              <a:t>Read time data</a:t>
+            </a:r>
+          </a:p>
+          <a:p>
+            <a:pPr lvl="1"/>
+            <a:r>
+              <a:rPr lang="en-US" dirty="0" smtClean="0"/>
+              <a:t>Activity data</a:t>
+            </a:r>
+          </a:p>
+          <a:p>
+            <a:pPr lvl="1"/>
+            <a:endParaRPr lang="en-US" dirty="0" smtClean="0"/>
           </a:p>
           <a:p>
             <a:endParaRPr lang="en-US" dirty="0" smtClean="0"/>
@@ -13329,9 +14992,12 @@
           <a:p>
             <a:r>
               <a:rPr lang="en-US" dirty="0" smtClean="0"/>
-              <a:t>Previous work</a:t>
-            </a:r>
-            <a:endParaRPr lang="en-US" dirty="0"/>
+              <a:t>Previous </a:t>
+            </a:r>
+            <a:r>
+              <a:rPr lang="en-US" dirty="0"/>
+              <a:t>work -- CASPER </a:t>
+            </a:r>
           </a:p>
         </p:txBody>
       </p:sp>
